--- a/3조_프로젝트2.pptx
+++ b/3조_프로젝트2.pptx
@@ -7166,15 +7166,6 @@
                         </a:rPr>
                         <a:t>1</a:t>
                       </a:r>
-                      <a:endParaRPr kumimoji="0" lang="en-US" altLang="ko-KR" sz="1500" b="0" i="0" u="none" strike="noStrike" cap="none" normalizeH="0" baseline="0">
-                        <a:solidFill>
-                          <a:schemeClr val="tx1"/>
-                        </a:solidFill>
-                        <a:effectLst/>
-                        <a:latin typeface="나눔바른고딕"/>
-                        <a:ea typeface="나눔바른고딕"/>
-                        <a:cs typeface="+mn-cs"/>
-                      </a:endParaRPr>
                     </a:p>
                   </a:txBody>
                   <a:tcPr marL="68580" marR="68580" marT="25718" marB="25718" horzOverflow="overflow">
@@ -7393,15 +7384,6 @@
                         </a:rPr>
                         <a:t>2</a:t>
                       </a:r>
-                      <a:endParaRPr kumimoji="0" lang="en-US" altLang="ko-KR" sz="1500" b="0" i="0" u="none" strike="noStrike" cap="none" normalizeH="0" baseline="0">
-                        <a:solidFill>
-                          <a:schemeClr val="tx1"/>
-                        </a:solidFill>
-                        <a:effectLst/>
-                        <a:latin typeface="나눔바른고딕"/>
-                        <a:ea typeface="나눔바른고딕"/>
-                        <a:cs typeface="+mn-cs"/>
-                      </a:endParaRPr>
                     </a:p>
                   </a:txBody>
                   <a:tcPr marL="68580" marR="68580" marT="25718" marB="25718" horzOverflow="overflow">
@@ -7620,15 +7602,6 @@
                         </a:rPr>
                         <a:t>3</a:t>
                       </a:r>
-                      <a:endParaRPr kumimoji="0" lang="en-US" altLang="ko-KR" sz="1500" b="0" i="0" u="none" strike="noStrike" cap="none" normalizeH="0" baseline="0" dirty="0">
-                        <a:solidFill>
-                          <a:schemeClr val="tx1"/>
-                        </a:solidFill>
-                        <a:effectLst/>
-                        <a:latin typeface="나눔바른고딕"/>
-                        <a:ea typeface="나눔바른고딕"/>
-                        <a:cs typeface="+mn-cs"/>
-                      </a:endParaRPr>
                     </a:p>
                   </a:txBody>
                   <a:tcPr marL="68580" marR="68580" marT="25718" marB="25718" horzOverflow="overflow">
@@ -7847,15 +7820,6 @@
                         </a:rPr>
                         <a:t>4</a:t>
                       </a:r>
-                      <a:endParaRPr kumimoji="0" lang="en-US" altLang="ko-KR" sz="1500" b="0" i="0" u="none" strike="noStrike" cap="none" normalizeH="0" baseline="0">
-                        <a:solidFill>
-                          <a:srgbClr val="0070C0"/>
-                        </a:solidFill>
-                        <a:effectLst/>
-                        <a:latin typeface="나눔바른고딕"/>
-                        <a:ea typeface="나눔바른고딕"/>
-                        <a:cs typeface="+mn-cs"/>
-                      </a:endParaRPr>
                     </a:p>
                   </a:txBody>
                   <a:tcPr marL="68580" marR="68580" marT="25718" marB="25718" horzOverflow="overflow">
@@ -7951,15 +7915,6 @@
                         </a:rPr>
                         <a:t>5</a:t>
                       </a:r>
-                      <a:endParaRPr kumimoji="0" lang="en-US" altLang="ko-KR" sz="1500" b="0" i="0" u="none" strike="noStrike" cap="none" normalizeH="0" baseline="0">
-                        <a:solidFill>
-                          <a:srgbClr val="FF0000"/>
-                        </a:solidFill>
-                        <a:effectLst/>
-                        <a:latin typeface="나눔바른고딕"/>
-                        <a:ea typeface="나눔바른고딕"/>
-                        <a:cs typeface="+mn-cs"/>
-                      </a:endParaRPr>
                     </a:p>
                   </a:txBody>
                   <a:tcPr marL="68580" marR="68580" marT="25718" marB="25718" horzOverflow="overflow">
@@ -8048,15 +8003,6 @@
                         </a:rPr>
                         <a:t>6</a:t>
                       </a:r>
-                      <a:endParaRPr kumimoji="0" lang="en-US" altLang="ko-KR" sz="1500" b="0" i="0" u="none" strike="noStrike" cap="none" normalizeH="0" baseline="0">
-                        <a:solidFill>
-                          <a:schemeClr val="tx1"/>
-                        </a:solidFill>
-                        <a:effectLst/>
-                        <a:latin typeface="나눔바른고딕"/>
-                        <a:ea typeface="나눔바른고딕"/>
-                        <a:cs typeface="+mn-cs"/>
-                      </a:endParaRPr>
                     </a:p>
                   </a:txBody>
                   <a:tcPr marL="68580" marR="68580" marT="25718" marB="25718" horzOverflow="overflow">
@@ -10642,6 +10588,144 @@
           </a:graphicData>
         </a:graphic>
       </p:graphicFrame>
+      <p:sp>
+        <p:nvSpPr>
+          <p:cNvPr id="2" name="TextBox 1"/>
+          <p:cNvSpPr txBox="1"/>
+          <p:nvPr/>
+        </p:nvSpPr>
+        <p:spPr>
+          <a:xfrm>
+            <a:off x="5257800" y="1466928"/>
+            <a:ext cx="2971800" cy="923330"/>
+          </a:xfrm>
+          <a:prstGeom prst="rect">
+            <a:avLst/>
+          </a:prstGeom>
+          <a:noFill/>
+        </p:spPr>
+        <p:txBody>
+          <a:bodyPr wrap="square" rtlCol="0">
+            <a:spAutoFit/>
+          </a:bodyPr>
+          <a:lstStyle/>
+          <a:p>
+            <a:r>
+              <a:rPr lang="en-US" altLang="ko-KR" sz="5400" smtClean="0">
+                <a:latin typeface="-윤고딕350" panose="02030504000101010101" pitchFamily="18" charset="-127"/>
+                <a:ea typeface="-윤고딕350" panose="02030504000101010101" pitchFamily="18" charset="-127"/>
+              </a:rPr>
+              <a:t>2022.06</a:t>
+            </a:r>
+            <a:endParaRPr lang="ko-KR" altLang="en-US" sz="5400">
+              <a:latin typeface="-윤고딕350" panose="02030504000101010101" pitchFamily="18" charset="-127"/>
+              <a:ea typeface="-윤고딕350" panose="02030504000101010101" pitchFamily="18" charset="-127"/>
+            </a:endParaRPr>
+          </a:p>
+        </p:txBody>
+      </p:sp>
+      <p:sp>
+        <p:nvSpPr>
+          <p:cNvPr id="3" name="모서리가 둥근 직사각형 2"/>
+          <p:cNvSpPr/>
+          <p:nvPr/>
+        </p:nvSpPr>
+        <p:spPr>
+          <a:xfrm>
+            <a:off x="2400300" y="7429500"/>
+            <a:ext cx="8305800" cy="304800"/>
+          </a:xfrm>
+          <a:prstGeom prst="roundRect">
+            <a:avLst/>
+          </a:prstGeom>
+          <a:solidFill>
+            <a:schemeClr val="tx2">
+              <a:lumMod val="20000"/>
+              <a:lumOff val="80000"/>
+            </a:schemeClr>
+          </a:solidFill>
+          <a:ln>
+            <a:solidFill>
+              <a:srgbClr val="002060"/>
+            </a:solidFill>
+          </a:ln>
+        </p:spPr>
+        <p:style>
+          <a:lnRef idx="2">
+            <a:schemeClr val="accent1">
+              <a:shade val="50000"/>
+            </a:schemeClr>
+          </a:lnRef>
+          <a:fillRef idx="1">
+            <a:schemeClr val="accent1"/>
+          </a:fillRef>
+          <a:effectRef idx="0">
+            <a:schemeClr val="accent1"/>
+          </a:effectRef>
+          <a:fontRef idx="minor">
+            <a:schemeClr val="lt1"/>
+          </a:fontRef>
+        </p:style>
+        <p:txBody>
+          <a:bodyPr rtlCol="0" anchor="ctr"/>
+          <a:lstStyle/>
+          <a:p>
+            <a:pPr algn="ctr"/>
+            <a:endParaRPr lang="ko-KR" altLang="en-US"/>
+          </a:p>
+        </p:txBody>
+      </p:sp>
+      <p:sp>
+        <p:nvSpPr>
+          <p:cNvPr id="11" name="모서리가 둥근 직사각형 10"/>
+          <p:cNvSpPr/>
+          <p:nvPr/>
+        </p:nvSpPr>
+        <p:spPr>
+          <a:xfrm>
+            <a:off x="2425700" y="8797435"/>
+            <a:ext cx="3200400" cy="307458"/>
+          </a:xfrm>
+          <a:prstGeom prst="roundRect">
+            <a:avLst/>
+          </a:prstGeom>
+          <a:solidFill>
+            <a:schemeClr val="tx2">
+              <a:lumMod val="20000"/>
+              <a:lumOff val="80000"/>
+            </a:schemeClr>
+          </a:solidFill>
+          <a:ln>
+            <a:solidFill>
+              <a:srgbClr val="002060"/>
+            </a:solidFill>
+          </a:ln>
+        </p:spPr>
+        <p:style>
+          <a:lnRef idx="2">
+            <a:schemeClr val="accent1">
+              <a:shade val="50000"/>
+            </a:schemeClr>
+          </a:lnRef>
+          <a:fillRef idx="1">
+            <a:schemeClr val="accent1"/>
+          </a:fillRef>
+          <a:effectRef idx="0">
+            <a:schemeClr val="accent1"/>
+          </a:effectRef>
+          <a:fontRef idx="minor">
+            <a:schemeClr val="lt1"/>
+          </a:fontRef>
+        </p:style>
+        <p:txBody>
+          <a:bodyPr rtlCol="0" anchor="ctr"/>
+          <a:lstStyle/>
+          <a:p>
+            <a:pPr algn="ctr"/>
+            <a:endParaRPr lang="ko-KR" altLang="en-US"/>
+          </a:p>
+        </p:txBody>
+      </p:sp>
     </p:spTree>
     <p:extLst>
       <p:ext uri="{BB962C8B-B14F-4D97-AF65-F5344CB8AC3E}">
@@ -10688,8 +10772,8 @@
         </p:nvGrpSpPr>
         <p:grpSpPr>
           <a:xfrm>
-            <a:off x="1063158" y="637116"/>
-            <a:ext cx="17297635" cy="622842"/>
+            <a:off x="1063159" y="637116"/>
+            <a:ext cx="16767642" cy="622842"/>
             <a:chOff x="1063158" y="637116"/>
             <a:chExt cx="17297635" cy="622842"/>
           </a:xfrm>
@@ -10833,43 +10917,6 @@
                 <a:cs typeface="Gmarket Sans Bold" pitchFamily="34" charset="0"/>
               </a:rPr>
               <a:t> You!</a:t>
-            </a:r>
-            <a:endParaRPr lang="en-US" dirty="0"/>
-          </a:p>
-        </p:txBody>
-      </p:sp>
-      <p:sp>
-        <p:nvSpPr>
-          <p:cNvPr id="3" name="Object 3"/>
-          <p:cNvSpPr txBox="1"/>
-          <p:nvPr/>
-        </p:nvSpPr>
-        <p:spPr>
-          <a:xfrm>
-            <a:off x="3884119" y="5944807"/>
-            <a:ext cx="7888107" cy="671266"/>
-          </a:xfrm>
-          <a:prstGeom prst="rect">
-            <a:avLst/>
-          </a:prstGeom>
-          <a:noFill/>
-        </p:spPr>
-        <p:txBody>
-          <a:bodyPr wrap="square" rtlCol="0" anchor="t">
-            <a:spAutoFit/>
-          </a:bodyPr>
-          <a:lstStyle/>
-          <a:p>
-            <a:pPr algn="r"/>
-            <a:r>
-              <a:rPr lang="en-US" sz="2500" kern="0" spc="-100" dirty="0" smtClean="0">
-                <a:solidFill>
-                  <a:srgbClr val="FFB352"/>
-                </a:solidFill>
-                <a:latin typeface="Gmarket Sans Bold" pitchFamily="34" charset="0"/>
-                <a:cs typeface="Gmarket Sans Bold" pitchFamily="34" charset="0"/>
-              </a:rPr>
-              <a:t>연락처 사이트주소 작성자 회사로고 등</a:t>
             </a:r>
             <a:endParaRPr lang="en-US" dirty="0"/>
           </a:p>

--- a/3조_프로젝트2.pptx
+++ b/3조_프로젝트2.pptx
@@ -10,12 +10,18 @@
     <p:sldId id="259" r:id="rId4"/>
     <p:sldId id="270" r:id="rId5"/>
     <p:sldId id="263" r:id="rId6"/>
-    <p:sldId id="271" r:id="rId7"/>
-    <p:sldId id="272" r:id="rId8"/>
-    <p:sldId id="273" r:id="rId9"/>
-    <p:sldId id="274" r:id="rId10"/>
-    <p:sldId id="275" r:id="rId11"/>
-    <p:sldId id="269" r:id="rId12"/>
+    <p:sldId id="277" r:id="rId7"/>
+    <p:sldId id="276" r:id="rId8"/>
+    <p:sldId id="279" r:id="rId9"/>
+    <p:sldId id="278" r:id="rId10"/>
+    <p:sldId id="281" r:id="rId11"/>
+    <p:sldId id="271" r:id="rId12"/>
+    <p:sldId id="272" r:id="rId13"/>
+    <p:sldId id="273" r:id="rId14"/>
+    <p:sldId id="274" r:id="rId15"/>
+    <p:sldId id="280" r:id="rId16"/>
+    <p:sldId id="275" r:id="rId17"/>
+    <p:sldId id="269" r:id="rId18"/>
   </p:sldIdLst>
   <p:sldSz cx="18288000" cy="10287000"/>
   <p:notesSz cx="10287000" cy="18288000"/>
@@ -314,7 +320,7 @@
           <a:p>
             <a:fld id="{F8166F1F-CE9B-4651-A6AA-CD717754106B}" type="datetimeFigureOut">
               <a:rPr lang="en-US" smtClean="0"/>
-              <a:t>6/19/2022</a:t>
+              <a:t>6/22/2022</a:t>
             </a:fld>
             <a:endParaRPr lang="en-US"/>
           </a:p>
@@ -479,7 +485,7 @@
           <a:p>
             <a:fld id="{A76116CE-C4A3-4A05-B2D7-7C2E9A889C0F}" type="datetimeFigureOut">
               <a:rPr lang="en-US" smtClean="0"/>
-              <a:t>6/19/2022</a:t>
+              <a:t>6/22/2022</a:t>
             </a:fld>
             <a:endParaRPr lang="en-US"/>
           </a:p>
@@ -654,7 +660,7 @@
           <a:p>
             <a:fld id="{A76116CE-C4A3-4A05-B2D7-7C2E9A889C0F}" type="datetimeFigureOut">
               <a:rPr lang="en-US" smtClean="0"/>
-              <a:t>6/19/2022</a:t>
+              <a:t>6/22/2022</a:t>
             </a:fld>
             <a:endParaRPr lang="en-US"/>
           </a:p>
@@ -821,7 +827,7 @@
           <a:p>
             <a:fld id="{A76116CE-C4A3-4A05-B2D7-7C2E9A889C0F}" type="datetimeFigureOut">
               <a:rPr lang="en-US" smtClean="0"/>
-              <a:t>6/19/2022</a:t>
+              <a:t>6/22/2022</a:t>
             </a:fld>
             <a:endParaRPr lang="en-US"/>
           </a:p>
@@ -1062,7 +1068,7 @@
           <a:p>
             <a:fld id="{A76116CE-C4A3-4A05-B2D7-7C2E9A889C0F}" type="datetimeFigureOut">
               <a:rPr lang="en-US" smtClean="0"/>
-              <a:t>6/19/2022</a:t>
+              <a:t>6/22/2022</a:t>
             </a:fld>
             <a:endParaRPr lang="en-US"/>
           </a:p>
@@ -1345,7 +1351,7 @@
           <a:p>
             <a:fld id="{A76116CE-C4A3-4A05-B2D7-7C2E9A889C0F}" type="datetimeFigureOut">
               <a:rPr lang="en-US" smtClean="0"/>
-              <a:t>6/19/2022</a:t>
+              <a:t>6/22/2022</a:t>
             </a:fld>
             <a:endParaRPr lang="en-US"/>
           </a:p>
@@ -1762,7 +1768,7 @@
           <a:p>
             <a:fld id="{A76116CE-C4A3-4A05-B2D7-7C2E9A889C0F}" type="datetimeFigureOut">
               <a:rPr lang="en-US" smtClean="0"/>
-              <a:t>6/19/2022</a:t>
+              <a:t>6/22/2022</a:t>
             </a:fld>
             <a:endParaRPr lang="en-US"/>
           </a:p>
@@ -1875,7 +1881,7 @@
           <a:p>
             <a:fld id="{A76116CE-C4A3-4A05-B2D7-7C2E9A889C0F}" type="datetimeFigureOut">
               <a:rPr lang="en-US" smtClean="0"/>
-              <a:t>6/19/2022</a:t>
+              <a:t>6/22/2022</a:t>
             </a:fld>
             <a:endParaRPr lang="en-US"/>
           </a:p>
@@ -1965,7 +1971,7 @@
           <a:p>
             <a:fld id="{A76116CE-C4A3-4A05-B2D7-7C2E9A889C0F}" type="datetimeFigureOut">
               <a:rPr lang="en-US" smtClean="0"/>
-              <a:t>6/19/2022</a:t>
+              <a:t>6/22/2022</a:t>
             </a:fld>
             <a:endParaRPr lang="en-US"/>
           </a:p>
@@ -2237,7 +2243,7 @@
           <a:p>
             <a:fld id="{A76116CE-C4A3-4A05-B2D7-7C2E9A889C0F}" type="datetimeFigureOut">
               <a:rPr lang="en-US" smtClean="0"/>
-              <a:t>6/19/2022</a:t>
+              <a:t>6/22/2022</a:t>
             </a:fld>
             <a:endParaRPr lang="en-US"/>
           </a:p>
@@ -2485,7 +2491,7 @@
           <a:p>
             <a:fld id="{A76116CE-C4A3-4A05-B2D7-7C2E9A889C0F}" type="datetimeFigureOut">
               <a:rPr lang="en-US" smtClean="0"/>
-              <a:t>6/19/2022</a:t>
+              <a:t>6/22/2022</a:t>
             </a:fld>
             <a:endParaRPr lang="en-US"/>
           </a:p>
@@ -2693,7 +2699,7 @@
           <a:p>
             <a:fld id="{F8166F1F-CE9B-4651-A6AA-CD717754106B}" type="datetimeFigureOut">
               <a:rPr lang="en-US" smtClean="0"/>
-              <a:t>6/19/2022</a:t>
+              <a:t>6/22/2022</a:t>
             </a:fld>
             <a:endParaRPr lang="en-US"/>
           </a:p>
@@ -3401,6 +3407,1107 @@
           <a:lstStyle/>
           <a:p>
             <a:r>
+              <a:rPr lang="ko-KR" altLang="en-US" sz="2800" smtClean="0">
+                <a:solidFill>
+                  <a:schemeClr val="bg1"/>
+                </a:solidFill>
+                <a:latin typeface="-윤고딕330" panose="02030504000101010101" pitchFamily="18" charset="-127"/>
+                <a:ea typeface="-윤고딕330" panose="02030504000101010101" pitchFamily="18" charset="-127"/>
+              </a:rPr>
+              <a:t>설계 구조</a:t>
+            </a:r>
+            <a:endParaRPr lang="en-US" sz="2800" dirty="0">
+              <a:solidFill>
+                <a:schemeClr val="bg1"/>
+              </a:solidFill>
+              <a:latin typeface="-윤고딕330" panose="02030504000101010101" pitchFamily="18" charset="-127"/>
+              <a:ea typeface="-윤고딕330" panose="02030504000101010101" pitchFamily="18" charset="-127"/>
+            </a:endParaRPr>
+          </a:p>
+        </p:txBody>
+      </p:sp>
+      <p:grpSp>
+        <p:nvGrpSpPr>
+          <p:cNvPr id="8" name="그룹 1005"/>
+          <p:cNvGrpSpPr/>
+          <p:nvPr/>
+        </p:nvGrpSpPr>
+        <p:grpSpPr>
+          <a:xfrm>
+            <a:off x="414000" y="378000"/>
+            <a:ext cx="860400" cy="1029600"/>
+            <a:chOff x="9919704" y="3437184"/>
+            <a:chExt cx="2282669" cy="2735570"/>
+          </a:xfrm>
+        </p:grpSpPr>
+        <p:pic>
+          <p:nvPicPr>
+            <p:cNvPr id="9" name="Object 24"/>
+            <p:cNvPicPr>
+              <a:picLocks noChangeAspect="1"/>
+            </p:cNvPicPr>
+            <p:nvPr/>
+          </p:nvPicPr>
+          <p:blipFill>
+            <a:blip r:embed="rId3" cstate="print"/>
+            <a:stretch>
+              <a:fillRect/>
+            </a:stretch>
+          </p:blipFill>
+          <p:spPr>
+            <a:xfrm>
+              <a:off x="9919704" y="3437184"/>
+              <a:ext cx="2282669" cy="2735570"/>
+            </a:xfrm>
+            <a:prstGeom prst="rect">
+              <a:avLst/>
+            </a:prstGeom>
+          </p:spPr>
+        </p:pic>
+      </p:grpSp>
+      <p:pic>
+        <p:nvPicPr>
+          <p:cNvPr id="2" name="그림 1"/>
+          <p:cNvPicPr>
+            <a:picLocks noChangeAspect="1"/>
+          </p:cNvPicPr>
+          <p:nvPr/>
+        </p:nvPicPr>
+        <p:blipFill>
+          <a:blip r:embed="rId4">
+            <a:extLst>
+              <a:ext uri="{28A0092B-C50C-407E-A947-70E740481C1C}">
+                <a14:useLocalDpi xmlns:a14="http://schemas.microsoft.com/office/drawing/2010/main" val="0"/>
+              </a:ext>
+            </a:extLst>
+          </a:blip>
+          <a:stretch>
+            <a:fillRect/>
+          </a:stretch>
+        </p:blipFill>
+        <p:spPr>
+          <a:xfrm>
+            <a:off x="762000" y="5343462"/>
+            <a:ext cx="6657327" cy="1777610"/>
+          </a:xfrm>
+          <a:prstGeom prst="rect">
+            <a:avLst/>
+          </a:prstGeom>
+          <a:ln>
+            <a:solidFill>
+              <a:schemeClr val="tx1"/>
+            </a:solidFill>
+          </a:ln>
+        </p:spPr>
+      </p:pic>
+      <p:pic>
+        <p:nvPicPr>
+          <p:cNvPr id="3" name="그림 2"/>
+          <p:cNvPicPr>
+            <a:picLocks noChangeAspect="1"/>
+          </p:cNvPicPr>
+          <p:nvPr/>
+        </p:nvPicPr>
+        <p:blipFill>
+          <a:blip r:embed="rId5">
+            <a:extLst>
+              <a:ext uri="{28A0092B-C50C-407E-A947-70E740481C1C}">
+                <a14:useLocalDpi xmlns:a14="http://schemas.microsoft.com/office/drawing/2010/main" val="0"/>
+              </a:ext>
+            </a:extLst>
+          </a:blip>
+          <a:stretch>
+            <a:fillRect/>
+          </a:stretch>
+        </p:blipFill>
+        <p:spPr>
+          <a:xfrm>
+            <a:off x="7848600" y="7505700"/>
+            <a:ext cx="3078428" cy="1896415"/>
+          </a:xfrm>
+          <a:prstGeom prst="rect">
+            <a:avLst/>
+          </a:prstGeom>
+          <a:ln>
+            <a:solidFill>
+              <a:schemeClr val="tx1"/>
+            </a:solidFill>
+          </a:ln>
+        </p:spPr>
+      </p:pic>
+      <p:pic>
+        <p:nvPicPr>
+          <p:cNvPr id="4" name="그림 3"/>
+          <p:cNvPicPr>
+            <a:picLocks noChangeAspect="1"/>
+          </p:cNvPicPr>
+          <p:nvPr/>
+        </p:nvPicPr>
+        <p:blipFill>
+          <a:blip r:embed="rId6">
+            <a:extLst>
+              <a:ext uri="{28A0092B-C50C-407E-A947-70E740481C1C}">
+                <a14:useLocalDpi xmlns:a14="http://schemas.microsoft.com/office/drawing/2010/main" val="0"/>
+              </a:ext>
+            </a:extLst>
+          </a:blip>
+          <a:stretch>
+            <a:fillRect/>
+          </a:stretch>
+        </p:blipFill>
+        <p:spPr>
+          <a:xfrm>
+            <a:off x="6553200" y="2095500"/>
+            <a:ext cx="5222182" cy="1933578"/>
+          </a:xfrm>
+          <a:prstGeom prst="rect">
+            <a:avLst/>
+          </a:prstGeom>
+        </p:spPr>
+      </p:pic>
+      <p:pic>
+        <p:nvPicPr>
+          <p:cNvPr id="5" name="그림 4"/>
+          <p:cNvPicPr>
+            <a:picLocks noChangeAspect="1"/>
+          </p:cNvPicPr>
+          <p:nvPr/>
+        </p:nvPicPr>
+        <p:blipFill>
+          <a:blip r:embed="rId7">
+            <a:extLst>
+              <a:ext uri="{28A0092B-C50C-407E-A947-70E740481C1C}">
+                <a14:useLocalDpi xmlns:a14="http://schemas.microsoft.com/office/drawing/2010/main" val="0"/>
+              </a:ext>
+            </a:extLst>
+          </a:blip>
+          <a:stretch>
+            <a:fillRect/>
+          </a:stretch>
+        </p:blipFill>
+        <p:spPr>
+          <a:xfrm>
+            <a:off x="11180618" y="5250004"/>
+            <a:ext cx="6677892" cy="1753673"/>
+          </a:xfrm>
+          <a:prstGeom prst="rect">
+            <a:avLst/>
+          </a:prstGeom>
+          <a:ln>
+            <a:solidFill>
+              <a:schemeClr val="tx1"/>
+            </a:solidFill>
+          </a:ln>
+        </p:spPr>
+      </p:pic>
+    </p:spTree>
+    <p:extLst>
+      <p:ext uri="{BB962C8B-B14F-4D97-AF65-F5344CB8AC3E}">
+        <p14:creationId xmlns:p14="http://schemas.microsoft.com/office/powerpoint/2010/main" val="2806878811"/>
+      </p:ext>
+    </p:extLst>
+  </p:cSld>
+  <p:clrMapOvr>
+    <a:masterClrMapping/>
+  </p:clrMapOvr>
+  <p:timing>
+    <p:tnLst>
+      <p:par>
+        <p:cTn id="1" dur="indefinite" restart="never" nodeType="tmRoot"/>
+      </p:par>
+    </p:tnLst>
+  </p:timing>
+</p:sld>
+</file>
+
+<file path=ppt/slides/slide11.xml><?xml version="1.0" encoding="utf-8"?>
+<p:sld xmlns:a="http://schemas.openxmlformats.org/drawingml/2006/main" xmlns:r="http://schemas.openxmlformats.org/officeDocument/2006/relationships" xmlns:p="http://schemas.openxmlformats.org/presentationml/2006/main">
+  <p:cSld>
+    <p:spTree>
+      <p:nvGrpSpPr>
+        <p:cNvPr id="1" name=""/>
+        <p:cNvGrpSpPr/>
+        <p:nvPr/>
+      </p:nvGrpSpPr>
+      <p:grpSpPr>
+        <a:xfrm>
+          <a:off x="0" y="0"/>
+          <a:ext cx="0" cy="0"/>
+          <a:chOff x="0" y="0"/>
+          <a:chExt cx="0" cy="0"/>
+        </a:xfrm>
+      </p:grpSpPr>
+      <p:grpSp>
+        <p:nvGrpSpPr>
+          <p:cNvPr id="1002" name="그룹 1002"/>
+          <p:cNvGrpSpPr/>
+          <p:nvPr/>
+        </p:nvGrpSpPr>
+        <p:grpSpPr>
+          <a:xfrm>
+            <a:off x="1063159" y="637116"/>
+            <a:ext cx="16767642" cy="622842"/>
+            <a:chOff x="1063158" y="637116"/>
+            <a:chExt cx="17297635" cy="622842"/>
+          </a:xfrm>
+        </p:grpSpPr>
+        <p:pic>
+          <p:nvPicPr>
+            <p:cNvPr id="6" name="Object 5"/>
+            <p:cNvPicPr>
+              <a:picLocks noChangeAspect="1"/>
+            </p:cNvPicPr>
+            <p:nvPr/>
+          </p:nvPicPr>
+          <p:blipFill>
+            <a:blip r:embed="rId2" cstate="print"/>
+            <a:stretch>
+              <a:fillRect/>
+            </a:stretch>
+          </p:blipFill>
+          <p:spPr>
+            <a:xfrm>
+              <a:off x="1063158" y="637116"/>
+              <a:ext cx="17297635" cy="622842"/>
+            </a:xfrm>
+            <a:prstGeom prst="rect">
+              <a:avLst/>
+            </a:prstGeom>
+          </p:spPr>
+        </p:pic>
+      </p:grpSp>
+      <p:sp>
+        <p:nvSpPr>
+          <p:cNvPr id="7" name="Object 8"/>
+          <p:cNvSpPr txBox="1"/>
+          <p:nvPr/>
+        </p:nvSpPr>
+        <p:spPr>
+          <a:xfrm>
+            <a:off x="1524000" y="687972"/>
+            <a:ext cx="3172412" cy="523220"/>
+          </a:xfrm>
+          <a:prstGeom prst="rect">
+            <a:avLst/>
+          </a:prstGeom>
+          <a:noFill/>
+        </p:spPr>
+        <p:txBody>
+          <a:bodyPr wrap="square" rtlCol="0" anchor="t">
+            <a:spAutoFit/>
+          </a:bodyPr>
+          <a:lstStyle/>
+          <a:p>
+            <a:r>
+              <a:rPr lang="ko-KR" altLang="en-US" sz="2800" dirty="0" smtClean="0">
+                <a:solidFill>
+                  <a:schemeClr val="bg1"/>
+                </a:solidFill>
+                <a:latin typeface="-윤고딕330" panose="02030504000101010101" pitchFamily="18" charset="-127"/>
+                <a:ea typeface="-윤고딕330" panose="02030504000101010101" pitchFamily="18" charset="-127"/>
+              </a:rPr>
+              <a:t>주요 기능</a:t>
+            </a:r>
+            <a:endParaRPr lang="en-US" sz="2800" dirty="0">
+              <a:solidFill>
+                <a:schemeClr val="bg1"/>
+              </a:solidFill>
+              <a:latin typeface="-윤고딕330" panose="02030504000101010101" pitchFamily="18" charset="-127"/>
+              <a:ea typeface="-윤고딕330" panose="02030504000101010101" pitchFamily="18" charset="-127"/>
+            </a:endParaRPr>
+          </a:p>
+        </p:txBody>
+      </p:sp>
+      <p:grpSp>
+        <p:nvGrpSpPr>
+          <p:cNvPr id="8" name="그룹 1005"/>
+          <p:cNvGrpSpPr/>
+          <p:nvPr/>
+        </p:nvGrpSpPr>
+        <p:grpSpPr>
+          <a:xfrm>
+            <a:off x="414000" y="378000"/>
+            <a:ext cx="860400" cy="1029600"/>
+            <a:chOff x="9919704" y="3437184"/>
+            <a:chExt cx="2282669" cy="2735570"/>
+          </a:xfrm>
+        </p:grpSpPr>
+        <p:pic>
+          <p:nvPicPr>
+            <p:cNvPr id="9" name="Object 24"/>
+            <p:cNvPicPr>
+              <a:picLocks noChangeAspect="1"/>
+            </p:cNvPicPr>
+            <p:nvPr/>
+          </p:nvPicPr>
+          <p:blipFill>
+            <a:blip r:embed="rId3" cstate="print"/>
+            <a:stretch>
+              <a:fillRect/>
+            </a:stretch>
+          </p:blipFill>
+          <p:spPr>
+            <a:xfrm>
+              <a:off x="9919704" y="3437184"/>
+              <a:ext cx="2282669" cy="2735570"/>
+            </a:xfrm>
+            <a:prstGeom prst="rect">
+              <a:avLst/>
+            </a:prstGeom>
+          </p:spPr>
+        </p:pic>
+      </p:grpSp>
+      <p:pic>
+        <p:nvPicPr>
+          <p:cNvPr id="2" name="그림 1"/>
+          <p:cNvPicPr>
+            <a:picLocks noChangeAspect="1"/>
+          </p:cNvPicPr>
+          <p:nvPr/>
+        </p:nvPicPr>
+        <p:blipFill>
+          <a:blip r:embed="rId4"/>
+          <a:stretch>
+            <a:fillRect/>
+          </a:stretch>
+        </p:blipFill>
+        <p:spPr>
+          <a:xfrm>
+            <a:off x="1752600" y="3009900"/>
+            <a:ext cx="7242641" cy="4840558"/>
+          </a:xfrm>
+          <a:prstGeom prst="rect">
+            <a:avLst/>
+          </a:prstGeom>
+        </p:spPr>
+      </p:pic>
+    </p:spTree>
+    <p:extLst>
+      <p:ext uri="{BB962C8B-B14F-4D97-AF65-F5344CB8AC3E}">
+        <p14:creationId xmlns:p14="http://schemas.microsoft.com/office/powerpoint/2010/main" val="2291801705"/>
+      </p:ext>
+    </p:extLst>
+  </p:cSld>
+  <p:clrMapOvr>
+    <a:masterClrMapping/>
+  </p:clrMapOvr>
+  <p:timing>
+    <p:tnLst>
+      <p:par>
+        <p:cTn id="1" dur="indefinite" restart="never" nodeType="tmRoot"/>
+      </p:par>
+    </p:tnLst>
+  </p:timing>
+</p:sld>
+</file>
+
+<file path=ppt/slides/slide12.xml><?xml version="1.0" encoding="utf-8"?>
+<p:sld xmlns:a="http://schemas.openxmlformats.org/drawingml/2006/main" xmlns:r="http://schemas.openxmlformats.org/officeDocument/2006/relationships" xmlns:p="http://schemas.openxmlformats.org/presentationml/2006/main">
+  <p:cSld>
+    <p:spTree>
+      <p:nvGrpSpPr>
+        <p:cNvPr id="1" name=""/>
+        <p:cNvGrpSpPr/>
+        <p:nvPr/>
+      </p:nvGrpSpPr>
+      <p:grpSpPr>
+        <a:xfrm>
+          <a:off x="0" y="0"/>
+          <a:ext cx="0" cy="0"/>
+          <a:chOff x="0" y="0"/>
+          <a:chExt cx="0" cy="0"/>
+        </a:xfrm>
+      </p:grpSpPr>
+      <p:grpSp>
+        <p:nvGrpSpPr>
+          <p:cNvPr id="1002" name="그룹 1002"/>
+          <p:cNvGrpSpPr/>
+          <p:nvPr/>
+        </p:nvGrpSpPr>
+        <p:grpSpPr>
+          <a:xfrm>
+            <a:off x="1063159" y="637116"/>
+            <a:ext cx="16767642" cy="622842"/>
+            <a:chOff x="1063158" y="637116"/>
+            <a:chExt cx="17297635" cy="622842"/>
+          </a:xfrm>
+        </p:grpSpPr>
+        <p:pic>
+          <p:nvPicPr>
+            <p:cNvPr id="6" name="Object 5"/>
+            <p:cNvPicPr>
+              <a:picLocks noChangeAspect="1"/>
+            </p:cNvPicPr>
+            <p:nvPr/>
+          </p:nvPicPr>
+          <p:blipFill>
+            <a:blip r:embed="rId2" cstate="print"/>
+            <a:stretch>
+              <a:fillRect/>
+            </a:stretch>
+          </p:blipFill>
+          <p:spPr>
+            <a:xfrm>
+              <a:off x="1063158" y="637116"/>
+              <a:ext cx="17297635" cy="622842"/>
+            </a:xfrm>
+            <a:prstGeom prst="rect">
+              <a:avLst/>
+            </a:prstGeom>
+          </p:spPr>
+        </p:pic>
+      </p:grpSp>
+      <p:sp>
+        <p:nvSpPr>
+          <p:cNvPr id="7" name="Object 8"/>
+          <p:cNvSpPr txBox="1"/>
+          <p:nvPr/>
+        </p:nvSpPr>
+        <p:spPr>
+          <a:xfrm>
+            <a:off x="1524000" y="687972"/>
+            <a:ext cx="3172412" cy="523220"/>
+          </a:xfrm>
+          <a:prstGeom prst="rect">
+            <a:avLst/>
+          </a:prstGeom>
+          <a:noFill/>
+        </p:spPr>
+        <p:txBody>
+          <a:bodyPr wrap="square" rtlCol="0" anchor="t">
+            <a:spAutoFit/>
+          </a:bodyPr>
+          <a:lstStyle/>
+          <a:p>
+            <a:r>
+              <a:rPr lang="ko-KR" altLang="en-US" sz="2800" dirty="0" smtClean="0">
+                <a:solidFill>
+                  <a:schemeClr val="bg1"/>
+                </a:solidFill>
+                <a:latin typeface="-윤고딕330" panose="02030504000101010101" pitchFamily="18" charset="-127"/>
+                <a:ea typeface="-윤고딕330" panose="02030504000101010101" pitchFamily="18" charset="-127"/>
+              </a:rPr>
+              <a:t>주요 기능</a:t>
+            </a:r>
+            <a:endParaRPr lang="en-US" sz="2800" dirty="0">
+              <a:solidFill>
+                <a:schemeClr val="bg1"/>
+              </a:solidFill>
+              <a:latin typeface="-윤고딕330" panose="02030504000101010101" pitchFamily="18" charset="-127"/>
+              <a:ea typeface="-윤고딕330" panose="02030504000101010101" pitchFamily="18" charset="-127"/>
+            </a:endParaRPr>
+          </a:p>
+        </p:txBody>
+      </p:sp>
+      <p:grpSp>
+        <p:nvGrpSpPr>
+          <p:cNvPr id="8" name="그룹 1005"/>
+          <p:cNvGrpSpPr/>
+          <p:nvPr/>
+        </p:nvGrpSpPr>
+        <p:grpSpPr>
+          <a:xfrm>
+            <a:off x="414000" y="378000"/>
+            <a:ext cx="860400" cy="1029600"/>
+            <a:chOff x="9919704" y="3437184"/>
+            <a:chExt cx="2282669" cy="2735570"/>
+          </a:xfrm>
+        </p:grpSpPr>
+        <p:pic>
+          <p:nvPicPr>
+            <p:cNvPr id="9" name="Object 24"/>
+            <p:cNvPicPr>
+              <a:picLocks noChangeAspect="1"/>
+            </p:cNvPicPr>
+            <p:nvPr/>
+          </p:nvPicPr>
+          <p:blipFill>
+            <a:blip r:embed="rId3" cstate="print"/>
+            <a:stretch>
+              <a:fillRect/>
+            </a:stretch>
+          </p:blipFill>
+          <p:spPr>
+            <a:xfrm>
+              <a:off x="9919704" y="3437184"/>
+              <a:ext cx="2282669" cy="2735570"/>
+            </a:xfrm>
+            <a:prstGeom prst="rect">
+              <a:avLst/>
+            </a:prstGeom>
+          </p:spPr>
+        </p:pic>
+      </p:grpSp>
+    </p:spTree>
+    <p:extLst>
+      <p:ext uri="{BB962C8B-B14F-4D97-AF65-F5344CB8AC3E}">
+        <p14:creationId xmlns:p14="http://schemas.microsoft.com/office/powerpoint/2010/main" val="966149440"/>
+      </p:ext>
+    </p:extLst>
+  </p:cSld>
+  <p:clrMapOvr>
+    <a:masterClrMapping/>
+  </p:clrMapOvr>
+  <p:timing>
+    <p:tnLst>
+      <p:par>
+        <p:cTn id="1" dur="indefinite" restart="never" nodeType="tmRoot"/>
+      </p:par>
+    </p:tnLst>
+  </p:timing>
+</p:sld>
+</file>
+
+<file path=ppt/slides/slide13.xml><?xml version="1.0" encoding="utf-8"?>
+<p:sld xmlns:a="http://schemas.openxmlformats.org/drawingml/2006/main" xmlns:r="http://schemas.openxmlformats.org/officeDocument/2006/relationships" xmlns:p="http://schemas.openxmlformats.org/presentationml/2006/main">
+  <p:cSld>
+    <p:spTree>
+      <p:nvGrpSpPr>
+        <p:cNvPr id="1" name=""/>
+        <p:cNvGrpSpPr/>
+        <p:nvPr/>
+      </p:nvGrpSpPr>
+      <p:grpSpPr>
+        <a:xfrm>
+          <a:off x="0" y="0"/>
+          <a:ext cx="0" cy="0"/>
+          <a:chOff x="0" y="0"/>
+          <a:chExt cx="0" cy="0"/>
+        </a:xfrm>
+      </p:grpSpPr>
+      <p:grpSp>
+        <p:nvGrpSpPr>
+          <p:cNvPr id="1002" name="그룹 1002"/>
+          <p:cNvGrpSpPr/>
+          <p:nvPr/>
+        </p:nvGrpSpPr>
+        <p:grpSpPr>
+          <a:xfrm>
+            <a:off x="1063159" y="637116"/>
+            <a:ext cx="16767642" cy="622842"/>
+            <a:chOff x="1063158" y="637116"/>
+            <a:chExt cx="17297635" cy="622842"/>
+          </a:xfrm>
+        </p:grpSpPr>
+        <p:pic>
+          <p:nvPicPr>
+            <p:cNvPr id="6" name="Object 5"/>
+            <p:cNvPicPr>
+              <a:picLocks noChangeAspect="1"/>
+            </p:cNvPicPr>
+            <p:nvPr/>
+          </p:nvPicPr>
+          <p:blipFill>
+            <a:blip r:embed="rId2" cstate="print"/>
+            <a:stretch>
+              <a:fillRect/>
+            </a:stretch>
+          </p:blipFill>
+          <p:spPr>
+            <a:xfrm>
+              <a:off x="1063158" y="637116"/>
+              <a:ext cx="17297635" cy="622842"/>
+            </a:xfrm>
+            <a:prstGeom prst="rect">
+              <a:avLst/>
+            </a:prstGeom>
+          </p:spPr>
+        </p:pic>
+      </p:grpSp>
+      <p:sp>
+        <p:nvSpPr>
+          <p:cNvPr id="7" name="Object 8"/>
+          <p:cNvSpPr txBox="1"/>
+          <p:nvPr/>
+        </p:nvSpPr>
+        <p:spPr>
+          <a:xfrm>
+            <a:off x="1524000" y="687972"/>
+            <a:ext cx="3172412" cy="523220"/>
+          </a:xfrm>
+          <a:prstGeom prst="rect">
+            <a:avLst/>
+          </a:prstGeom>
+          <a:noFill/>
+        </p:spPr>
+        <p:txBody>
+          <a:bodyPr wrap="square" rtlCol="0" anchor="t">
+            <a:spAutoFit/>
+          </a:bodyPr>
+          <a:lstStyle/>
+          <a:p>
+            <a:r>
+              <a:rPr lang="ko-KR" altLang="en-US" sz="2800" dirty="0" smtClean="0">
+                <a:solidFill>
+                  <a:schemeClr val="bg1"/>
+                </a:solidFill>
+                <a:latin typeface="-윤고딕330" panose="02030504000101010101" pitchFamily="18" charset="-127"/>
+                <a:ea typeface="-윤고딕330" panose="02030504000101010101" pitchFamily="18" charset="-127"/>
+              </a:rPr>
+              <a:t>주요 기능</a:t>
+            </a:r>
+            <a:endParaRPr lang="en-US" sz="2800" dirty="0">
+              <a:solidFill>
+                <a:schemeClr val="bg1"/>
+              </a:solidFill>
+              <a:latin typeface="-윤고딕330" panose="02030504000101010101" pitchFamily="18" charset="-127"/>
+              <a:ea typeface="-윤고딕330" panose="02030504000101010101" pitchFamily="18" charset="-127"/>
+            </a:endParaRPr>
+          </a:p>
+        </p:txBody>
+      </p:sp>
+      <p:grpSp>
+        <p:nvGrpSpPr>
+          <p:cNvPr id="8" name="그룹 1005"/>
+          <p:cNvGrpSpPr/>
+          <p:nvPr/>
+        </p:nvGrpSpPr>
+        <p:grpSpPr>
+          <a:xfrm>
+            <a:off x="414000" y="378000"/>
+            <a:ext cx="860400" cy="1029600"/>
+            <a:chOff x="9919704" y="3437184"/>
+            <a:chExt cx="2282669" cy="2735570"/>
+          </a:xfrm>
+        </p:grpSpPr>
+        <p:pic>
+          <p:nvPicPr>
+            <p:cNvPr id="9" name="Object 24"/>
+            <p:cNvPicPr>
+              <a:picLocks noChangeAspect="1"/>
+            </p:cNvPicPr>
+            <p:nvPr/>
+          </p:nvPicPr>
+          <p:blipFill>
+            <a:blip r:embed="rId3" cstate="print"/>
+            <a:stretch>
+              <a:fillRect/>
+            </a:stretch>
+          </p:blipFill>
+          <p:spPr>
+            <a:xfrm>
+              <a:off x="9919704" y="3437184"/>
+              <a:ext cx="2282669" cy="2735570"/>
+            </a:xfrm>
+            <a:prstGeom prst="rect">
+              <a:avLst/>
+            </a:prstGeom>
+          </p:spPr>
+        </p:pic>
+      </p:grpSp>
+    </p:spTree>
+    <p:extLst>
+      <p:ext uri="{BB962C8B-B14F-4D97-AF65-F5344CB8AC3E}">
+        <p14:creationId xmlns:p14="http://schemas.microsoft.com/office/powerpoint/2010/main" val="2810818948"/>
+      </p:ext>
+    </p:extLst>
+  </p:cSld>
+  <p:clrMapOvr>
+    <a:masterClrMapping/>
+  </p:clrMapOvr>
+  <p:timing>
+    <p:tnLst>
+      <p:par>
+        <p:cTn id="1" dur="indefinite" restart="never" nodeType="tmRoot"/>
+      </p:par>
+    </p:tnLst>
+  </p:timing>
+</p:sld>
+</file>
+
+<file path=ppt/slides/slide14.xml><?xml version="1.0" encoding="utf-8"?>
+<p:sld xmlns:a="http://schemas.openxmlformats.org/drawingml/2006/main" xmlns:r="http://schemas.openxmlformats.org/officeDocument/2006/relationships" xmlns:p="http://schemas.openxmlformats.org/presentationml/2006/main">
+  <p:cSld>
+    <p:spTree>
+      <p:nvGrpSpPr>
+        <p:cNvPr id="1" name=""/>
+        <p:cNvGrpSpPr/>
+        <p:nvPr/>
+      </p:nvGrpSpPr>
+      <p:grpSpPr>
+        <a:xfrm>
+          <a:off x="0" y="0"/>
+          <a:ext cx="0" cy="0"/>
+          <a:chOff x="0" y="0"/>
+          <a:chExt cx="0" cy="0"/>
+        </a:xfrm>
+      </p:grpSpPr>
+      <p:grpSp>
+        <p:nvGrpSpPr>
+          <p:cNvPr id="1002" name="그룹 1002"/>
+          <p:cNvGrpSpPr/>
+          <p:nvPr/>
+        </p:nvGrpSpPr>
+        <p:grpSpPr>
+          <a:xfrm>
+            <a:off x="1063159" y="637116"/>
+            <a:ext cx="16767642" cy="622842"/>
+            <a:chOff x="1063158" y="637116"/>
+            <a:chExt cx="17297635" cy="622842"/>
+          </a:xfrm>
+        </p:grpSpPr>
+        <p:pic>
+          <p:nvPicPr>
+            <p:cNvPr id="6" name="Object 5"/>
+            <p:cNvPicPr>
+              <a:picLocks noChangeAspect="1"/>
+            </p:cNvPicPr>
+            <p:nvPr/>
+          </p:nvPicPr>
+          <p:blipFill>
+            <a:blip r:embed="rId2" cstate="print"/>
+            <a:stretch>
+              <a:fillRect/>
+            </a:stretch>
+          </p:blipFill>
+          <p:spPr>
+            <a:xfrm>
+              <a:off x="1063158" y="637116"/>
+              <a:ext cx="17297635" cy="622842"/>
+            </a:xfrm>
+            <a:prstGeom prst="rect">
+              <a:avLst/>
+            </a:prstGeom>
+          </p:spPr>
+        </p:pic>
+      </p:grpSp>
+      <p:sp>
+        <p:nvSpPr>
+          <p:cNvPr id="7" name="Object 8"/>
+          <p:cNvSpPr txBox="1"/>
+          <p:nvPr/>
+        </p:nvSpPr>
+        <p:spPr>
+          <a:xfrm>
+            <a:off x="1524000" y="687972"/>
+            <a:ext cx="3172412" cy="523220"/>
+          </a:xfrm>
+          <a:prstGeom prst="rect">
+            <a:avLst/>
+          </a:prstGeom>
+          <a:noFill/>
+        </p:spPr>
+        <p:txBody>
+          <a:bodyPr wrap="square" rtlCol="0" anchor="t">
+            <a:spAutoFit/>
+          </a:bodyPr>
+          <a:lstStyle/>
+          <a:p>
+            <a:r>
+              <a:rPr lang="ko-KR" altLang="en-US" sz="2800" dirty="0" smtClean="0">
+                <a:solidFill>
+                  <a:schemeClr val="bg1"/>
+                </a:solidFill>
+                <a:latin typeface="-윤고딕330" panose="02030504000101010101" pitchFamily="18" charset="-127"/>
+                <a:ea typeface="-윤고딕330" panose="02030504000101010101" pitchFamily="18" charset="-127"/>
+              </a:rPr>
+              <a:t>주요 기능</a:t>
+            </a:r>
+            <a:endParaRPr lang="en-US" sz="2800" dirty="0">
+              <a:solidFill>
+                <a:schemeClr val="bg1"/>
+              </a:solidFill>
+              <a:latin typeface="-윤고딕330" panose="02030504000101010101" pitchFamily="18" charset="-127"/>
+              <a:ea typeface="-윤고딕330" panose="02030504000101010101" pitchFamily="18" charset="-127"/>
+            </a:endParaRPr>
+          </a:p>
+        </p:txBody>
+      </p:sp>
+      <p:grpSp>
+        <p:nvGrpSpPr>
+          <p:cNvPr id="8" name="그룹 1005"/>
+          <p:cNvGrpSpPr/>
+          <p:nvPr/>
+        </p:nvGrpSpPr>
+        <p:grpSpPr>
+          <a:xfrm>
+            <a:off x="414000" y="378000"/>
+            <a:ext cx="860400" cy="1029600"/>
+            <a:chOff x="9919704" y="3437184"/>
+            <a:chExt cx="2282669" cy="2735570"/>
+          </a:xfrm>
+        </p:grpSpPr>
+        <p:pic>
+          <p:nvPicPr>
+            <p:cNvPr id="9" name="Object 24"/>
+            <p:cNvPicPr>
+              <a:picLocks noChangeAspect="1"/>
+            </p:cNvPicPr>
+            <p:nvPr/>
+          </p:nvPicPr>
+          <p:blipFill>
+            <a:blip r:embed="rId3" cstate="print"/>
+            <a:stretch>
+              <a:fillRect/>
+            </a:stretch>
+          </p:blipFill>
+          <p:spPr>
+            <a:xfrm>
+              <a:off x="9919704" y="3437184"/>
+              <a:ext cx="2282669" cy="2735570"/>
+            </a:xfrm>
+            <a:prstGeom prst="rect">
+              <a:avLst/>
+            </a:prstGeom>
+          </p:spPr>
+        </p:pic>
+      </p:grpSp>
+    </p:spTree>
+    <p:extLst>
+      <p:ext uri="{BB962C8B-B14F-4D97-AF65-F5344CB8AC3E}">
+        <p14:creationId xmlns:p14="http://schemas.microsoft.com/office/powerpoint/2010/main" val="3747763149"/>
+      </p:ext>
+    </p:extLst>
+  </p:cSld>
+  <p:clrMapOvr>
+    <a:masterClrMapping/>
+  </p:clrMapOvr>
+  <p:timing>
+    <p:tnLst>
+      <p:par>
+        <p:cTn id="1" dur="indefinite" restart="never" nodeType="tmRoot"/>
+      </p:par>
+    </p:tnLst>
+  </p:timing>
+</p:sld>
+</file>
+
+<file path=ppt/slides/slide15.xml><?xml version="1.0" encoding="utf-8"?>
+<p:sld xmlns:a="http://schemas.openxmlformats.org/drawingml/2006/main" xmlns:r="http://schemas.openxmlformats.org/officeDocument/2006/relationships" xmlns:p="http://schemas.openxmlformats.org/presentationml/2006/main">
+  <p:cSld>
+    <p:spTree>
+      <p:nvGrpSpPr>
+        <p:cNvPr id="1" name=""/>
+        <p:cNvGrpSpPr/>
+        <p:nvPr/>
+      </p:nvGrpSpPr>
+      <p:grpSpPr>
+        <a:xfrm>
+          <a:off x="0" y="0"/>
+          <a:ext cx="0" cy="0"/>
+          <a:chOff x="0" y="0"/>
+          <a:chExt cx="0" cy="0"/>
+        </a:xfrm>
+      </p:grpSpPr>
+      <p:grpSp>
+        <p:nvGrpSpPr>
+          <p:cNvPr id="1002" name="그룹 1002"/>
+          <p:cNvGrpSpPr/>
+          <p:nvPr/>
+        </p:nvGrpSpPr>
+        <p:grpSpPr>
+          <a:xfrm>
+            <a:off x="1063159" y="637116"/>
+            <a:ext cx="16767641" cy="622842"/>
+            <a:chOff x="1063158" y="637116"/>
+            <a:chExt cx="17297635" cy="622842"/>
+          </a:xfrm>
+        </p:grpSpPr>
+        <p:pic>
+          <p:nvPicPr>
+            <p:cNvPr id="6" name="Object 5"/>
+            <p:cNvPicPr>
+              <a:picLocks noChangeAspect="1"/>
+            </p:cNvPicPr>
+            <p:nvPr/>
+          </p:nvPicPr>
+          <p:blipFill>
+            <a:blip r:embed="rId2" cstate="print"/>
+            <a:stretch>
+              <a:fillRect/>
+            </a:stretch>
+          </p:blipFill>
+          <p:spPr>
+            <a:xfrm>
+              <a:off x="1063158" y="637116"/>
+              <a:ext cx="17297635" cy="622842"/>
+            </a:xfrm>
+            <a:prstGeom prst="rect">
+              <a:avLst/>
+            </a:prstGeom>
+          </p:spPr>
+        </p:pic>
+      </p:grpSp>
+      <p:sp>
+        <p:nvSpPr>
+          <p:cNvPr id="8" name="Object 8"/>
+          <p:cNvSpPr txBox="1"/>
+          <p:nvPr/>
+        </p:nvSpPr>
+        <p:spPr>
+          <a:xfrm>
+            <a:off x="1524000" y="687972"/>
+            <a:ext cx="6248400" cy="523220"/>
+          </a:xfrm>
+          <a:prstGeom prst="rect">
+            <a:avLst/>
+          </a:prstGeom>
+          <a:noFill/>
+        </p:spPr>
+        <p:txBody>
+          <a:bodyPr wrap="square" rtlCol="0" anchor="t">
+            <a:spAutoFit/>
+          </a:bodyPr>
+          <a:lstStyle/>
+          <a:p>
+            <a:r>
+              <a:rPr lang="ko-KR" altLang="en-US" sz="2800" smtClean="0">
+                <a:solidFill>
+                  <a:schemeClr val="bg1"/>
+                </a:solidFill>
+                <a:latin typeface="-윤고딕330" panose="02030504000101010101" pitchFamily="18" charset="-127"/>
+                <a:ea typeface="-윤고딕330" panose="02030504000101010101" pitchFamily="18" charset="-127"/>
+              </a:rPr>
+              <a:t>스토리보드</a:t>
+            </a:r>
+            <a:endParaRPr lang="en-US" sz="2800" dirty="0">
+              <a:solidFill>
+                <a:schemeClr val="bg1"/>
+              </a:solidFill>
+              <a:latin typeface="-윤고딕330" panose="02030504000101010101" pitchFamily="18" charset="-127"/>
+              <a:ea typeface="-윤고딕330" panose="02030504000101010101" pitchFamily="18" charset="-127"/>
+            </a:endParaRPr>
+          </a:p>
+        </p:txBody>
+      </p:sp>
+      <p:grpSp>
+        <p:nvGrpSpPr>
+          <p:cNvPr id="1003" name="그룹 1003"/>
+          <p:cNvGrpSpPr/>
+          <p:nvPr/>
+        </p:nvGrpSpPr>
+        <p:grpSpPr>
+          <a:xfrm>
+            <a:off x="412695" y="376314"/>
+            <a:ext cx="859607" cy="1030160"/>
+            <a:chOff x="412695" y="376314"/>
+            <a:chExt cx="859607" cy="1030160"/>
+          </a:xfrm>
+        </p:grpSpPr>
+        <p:pic>
+          <p:nvPicPr>
+            <p:cNvPr id="10" name="Object 9"/>
+            <p:cNvPicPr>
+              <a:picLocks noChangeAspect="1"/>
+            </p:cNvPicPr>
+            <p:nvPr/>
+          </p:nvPicPr>
+          <p:blipFill>
+            <a:blip r:embed="rId3" cstate="print"/>
+            <a:stretch>
+              <a:fillRect/>
+            </a:stretch>
+          </p:blipFill>
+          <p:spPr>
+            <a:xfrm>
+              <a:off x="412695" y="376314"/>
+              <a:ext cx="859607" cy="1030160"/>
+            </a:xfrm>
+            <a:prstGeom prst="rect">
+              <a:avLst/>
+            </a:prstGeom>
+          </p:spPr>
+        </p:pic>
+      </p:grpSp>
+    </p:spTree>
+    <p:extLst>
+      <p:ext uri="{BB962C8B-B14F-4D97-AF65-F5344CB8AC3E}">
+        <p14:creationId xmlns:p14="http://schemas.microsoft.com/office/powerpoint/2010/main" val="4288372638"/>
+      </p:ext>
+    </p:extLst>
+  </p:cSld>
+  <p:clrMapOvr>
+    <a:masterClrMapping/>
+  </p:clrMapOvr>
+  <p:timing>
+    <p:tnLst>
+      <p:par>
+        <p:cTn id="1" dur="indefinite" restart="never" nodeType="tmRoot"/>
+      </p:par>
+    </p:tnLst>
+  </p:timing>
+</p:sld>
+</file>
+
+<file path=ppt/slides/slide16.xml><?xml version="1.0" encoding="utf-8"?>
+<p:sld xmlns:a="http://schemas.openxmlformats.org/drawingml/2006/main" xmlns:r="http://schemas.openxmlformats.org/officeDocument/2006/relationships" xmlns:p="http://schemas.openxmlformats.org/presentationml/2006/main">
+  <p:cSld>
+    <p:spTree>
+      <p:nvGrpSpPr>
+        <p:cNvPr id="1" name=""/>
+        <p:cNvGrpSpPr/>
+        <p:nvPr/>
+      </p:nvGrpSpPr>
+      <p:grpSpPr>
+        <a:xfrm>
+          <a:off x="0" y="0"/>
+          <a:ext cx="0" cy="0"/>
+          <a:chOff x="0" y="0"/>
+          <a:chExt cx="0" cy="0"/>
+        </a:xfrm>
+      </p:grpSpPr>
+      <p:grpSp>
+        <p:nvGrpSpPr>
+          <p:cNvPr id="1002" name="그룹 1002"/>
+          <p:cNvGrpSpPr/>
+          <p:nvPr/>
+        </p:nvGrpSpPr>
+        <p:grpSpPr>
+          <a:xfrm>
+            <a:off x="1063159" y="637116"/>
+            <a:ext cx="16767642" cy="622842"/>
+            <a:chOff x="1063158" y="637116"/>
+            <a:chExt cx="17297635" cy="622842"/>
+          </a:xfrm>
+        </p:grpSpPr>
+        <p:pic>
+          <p:nvPicPr>
+            <p:cNvPr id="6" name="Object 5"/>
+            <p:cNvPicPr>
+              <a:picLocks noChangeAspect="1"/>
+            </p:cNvPicPr>
+            <p:nvPr/>
+          </p:nvPicPr>
+          <p:blipFill>
+            <a:blip r:embed="rId2" cstate="print"/>
+            <a:stretch>
+              <a:fillRect/>
+            </a:stretch>
+          </p:blipFill>
+          <p:spPr>
+            <a:xfrm>
+              <a:off x="1063158" y="637116"/>
+              <a:ext cx="17297635" cy="622842"/>
+            </a:xfrm>
+            <a:prstGeom prst="rect">
+              <a:avLst/>
+            </a:prstGeom>
+          </p:spPr>
+        </p:pic>
+      </p:grpSp>
+      <p:sp>
+        <p:nvSpPr>
+          <p:cNvPr id="7" name="Object 8"/>
+          <p:cNvSpPr txBox="1"/>
+          <p:nvPr/>
+        </p:nvSpPr>
+        <p:spPr>
+          <a:xfrm>
+            <a:off x="1524000" y="687972"/>
+            <a:ext cx="3172412" cy="523220"/>
+          </a:xfrm>
+          <a:prstGeom prst="rect">
+            <a:avLst/>
+          </a:prstGeom>
+          <a:noFill/>
+        </p:spPr>
+        <p:txBody>
+          <a:bodyPr wrap="square" rtlCol="0" anchor="t">
+            <a:spAutoFit/>
+          </a:bodyPr>
+          <a:lstStyle/>
+          <a:p>
+            <a:r>
               <a:rPr lang="ko-KR" altLang="en-US" sz="2800" dirty="0" smtClean="0">
                 <a:solidFill>
                   <a:schemeClr val="bg1"/>
@@ -3479,7 +4586,7 @@
 </p:sld>
 </file>
 
-<file path=ppt/slides/slide11.xml><?xml version="1.0" encoding="utf-8"?>
+<file path=ppt/slides/slide17.xml><?xml version="1.0" encoding="utf-8"?>
 <p:sld xmlns:a="http://schemas.openxmlformats.org/drawingml/2006/main" xmlns:r="http://schemas.openxmlformats.org/officeDocument/2006/relationships" xmlns:p="http://schemas.openxmlformats.org/presentationml/2006/main">
   <p:cSld name="Slide 14">
     <p:bg>
@@ -3677,8 +4784,8 @@
         </p:nvSpPr>
         <p:spPr>
           <a:xfrm>
-            <a:off x="7425539" y="1485900"/>
-            <a:ext cx="3581400" cy="1154162"/>
+            <a:off x="7010400" y="651075"/>
+            <a:ext cx="4708038" cy="1154162"/>
           </a:xfrm>
           <a:prstGeom prst="rect">
             <a:avLst/>
@@ -3692,14 +4799,14 @@
           <a:lstStyle/>
           <a:p>
             <a:r>
-              <a:rPr lang="en-US" sz="6900" kern="0" spc="-300" dirty="0" smtClean="0">
+              <a:rPr lang="en-US" sz="6900" kern="0" spc="-300" smtClean="0">
                 <a:solidFill>
                   <a:srgbClr val="1C2F69"/>
                 </a:solidFill>
                 <a:latin typeface="Gmarket Sans Bold" pitchFamily="34" charset="0"/>
                 <a:cs typeface="Gmarket Sans Bold" pitchFamily="34" charset="0"/>
               </a:rPr>
-              <a:t>Contents</a:t>
+              <a:t>CONTENTS</a:t>
             </a:r>
             <a:endParaRPr lang="en-US" dirty="0"/>
           </a:p>
@@ -3713,8 +4820,8 @@
         </p:nvSpPr>
         <p:spPr>
           <a:xfrm>
-            <a:off x="691317" y="7301925"/>
-            <a:ext cx="5393990" cy="584775"/>
+            <a:off x="4114800" y="4917572"/>
+            <a:ext cx="2915872" cy="584775"/>
           </a:xfrm>
           <a:prstGeom prst="rect">
             <a:avLst/>
@@ -3730,9 +4837,6 @@
             <a:pPr algn="ctr"/>
             <a:r>
               <a:rPr lang="ko-KR" altLang="en-US" sz="3200" b="1" kern="0" spc="-100" dirty="0" smtClean="0">
-                <a:solidFill>
-                  <a:srgbClr val="E3401F"/>
-                </a:solidFill>
                 <a:latin typeface="Gmarket Sans Bold" pitchFamily="34" charset="0"/>
                 <a:cs typeface="Gmarket Sans Bold" pitchFamily="34" charset="0"/>
               </a:rPr>
@@ -3750,10 +4854,10 @@
         </p:nvGrpSpPr>
         <p:grpSpPr>
           <a:xfrm>
-            <a:off x="2246977" y="4190084"/>
-            <a:ext cx="2282669" cy="2735570"/>
+            <a:off x="4678368" y="2441710"/>
+            <a:ext cx="1802390" cy="2160000"/>
             <a:chOff x="2246977" y="3437184"/>
-            <a:chExt cx="2282669" cy="2735570"/>
+            <a:chExt cx="1802390" cy="2160000"/>
           </a:xfrm>
         </p:grpSpPr>
         <p:pic>
@@ -3773,7 +4877,7 @@
           <p:spPr>
             <a:xfrm>
               <a:off x="2246977" y="3437184"/>
-              <a:ext cx="2282669" cy="2735570"/>
+              <a:ext cx="1802390" cy="2160000"/>
             </a:xfrm>
             <a:prstGeom prst="rect">
               <a:avLst/>
@@ -3789,7 +4893,7 @@
         </p:nvSpPr>
         <p:spPr>
           <a:xfrm>
-            <a:off x="2509379" y="5100796"/>
+            <a:off x="4724400" y="3009900"/>
             <a:ext cx="1757864" cy="666650"/>
           </a:xfrm>
           <a:prstGeom prst="rect">
@@ -3826,8 +4930,8 @@
         </p:nvSpPr>
         <p:spPr>
           <a:xfrm>
-            <a:off x="2542435" y="5437357"/>
-            <a:ext cx="1691753" cy="1896599"/>
+            <a:off x="4844205" y="3343225"/>
+            <a:ext cx="1561642" cy="1184940"/>
           </a:xfrm>
           <a:prstGeom prst="rect">
             <a:avLst/>
@@ -3863,7 +4967,7 @@
         </p:nvGrpSpPr>
         <p:grpSpPr>
           <a:xfrm>
-            <a:off x="1929807" y="7712700"/>
+            <a:off x="4166521" y="5341852"/>
             <a:ext cx="2917009" cy="326400"/>
             <a:chOff x="1929807" y="6959800"/>
             <a:chExt cx="2917009" cy="326400"/>
@@ -3902,8 +5006,8 @@
         </p:nvSpPr>
         <p:spPr>
           <a:xfrm>
-            <a:off x="4527680" y="7268000"/>
-            <a:ext cx="5393990" cy="584775"/>
+            <a:off x="13526201" y="8664151"/>
+            <a:ext cx="3253000" cy="584775"/>
           </a:xfrm>
           <a:prstGeom prst="rect">
             <a:avLst/>
@@ -3918,14 +5022,11 @@
           <a:p>
             <a:pPr algn="ctr"/>
             <a:r>
-              <a:rPr lang="ko-KR" altLang="en-US" sz="3200" b="1" kern="0" spc="-100" dirty="0" smtClean="0">
-                <a:solidFill>
-                  <a:srgbClr val="2FA599"/>
-                </a:solidFill>
+              <a:rPr lang="ko-KR" altLang="en-US" sz="3200" b="1" kern="0" spc="-100" smtClean="0">
                 <a:latin typeface="Gmarket Sans Bold" pitchFamily="34" charset="0"/>
                 <a:cs typeface="Gmarket Sans Bold" pitchFamily="34" charset="0"/>
               </a:rPr>
-              <a:t>일정 및 담당업무</a:t>
+              <a:t>프로젝트 후기</a:t>
             </a:r>
             <a:endParaRPr lang="en-US" sz="2400" b="1" dirty="0"/>
           </a:p>
@@ -3939,8 +5040,8 @@
         </p:nvGrpSpPr>
         <p:grpSpPr>
           <a:xfrm>
-            <a:off x="6083341" y="4190084"/>
-            <a:ext cx="2282669" cy="2735570"/>
+            <a:off x="14069729" y="6258122"/>
+            <a:ext cx="1803600" cy="2160000"/>
             <a:chOff x="6083341" y="3437184"/>
             <a:chExt cx="2282669" cy="2735570"/>
           </a:xfrm>
@@ -3970,80 +5071,6 @@
           </p:spPr>
         </p:pic>
       </p:grpSp>
-      <p:sp>
-        <p:nvSpPr>
-          <p:cNvPr id="18" name="Object 18"/>
-          <p:cNvSpPr txBox="1"/>
-          <p:nvPr/>
-        </p:nvSpPr>
-        <p:spPr>
-          <a:xfrm>
-            <a:off x="6345743" y="5100796"/>
-            <a:ext cx="1757864" cy="666650"/>
-          </a:xfrm>
-          <a:prstGeom prst="rect">
-            <a:avLst/>
-          </a:prstGeom>
-          <a:noFill/>
-        </p:spPr>
-        <p:txBody>
-          <a:bodyPr wrap="square" rtlCol="0" anchor="t">
-            <a:spAutoFit/>
-          </a:bodyPr>
-          <a:lstStyle/>
-          <a:p>
-            <a:pPr algn="ctr"/>
-            <a:r>
-              <a:rPr lang="en-US" sz="2500" kern="0" spc="-100" dirty="0" smtClean="0">
-                <a:solidFill>
-                  <a:srgbClr val="FFFFFF"/>
-                </a:solidFill>
-                <a:latin typeface="Gmarket Sans Bold" pitchFamily="34" charset="0"/>
-                <a:cs typeface="Gmarket Sans Bold" pitchFamily="34" charset="0"/>
-              </a:rPr>
-              <a:t>PART</a:t>
-            </a:r>
-            <a:endParaRPr lang="en-US" dirty="0"/>
-          </a:p>
-        </p:txBody>
-      </p:sp>
-      <p:sp>
-        <p:nvSpPr>
-          <p:cNvPr id="19" name="Object 19"/>
-          <p:cNvSpPr txBox="1"/>
-          <p:nvPr/>
-        </p:nvSpPr>
-        <p:spPr>
-          <a:xfrm>
-            <a:off x="6378799" y="5437357"/>
-            <a:ext cx="1691753" cy="1184940"/>
-          </a:xfrm>
-          <a:prstGeom prst="rect">
-            <a:avLst/>
-          </a:prstGeom>
-          <a:noFill/>
-        </p:spPr>
-        <p:txBody>
-          <a:bodyPr wrap="square" rtlCol="0" anchor="t">
-            <a:spAutoFit/>
-          </a:bodyPr>
-          <a:lstStyle/>
-          <a:p>
-            <a:pPr algn="ctr"/>
-            <a:r>
-              <a:rPr lang="en-US" sz="7100" kern="0" spc="-300" dirty="0" smtClean="0">
-                <a:solidFill>
-                  <a:srgbClr val="FFFFFF"/>
-                </a:solidFill>
-                <a:latin typeface="Gmarket Sans Bold" pitchFamily="34" charset="0"/>
-                <a:cs typeface="Gmarket Sans Bold" pitchFamily="34" charset="0"/>
-              </a:rPr>
-              <a:t>02</a:t>
-            </a:r>
-            <a:endParaRPr lang="en-US" dirty="0"/>
-          </a:p>
-        </p:txBody>
-      </p:sp>
       <p:grpSp>
         <p:nvGrpSpPr>
           <p:cNvPr id="1004" name="그룹 1004"/>
@@ -4052,7 +5079,7 @@
         </p:nvGrpSpPr>
         <p:grpSpPr>
           <a:xfrm>
-            <a:off x="5769363" y="7712700"/>
+            <a:off x="13692400" y="9145534"/>
             <a:ext cx="2910624" cy="326400"/>
             <a:chOff x="5769363" y="6959800"/>
             <a:chExt cx="2910624" cy="326400"/>
@@ -4091,8 +5118,8 @@
         </p:nvSpPr>
         <p:spPr>
           <a:xfrm>
-            <a:off x="8336070" y="7268000"/>
-            <a:ext cx="5393990" cy="584775"/>
+            <a:off x="12050379" y="4897349"/>
+            <a:ext cx="2923935" cy="584775"/>
           </a:xfrm>
           <a:prstGeom prst="rect">
             <a:avLst/>
@@ -4107,14 +5134,10 @@
           <a:p>
             <a:pPr algn="ctr"/>
             <a:r>
-              <a:rPr lang="ko-KR" altLang="en-US" sz="3200" b="1" kern="0" spc="-100" dirty="0" smtClean="0">
-                <a:solidFill>
-                  <a:srgbClr val="358A3C"/>
-                </a:solidFill>
+              <a:rPr lang="ko-KR" altLang="en-US" sz="3200" b="1" kern="0" spc="-100" smtClean="0">
                 <a:latin typeface="Gmarket Sans Bold" pitchFamily="34" charset="0"/>
-                <a:cs typeface="Gmarket Sans Bold" pitchFamily="34" charset="0"/>
               </a:rPr>
-              <a:t>주요 기능</a:t>
+              <a:t>요구사항명세</a:t>
             </a:r>
             <a:endParaRPr lang="en-US" sz="2400" b="1" dirty="0"/>
           </a:p>
@@ -4128,8 +5151,8 @@
         </p:nvGrpSpPr>
         <p:grpSpPr>
           <a:xfrm>
-            <a:off x="9919704" y="4190084"/>
-            <a:ext cx="2282669" cy="2735570"/>
+            <a:off x="12369600" y="2441710"/>
+            <a:ext cx="1803600" cy="2160000"/>
             <a:chOff x="9919704" y="3437184"/>
             <a:chExt cx="2282669" cy="2735570"/>
           </a:xfrm>
@@ -4159,80 +5182,6 @@
           </p:spPr>
         </p:pic>
       </p:grpSp>
-      <p:sp>
-        <p:nvSpPr>
-          <p:cNvPr id="28" name="Object 28"/>
-          <p:cNvSpPr txBox="1"/>
-          <p:nvPr/>
-        </p:nvSpPr>
-        <p:spPr>
-          <a:xfrm>
-            <a:off x="10182107" y="5100796"/>
-            <a:ext cx="1757864" cy="666650"/>
-          </a:xfrm>
-          <a:prstGeom prst="rect">
-            <a:avLst/>
-          </a:prstGeom>
-          <a:noFill/>
-        </p:spPr>
-        <p:txBody>
-          <a:bodyPr wrap="square" rtlCol="0" anchor="t">
-            <a:spAutoFit/>
-          </a:bodyPr>
-          <a:lstStyle/>
-          <a:p>
-            <a:pPr algn="ctr"/>
-            <a:r>
-              <a:rPr lang="en-US" sz="2500" kern="0" spc="-100" dirty="0" smtClean="0">
-                <a:solidFill>
-                  <a:srgbClr val="FFFFFF"/>
-                </a:solidFill>
-                <a:latin typeface="Gmarket Sans Bold" pitchFamily="34" charset="0"/>
-                <a:cs typeface="Gmarket Sans Bold" pitchFamily="34" charset="0"/>
-              </a:rPr>
-              <a:t>PART</a:t>
-            </a:r>
-            <a:endParaRPr lang="en-US" dirty="0"/>
-          </a:p>
-        </p:txBody>
-      </p:sp>
-      <p:sp>
-        <p:nvSpPr>
-          <p:cNvPr id="29" name="Object 29"/>
-          <p:cNvSpPr txBox="1"/>
-          <p:nvPr/>
-        </p:nvSpPr>
-        <p:spPr>
-          <a:xfrm>
-            <a:off x="10215163" y="5437357"/>
-            <a:ext cx="1691753" cy="1184940"/>
-          </a:xfrm>
-          <a:prstGeom prst="rect">
-            <a:avLst/>
-          </a:prstGeom>
-          <a:noFill/>
-        </p:spPr>
-        <p:txBody>
-          <a:bodyPr wrap="square" rtlCol="0" anchor="t">
-            <a:spAutoFit/>
-          </a:bodyPr>
-          <a:lstStyle/>
-          <a:p>
-            <a:pPr algn="ctr"/>
-            <a:r>
-              <a:rPr lang="en-US" sz="7100" kern="0" spc="-300" dirty="0" smtClean="0">
-                <a:solidFill>
-                  <a:srgbClr val="FFFFFF"/>
-                </a:solidFill>
-                <a:latin typeface="Gmarket Sans Bold" pitchFamily="34" charset="0"/>
-                <a:cs typeface="Gmarket Sans Bold" pitchFamily="34" charset="0"/>
-              </a:rPr>
-              <a:t>03</a:t>
-            </a:r>
-            <a:endParaRPr lang="en-US" dirty="0"/>
-          </a:p>
-        </p:txBody>
-      </p:sp>
       <p:grpSp>
         <p:nvGrpSpPr>
           <p:cNvPr id="1006" name="그룹 1006"/>
@@ -4241,7 +5190,7 @@
         </p:nvGrpSpPr>
         <p:grpSpPr>
           <a:xfrm>
-            <a:off x="9597246" y="7712700"/>
+            <a:off x="12051516" y="5357910"/>
             <a:ext cx="2927586" cy="326400"/>
             <a:chOff x="9597246" y="6959800"/>
             <a:chExt cx="2927586" cy="326400"/>
@@ -4280,8 +5229,8 @@
         </p:nvSpPr>
         <p:spPr>
           <a:xfrm>
-            <a:off x="12200408" y="7268000"/>
-            <a:ext cx="5393990" cy="584775"/>
+            <a:off x="2192353" y="8678315"/>
+            <a:ext cx="2740451" cy="584775"/>
           </a:xfrm>
           <a:prstGeom prst="rect">
             <a:avLst/>
@@ -4296,14 +5245,11 @@
           <a:p>
             <a:pPr algn="ctr"/>
             <a:r>
-              <a:rPr lang="ko-KR" altLang="en-US" sz="3200" b="1" kern="0" spc="-100" dirty="0" smtClean="0">
-                <a:solidFill>
-                  <a:srgbClr val="FFB352"/>
-                </a:solidFill>
+              <a:rPr lang="ko-KR" altLang="en-US" sz="3200" b="1" kern="0" spc="-100" smtClean="0">
                 <a:latin typeface="Gmarket Sans Bold" pitchFamily="34" charset="0"/>
                 <a:cs typeface="Gmarket Sans Bold" pitchFamily="34" charset="0"/>
               </a:rPr>
-              <a:t>프로젝트 후기</a:t>
+              <a:t>다이어그램</a:t>
             </a:r>
             <a:endParaRPr lang="en-US" sz="2400" b="1" dirty="0"/>
           </a:p>
@@ -4317,8 +5263,8 @@
         </p:nvGrpSpPr>
         <p:grpSpPr>
           <a:xfrm>
-            <a:off x="13756068" y="4190084"/>
-            <a:ext cx="2282669" cy="2735570"/>
+            <a:off x="2667000" y="6258122"/>
+            <a:ext cx="1803600" cy="2160000"/>
             <a:chOff x="13756068" y="3437184"/>
             <a:chExt cx="2282669" cy="2735570"/>
           </a:xfrm>
@@ -4348,15 +5294,54 @@
           </p:spPr>
         </p:pic>
       </p:grpSp>
+      <p:grpSp>
+        <p:nvGrpSpPr>
+          <p:cNvPr id="1008" name="그룹 1008"/>
+          <p:cNvGrpSpPr/>
+          <p:nvPr/>
+        </p:nvGrpSpPr>
+        <p:grpSpPr>
+          <a:xfrm>
+            <a:off x="2084747" y="9145534"/>
+            <a:ext cx="2917009" cy="326400"/>
+            <a:chOff x="13438898" y="6959800"/>
+            <a:chExt cx="2917009" cy="326400"/>
+          </a:xfrm>
+        </p:grpSpPr>
+        <p:pic>
+          <p:nvPicPr>
+            <p:cNvPr id="41" name="Object 40"/>
+            <p:cNvPicPr>
+              <a:picLocks noChangeAspect="1"/>
+            </p:cNvPicPr>
+            <p:nvPr/>
+          </p:nvPicPr>
+          <p:blipFill>
+            <a:blip r:embed="rId9" cstate="print"/>
+            <a:stretch>
+              <a:fillRect/>
+            </a:stretch>
+          </p:blipFill>
+          <p:spPr>
+            <a:xfrm>
+              <a:off x="13438898" y="6959800"/>
+              <a:ext cx="2917009" cy="326400"/>
+            </a:xfrm>
+            <a:prstGeom prst="rect">
+              <a:avLst/>
+            </a:prstGeom>
+          </p:spPr>
+        </p:pic>
+      </p:grpSp>
       <p:sp>
         <p:nvSpPr>
-          <p:cNvPr id="38" name="Object 38"/>
+          <p:cNvPr id="86" name="Object 8"/>
           <p:cNvSpPr txBox="1"/>
           <p:nvPr/>
         </p:nvSpPr>
         <p:spPr>
           <a:xfrm>
-            <a:off x="14018471" y="5100796"/>
+            <a:off x="14173200" y="6779483"/>
             <a:ext cx="1757864" cy="666650"/>
           </a:xfrm>
           <a:prstGeom prst="rect">
@@ -4387,14 +5372,14 @@
       </p:sp>
       <p:sp>
         <p:nvSpPr>
-          <p:cNvPr id="39" name="Object 39"/>
+          <p:cNvPr id="87" name="Object 9"/>
           <p:cNvSpPr txBox="1"/>
           <p:nvPr/>
         </p:nvSpPr>
         <p:spPr>
           <a:xfrm>
-            <a:off x="14051527" y="5437357"/>
-            <a:ext cx="1691753" cy="1184940"/>
+            <a:off x="14173200" y="7112808"/>
+            <a:ext cx="1561642" cy="1184940"/>
           </a:xfrm>
           <a:prstGeom prst="rect">
             <a:avLst/>
@@ -4409,7 +5394,155 @@
           <a:p>
             <a:pPr algn="ctr"/>
             <a:r>
-              <a:rPr lang="en-US" sz="7100" kern="0" spc="-300" dirty="0" smtClean="0">
+              <a:rPr lang="en-US" sz="7100" kern="0" spc="-300" smtClean="0">
+                <a:solidFill>
+                  <a:srgbClr val="FFFFFF"/>
+                </a:solidFill>
+                <a:latin typeface="Gmarket Sans Bold" pitchFamily="34" charset="0"/>
+                <a:cs typeface="Gmarket Sans Bold" pitchFamily="34" charset="0"/>
+              </a:rPr>
+              <a:t>07</a:t>
+            </a:r>
+            <a:endParaRPr lang="en-US" dirty="0"/>
+          </a:p>
+        </p:txBody>
+      </p:sp>
+      <p:sp>
+        <p:nvSpPr>
+          <p:cNvPr id="88" name="Object 8"/>
+          <p:cNvSpPr txBox="1"/>
+          <p:nvPr/>
+        </p:nvSpPr>
+        <p:spPr>
+          <a:xfrm>
+            <a:off x="12420600" y="3009900"/>
+            <a:ext cx="1757864" cy="666650"/>
+          </a:xfrm>
+          <a:prstGeom prst="rect">
+            <a:avLst/>
+          </a:prstGeom>
+          <a:noFill/>
+        </p:spPr>
+        <p:txBody>
+          <a:bodyPr wrap="square" rtlCol="0" anchor="t">
+            <a:spAutoFit/>
+          </a:bodyPr>
+          <a:lstStyle/>
+          <a:p>
+            <a:pPr algn="ctr"/>
+            <a:r>
+              <a:rPr lang="en-US" sz="2500" kern="0" spc="-100" dirty="0" smtClean="0">
+                <a:solidFill>
+                  <a:srgbClr val="FFFFFF"/>
+                </a:solidFill>
+                <a:latin typeface="Gmarket Sans Bold" pitchFamily="34" charset="0"/>
+                <a:cs typeface="Gmarket Sans Bold" pitchFamily="34" charset="0"/>
+              </a:rPr>
+              <a:t>PART</a:t>
+            </a:r>
+            <a:endParaRPr lang="en-US" dirty="0"/>
+          </a:p>
+        </p:txBody>
+      </p:sp>
+      <p:sp>
+        <p:nvSpPr>
+          <p:cNvPr id="89" name="Object 9"/>
+          <p:cNvSpPr txBox="1"/>
+          <p:nvPr/>
+        </p:nvSpPr>
+        <p:spPr>
+          <a:xfrm>
+            <a:off x="12540405" y="3343225"/>
+            <a:ext cx="1561642" cy="1184940"/>
+          </a:xfrm>
+          <a:prstGeom prst="rect">
+            <a:avLst/>
+          </a:prstGeom>
+          <a:noFill/>
+        </p:spPr>
+        <p:txBody>
+          <a:bodyPr wrap="square" rtlCol="0" anchor="t">
+            <a:spAutoFit/>
+          </a:bodyPr>
+          <a:lstStyle/>
+          <a:p>
+            <a:pPr algn="ctr"/>
+            <a:r>
+              <a:rPr lang="en-US" sz="7100" kern="0" spc="-300" smtClean="0">
+                <a:solidFill>
+                  <a:srgbClr val="FFFFFF"/>
+                </a:solidFill>
+                <a:latin typeface="Gmarket Sans Bold" pitchFamily="34" charset="0"/>
+                <a:cs typeface="Gmarket Sans Bold" pitchFamily="34" charset="0"/>
+              </a:rPr>
+              <a:t>03</a:t>
+            </a:r>
+            <a:endParaRPr lang="en-US" dirty="0"/>
+          </a:p>
+        </p:txBody>
+      </p:sp>
+      <p:sp>
+        <p:nvSpPr>
+          <p:cNvPr id="90" name="Object 8"/>
+          <p:cNvSpPr txBox="1"/>
+          <p:nvPr/>
+        </p:nvSpPr>
+        <p:spPr>
+          <a:xfrm>
+            <a:off x="2664320" y="6779483"/>
+            <a:ext cx="1757864" cy="666650"/>
+          </a:xfrm>
+          <a:prstGeom prst="rect">
+            <a:avLst/>
+          </a:prstGeom>
+          <a:noFill/>
+        </p:spPr>
+        <p:txBody>
+          <a:bodyPr wrap="square" rtlCol="0" anchor="t">
+            <a:spAutoFit/>
+          </a:bodyPr>
+          <a:lstStyle/>
+          <a:p>
+            <a:pPr algn="ctr"/>
+            <a:r>
+              <a:rPr lang="en-US" sz="2500" kern="0" spc="-100" dirty="0" smtClean="0">
+                <a:solidFill>
+                  <a:srgbClr val="FFFFFF"/>
+                </a:solidFill>
+                <a:latin typeface="Gmarket Sans Bold" pitchFamily="34" charset="0"/>
+                <a:cs typeface="Gmarket Sans Bold" pitchFamily="34" charset="0"/>
+              </a:rPr>
+              <a:t>PART</a:t>
+            </a:r>
+            <a:endParaRPr lang="en-US" dirty="0"/>
+          </a:p>
+        </p:txBody>
+      </p:sp>
+      <p:sp>
+        <p:nvSpPr>
+          <p:cNvPr id="91" name="Object 9"/>
+          <p:cNvSpPr txBox="1"/>
+          <p:nvPr/>
+        </p:nvSpPr>
+        <p:spPr>
+          <a:xfrm>
+            <a:off x="2781758" y="7112808"/>
+            <a:ext cx="1561642" cy="1184940"/>
+          </a:xfrm>
+          <a:prstGeom prst="rect">
+            <a:avLst/>
+          </a:prstGeom>
+          <a:noFill/>
+        </p:spPr>
+        <p:txBody>
+          <a:bodyPr wrap="square" rtlCol="0" anchor="t">
+            <a:spAutoFit/>
+          </a:bodyPr>
+          <a:lstStyle/>
+          <a:p>
+            <a:pPr algn="ctr"/>
+            <a:r>
+              <a:rPr lang="en-US" sz="7100" kern="0" spc="-300" smtClean="0">
                 <a:solidFill>
                   <a:srgbClr val="FFFFFF"/>
                 </a:solidFill>
@@ -4422,15 +5555,385 @@
           </a:p>
         </p:txBody>
       </p:sp>
+      <p:sp>
+        <p:nvSpPr>
+          <p:cNvPr id="92" name="Object 3"/>
+          <p:cNvSpPr txBox="1"/>
+          <p:nvPr/>
+        </p:nvSpPr>
+        <p:spPr>
+          <a:xfrm>
+            <a:off x="9827845" y="8661179"/>
+            <a:ext cx="2915872" cy="584775"/>
+          </a:xfrm>
+          <a:prstGeom prst="rect">
+            <a:avLst/>
+          </a:prstGeom>
+          <a:noFill/>
+        </p:spPr>
+        <p:txBody>
+          <a:bodyPr wrap="square" rtlCol="0" anchor="t">
+            <a:spAutoFit/>
+          </a:bodyPr>
+          <a:lstStyle/>
+          <a:p>
+            <a:pPr algn="ctr"/>
+            <a:r>
+              <a:rPr lang="ko-KR" altLang="en-US" sz="3200" b="1" kern="0" spc="-100" smtClean="0">
+                <a:latin typeface="Gmarket Sans Bold" pitchFamily="34" charset="0"/>
+                <a:cs typeface="Gmarket Sans Bold" pitchFamily="34" charset="0"/>
+              </a:rPr>
+              <a:t>스토리보드</a:t>
+            </a:r>
+            <a:endParaRPr lang="en-US" sz="2400" b="1" dirty="0"/>
+          </a:p>
+        </p:txBody>
+      </p:sp>
       <p:grpSp>
         <p:nvGrpSpPr>
-          <p:cNvPr id="1008" name="그룹 1008"/>
+          <p:cNvPr id="93" name="그룹 1001"/>
           <p:cNvGrpSpPr/>
           <p:nvPr/>
         </p:nvGrpSpPr>
         <p:grpSpPr>
           <a:xfrm>
-            <a:off x="13438898" y="7712700"/>
+            <a:off x="10269626" y="6258122"/>
+            <a:ext cx="1802390" cy="2160000"/>
+            <a:chOff x="2246977" y="3437184"/>
+            <a:chExt cx="1802390" cy="2160000"/>
+          </a:xfrm>
+        </p:grpSpPr>
+        <p:pic>
+          <p:nvPicPr>
+            <p:cNvPr id="94" name="Object 4"/>
+            <p:cNvPicPr>
+              <a:picLocks noChangeAspect="1"/>
+            </p:cNvPicPr>
+            <p:nvPr/>
+          </p:nvPicPr>
+          <p:blipFill>
+            <a:blip r:embed="rId2" cstate="print"/>
+            <a:stretch>
+              <a:fillRect/>
+            </a:stretch>
+          </p:blipFill>
+          <p:spPr>
+            <a:xfrm>
+              <a:off x="2246977" y="3437184"/>
+              <a:ext cx="1802390" cy="2160000"/>
+            </a:xfrm>
+            <a:prstGeom prst="rect">
+              <a:avLst/>
+            </a:prstGeom>
+          </p:spPr>
+        </p:pic>
+      </p:grpSp>
+      <p:sp>
+        <p:nvSpPr>
+          <p:cNvPr id="95" name="Object 8"/>
+          <p:cNvSpPr txBox="1"/>
+          <p:nvPr/>
+        </p:nvSpPr>
+        <p:spPr>
+          <a:xfrm>
+            <a:off x="10287000" y="6779483"/>
+            <a:ext cx="1757864" cy="666650"/>
+          </a:xfrm>
+          <a:prstGeom prst="rect">
+            <a:avLst/>
+          </a:prstGeom>
+          <a:noFill/>
+        </p:spPr>
+        <p:txBody>
+          <a:bodyPr wrap="square" rtlCol="0" anchor="t">
+            <a:spAutoFit/>
+          </a:bodyPr>
+          <a:lstStyle/>
+          <a:p>
+            <a:pPr algn="ctr"/>
+            <a:r>
+              <a:rPr lang="en-US" sz="2500" kern="0" spc="-100" dirty="0" smtClean="0">
+                <a:solidFill>
+                  <a:srgbClr val="FFFFFF"/>
+                </a:solidFill>
+                <a:latin typeface="Gmarket Sans Bold" pitchFamily="34" charset="0"/>
+                <a:cs typeface="Gmarket Sans Bold" pitchFamily="34" charset="0"/>
+              </a:rPr>
+              <a:t>PART</a:t>
+            </a:r>
+            <a:endParaRPr lang="en-US" dirty="0"/>
+          </a:p>
+        </p:txBody>
+      </p:sp>
+      <p:sp>
+        <p:nvSpPr>
+          <p:cNvPr id="96" name="Object 9"/>
+          <p:cNvSpPr txBox="1"/>
+          <p:nvPr/>
+        </p:nvSpPr>
+        <p:spPr>
+          <a:xfrm>
+            <a:off x="10401758" y="7112808"/>
+            <a:ext cx="1561642" cy="1184940"/>
+          </a:xfrm>
+          <a:prstGeom prst="rect">
+            <a:avLst/>
+          </a:prstGeom>
+          <a:noFill/>
+        </p:spPr>
+        <p:txBody>
+          <a:bodyPr wrap="square" rtlCol="0" anchor="t">
+            <a:spAutoFit/>
+          </a:bodyPr>
+          <a:lstStyle/>
+          <a:p>
+            <a:pPr algn="ctr"/>
+            <a:r>
+              <a:rPr lang="en-US" sz="7100" kern="0" spc="-300" smtClean="0">
+                <a:solidFill>
+                  <a:srgbClr val="FFFFFF"/>
+                </a:solidFill>
+                <a:latin typeface="Gmarket Sans Bold" pitchFamily="34" charset="0"/>
+                <a:cs typeface="Gmarket Sans Bold" pitchFamily="34" charset="0"/>
+              </a:rPr>
+              <a:t>06</a:t>
+            </a:r>
+            <a:endParaRPr lang="en-US" dirty="0"/>
+          </a:p>
+        </p:txBody>
+      </p:sp>
+      <p:grpSp>
+        <p:nvGrpSpPr>
+          <p:cNvPr id="97" name="그룹 1002"/>
+          <p:cNvGrpSpPr/>
+          <p:nvPr/>
+        </p:nvGrpSpPr>
+        <p:grpSpPr>
+          <a:xfrm>
+            <a:off x="9826708" y="9145534"/>
+            <a:ext cx="2917009" cy="326400"/>
+            <a:chOff x="1929807" y="6959800"/>
+            <a:chExt cx="2917009" cy="326400"/>
+          </a:xfrm>
+        </p:grpSpPr>
+        <p:pic>
+          <p:nvPicPr>
+            <p:cNvPr id="98" name="Object 10"/>
+            <p:cNvPicPr>
+              <a:picLocks noChangeAspect="1"/>
+            </p:cNvPicPr>
+            <p:nvPr/>
+          </p:nvPicPr>
+          <p:blipFill>
+            <a:blip r:embed="rId3" cstate="print"/>
+            <a:stretch>
+              <a:fillRect/>
+            </a:stretch>
+          </p:blipFill>
+          <p:spPr>
+            <a:xfrm>
+              <a:off x="1929807" y="6959800"/>
+              <a:ext cx="2917009" cy="326400"/>
+            </a:xfrm>
+            <a:prstGeom prst="rect">
+              <a:avLst/>
+            </a:prstGeom>
+          </p:spPr>
+        </p:pic>
+      </p:grpSp>
+      <p:sp>
+        <p:nvSpPr>
+          <p:cNvPr id="104" name="Object 23"/>
+          <p:cNvSpPr txBox="1"/>
+          <p:nvPr/>
+        </p:nvSpPr>
+        <p:spPr>
+          <a:xfrm>
+            <a:off x="6323711" y="8678314"/>
+            <a:ext cx="2113909" cy="584775"/>
+          </a:xfrm>
+          <a:prstGeom prst="rect">
+            <a:avLst/>
+          </a:prstGeom>
+          <a:noFill/>
+        </p:spPr>
+        <p:txBody>
+          <a:bodyPr wrap="square" rtlCol="0" anchor="t">
+            <a:spAutoFit/>
+          </a:bodyPr>
+          <a:lstStyle/>
+          <a:p>
+            <a:pPr algn="ctr"/>
+            <a:r>
+              <a:rPr lang="ko-KR" altLang="en-US" sz="3200" b="1" kern="0" spc="-100" dirty="0" smtClean="0">
+                <a:latin typeface="Gmarket Sans Bold" pitchFamily="34" charset="0"/>
+                <a:cs typeface="Gmarket Sans Bold" pitchFamily="34" charset="0"/>
+              </a:rPr>
+              <a:t>주요 기능</a:t>
+            </a:r>
+            <a:endParaRPr lang="en-US" sz="2400" b="1" dirty="0"/>
+          </a:p>
+        </p:txBody>
+      </p:sp>
+      <p:grpSp>
+        <p:nvGrpSpPr>
+          <p:cNvPr id="105" name="그룹 1005"/>
+          <p:cNvGrpSpPr/>
+          <p:nvPr/>
+        </p:nvGrpSpPr>
+        <p:grpSpPr>
+          <a:xfrm>
+            <a:off x="6468313" y="6258122"/>
+            <a:ext cx="1803600" cy="2160000"/>
+            <a:chOff x="9919704" y="3437184"/>
+            <a:chExt cx="2282669" cy="2735570"/>
+          </a:xfrm>
+        </p:grpSpPr>
+        <p:pic>
+          <p:nvPicPr>
+            <p:cNvPr id="106" name="Object 24"/>
+            <p:cNvPicPr>
+              <a:picLocks noChangeAspect="1"/>
+            </p:cNvPicPr>
+            <p:nvPr/>
+          </p:nvPicPr>
+          <p:blipFill>
+            <a:blip r:embed="rId6" cstate="print"/>
+            <a:stretch>
+              <a:fillRect/>
+            </a:stretch>
+          </p:blipFill>
+          <p:spPr>
+            <a:xfrm>
+              <a:off x="9919704" y="3437184"/>
+              <a:ext cx="2282669" cy="2735570"/>
+            </a:xfrm>
+            <a:prstGeom prst="rect">
+              <a:avLst/>
+            </a:prstGeom>
+          </p:spPr>
+        </p:pic>
+      </p:grpSp>
+      <p:grpSp>
+        <p:nvGrpSpPr>
+          <p:cNvPr id="107" name="그룹 1006"/>
+          <p:cNvGrpSpPr/>
+          <p:nvPr/>
+        </p:nvGrpSpPr>
+        <p:grpSpPr>
+          <a:xfrm>
+            <a:off x="5950439" y="9145534"/>
+            <a:ext cx="2927586" cy="326400"/>
+            <a:chOff x="9597246" y="6959800"/>
+            <a:chExt cx="2927586" cy="326400"/>
+          </a:xfrm>
+        </p:grpSpPr>
+        <p:pic>
+          <p:nvPicPr>
+            <p:cNvPr id="108" name="Object 30"/>
+            <p:cNvPicPr>
+              <a:picLocks noChangeAspect="1"/>
+            </p:cNvPicPr>
+            <p:nvPr/>
+          </p:nvPicPr>
+          <p:blipFill>
+            <a:blip r:embed="rId7" cstate="print"/>
+            <a:stretch>
+              <a:fillRect/>
+            </a:stretch>
+          </p:blipFill>
+          <p:spPr>
+            <a:xfrm>
+              <a:off x="9597246" y="6959800"/>
+              <a:ext cx="2927586" cy="326400"/>
+            </a:xfrm>
+            <a:prstGeom prst="rect">
+              <a:avLst/>
+            </a:prstGeom>
+          </p:spPr>
+        </p:pic>
+      </p:grpSp>
+      <p:sp>
+        <p:nvSpPr>
+          <p:cNvPr id="109" name="Object 33"/>
+          <p:cNvSpPr txBox="1"/>
+          <p:nvPr/>
+        </p:nvSpPr>
+        <p:spPr>
+          <a:xfrm>
+            <a:off x="7827191" y="4939725"/>
+            <a:ext cx="3221809" cy="584775"/>
+          </a:xfrm>
+          <a:prstGeom prst="rect">
+            <a:avLst/>
+          </a:prstGeom>
+          <a:noFill/>
+        </p:spPr>
+        <p:txBody>
+          <a:bodyPr wrap="square" rtlCol="0" anchor="t">
+            <a:spAutoFit/>
+          </a:bodyPr>
+          <a:lstStyle/>
+          <a:p>
+            <a:pPr algn="ctr"/>
+            <a:r>
+              <a:rPr lang="ko-KR" altLang="en-US" sz="3200" b="1" kern="0" spc="-100" smtClean="0">
+                <a:latin typeface="Gmarket Sans Bold" pitchFamily="34" charset="0"/>
+              </a:rPr>
+              <a:t>일정표</a:t>
+            </a:r>
+            <a:endParaRPr lang="en-US" sz="2400" b="1" dirty="0"/>
+          </a:p>
+        </p:txBody>
+      </p:sp>
+      <p:grpSp>
+        <p:nvGrpSpPr>
+          <p:cNvPr id="110" name="그룹 1007"/>
+          <p:cNvGrpSpPr/>
+          <p:nvPr/>
+        </p:nvGrpSpPr>
+        <p:grpSpPr>
+          <a:xfrm>
+            <a:off x="8523379" y="2441710"/>
+            <a:ext cx="1803600" cy="2160000"/>
+            <a:chOff x="13756068" y="3437184"/>
+            <a:chExt cx="2282669" cy="2735570"/>
+          </a:xfrm>
+        </p:grpSpPr>
+        <p:pic>
+          <p:nvPicPr>
+            <p:cNvPr id="111" name="Object 34"/>
+            <p:cNvPicPr>
+              <a:picLocks noChangeAspect="1"/>
+            </p:cNvPicPr>
+            <p:nvPr/>
+          </p:nvPicPr>
+          <p:blipFill>
+            <a:blip r:embed="rId8" cstate="print"/>
+            <a:stretch>
+              <a:fillRect/>
+            </a:stretch>
+          </p:blipFill>
+          <p:spPr>
+            <a:xfrm>
+              <a:off x="13756068" y="3437184"/>
+              <a:ext cx="2282669" cy="2735570"/>
+            </a:xfrm>
+            <a:prstGeom prst="rect">
+              <a:avLst/>
+            </a:prstGeom>
+          </p:spPr>
+        </p:pic>
+      </p:grpSp>
+      <p:grpSp>
+        <p:nvGrpSpPr>
+          <p:cNvPr id="112" name="그룹 1008"/>
+          <p:cNvGrpSpPr/>
+          <p:nvPr/>
+        </p:nvGrpSpPr>
+        <p:grpSpPr>
+          <a:xfrm>
+            <a:off x="8019643" y="5372100"/>
             <a:ext cx="2917009" cy="326400"/>
             <a:chOff x="13438898" y="6959800"/>
             <a:chExt cx="2917009" cy="326400"/>
@@ -4438,7 +5941,7 @@
         </p:grpSpPr>
         <p:pic>
           <p:nvPicPr>
-            <p:cNvPr id="41" name="Object 40"/>
+            <p:cNvPr id="113" name="Object 40"/>
             <p:cNvPicPr>
               <a:picLocks noChangeAspect="1"/>
             </p:cNvPicPr>
@@ -4461,6 +5964,154 @@
           </p:spPr>
         </p:pic>
       </p:grpSp>
+      <p:sp>
+        <p:nvSpPr>
+          <p:cNvPr id="116" name="Object 8"/>
+          <p:cNvSpPr txBox="1"/>
+          <p:nvPr/>
+        </p:nvSpPr>
+        <p:spPr>
+          <a:xfrm>
+            <a:off x="6477000" y="6779483"/>
+            <a:ext cx="1757864" cy="666650"/>
+          </a:xfrm>
+          <a:prstGeom prst="rect">
+            <a:avLst/>
+          </a:prstGeom>
+          <a:noFill/>
+        </p:spPr>
+        <p:txBody>
+          <a:bodyPr wrap="square" rtlCol="0" anchor="t">
+            <a:spAutoFit/>
+          </a:bodyPr>
+          <a:lstStyle/>
+          <a:p>
+            <a:pPr algn="ctr"/>
+            <a:r>
+              <a:rPr lang="en-US" sz="2500" kern="0" spc="-100" dirty="0" smtClean="0">
+                <a:solidFill>
+                  <a:srgbClr val="FFFFFF"/>
+                </a:solidFill>
+                <a:latin typeface="Gmarket Sans Bold" pitchFamily="34" charset="0"/>
+                <a:cs typeface="Gmarket Sans Bold" pitchFamily="34" charset="0"/>
+              </a:rPr>
+              <a:t>PART</a:t>
+            </a:r>
+            <a:endParaRPr lang="en-US" dirty="0"/>
+          </a:p>
+        </p:txBody>
+      </p:sp>
+      <p:sp>
+        <p:nvSpPr>
+          <p:cNvPr id="117" name="Object 9"/>
+          <p:cNvSpPr txBox="1"/>
+          <p:nvPr/>
+        </p:nvSpPr>
+        <p:spPr>
+          <a:xfrm>
+            <a:off x="6553200" y="7112808"/>
+            <a:ext cx="1561642" cy="1184940"/>
+          </a:xfrm>
+          <a:prstGeom prst="rect">
+            <a:avLst/>
+          </a:prstGeom>
+          <a:noFill/>
+        </p:spPr>
+        <p:txBody>
+          <a:bodyPr wrap="square" rtlCol="0" anchor="t">
+            <a:spAutoFit/>
+          </a:bodyPr>
+          <a:lstStyle/>
+          <a:p>
+            <a:pPr algn="ctr"/>
+            <a:r>
+              <a:rPr lang="en-US" sz="7100" kern="0" spc="-300" smtClean="0">
+                <a:solidFill>
+                  <a:srgbClr val="FFFFFF"/>
+                </a:solidFill>
+                <a:latin typeface="Gmarket Sans Bold" pitchFamily="34" charset="0"/>
+                <a:cs typeface="Gmarket Sans Bold" pitchFamily="34" charset="0"/>
+              </a:rPr>
+              <a:t>05</a:t>
+            </a:r>
+            <a:endParaRPr lang="en-US" dirty="0"/>
+          </a:p>
+        </p:txBody>
+      </p:sp>
+      <p:sp>
+        <p:nvSpPr>
+          <p:cNvPr id="118" name="Object 8"/>
+          <p:cNvSpPr txBox="1"/>
+          <p:nvPr/>
+        </p:nvSpPr>
+        <p:spPr>
+          <a:xfrm>
+            <a:off x="8534400" y="3009900"/>
+            <a:ext cx="1757864" cy="666650"/>
+          </a:xfrm>
+          <a:prstGeom prst="rect">
+            <a:avLst/>
+          </a:prstGeom>
+          <a:noFill/>
+        </p:spPr>
+        <p:txBody>
+          <a:bodyPr wrap="square" rtlCol="0" anchor="t">
+            <a:spAutoFit/>
+          </a:bodyPr>
+          <a:lstStyle/>
+          <a:p>
+            <a:pPr algn="ctr"/>
+            <a:r>
+              <a:rPr lang="en-US" sz="2500" kern="0" spc="-100" dirty="0" smtClean="0">
+                <a:solidFill>
+                  <a:srgbClr val="FFFFFF"/>
+                </a:solidFill>
+                <a:latin typeface="Gmarket Sans Bold" pitchFamily="34" charset="0"/>
+                <a:cs typeface="Gmarket Sans Bold" pitchFamily="34" charset="0"/>
+              </a:rPr>
+              <a:t>PART</a:t>
+            </a:r>
+            <a:endParaRPr lang="en-US" dirty="0"/>
+          </a:p>
+        </p:txBody>
+      </p:sp>
+      <p:sp>
+        <p:nvSpPr>
+          <p:cNvPr id="119" name="Object 9"/>
+          <p:cNvSpPr txBox="1"/>
+          <p:nvPr/>
+        </p:nvSpPr>
+        <p:spPr>
+          <a:xfrm>
+            <a:off x="8614410" y="3356544"/>
+            <a:ext cx="1561642" cy="1184940"/>
+          </a:xfrm>
+          <a:prstGeom prst="rect">
+            <a:avLst/>
+          </a:prstGeom>
+          <a:noFill/>
+        </p:spPr>
+        <p:txBody>
+          <a:bodyPr wrap="square" rtlCol="0" anchor="t">
+            <a:spAutoFit/>
+          </a:bodyPr>
+          <a:lstStyle/>
+          <a:p>
+            <a:pPr algn="ctr"/>
+            <a:r>
+              <a:rPr lang="en-US" sz="7100" kern="0" spc="-300" smtClean="0">
+                <a:solidFill>
+                  <a:srgbClr val="FFFFFF"/>
+                </a:solidFill>
+                <a:latin typeface="Gmarket Sans Bold" pitchFamily="34" charset="0"/>
+                <a:cs typeface="Gmarket Sans Bold" pitchFamily="34" charset="0"/>
+              </a:rPr>
+              <a:t>02</a:t>
+            </a:r>
+            <a:endParaRPr lang="en-US" dirty="0"/>
+          </a:p>
+        </p:txBody>
+      </p:sp>
     </p:spTree>
   </p:cSld>
   <p:clrMapOvr>
@@ -4700,7 +6351,7 @@
                                 </p:cTn>
                               </p:par>
                               <p:par>
-                                <p:cTn id="23" presetID="10" presetClass="entr" presetSubtype="0" fill="hold" grpId="0" nodeType="withEffect">
+                                <p:cTn id="23" presetID="10" presetClass="entr" presetSubtype="0" fill="hold" nodeType="withEffect">
                                   <p:stCondLst>
                                     <p:cond delay="0"/>
                                   </p:stCondLst>
@@ -4713,7 +6364,7 @@
                                           </p:stCondLst>
                                         </p:cTn>
                                         <p:tgtEl>
-                                          <p:spTgt spid="18"/>
+                                          <p:spTgt spid="1004"/>
                                         </p:tgtEl>
                                         <p:attrNameLst>
                                           <p:attrName>style.visibility</p:attrName>
@@ -4727,7 +6378,7 @@
                                       <p:cBhvr>
                                         <p:cTn id="25" dur="500"/>
                                         <p:tgtEl>
-                                          <p:spTgt spid="18"/>
+                                          <p:spTgt spid="1004"/>
                                         </p:tgtEl>
                                       </p:cBhvr>
                                     </p:animEffect>
@@ -4748,7 +6399,7 @@
                                           </p:stCondLst>
                                         </p:cTn>
                                         <p:tgtEl>
-                                          <p:spTgt spid="19"/>
+                                          <p:spTgt spid="23"/>
                                         </p:tgtEl>
                                         <p:attrNameLst>
                                           <p:attrName>style.visibility</p:attrName>
@@ -4762,7 +6413,7 @@
                                       <p:cBhvr>
                                         <p:cTn id="28" dur="500"/>
                                         <p:tgtEl>
-                                          <p:spTgt spid="19"/>
+                                          <p:spTgt spid="23"/>
                                         </p:tgtEl>
                                       </p:cBhvr>
                                     </p:animEffect>
@@ -4783,7 +6434,7 @@
                                           </p:stCondLst>
                                         </p:cTn>
                                         <p:tgtEl>
-                                          <p:spTgt spid="1004"/>
+                                          <p:spTgt spid="1005"/>
                                         </p:tgtEl>
                                         <p:attrNameLst>
                                           <p:attrName>style.visibility</p:attrName>
@@ -4797,76 +6448,6 @@
                                       <p:cBhvr>
                                         <p:cTn id="31" dur="500"/>
                                         <p:tgtEl>
-                                          <p:spTgt spid="1004"/>
-                                        </p:tgtEl>
-                                      </p:cBhvr>
-                                    </p:animEffect>
-                                  </p:childTnLst>
-                                </p:cTn>
-                              </p:par>
-                              <p:par>
-                                <p:cTn id="32" presetID="10" presetClass="entr" presetSubtype="0" fill="hold" grpId="0" nodeType="withEffect">
-                                  <p:stCondLst>
-                                    <p:cond delay="0"/>
-                                  </p:stCondLst>
-                                  <p:childTnLst>
-                                    <p:set>
-                                      <p:cBhvr>
-                                        <p:cTn id="33" dur="1" fill="hold">
-                                          <p:stCondLst>
-                                            <p:cond delay="0"/>
-                                          </p:stCondLst>
-                                        </p:cTn>
-                                        <p:tgtEl>
-                                          <p:spTgt spid="23"/>
-                                        </p:tgtEl>
-                                        <p:attrNameLst>
-                                          <p:attrName>style.visibility</p:attrName>
-                                        </p:attrNameLst>
-                                      </p:cBhvr>
-                                      <p:to>
-                                        <p:strVal val="visible"/>
-                                      </p:to>
-                                    </p:set>
-                                    <p:animEffect transition="in" filter="fade">
-                                      <p:cBhvr>
-                                        <p:cTn id="34" dur="500"/>
-                                        <p:tgtEl>
-                                          <p:spTgt spid="23"/>
-                                        </p:tgtEl>
-                                      </p:cBhvr>
-                                    </p:animEffect>
-                                  </p:childTnLst>
-                                </p:cTn>
-                              </p:par>
-                              <p:par>
-                                <p:cTn id="35" presetID="10" presetClass="entr" presetSubtype="0" fill="hold" nodeType="withEffect">
-                                  <p:stCondLst>
-                                    <p:cond delay="0"/>
-                                  </p:stCondLst>
-                                  <p:childTnLst>
-                                    <p:set>
-                                      <p:cBhvr>
-                                        <p:cTn id="36" dur="1" fill="hold">
-                                          <p:stCondLst>
-                                            <p:cond delay="0"/>
-                                          </p:stCondLst>
-                                        </p:cTn>
-                                        <p:tgtEl>
-                                          <p:spTgt spid="1005"/>
-                                        </p:tgtEl>
-                                        <p:attrNameLst>
-                                          <p:attrName>style.visibility</p:attrName>
-                                        </p:attrNameLst>
-                                      </p:cBhvr>
-                                      <p:to>
-                                        <p:strVal val="visible"/>
-                                      </p:to>
-                                    </p:set>
-                                    <p:animEffect transition="in" filter="fade">
-                                      <p:cBhvr>
-                                        <p:cTn id="37" dur="500"/>
-                                        <p:tgtEl>
                                           <p:spTgt spid="1005"/>
                                         </p:tgtEl>
                                       </p:cBhvr>
@@ -4875,84 +6456,14 @@
                                 </p:cTn>
                               </p:par>
                               <p:par>
-                                <p:cTn id="38" presetID="10" presetClass="entr" presetSubtype="0" fill="hold" grpId="0" nodeType="withEffect">
+                                <p:cTn id="32" presetID="10" presetClass="entr" presetSubtype="0" fill="hold" nodeType="withEffect">
                                   <p:stCondLst>
                                     <p:cond delay="0"/>
                                   </p:stCondLst>
                                   <p:childTnLst>
                                     <p:set>
                                       <p:cBhvr>
-                                        <p:cTn id="39" dur="1" fill="hold">
-                                          <p:stCondLst>
-                                            <p:cond delay="0"/>
-                                          </p:stCondLst>
-                                        </p:cTn>
-                                        <p:tgtEl>
-                                          <p:spTgt spid="28"/>
-                                        </p:tgtEl>
-                                        <p:attrNameLst>
-                                          <p:attrName>style.visibility</p:attrName>
-                                        </p:attrNameLst>
-                                      </p:cBhvr>
-                                      <p:to>
-                                        <p:strVal val="visible"/>
-                                      </p:to>
-                                    </p:set>
-                                    <p:animEffect transition="in" filter="fade">
-                                      <p:cBhvr>
-                                        <p:cTn id="40" dur="500"/>
-                                        <p:tgtEl>
-                                          <p:spTgt spid="28"/>
-                                        </p:tgtEl>
-                                      </p:cBhvr>
-                                    </p:animEffect>
-                                  </p:childTnLst>
-                                </p:cTn>
-                              </p:par>
-                              <p:par>
-                                <p:cTn id="41" presetID="10" presetClass="entr" presetSubtype="0" fill="hold" grpId="0" nodeType="withEffect">
-                                  <p:stCondLst>
-                                    <p:cond delay="0"/>
-                                  </p:stCondLst>
-                                  <p:childTnLst>
-                                    <p:set>
-                                      <p:cBhvr>
-                                        <p:cTn id="42" dur="1" fill="hold">
-                                          <p:stCondLst>
-                                            <p:cond delay="0"/>
-                                          </p:stCondLst>
-                                        </p:cTn>
-                                        <p:tgtEl>
-                                          <p:spTgt spid="29"/>
-                                        </p:tgtEl>
-                                        <p:attrNameLst>
-                                          <p:attrName>style.visibility</p:attrName>
-                                        </p:attrNameLst>
-                                      </p:cBhvr>
-                                      <p:to>
-                                        <p:strVal val="visible"/>
-                                      </p:to>
-                                    </p:set>
-                                    <p:animEffect transition="in" filter="fade">
-                                      <p:cBhvr>
-                                        <p:cTn id="43" dur="500"/>
-                                        <p:tgtEl>
-                                          <p:spTgt spid="29"/>
-                                        </p:tgtEl>
-                                      </p:cBhvr>
-                                    </p:animEffect>
-                                  </p:childTnLst>
-                                </p:cTn>
-                              </p:par>
-                              <p:par>
-                                <p:cTn id="44" presetID="10" presetClass="entr" presetSubtype="0" fill="hold" nodeType="withEffect">
-                                  <p:stCondLst>
-                                    <p:cond delay="0"/>
-                                  </p:stCondLst>
-                                  <p:childTnLst>
-                                    <p:set>
-                                      <p:cBhvr>
-                                        <p:cTn id="45" dur="1" fill="hold">
+                                        <p:cTn id="33" dur="1" fill="hold">
                                           <p:stCondLst>
                                             <p:cond delay="0"/>
                                           </p:stCondLst>
@@ -4970,9 +6481,149 @@
                                     </p:set>
                                     <p:animEffect transition="in" filter="fade">
                                       <p:cBhvr>
+                                        <p:cTn id="34" dur="500"/>
+                                        <p:tgtEl>
+                                          <p:spTgt spid="1006"/>
+                                        </p:tgtEl>
+                                      </p:cBhvr>
+                                    </p:animEffect>
+                                  </p:childTnLst>
+                                </p:cTn>
+                              </p:par>
+                              <p:par>
+                                <p:cTn id="35" presetID="10" presetClass="entr" presetSubtype="0" fill="hold" grpId="0" nodeType="withEffect">
+                                  <p:stCondLst>
+                                    <p:cond delay="0"/>
+                                  </p:stCondLst>
+                                  <p:childTnLst>
+                                    <p:set>
+                                      <p:cBhvr>
+                                        <p:cTn id="36" dur="1" fill="hold">
+                                          <p:stCondLst>
+                                            <p:cond delay="0"/>
+                                          </p:stCondLst>
+                                        </p:cTn>
+                                        <p:tgtEl>
+                                          <p:spTgt spid="33"/>
+                                        </p:tgtEl>
+                                        <p:attrNameLst>
+                                          <p:attrName>style.visibility</p:attrName>
+                                        </p:attrNameLst>
+                                      </p:cBhvr>
+                                      <p:to>
+                                        <p:strVal val="visible"/>
+                                      </p:to>
+                                    </p:set>
+                                    <p:animEffect transition="in" filter="fade">
+                                      <p:cBhvr>
+                                        <p:cTn id="37" dur="500"/>
+                                        <p:tgtEl>
+                                          <p:spTgt spid="33"/>
+                                        </p:tgtEl>
+                                      </p:cBhvr>
+                                    </p:animEffect>
+                                  </p:childTnLst>
+                                </p:cTn>
+                              </p:par>
+                              <p:par>
+                                <p:cTn id="38" presetID="10" presetClass="entr" presetSubtype="0" fill="hold" nodeType="withEffect">
+                                  <p:stCondLst>
+                                    <p:cond delay="0"/>
+                                  </p:stCondLst>
+                                  <p:childTnLst>
+                                    <p:set>
+                                      <p:cBhvr>
+                                        <p:cTn id="39" dur="1" fill="hold">
+                                          <p:stCondLst>
+                                            <p:cond delay="0"/>
+                                          </p:stCondLst>
+                                        </p:cTn>
+                                        <p:tgtEl>
+                                          <p:spTgt spid="1007"/>
+                                        </p:tgtEl>
+                                        <p:attrNameLst>
+                                          <p:attrName>style.visibility</p:attrName>
+                                        </p:attrNameLst>
+                                      </p:cBhvr>
+                                      <p:to>
+                                        <p:strVal val="visible"/>
+                                      </p:to>
+                                    </p:set>
+                                    <p:animEffect transition="in" filter="fade">
+                                      <p:cBhvr>
+                                        <p:cTn id="40" dur="500"/>
+                                        <p:tgtEl>
+                                          <p:spTgt spid="1007"/>
+                                        </p:tgtEl>
+                                      </p:cBhvr>
+                                    </p:animEffect>
+                                  </p:childTnLst>
+                                </p:cTn>
+                              </p:par>
+                              <p:par>
+                                <p:cTn id="41" presetID="10" presetClass="entr" presetSubtype="0" fill="hold" nodeType="withEffect">
+                                  <p:stCondLst>
+                                    <p:cond delay="0"/>
+                                  </p:stCondLst>
+                                  <p:childTnLst>
+                                    <p:set>
+                                      <p:cBhvr>
+                                        <p:cTn id="42" dur="1" fill="hold">
+                                          <p:stCondLst>
+                                            <p:cond delay="0"/>
+                                          </p:stCondLst>
+                                        </p:cTn>
+                                        <p:tgtEl>
+                                          <p:spTgt spid="1008"/>
+                                        </p:tgtEl>
+                                        <p:attrNameLst>
+                                          <p:attrName>style.visibility</p:attrName>
+                                        </p:attrNameLst>
+                                      </p:cBhvr>
+                                      <p:to>
+                                        <p:strVal val="visible"/>
+                                      </p:to>
+                                    </p:set>
+                                    <p:animEffect transition="in" filter="fade">
+                                      <p:cBhvr>
+                                        <p:cTn id="43" dur="500"/>
+                                        <p:tgtEl>
+                                          <p:spTgt spid="1008"/>
+                                        </p:tgtEl>
+                                      </p:cBhvr>
+                                    </p:animEffect>
+                                  </p:childTnLst>
+                                </p:cTn>
+                              </p:par>
+                              <p:par>
+                                <p:cTn id="44" presetID="10" presetClass="entr" presetSubtype="0" fill="hold" grpId="0" nodeType="withEffect">
+                                  <p:stCondLst>
+                                    <p:cond delay="0"/>
+                                  </p:stCondLst>
+                                  <p:childTnLst>
+                                    <p:set>
+                                      <p:cBhvr>
+                                        <p:cTn id="45" dur="1" fill="hold">
+                                          <p:stCondLst>
+                                            <p:cond delay="0"/>
+                                          </p:stCondLst>
+                                        </p:cTn>
+                                        <p:tgtEl>
+                                          <p:spTgt spid="3"/>
+                                        </p:tgtEl>
+                                        <p:attrNameLst>
+                                          <p:attrName>style.visibility</p:attrName>
+                                        </p:attrNameLst>
+                                      </p:cBhvr>
+                                      <p:to>
+                                        <p:strVal val="visible"/>
+                                      </p:to>
+                                    </p:set>
+                                    <p:animEffect transition="in" filter="fade">
+                                      <p:cBhvr>
                                         <p:cTn id="46" dur="500"/>
                                         <p:tgtEl>
-                                          <p:spTgt spid="1006"/>
+                                          <p:spTgt spid="3"/>
                                         </p:tgtEl>
                                       </p:cBhvr>
                                     </p:animEffect>
@@ -4993,7 +6644,7 @@
                                           </p:stCondLst>
                                         </p:cTn>
                                         <p:tgtEl>
-                                          <p:spTgt spid="33"/>
+                                          <p:spTgt spid="86"/>
                                         </p:tgtEl>
                                         <p:attrNameLst>
                                           <p:attrName>style.visibility</p:attrName>
@@ -5007,7 +6658,7 @@
                                       <p:cBhvr>
                                         <p:cTn id="49" dur="500"/>
                                         <p:tgtEl>
-                                          <p:spTgt spid="33"/>
+                                          <p:spTgt spid="86"/>
                                         </p:tgtEl>
                                       </p:cBhvr>
                                     </p:animEffect>
@@ -5015,7 +6666,7 @@
                                 </p:cTn>
                               </p:par>
                               <p:par>
-                                <p:cTn id="50" presetID="10" presetClass="entr" presetSubtype="0" fill="hold" nodeType="withEffect">
+                                <p:cTn id="50" presetID="10" presetClass="entr" presetSubtype="0" fill="hold" grpId="0" nodeType="withEffect">
                                   <p:stCondLst>
                                     <p:cond delay="0"/>
                                   </p:stCondLst>
@@ -5028,7 +6679,7 @@
                                           </p:stCondLst>
                                         </p:cTn>
                                         <p:tgtEl>
-                                          <p:spTgt spid="1007"/>
+                                          <p:spTgt spid="87"/>
                                         </p:tgtEl>
                                         <p:attrNameLst>
                                           <p:attrName>style.visibility</p:attrName>
@@ -5042,7 +6693,7 @@
                                       <p:cBhvr>
                                         <p:cTn id="52" dur="500"/>
                                         <p:tgtEl>
-                                          <p:spTgt spid="1007"/>
+                                          <p:spTgt spid="87"/>
                                         </p:tgtEl>
                                       </p:cBhvr>
                                     </p:animEffect>
@@ -5063,7 +6714,7 @@
                                           </p:stCondLst>
                                         </p:cTn>
                                         <p:tgtEl>
-                                          <p:spTgt spid="38"/>
+                                          <p:spTgt spid="88"/>
                                         </p:tgtEl>
                                         <p:attrNameLst>
                                           <p:attrName>style.visibility</p:attrName>
@@ -5077,7 +6728,7 @@
                                       <p:cBhvr>
                                         <p:cTn id="55" dur="500"/>
                                         <p:tgtEl>
-                                          <p:spTgt spid="38"/>
+                                          <p:spTgt spid="88"/>
                                         </p:tgtEl>
                                       </p:cBhvr>
                                     </p:animEffect>
@@ -5098,7 +6749,7 @@
                                           </p:stCondLst>
                                         </p:cTn>
                                         <p:tgtEl>
-                                          <p:spTgt spid="39"/>
+                                          <p:spTgt spid="89"/>
                                         </p:tgtEl>
                                         <p:attrNameLst>
                                           <p:attrName>style.visibility</p:attrName>
@@ -5112,7 +6763,7 @@
                                       <p:cBhvr>
                                         <p:cTn id="58" dur="500"/>
                                         <p:tgtEl>
-                                          <p:spTgt spid="39"/>
+                                          <p:spTgt spid="89"/>
                                         </p:tgtEl>
                                       </p:cBhvr>
                                     </p:animEffect>
@@ -5120,7 +6771,7 @@
                                 </p:cTn>
                               </p:par>
                               <p:par>
-                                <p:cTn id="59" presetID="10" presetClass="entr" presetSubtype="0" fill="hold" nodeType="withEffect">
+                                <p:cTn id="59" presetID="10" presetClass="entr" presetSubtype="0" fill="hold" grpId="0" nodeType="withEffect">
                                   <p:stCondLst>
                                     <p:cond delay="0"/>
                                   </p:stCondLst>
@@ -5133,7 +6784,7 @@
                                           </p:stCondLst>
                                         </p:cTn>
                                         <p:tgtEl>
-                                          <p:spTgt spid="1008"/>
+                                          <p:spTgt spid="90"/>
                                         </p:tgtEl>
                                         <p:attrNameLst>
                                           <p:attrName>style.visibility</p:attrName>
@@ -5147,7 +6798,7 @@
                                       <p:cBhvr>
                                         <p:cTn id="61" dur="500"/>
                                         <p:tgtEl>
-                                          <p:spTgt spid="1008"/>
+                                          <p:spTgt spid="90"/>
                                         </p:tgtEl>
                                       </p:cBhvr>
                                     </p:animEffect>
@@ -5168,7 +6819,7 @@
                                           </p:stCondLst>
                                         </p:cTn>
                                         <p:tgtEl>
-                                          <p:spTgt spid="3"/>
+                                          <p:spTgt spid="91"/>
                                         </p:tgtEl>
                                         <p:attrNameLst>
                                           <p:attrName>style.visibility</p:attrName>
@@ -5182,7 +6833,532 @@
                                       <p:cBhvr>
                                         <p:cTn id="64" dur="500"/>
                                         <p:tgtEl>
-                                          <p:spTgt spid="3"/>
+                                          <p:spTgt spid="91"/>
+                                        </p:tgtEl>
+                                      </p:cBhvr>
+                                    </p:animEffect>
+                                  </p:childTnLst>
+                                </p:cTn>
+                              </p:par>
+                              <p:par>
+                                <p:cTn id="65" presetID="10" presetClass="entr" presetSubtype="0" fill="hold" nodeType="withEffect">
+                                  <p:stCondLst>
+                                    <p:cond delay="0"/>
+                                  </p:stCondLst>
+                                  <p:childTnLst>
+                                    <p:set>
+                                      <p:cBhvr>
+                                        <p:cTn id="66" dur="1" fill="hold">
+                                          <p:stCondLst>
+                                            <p:cond delay="0"/>
+                                          </p:stCondLst>
+                                        </p:cTn>
+                                        <p:tgtEl>
+                                          <p:spTgt spid="93"/>
+                                        </p:tgtEl>
+                                        <p:attrNameLst>
+                                          <p:attrName>style.visibility</p:attrName>
+                                        </p:attrNameLst>
+                                      </p:cBhvr>
+                                      <p:to>
+                                        <p:strVal val="visible"/>
+                                      </p:to>
+                                    </p:set>
+                                    <p:animEffect transition="in" filter="fade">
+                                      <p:cBhvr>
+                                        <p:cTn id="67" dur="500"/>
+                                        <p:tgtEl>
+                                          <p:spTgt spid="93"/>
+                                        </p:tgtEl>
+                                      </p:cBhvr>
+                                    </p:animEffect>
+                                  </p:childTnLst>
+                                </p:cTn>
+                              </p:par>
+                              <p:par>
+                                <p:cTn id="68" presetID="10" presetClass="entr" presetSubtype="0" fill="hold" grpId="0" nodeType="withEffect">
+                                  <p:stCondLst>
+                                    <p:cond delay="0"/>
+                                  </p:stCondLst>
+                                  <p:childTnLst>
+                                    <p:set>
+                                      <p:cBhvr>
+                                        <p:cTn id="69" dur="1" fill="hold">
+                                          <p:stCondLst>
+                                            <p:cond delay="0"/>
+                                          </p:stCondLst>
+                                        </p:cTn>
+                                        <p:tgtEl>
+                                          <p:spTgt spid="95"/>
+                                        </p:tgtEl>
+                                        <p:attrNameLst>
+                                          <p:attrName>style.visibility</p:attrName>
+                                        </p:attrNameLst>
+                                      </p:cBhvr>
+                                      <p:to>
+                                        <p:strVal val="visible"/>
+                                      </p:to>
+                                    </p:set>
+                                    <p:animEffect transition="in" filter="fade">
+                                      <p:cBhvr>
+                                        <p:cTn id="70" dur="500"/>
+                                        <p:tgtEl>
+                                          <p:spTgt spid="95"/>
+                                        </p:tgtEl>
+                                      </p:cBhvr>
+                                    </p:animEffect>
+                                  </p:childTnLst>
+                                </p:cTn>
+                              </p:par>
+                              <p:par>
+                                <p:cTn id="71" presetID="10" presetClass="entr" presetSubtype="0" fill="hold" grpId="0" nodeType="withEffect">
+                                  <p:stCondLst>
+                                    <p:cond delay="0"/>
+                                  </p:stCondLst>
+                                  <p:childTnLst>
+                                    <p:set>
+                                      <p:cBhvr>
+                                        <p:cTn id="72" dur="1" fill="hold">
+                                          <p:stCondLst>
+                                            <p:cond delay="0"/>
+                                          </p:stCondLst>
+                                        </p:cTn>
+                                        <p:tgtEl>
+                                          <p:spTgt spid="96"/>
+                                        </p:tgtEl>
+                                        <p:attrNameLst>
+                                          <p:attrName>style.visibility</p:attrName>
+                                        </p:attrNameLst>
+                                      </p:cBhvr>
+                                      <p:to>
+                                        <p:strVal val="visible"/>
+                                      </p:to>
+                                    </p:set>
+                                    <p:animEffect transition="in" filter="fade">
+                                      <p:cBhvr>
+                                        <p:cTn id="73" dur="500"/>
+                                        <p:tgtEl>
+                                          <p:spTgt spid="96"/>
+                                        </p:tgtEl>
+                                      </p:cBhvr>
+                                    </p:animEffect>
+                                  </p:childTnLst>
+                                </p:cTn>
+                              </p:par>
+                              <p:par>
+                                <p:cTn id="74" presetID="10" presetClass="entr" presetSubtype="0" fill="hold" nodeType="withEffect">
+                                  <p:stCondLst>
+                                    <p:cond delay="0"/>
+                                  </p:stCondLst>
+                                  <p:childTnLst>
+                                    <p:set>
+                                      <p:cBhvr>
+                                        <p:cTn id="75" dur="1" fill="hold">
+                                          <p:stCondLst>
+                                            <p:cond delay="0"/>
+                                          </p:stCondLst>
+                                        </p:cTn>
+                                        <p:tgtEl>
+                                          <p:spTgt spid="97"/>
+                                        </p:tgtEl>
+                                        <p:attrNameLst>
+                                          <p:attrName>style.visibility</p:attrName>
+                                        </p:attrNameLst>
+                                      </p:cBhvr>
+                                      <p:to>
+                                        <p:strVal val="visible"/>
+                                      </p:to>
+                                    </p:set>
+                                    <p:animEffect transition="in" filter="fade">
+                                      <p:cBhvr>
+                                        <p:cTn id="76" dur="500"/>
+                                        <p:tgtEl>
+                                          <p:spTgt spid="97"/>
+                                        </p:tgtEl>
+                                      </p:cBhvr>
+                                    </p:animEffect>
+                                  </p:childTnLst>
+                                </p:cTn>
+                              </p:par>
+                              <p:par>
+                                <p:cTn id="77" presetID="10" presetClass="entr" presetSubtype="0" fill="hold" grpId="0" nodeType="withEffect">
+                                  <p:stCondLst>
+                                    <p:cond delay="0"/>
+                                  </p:stCondLst>
+                                  <p:childTnLst>
+                                    <p:set>
+                                      <p:cBhvr>
+                                        <p:cTn id="78" dur="1" fill="hold">
+                                          <p:stCondLst>
+                                            <p:cond delay="0"/>
+                                          </p:stCondLst>
+                                        </p:cTn>
+                                        <p:tgtEl>
+                                          <p:spTgt spid="104"/>
+                                        </p:tgtEl>
+                                        <p:attrNameLst>
+                                          <p:attrName>style.visibility</p:attrName>
+                                        </p:attrNameLst>
+                                      </p:cBhvr>
+                                      <p:to>
+                                        <p:strVal val="visible"/>
+                                      </p:to>
+                                    </p:set>
+                                    <p:animEffect transition="in" filter="fade">
+                                      <p:cBhvr>
+                                        <p:cTn id="79" dur="500"/>
+                                        <p:tgtEl>
+                                          <p:spTgt spid="104"/>
+                                        </p:tgtEl>
+                                      </p:cBhvr>
+                                    </p:animEffect>
+                                  </p:childTnLst>
+                                </p:cTn>
+                              </p:par>
+                              <p:par>
+                                <p:cTn id="80" presetID="10" presetClass="entr" presetSubtype="0" fill="hold" nodeType="withEffect">
+                                  <p:stCondLst>
+                                    <p:cond delay="0"/>
+                                  </p:stCondLst>
+                                  <p:childTnLst>
+                                    <p:set>
+                                      <p:cBhvr>
+                                        <p:cTn id="81" dur="1" fill="hold">
+                                          <p:stCondLst>
+                                            <p:cond delay="0"/>
+                                          </p:stCondLst>
+                                        </p:cTn>
+                                        <p:tgtEl>
+                                          <p:spTgt spid="105"/>
+                                        </p:tgtEl>
+                                        <p:attrNameLst>
+                                          <p:attrName>style.visibility</p:attrName>
+                                        </p:attrNameLst>
+                                      </p:cBhvr>
+                                      <p:to>
+                                        <p:strVal val="visible"/>
+                                      </p:to>
+                                    </p:set>
+                                    <p:animEffect transition="in" filter="fade">
+                                      <p:cBhvr>
+                                        <p:cTn id="82" dur="500"/>
+                                        <p:tgtEl>
+                                          <p:spTgt spid="105"/>
+                                        </p:tgtEl>
+                                      </p:cBhvr>
+                                    </p:animEffect>
+                                  </p:childTnLst>
+                                </p:cTn>
+                              </p:par>
+                              <p:par>
+                                <p:cTn id="83" presetID="10" presetClass="entr" presetSubtype="0" fill="hold" nodeType="withEffect">
+                                  <p:stCondLst>
+                                    <p:cond delay="0"/>
+                                  </p:stCondLst>
+                                  <p:childTnLst>
+                                    <p:set>
+                                      <p:cBhvr>
+                                        <p:cTn id="84" dur="1" fill="hold">
+                                          <p:stCondLst>
+                                            <p:cond delay="0"/>
+                                          </p:stCondLst>
+                                        </p:cTn>
+                                        <p:tgtEl>
+                                          <p:spTgt spid="107"/>
+                                        </p:tgtEl>
+                                        <p:attrNameLst>
+                                          <p:attrName>style.visibility</p:attrName>
+                                        </p:attrNameLst>
+                                      </p:cBhvr>
+                                      <p:to>
+                                        <p:strVal val="visible"/>
+                                      </p:to>
+                                    </p:set>
+                                    <p:animEffect transition="in" filter="fade">
+                                      <p:cBhvr>
+                                        <p:cTn id="85" dur="500"/>
+                                        <p:tgtEl>
+                                          <p:spTgt spid="107"/>
+                                        </p:tgtEl>
+                                      </p:cBhvr>
+                                    </p:animEffect>
+                                  </p:childTnLst>
+                                </p:cTn>
+                              </p:par>
+                              <p:par>
+                                <p:cTn id="86" presetID="10" presetClass="entr" presetSubtype="0" fill="hold" grpId="0" nodeType="withEffect">
+                                  <p:stCondLst>
+                                    <p:cond delay="0"/>
+                                  </p:stCondLst>
+                                  <p:childTnLst>
+                                    <p:set>
+                                      <p:cBhvr>
+                                        <p:cTn id="87" dur="1" fill="hold">
+                                          <p:stCondLst>
+                                            <p:cond delay="0"/>
+                                          </p:stCondLst>
+                                        </p:cTn>
+                                        <p:tgtEl>
+                                          <p:spTgt spid="109"/>
+                                        </p:tgtEl>
+                                        <p:attrNameLst>
+                                          <p:attrName>style.visibility</p:attrName>
+                                        </p:attrNameLst>
+                                      </p:cBhvr>
+                                      <p:to>
+                                        <p:strVal val="visible"/>
+                                      </p:to>
+                                    </p:set>
+                                    <p:animEffect transition="in" filter="fade">
+                                      <p:cBhvr>
+                                        <p:cTn id="88" dur="500"/>
+                                        <p:tgtEl>
+                                          <p:spTgt spid="109"/>
+                                        </p:tgtEl>
+                                      </p:cBhvr>
+                                    </p:animEffect>
+                                  </p:childTnLst>
+                                </p:cTn>
+                              </p:par>
+                              <p:par>
+                                <p:cTn id="89" presetID="10" presetClass="entr" presetSubtype="0" fill="hold" nodeType="withEffect">
+                                  <p:stCondLst>
+                                    <p:cond delay="0"/>
+                                  </p:stCondLst>
+                                  <p:childTnLst>
+                                    <p:set>
+                                      <p:cBhvr>
+                                        <p:cTn id="90" dur="1" fill="hold">
+                                          <p:stCondLst>
+                                            <p:cond delay="0"/>
+                                          </p:stCondLst>
+                                        </p:cTn>
+                                        <p:tgtEl>
+                                          <p:spTgt spid="110"/>
+                                        </p:tgtEl>
+                                        <p:attrNameLst>
+                                          <p:attrName>style.visibility</p:attrName>
+                                        </p:attrNameLst>
+                                      </p:cBhvr>
+                                      <p:to>
+                                        <p:strVal val="visible"/>
+                                      </p:to>
+                                    </p:set>
+                                    <p:animEffect transition="in" filter="fade">
+                                      <p:cBhvr>
+                                        <p:cTn id="91" dur="500"/>
+                                        <p:tgtEl>
+                                          <p:spTgt spid="110"/>
+                                        </p:tgtEl>
+                                      </p:cBhvr>
+                                    </p:animEffect>
+                                  </p:childTnLst>
+                                </p:cTn>
+                              </p:par>
+                              <p:par>
+                                <p:cTn id="92" presetID="10" presetClass="entr" presetSubtype="0" fill="hold" nodeType="withEffect">
+                                  <p:stCondLst>
+                                    <p:cond delay="0"/>
+                                  </p:stCondLst>
+                                  <p:childTnLst>
+                                    <p:set>
+                                      <p:cBhvr>
+                                        <p:cTn id="93" dur="1" fill="hold">
+                                          <p:stCondLst>
+                                            <p:cond delay="0"/>
+                                          </p:stCondLst>
+                                        </p:cTn>
+                                        <p:tgtEl>
+                                          <p:spTgt spid="112"/>
+                                        </p:tgtEl>
+                                        <p:attrNameLst>
+                                          <p:attrName>style.visibility</p:attrName>
+                                        </p:attrNameLst>
+                                      </p:cBhvr>
+                                      <p:to>
+                                        <p:strVal val="visible"/>
+                                      </p:to>
+                                    </p:set>
+                                    <p:animEffect transition="in" filter="fade">
+                                      <p:cBhvr>
+                                        <p:cTn id="94" dur="500"/>
+                                        <p:tgtEl>
+                                          <p:spTgt spid="112"/>
+                                        </p:tgtEl>
+                                      </p:cBhvr>
+                                    </p:animEffect>
+                                  </p:childTnLst>
+                                </p:cTn>
+                              </p:par>
+                              <p:par>
+                                <p:cTn id="95" presetID="10" presetClass="entr" presetSubtype="0" fill="hold" grpId="0" nodeType="withEffect">
+                                  <p:stCondLst>
+                                    <p:cond delay="0"/>
+                                  </p:stCondLst>
+                                  <p:childTnLst>
+                                    <p:set>
+                                      <p:cBhvr>
+                                        <p:cTn id="96" dur="1" fill="hold">
+                                          <p:stCondLst>
+                                            <p:cond delay="0"/>
+                                          </p:stCondLst>
+                                        </p:cTn>
+                                        <p:tgtEl>
+                                          <p:spTgt spid="92"/>
+                                        </p:tgtEl>
+                                        <p:attrNameLst>
+                                          <p:attrName>style.visibility</p:attrName>
+                                        </p:attrNameLst>
+                                      </p:cBhvr>
+                                      <p:to>
+                                        <p:strVal val="visible"/>
+                                      </p:to>
+                                    </p:set>
+                                    <p:animEffect transition="in" filter="fade">
+                                      <p:cBhvr>
+                                        <p:cTn id="97" dur="500"/>
+                                        <p:tgtEl>
+                                          <p:spTgt spid="92"/>
+                                        </p:tgtEl>
+                                      </p:cBhvr>
+                                    </p:animEffect>
+                                  </p:childTnLst>
+                                </p:cTn>
+                              </p:par>
+                              <p:par>
+                                <p:cTn id="98" presetID="10" presetClass="entr" presetSubtype="0" fill="hold" grpId="0" nodeType="withEffect">
+                                  <p:stCondLst>
+                                    <p:cond delay="0"/>
+                                  </p:stCondLst>
+                                  <p:childTnLst>
+                                    <p:set>
+                                      <p:cBhvr>
+                                        <p:cTn id="99" dur="1" fill="hold">
+                                          <p:stCondLst>
+                                            <p:cond delay="0"/>
+                                          </p:stCondLst>
+                                        </p:cTn>
+                                        <p:tgtEl>
+                                          <p:spTgt spid="116"/>
+                                        </p:tgtEl>
+                                        <p:attrNameLst>
+                                          <p:attrName>style.visibility</p:attrName>
+                                        </p:attrNameLst>
+                                      </p:cBhvr>
+                                      <p:to>
+                                        <p:strVal val="visible"/>
+                                      </p:to>
+                                    </p:set>
+                                    <p:animEffect transition="in" filter="fade">
+                                      <p:cBhvr>
+                                        <p:cTn id="100" dur="500"/>
+                                        <p:tgtEl>
+                                          <p:spTgt spid="116"/>
+                                        </p:tgtEl>
+                                      </p:cBhvr>
+                                    </p:animEffect>
+                                  </p:childTnLst>
+                                </p:cTn>
+                              </p:par>
+                              <p:par>
+                                <p:cTn id="101" presetID="10" presetClass="entr" presetSubtype="0" fill="hold" grpId="0" nodeType="withEffect">
+                                  <p:stCondLst>
+                                    <p:cond delay="0"/>
+                                  </p:stCondLst>
+                                  <p:childTnLst>
+                                    <p:set>
+                                      <p:cBhvr>
+                                        <p:cTn id="102" dur="1" fill="hold">
+                                          <p:stCondLst>
+                                            <p:cond delay="0"/>
+                                          </p:stCondLst>
+                                        </p:cTn>
+                                        <p:tgtEl>
+                                          <p:spTgt spid="117"/>
+                                        </p:tgtEl>
+                                        <p:attrNameLst>
+                                          <p:attrName>style.visibility</p:attrName>
+                                        </p:attrNameLst>
+                                      </p:cBhvr>
+                                      <p:to>
+                                        <p:strVal val="visible"/>
+                                      </p:to>
+                                    </p:set>
+                                    <p:animEffect transition="in" filter="fade">
+                                      <p:cBhvr>
+                                        <p:cTn id="103" dur="500"/>
+                                        <p:tgtEl>
+                                          <p:spTgt spid="117"/>
+                                        </p:tgtEl>
+                                      </p:cBhvr>
+                                    </p:animEffect>
+                                  </p:childTnLst>
+                                </p:cTn>
+                              </p:par>
+                              <p:par>
+                                <p:cTn id="104" presetID="10" presetClass="entr" presetSubtype="0" fill="hold" grpId="0" nodeType="withEffect">
+                                  <p:stCondLst>
+                                    <p:cond delay="0"/>
+                                  </p:stCondLst>
+                                  <p:childTnLst>
+                                    <p:set>
+                                      <p:cBhvr>
+                                        <p:cTn id="105" dur="1" fill="hold">
+                                          <p:stCondLst>
+                                            <p:cond delay="0"/>
+                                          </p:stCondLst>
+                                        </p:cTn>
+                                        <p:tgtEl>
+                                          <p:spTgt spid="118"/>
+                                        </p:tgtEl>
+                                        <p:attrNameLst>
+                                          <p:attrName>style.visibility</p:attrName>
+                                        </p:attrNameLst>
+                                      </p:cBhvr>
+                                      <p:to>
+                                        <p:strVal val="visible"/>
+                                      </p:to>
+                                    </p:set>
+                                    <p:animEffect transition="in" filter="fade">
+                                      <p:cBhvr>
+                                        <p:cTn id="106" dur="500"/>
+                                        <p:tgtEl>
+                                          <p:spTgt spid="118"/>
+                                        </p:tgtEl>
+                                      </p:cBhvr>
+                                    </p:animEffect>
+                                  </p:childTnLst>
+                                </p:cTn>
+                              </p:par>
+                              <p:par>
+                                <p:cTn id="107" presetID="10" presetClass="entr" presetSubtype="0" fill="hold" grpId="0" nodeType="withEffect">
+                                  <p:stCondLst>
+                                    <p:cond delay="0"/>
+                                  </p:stCondLst>
+                                  <p:childTnLst>
+                                    <p:set>
+                                      <p:cBhvr>
+                                        <p:cTn id="108" dur="1" fill="hold">
+                                          <p:stCondLst>
+                                            <p:cond delay="0"/>
+                                          </p:stCondLst>
+                                        </p:cTn>
+                                        <p:tgtEl>
+                                          <p:spTgt spid="119"/>
+                                        </p:tgtEl>
+                                        <p:attrNameLst>
+                                          <p:attrName>style.visibility</p:attrName>
+                                        </p:attrNameLst>
+                                      </p:cBhvr>
+                                      <p:to>
+                                        <p:strVal val="visible"/>
+                                      </p:to>
+                                    </p:set>
+                                    <p:animEffect transition="in" filter="fade">
+                                      <p:cBhvr>
+                                        <p:cTn id="109" dur="500"/>
+                                        <p:tgtEl>
+                                          <p:spTgt spid="119"/>
                                         </p:tgtEl>
                                       </p:cBhvr>
                                     </p:animEffect>
@@ -5221,14 +7397,23 @@
       <p:bldP spid="8" grpId="0"/>
       <p:bldP spid="9" grpId="0"/>
       <p:bldP spid="13" grpId="0"/>
-      <p:bldP spid="18" grpId="0"/>
-      <p:bldP spid="19" grpId="0"/>
       <p:bldP spid="23" grpId="0"/>
-      <p:bldP spid="28" grpId="0"/>
-      <p:bldP spid="29" grpId="0"/>
       <p:bldP spid="33" grpId="0"/>
-      <p:bldP spid="38" grpId="0"/>
-      <p:bldP spid="39" grpId="0"/>
+      <p:bldP spid="86" grpId="0"/>
+      <p:bldP spid="87" grpId="0"/>
+      <p:bldP spid="88" grpId="0"/>
+      <p:bldP spid="89" grpId="0"/>
+      <p:bldP spid="90" grpId="0"/>
+      <p:bldP spid="91" grpId="0"/>
+      <p:bldP spid="92" grpId="0"/>
+      <p:bldP spid="95" grpId="0"/>
+      <p:bldP spid="96" grpId="0"/>
+      <p:bldP spid="104" grpId="0"/>
+      <p:bldP spid="109" grpId="0"/>
+      <p:bldP spid="116" grpId="0"/>
+      <p:bldP spid="117" grpId="0"/>
+      <p:bldP spid="118" grpId="0"/>
+      <p:bldP spid="119" grpId="0"/>
     </p:bldLst>
   </p:timing>
 </p:sld>
@@ -5321,14 +7506,24 @@
           <a:lstStyle/>
           <a:p>
             <a:r>
-              <a:rPr lang="ko-KR" altLang="en-US" sz="2800" dirty="0" smtClean="0">
+              <a:rPr lang="ko-KR" altLang="en-US" sz="2800" smtClean="0">
                 <a:solidFill>
                   <a:schemeClr val="bg1"/>
                 </a:solidFill>
                 <a:latin typeface="-윤고딕330" panose="02030504000101010101" pitchFamily="18" charset="-127"/>
                 <a:ea typeface="-윤고딕330" panose="02030504000101010101" pitchFamily="18" charset="-127"/>
               </a:rPr>
-              <a:t>프로젝트 개요 및 개발 환경</a:t>
+              <a:t>프로젝트 </a:t>
+            </a:r>
+            <a:r>
+              <a:rPr lang="ko-KR" altLang="en-US" sz="2800" smtClean="0">
+                <a:solidFill>
+                  <a:schemeClr val="bg1"/>
+                </a:solidFill>
+                <a:latin typeface="-윤고딕330" panose="02030504000101010101" pitchFamily="18" charset="-127"/>
+                <a:ea typeface="-윤고딕330" panose="02030504000101010101" pitchFamily="18" charset="-127"/>
+              </a:rPr>
+              <a:t>개요 및 업무 담당</a:t>
             </a:r>
             <a:endParaRPr lang="en-US" sz="2800" dirty="0">
               <a:solidFill>
@@ -5387,8 +7582,8 @@
         </p:nvSpPr>
         <p:spPr>
           <a:xfrm>
-            <a:off x="857738" y="2456368"/>
-            <a:ext cx="15929442" cy="2308324"/>
+            <a:off x="842498" y="2247900"/>
+            <a:ext cx="15929442" cy="1754326"/>
           </a:xfrm>
           <a:prstGeom prst="rect">
             <a:avLst/>
@@ -5428,12 +7623,6 @@
             </a:endParaRPr>
           </a:p>
           <a:p>
-            <a:endParaRPr lang="en-US" altLang="ko-KR" sz="3600" dirty="0" smtClean="0">
-              <a:latin typeface="-윤고딕330" panose="02030504000101010101" pitchFamily="18" charset="-127"/>
-              <a:ea typeface="-윤고딕330" panose="02030504000101010101" pitchFamily="18" charset="-127"/>
-            </a:endParaRPr>
-          </a:p>
-          <a:p>
             <a:endParaRPr lang="en-US" altLang="ko-KR" sz="3600" dirty="0">
               <a:latin typeface="-윤고딕330" panose="02030504000101010101" pitchFamily="18" charset="-127"/>
               <a:ea typeface="-윤고딕330" panose="02030504000101010101" pitchFamily="18" charset="-127"/>
@@ -5441,18 +7630,53 @@
           </a:p>
           <a:p>
             <a:r>
-              <a:rPr lang="ko-KR" altLang="en-US" sz="3600" dirty="0" smtClean="0">
+              <a:rPr lang="ko-KR" altLang="en-US" sz="3600" smtClean="0">
                 <a:latin typeface="-윤고딕330" panose="02030504000101010101" pitchFamily="18" charset="-127"/>
                 <a:ea typeface="-윤고딕330" panose="02030504000101010101" pitchFamily="18" charset="-127"/>
               </a:rPr>
               <a:t>목적 </a:t>
             </a:r>
             <a:r>
-              <a:rPr lang="en-US" altLang="ko-KR" sz="3600" dirty="0" smtClean="0">
+              <a:rPr lang="en-US" altLang="ko-KR" sz="3600" smtClean="0">
                 <a:latin typeface="-윤고딕330" panose="02030504000101010101" pitchFamily="18" charset="-127"/>
                 <a:ea typeface="-윤고딕330" panose="02030504000101010101" pitchFamily="18" charset="-127"/>
               </a:rPr>
-              <a:t>:</a:t>
+              <a:t>: </a:t>
+            </a:r>
+            <a:r>
+              <a:rPr lang="ko-KR" altLang="en-US" sz="3600" smtClean="0">
+                <a:latin typeface="-윤고딕330" panose="02030504000101010101" pitchFamily="18" charset="-127"/>
+                <a:ea typeface="-윤고딕330" panose="02030504000101010101" pitchFamily="18" charset="-127"/>
+              </a:rPr>
+              <a:t>학생들의 점수를 입력하여 총점</a:t>
+            </a:r>
+            <a:r>
+              <a:rPr lang="en-US" altLang="ko-KR" sz="3600" smtClean="0">
+                <a:latin typeface="-윤고딕330" panose="02030504000101010101" pitchFamily="18" charset="-127"/>
+                <a:ea typeface="-윤고딕330" panose="02030504000101010101" pitchFamily="18" charset="-127"/>
+              </a:rPr>
+              <a:t>, </a:t>
+            </a:r>
+            <a:r>
+              <a:rPr lang="ko-KR" altLang="en-US" sz="3600" smtClean="0">
+                <a:latin typeface="-윤고딕330" panose="02030504000101010101" pitchFamily="18" charset="-127"/>
+                <a:ea typeface="-윤고딕330" panose="02030504000101010101" pitchFamily="18" charset="-127"/>
+              </a:rPr>
+              <a:t>평균</a:t>
+            </a:r>
+            <a:r>
+              <a:rPr lang="en-US" altLang="ko-KR" sz="3600" smtClean="0">
+                <a:latin typeface="-윤고딕330" panose="02030504000101010101" pitchFamily="18" charset="-127"/>
+                <a:ea typeface="-윤고딕330" panose="02030504000101010101" pitchFamily="18" charset="-127"/>
+              </a:rPr>
+              <a:t>, </a:t>
+            </a:r>
+            <a:r>
+              <a:rPr lang="ko-KR" altLang="en-US" sz="3600" smtClean="0">
+                <a:latin typeface="-윤고딕330" panose="02030504000101010101" pitchFamily="18" charset="-127"/>
+                <a:ea typeface="-윤고딕330" panose="02030504000101010101" pitchFamily="18" charset="-127"/>
+              </a:rPr>
+              <a:t>등급을 편리하게 관리하기 위함</a:t>
             </a:r>
             <a:endParaRPr lang="ko-KR" altLang="en-US" sz="3600" b="1" dirty="0">
               <a:latin typeface="Yu Gothic UI Semibold" panose="020B0700000000000000" pitchFamily="34" charset="-128"/>
@@ -5460,170 +7684,6 @@
           </a:p>
         </p:txBody>
       </p:sp>
-      <p:pic>
-        <p:nvPicPr>
-          <p:cNvPr id="1036" name="Picture 12" descr="Eclipse]이클립스 -퀵 서치(Quick Search)필수 플러그인 설치 및 사용법"/>
-          <p:cNvPicPr>
-            <a:picLocks noChangeAspect="1" noChangeArrowheads="1"/>
-          </p:cNvPicPr>
-          <p:nvPr/>
-        </p:nvPicPr>
-        <p:blipFill>
-          <a:blip r:embed="rId4">
-            <a:extLst>
-              <a:ext uri="{28A0092B-C50C-407E-A947-70E740481C1C}">
-                <a14:useLocalDpi xmlns:a14="http://schemas.microsoft.com/office/drawing/2010/main" val="0"/>
-              </a:ext>
-            </a:extLst>
-          </a:blip>
-          <a:srcRect/>
-          <a:stretch>
-            <a:fillRect/>
-          </a:stretch>
-        </p:blipFill>
-        <p:spPr bwMode="auto">
-          <a:xfrm>
-            <a:off x="739013" y="5524500"/>
-            <a:ext cx="3048000" cy="3048000"/>
-          </a:xfrm>
-          <a:prstGeom prst="rect">
-            <a:avLst/>
-          </a:prstGeom>
-          <a:noFill/>
-          <a:extLst>
-            <a:ext uri="{909E8E84-426E-40DD-AFC4-6F175D3DCCD1}">
-              <a14:hiddenFill xmlns:a14="http://schemas.microsoft.com/office/drawing/2010/main">
-                <a:solidFill>
-                  <a:srgbClr val="FFFFFF"/>
-                </a:solidFill>
-              </a14:hiddenFill>
-            </a:ext>
-          </a:extLst>
-        </p:spPr>
-      </p:pic>
-      <p:pic>
-        <p:nvPicPr>
-          <p:cNvPr id="1038" name="Picture 14" descr="AWS로 전환한 대한항공, DB는 오라클 쓸 것&quot;..자신감 보인 오라클"/>
-          <p:cNvPicPr>
-            <a:picLocks noChangeAspect="1" noChangeArrowheads="1"/>
-          </p:cNvPicPr>
-          <p:nvPr/>
-        </p:nvPicPr>
-        <p:blipFill>
-          <a:blip r:embed="rId5">
-            <a:extLst>
-              <a:ext uri="{28A0092B-C50C-407E-A947-70E740481C1C}">
-                <a14:useLocalDpi xmlns:a14="http://schemas.microsoft.com/office/drawing/2010/main" val="0"/>
-              </a:ext>
-            </a:extLst>
-          </a:blip>
-          <a:srcRect/>
-          <a:stretch>
-            <a:fillRect/>
-          </a:stretch>
-        </p:blipFill>
-        <p:spPr bwMode="auto">
-          <a:xfrm>
-            <a:off x="12344400" y="6515100"/>
-            <a:ext cx="4876800" cy="2667000"/>
-          </a:xfrm>
-          <a:prstGeom prst="rect">
-            <a:avLst/>
-          </a:prstGeom>
-          <a:noFill/>
-          <a:extLst>
-            <a:ext uri="{909E8E84-426E-40DD-AFC4-6F175D3DCCD1}">
-              <a14:hiddenFill xmlns:a14="http://schemas.microsoft.com/office/drawing/2010/main">
-                <a:solidFill>
-                  <a:srgbClr val="FFFFFF"/>
-                </a:solidFill>
-              </a14:hiddenFill>
-            </a:ext>
-          </a:extLst>
-        </p:spPr>
-      </p:pic>
-      <p:pic>
-        <p:nvPicPr>
-          <p:cNvPr id="1040" name="Picture 16" descr="iTunes2YoutubeExporter | andremotz.com"/>
-          <p:cNvPicPr>
-            <a:picLocks noChangeAspect="1" noChangeArrowheads="1"/>
-          </p:cNvPicPr>
-          <p:nvPr/>
-        </p:nvPicPr>
-        <p:blipFill>
-          <a:blip r:embed="rId6">
-            <a:extLst>
-              <a:ext uri="{28A0092B-C50C-407E-A947-70E740481C1C}">
-                <a14:useLocalDpi xmlns:a14="http://schemas.microsoft.com/office/drawing/2010/main" val="0"/>
-              </a:ext>
-            </a:extLst>
-          </a:blip>
-          <a:srcRect/>
-          <a:stretch>
-            <a:fillRect/>
-          </a:stretch>
-        </p:blipFill>
-        <p:spPr bwMode="auto">
-          <a:xfrm>
-            <a:off x="3886200" y="7085271"/>
-            <a:ext cx="5948916" cy="2974458"/>
-          </a:xfrm>
-          <a:prstGeom prst="rect">
-            <a:avLst/>
-          </a:prstGeom>
-          <a:noFill/>
-          <a:extLst>
-            <a:ext uri="{909E8E84-426E-40DD-AFC4-6F175D3DCCD1}">
-              <a14:hiddenFill xmlns:a14="http://schemas.microsoft.com/office/drawing/2010/main">
-                <a:solidFill>
-                  <a:srgbClr val="FFFFFF"/>
-                </a:solidFill>
-              </a14:hiddenFill>
-            </a:ext>
-          </a:extLst>
-        </p:spPr>
-      </p:pic>
-      <p:pic>
-        <p:nvPicPr>
-          <p:cNvPr id="1042" name="Picture 18" descr="5 - JavaFX.pptx"/>
-          <p:cNvPicPr>
-            <a:picLocks noChangeAspect="1" noChangeArrowheads="1"/>
-          </p:cNvPicPr>
-          <p:nvPr/>
-        </p:nvPicPr>
-        <p:blipFill>
-          <a:blip r:embed="rId7">
-            <a:extLst>
-              <a:ext uri="{28A0092B-C50C-407E-A947-70E740481C1C}">
-                <a14:useLocalDpi xmlns:a14="http://schemas.microsoft.com/office/drawing/2010/main" val="0"/>
-              </a:ext>
-            </a:extLst>
-          </a:blip>
-          <a:srcRect/>
-          <a:stretch>
-            <a:fillRect/>
-          </a:stretch>
-        </p:blipFill>
-        <p:spPr bwMode="auto">
-          <a:xfrm>
-            <a:off x="8696878" y="5738373"/>
-            <a:ext cx="2428875" cy="1885950"/>
-          </a:xfrm>
-          <a:prstGeom prst="rect">
-            <a:avLst/>
-          </a:prstGeom>
-          <a:noFill/>
-          <a:extLst>
-            <a:ext uri="{909E8E84-426E-40DD-AFC4-6F175D3DCCD1}">
-              <a14:hiddenFill xmlns:a14="http://schemas.microsoft.com/office/drawing/2010/main">
-                <a:solidFill>
-                  <a:srgbClr val="FFFFFF"/>
-                </a:solidFill>
-              </a14:hiddenFill>
-            </a:ext>
-          </a:extLst>
-        </p:spPr>
-      </p:pic>
     </p:spTree>
   </p:cSld>
   <p:clrMapOvr>
@@ -5632,218 +7692,7 @@
   <p:timing>
     <p:tnLst>
       <p:par>
-        <p:cTn id="1" dur="indefinite" restart="never" nodeType="tmRoot">
-          <p:childTnLst>
-            <p:seq concurrent="1" nextAc="seek">
-              <p:cTn id="2" dur="indefinite" nodeType="mainSeq">
-                <p:childTnLst>
-                  <p:par>
-                    <p:cTn id="3" fill="hold">
-                      <p:stCondLst>
-                        <p:cond delay="indefinite"/>
-                        <p:cond evt="onBegin" delay="0">
-                          <p:tn val="2"/>
-                        </p:cond>
-                      </p:stCondLst>
-                      <p:childTnLst>
-                        <p:par>
-                          <p:cTn id="4" fill="hold">
-                            <p:stCondLst>
-                              <p:cond delay="0"/>
-                            </p:stCondLst>
-                            <p:childTnLst>
-                              <p:par>
-                                <p:cTn id="5" presetID="10" presetClass="entr" presetSubtype="0" fill="hold" nodeType="withEffect">
-                                  <p:stCondLst>
-                                    <p:cond delay="0"/>
-                                  </p:stCondLst>
-                                  <p:childTnLst>
-                                    <p:set>
-                                      <p:cBhvr>
-                                        <p:cTn id="6" dur="1" fill="hold">
-                                          <p:stCondLst>
-                                            <p:cond delay="0"/>
-                                          </p:stCondLst>
-                                        </p:cTn>
-                                        <p:tgtEl>
-                                          <p:spTgt spid="1036"/>
-                                        </p:tgtEl>
-                                        <p:attrNameLst>
-                                          <p:attrName>style.visibility</p:attrName>
-                                        </p:attrNameLst>
-                                      </p:cBhvr>
-                                      <p:to>
-                                        <p:strVal val="visible"/>
-                                      </p:to>
-                                    </p:set>
-                                    <p:animEffect transition="in" filter="fade">
-                                      <p:cBhvr>
-                                        <p:cTn id="7" dur="500"/>
-                                        <p:tgtEl>
-                                          <p:spTgt spid="1036"/>
-                                        </p:tgtEl>
-                                      </p:cBhvr>
-                                    </p:animEffect>
-                                  </p:childTnLst>
-                                </p:cTn>
-                              </p:par>
-                            </p:childTnLst>
-                          </p:cTn>
-                        </p:par>
-                        <p:par>
-                          <p:cTn id="8" fill="hold">
-                            <p:stCondLst>
-                              <p:cond delay="500"/>
-                            </p:stCondLst>
-                            <p:childTnLst>
-                              <p:par>
-                                <p:cTn id="9" presetID="10" presetClass="entr" presetSubtype="0" fill="hold" nodeType="afterEffect">
-                                  <p:stCondLst>
-                                    <p:cond delay="0"/>
-                                  </p:stCondLst>
-                                  <p:childTnLst>
-                                    <p:set>
-                                      <p:cBhvr>
-                                        <p:cTn id="10" dur="1" fill="hold">
-                                          <p:stCondLst>
-                                            <p:cond delay="0"/>
-                                          </p:stCondLst>
-                                        </p:cTn>
-                                        <p:tgtEl>
-                                          <p:spTgt spid="1040"/>
-                                        </p:tgtEl>
-                                        <p:attrNameLst>
-                                          <p:attrName>style.visibility</p:attrName>
-                                        </p:attrNameLst>
-                                      </p:cBhvr>
-                                      <p:to>
-                                        <p:strVal val="visible"/>
-                                      </p:to>
-                                    </p:set>
-                                    <p:animEffect transition="in" filter="fade">
-                                      <p:cBhvr>
-                                        <p:cTn id="11" dur="500"/>
-                                        <p:tgtEl>
-                                          <p:spTgt spid="1040"/>
-                                        </p:tgtEl>
-                                      </p:cBhvr>
-                                    </p:animEffect>
-                                  </p:childTnLst>
-                                </p:cTn>
-                              </p:par>
-                            </p:childTnLst>
-                          </p:cTn>
-                        </p:par>
-                        <p:par>
-                          <p:cTn id="12" fill="hold">
-                            <p:stCondLst>
-                              <p:cond delay="1000"/>
-                            </p:stCondLst>
-                            <p:childTnLst>
-                              <p:par>
-                                <p:cTn id="13" presetID="10" presetClass="entr" presetSubtype="0" fill="hold" nodeType="afterEffect">
-                                  <p:stCondLst>
-                                    <p:cond delay="0"/>
-                                  </p:stCondLst>
-                                  <p:childTnLst>
-                                    <p:set>
-                                      <p:cBhvr>
-                                        <p:cTn id="14" dur="1" fill="hold">
-                                          <p:stCondLst>
-                                            <p:cond delay="0"/>
-                                          </p:stCondLst>
-                                        </p:cTn>
-                                        <p:tgtEl>
-                                          <p:spTgt spid="1042"/>
-                                        </p:tgtEl>
-                                        <p:attrNameLst>
-                                          <p:attrName>style.visibility</p:attrName>
-                                        </p:attrNameLst>
-                                      </p:cBhvr>
-                                      <p:to>
-                                        <p:strVal val="visible"/>
-                                      </p:to>
-                                    </p:set>
-                                    <p:animEffect transition="in" filter="fade">
-                                      <p:cBhvr>
-                                        <p:cTn id="15" dur="500"/>
-                                        <p:tgtEl>
-                                          <p:spTgt spid="1042"/>
-                                        </p:tgtEl>
-                                      </p:cBhvr>
-                                    </p:animEffect>
-                                  </p:childTnLst>
-                                </p:cTn>
-                              </p:par>
-                            </p:childTnLst>
-                          </p:cTn>
-                        </p:par>
-                        <p:par>
-                          <p:cTn id="16" fill="hold">
-                            <p:stCondLst>
-                              <p:cond delay="1500"/>
-                            </p:stCondLst>
-                            <p:childTnLst>
-                              <p:par>
-                                <p:cTn id="17" presetID="10" presetClass="entr" presetSubtype="0" fill="hold" nodeType="afterEffect">
-                                  <p:stCondLst>
-                                    <p:cond delay="0"/>
-                                  </p:stCondLst>
-                                  <p:childTnLst>
-                                    <p:set>
-                                      <p:cBhvr>
-                                        <p:cTn id="18" dur="1" fill="hold">
-                                          <p:stCondLst>
-                                            <p:cond delay="0"/>
-                                          </p:stCondLst>
-                                        </p:cTn>
-                                        <p:tgtEl>
-                                          <p:spTgt spid="1038"/>
-                                        </p:tgtEl>
-                                        <p:attrNameLst>
-                                          <p:attrName>style.visibility</p:attrName>
-                                        </p:attrNameLst>
-                                      </p:cBhvr>
-                                      <p:to>
-                                        <p:strVal val="visible"/>
-                                      </p:to>
-                                    </p:set>
-                                    <p:animEffect transition="in" filter="fade">
-                                      <p:cBhvr>
-                                        <p:cTn id="19" dur="500"/>
-                                        <p:tgtEl>
-                                          <p:spTgt spid="1038"/>
-                                        </p:tgtEl>
-                                      </p:cBhvr>
-                                    </p:animEffect>
-                                  </p:childTnLst>
-                                </p:cTn>
-                              </p:par>
-                            </p:childTnLst>
-                          </p:cTn>
-                        </p:par>
-                      </p:childTnLst>
-                    </p:cTn>
-                  </p:par>
-                </p:childTnLst>
-              </p:cTn>
-              <p:prevCondLst>
-                <p:cond evt="onPrev" delay="0">
-                  <p:tgtEl>
-                    <p:sldTgt/>
-                  </p:tgtEl>
-                </p:cond>
-              </p:prevCondLst>
-              <p:nextCondLst>
-                <p:cond evt="onNext" delay="0">
-                  <p:tgtEl>
-                    <p:sldTgt/>
-                  </p:tgtEl>
-                </p:cond>
-              </p:nextCondLst>
-            </p:seq>
-          </p:childTnLst>
-        </p:cTn>
+        <p:cTn id="1" dur="indefinite" restart="never" nodeType="tmRoot"/>
       </p:par>
     </p:tnLst>
   </p:timing>
@@ -5936,7 +7785,7 @@
                 <a:latin typeface="-윤고딕330" panose="02030504000101010101" pitchFamily="18" charset="-127"/>
                 <a:ea typeface="-윤고딕330" panose="02030504000101010101" pitchFamily="18" charset="-127"/>
               </a:rPr>
-              <a:t>제작기간 및 업무담당</a:t>
+              <a:t>일정표</a:t>
             </a:r>
             <a:endParaRPr lang="en-US" sz="2800" dirty="0">
               <a:solidFill>
@@ -5953,7 +7802,7 @@
           <p:cNvPr id="9" name="Group 127">
             <a:extLst>
               <a:ext uri="{FF2B5EF4-FFF2-40B4-BE49-F238E27FC236}">
-                <a16:creationId xmlns="" xmlns:a16="http://schemas.microsoft.com/office/drawing/2014/main" id="{2C410F46-052D-41E7-A4A0-616396B7131E}"/>
+                <a16:creationId xmlns:a16="http://schemas.microsoft.com/office/drawing/2014/main" id="{2C410F46-052D-41E7-A4A0-616396B7131E}"/>
               </a:ext>
             </a:extLst>
           </p:cNvPr>
@@ -5963,13 +7812,13 @@
           <p:nvPr>
             <p:extLst>
               <p:ext uri="{D42A27DB-BD31-4B8C-83A1-F6EECF244321}">
-                <p14:modId xmlns:p14="http://schemas.microsoft.com/office/powerpoint/2010/main" val="3583277136"/>
+                <p14:modId xmlns:p14="http://schemas.microsoft.com/office/powerpoint/2010/main" val="157718166"/>
               </p:ext>
             </p:extLst>
           </p:nvPr>
         </p:nvGraphicFramePr>
         <p:xfrm>
-          <a:off x="685800" y="2552700"/>
+          <a:off x="3352800" y="2552700"/>
           <a:ext cx="11734800" cy="7238997"/>
         </p:xfrm>
         <a:graphic>
@@ -5977,52 +7826,52 @@
             <a:tbl>
               <a:tblPr/>
               <a:tblGrid>
-                <a:gridCol w="1668890">
+                <a:gridCol w="1676400">
                   <a:extLst>
                     <a:ext uri="{9D8B030D-6E8A-4147-A177-3AD203B41FA5}">
-                      <a16:colId xmlns="" xmlns:a16="http://schemas.microsoft.com/office/drawing/2014/main" val="20000"/>
+                      <a16:colId xmlns:a16="http://schemas.microsoft.com/office/drawing/2014/main" val="20000"/>
                     </a:ext>
                   </a:extLst>
                 </a:gridCol>
-                <a:gridCol w="1686412">
+                <a:gridCol w="1678902">
                   <a:extLst>
                     <a:ext uri="{9D8B030D-6E8A-4147-A177-3AD203B41FA5}">
-                      <a16:colId xmlns="" xmlns:a16="http://schemas.microsoft.com/office/drawing/2014/main" val="20001"/>
+                      <a16:colId xmlns:a16="http://schemas.microsoft.com/office/drawing/2014/main" val="20001"/>
                     </a:ext>
                   </a:extLst>
                 </a:gridCol>
                 <a:gridCol w="1673898">
                   <a:extLst>
                     <a:ext uri="{9D8B030D-6E8A-4147-A177-3AD203B41FA5}">
-                      <a16:colId xmlns="" xmlns:a16="http://schemas.microsoft.com/office/drawing/2014/main" val="20002"/>
+                      <a16:colId xmlns:a16="http://schemas.microsoft.com/office/drawing/2014/main" val="20002"/>
                     </a:ext>
                   </a:extLst>
                 </a:gridCol>
                 <a:gridCol w="1672644">
                   <a:extLst>
                     <a:ext uri="{9D8B030D-6E8A-4147-A177-3AD203B41FA5}">
-                      <a16:colId xmlns="" xmlns:a16="http://schemas.microsoft.com/office/drawing/2014/main" val="20003"/>
+                      <a16:colId xmlns:a16="http://schemas.microsoft.com/office/drawing/2014/main" val="20003"/>
                     </a:ext>
                   </a:extLst>
                 </a:gridCol>
                 <a:gridCol w="1644799">
                   <a:extLst>
                     <a:ext uri="{9D8B030D-6E8A-4147-A177-3AD203B41FA5}">
-                      <a16:colId xmlns="" xmlns:a16="http://schemas.microsoft.com/office/drawing/2014/main" val="20004"/>
+                      <a16:colId xmlns:a16="http://schemas.microsoft.com/office/drawing/2014/main" val="20004"/>
                     </a:ext>
                   </a:extLst>
                 </a:gridCol>
                 <a:gridCol w="1798110">
                   <a:extLst>
                     <a:ext uri="{9D8B030D-6E8A-4147-A177-3AD203B41FA5}">
-                      <a16:colId xmlns="" xmlns:a16="http://schemas.microsoft.com/office/drawing/2014/main" val="20005"/>
+                      <a16:colId xmlns:a16="http://schemas.microsoft.com/office/drawing/2014/main" val="20005"/>
                     </a:ext>
                   </a:extLst>
                 </a:gridCol>
                 <a:gridCol w="1590047">
                   <a:extLst>
                     <a:ext uri="{9D8B030D-6E8A-4147-A177-3AD203B41FA5}">
-                      <a16:colId xmlns="" xmlns:a16="http://schemas.microsoft.com/office/drawing/2014/main" val="20006"/>
+                      <a16:colId xmlns:a16="http://schemas.microsoft.com/office/drawing/2014/main" val="20006"/>
                     </a:ext>
                   </a:extLst>
                 </a:gridCol>
@@ -7677,7 +9526,7 @@
                 </a:tc>
                 <a:extLst>
                   <a:ext uri="{0D108BD9-81ED-4DB2-BD59-A6C34878D82A}">
-                    <a16:rowId xmlns="" xmlns:a16="http://schemas.microsoft.com/office/drawing/2014/main" val="10000"/>
+                    <a16:rowId xmlns:a16="http://schemas.microsoft.com/office/drawing/2014/main" val="10000"/>
                   </a:ext>
                 </a:extLst>
               </a:tr>
@@ -9201,7 +11050,7 @@
                 </a:tc>
                 <a:extLst>
                   <a:ext uri="{0D108BD9-81ED-4DB2-BD59-A6C34878D82A}">
-                    <a16:rowId xmlns="" xmlns:a16="http://schemas.microsoft.com/office/drawing/2014/main" val="10001"/>
+                    <a16:rowId xmlns:a16="http://schemas.microsoft.com/office/drawing/2014/main" val="10001"/>
                   </a:ext>
                 </a:extLst>
               </a:tr>
@@ -9869,7 +11718,7 @@
                 </a:tc>
                 <a:extLst>
                   <a:ext uri="{0D108BD9-81ED-4DB2-BD59-A6C34878D82A}">
-                    <a16:rowId xmlns="" xmlns:a16="http://schemas.microsoft.com/office/drawing/2014/main" val="10002"/>
+                    <a16:rowId xmlns:a16="http://schemas.microsoft.com/office/drawing/2014/main" val="10002"/>
                   </a:ext>
                 </a:extLst>
               </a:tr>
@@ -10580,7 +12429,7 @@
                 </a:tc>
                 <a:extLst>
                   <a:ext uri="{0D108BD9-81ED-4DB2-BD59-A6C34878D82A}">
-                    <a16:rowId xmlns="" xmlns:a16="http://schemas.microsoft.com/office/drawing/2014/main" val="10003"/>
+                    <a16:rowId xmlns:a16="http://schemas.microsoft.com/office/drawing/2014/main" val="10003"/>
                   </a:ext>
                 </a:extLst>
               </a:tr>
@@ -11291,7 +13140,7 @@
                 </a:tc>
                 <a:extLst>
                   <a:ext uri="{0D108BD9-81ED-4DB2-BD59-A6C34878D82A}">
-                    <a16:rowId xmlns="" xmlns:a16="http://schemas.microsoft.com/office/drawing/2014/main" val="10004"/>
+                    <a16:rowId xmlns:a16="http://schemas.microsoft.com/office/drawing/2014/main" val="10004"/>
                   </a:ext>
                 </a:extLst>
               </a:tr>
@@ -11963,7 +13812,7 @@
                 </a:tc>
                 <a:extLst>
                   <a:ext uri="{0D108BD9-81ED-4DB2-BD59-A6C34878D82A}">
-                    <a16:rowId xmlns="" xmlns:a16="http://schemas.microsoft.com/office/drawing/2014/main" val="10005"/>
+                    <a16:rowId xmlns:a16="http://schemas.microsoft.com/office/drawing/2014/main" val="10005"/>
                   </a:ext>
                 </a:extLst>
               </a:tr>
@@ -11979,7 +13828,7 @@
         </p:nvSpPr>
         <p:spPr>
           <a:xfrm>
-            <a:off x="5257800" y="1466928"/>
+            <a:off x="7924800" y="1466928"/>
             <a:ext cx="2971800" cy="923330"/>
           </a:xfrm>
           <a:prstGeom prst="rect">
@@ -12007,178 +13856,23 @@
           </a:p>
         </p:txBody>
       </p:sp>
-      <p:sp>
-        <p:nvSpPr>
-          <p:cNvPr id="4" name="TextBox 3"/>
-          <p:cNvSpPr txBox="1"/>
-          <p:nvPr/>
-        </p:nvSpPr>
-        <p:spPr>
-          <a:xfrm>
-            <a:off x="12801600" y="2552700"/>
-            <a:ext cx="5029200" cy="6309420"/>
-          </a:xfrm>
-          <a:prstGeom prst="rect">
-            <a:avLst/>
-          </a:prstGeom>
-          <a:noFill/>
-        </p:spPr>
-        <p:txBody>
-          <a:bodyPr wrap="square" rtlCol="0">
-            <a:spAutoFit/>
-          </a:bodyPr>
-          <a:lstStyle/>
-          <a:p>
-            <a:pPr algn="ctr"/>
-            <a:r>
-              <a:rPr lang="ko-KR" altLang="en-US" sz="4000" b="1" dirty="0" smtClean="0">
-                <a:latin typeface="-윤고딕330" panose="02030504000101010101" pitchFamily="18" charset="-127"/>
-                <a:ea typeface="-윤고딕330" panose="02030504000101010101" pitchFamily="18" charset="-127"/>
-              </a:rPr>
-              <a:t>업무 담당</a:t>
-            </a:r>
-            <a:endParaRPr lang="en-US" altLang="ko-KR" sz="4000" b="1" dirty="0" smtClean="0">
-              <a:latin typeface="-윤고딕330" panose="02030504000101010101" pitchFamily="18" charset="-127"/>
-              <a:ea typeface="-윤고딕330" panose="02030504000101010101" pitchFamily="18" charset="-127"/>
-            </a:endParaRPr>
-          </a:p>
-          <a:p>
-            <a:endParaRPr lang="en-US" altLang="ko-KR" sz="2800" dirty="0">
-              <a:latin typeface="-윤고딕330" panose="02030504000101010101" pitchFamily="18" charset="-127"/>
-              <a:ea typeface="-윤고딕330" panose="02030504000101010101" pitchFamily="18" charset="-127"/>
-            </a:endParaRPr>
-          </a:p>
-          <a:p>
-            <a:endParaRPr lang="en-US" altLang="ko-KR" sz="2800" dirty="0" smtClean="0">
-              <a:latin typeface="-윤고딕330" panose="02030504000101010101" pitchFamily="18" charset="-127"/>
-              <a:ea typeface="-윤고딕330" panose="02030504000101010101" pitchFamily="18" charset="-127"/>
-            </a:endParaRPr>
-          </a:p>
-          <a:p>
-            <a:endParaRPr lang="en-US" altLang="ko-KR" sz="2800" dirty="0">
-              <a:latin typeface="-윤고딕330" panose="02030504000101010101" pitchFamily="18" charset="-127"/>
-              <a:ea typeface="-윤고딕330" panose="02030504000101010101" pitchFamily="18" charset="-127"/>
-            </a:endParaRPr>
-          </a:p>
-          <a:p>
-            <a:r>
-              <a:rPr lang="ko-KR" altLang="en-US" sz="2800" dirty="0" smtClean="0">
-                <a:latin typeface="-윤고딕330" panose="02030504000101010101" pitchFamily="18" charset="-127"/>
-                <a:ea typeface="-윤고딕330" panose="02030504000101010101" pitchFamily="18" charset="-127"/>
-              </a:rPr>
-              <a:t>김지호 </a:t>
-            </a:r>
-            <a:r>
-              <a:rPr lang="en-US" altLang="ko-KR" sz="2800" dirty="0" smtClean="0">
-                <a:latin typeface="-윤고딕330" panose="02030504000101010101" pitchFamily="18" charset="-127"/>
-                <a:ea typeface="-윤고딕330" panose="02030504000101010101" pitchFamily="18" charset="-127"/>
-              </a:rPr>
-              <a:t>: </a:t>
-            </a:r>
-          </a:p>
-          <a:p>
-            <a:endParaRPr lang="en-US" altLang="ko-KR" sz="2800" dirty="0">
-              <a:latin typeface="-윤고딕330" panose="02030504000101010101" pitchFamily="18" charset="-127"/>
-              <a:ea typeface="-윤고딕330" panose="02030504000101010101" pitchFamily="18" charset="-127"/>
-            </a:endParaRPr>
-          </a:p>
-          <a:p>
-            <a:endParaRPr lang="en-US" altLang="ko-KR" sz="2800" dirty="0" smtClean="0">
-              <a:latin typeface="-윤고딕330" panose="02030504000101010101" pitchFamily="18" charset="-127"/>
-              <a:ea typeface="-윤고딕330" panose="02030504000101010101" pitchFamily="18" charset="-127"/>
-            </a:endParaRPr>
-          </a:p>
-          <a:p>
-            <a:r>
-              <a:rPr lang="ko-KR" altLang="en-US" sz="2800" dirty="0" smtClean="0">
-                <a:latin typeface="-윤고딕330" panose="02030504000101010101" pitchFamily="18" charset="-127"/>
-                <a:ea typeface="-윤고딕330" panose="02030504000101010101" pitchFamily="18" charset="-127"/>
-              </a:rPr>
-              <a:t>김혜영 </a:t>
-            </a:r>
-            <a:r>
-              <a:rPr lang="en-US" altLang="ko-KR" sz="2800" dirty="0" smtClean="0">
-                <a:latin typeface="-윤고딕330" panose="02030504000101010101" pitchFamily="18" charset="-127"/>
-                <a:ea typeface="-윤고딕330" panose="02030504000101010101" pitchFamily="18" charset="-127"/>
-              </a:rPr>
-              <a:t>: </a:t>
-            </a:r>
-          </a:p>
-          <a:p>
-            <a:endParaRPr lang="en-US" altLang="ko-KR" sz="2800" dirty="0">
-              <a:latin typeface="-윤고딕330" panose="02030504000101010101" pitchFamily="18" charset="-127"/>
-              <a:ea typeface="-윤고딕330" panose="02030504000101010101" pitchFamily="18" charset="-127"/>
-            </a:endParaRPr>
-          </a:p>
-          <a:p>
-            <a:endParaRPr lang="en-US" altLang="ko-KR" sz="2800" dirty="0" smtClean="0">
-              <a:latin typeface="-윤고딕330" panose="02030504000101010101" pitchFamily="18" charset="-127"/>
-              <a:ea typeface="-윤고딕330" panose="02030504000101010101" pitchFamily="18" charset="-127"/>
-            </a:endParaRPr>
-          </a:p>
-          <a:p>
-            <a:r>
-              <a:rPr lang="ko-KR" altLang="en-US" sz="2800" dirty="0" smtClean="0">
-                <a:latin typeface="-윤고딕330" panose="02030504000101010101" pitchFamily="18" charset="-127"/>
-                <a:ea typeface="-윤고딕330" panose="02030504000101010101" pitchFamily="18" charset="-127"/>
-              </a:rPr>
-              <a:t>박현서 </a:t>
-            </a:r>
-            <a:r>
-              <a:rPr lang="en-US" altLang="ko-KR" sz="2800" dirty="0" smtClean="0">
-                <a:latin typeface="-윤고딕330" panose="02030504000101010101" pitchFamily="18" charset="-127"/>
-                <a:ea typeface="-윤고딕330" panose="02030504000101010101" pitchFamily="18" charset="-127"/>
-              </a:rPr>
-              <a:t>:</a:t>
-            </a:r>
-          </a:p>
-          <a:p>
-            <a:endParaRPr lang="en-US" altLang="ko-KR" sz="2800" dirty="0">
-              <a:latin typeface="-윤고딕330" panose="02030504000101010101" pitchFamily="18" charset="-127"/>
-              <a:ea typeface="-윤고딕330" panose="02030504000101010101" pitchFamily="18" charset="-127"/>
-            </a:endParaRPr>
-          </a:p>
-          <a:p>
-            <a:endParaRPr lang="en-US" altLang="ko-KR" sz="2800" dirty="0" smtClean="0">
-              <a:latin typeface="-윤고딕330" panose="02030504000101010101" pitchFamily="18" charset="-127"/>
-              <a:ea typeface="-윤고딕330" panose="02030504000101010101" pitchFamily="18" charset="-127"/>
-            </a:endParaRPr>
-          </a:p>
-          <a:p>
-            <a:r>
-              <a:rPr lang="ko-KR" altLang="en-US" sz="2800" dirty="0" smtClean="0">
-                <a:latin typeface="-윤고딕330" panose="02030504000101010101" pitchFamily="18" charset="-127"/>
-                <a:ea typeface="-윤고딕330" panose="02030504000101010101" pitchFamily="18" charset="-127"/>
-              </a:rPr>
-              <a:t>이기웅 </a:t>
-            </a:r>
-            <a:r>
-              <a:rPr lang="en-US" altLang="ko-KR" sz="2800" dirty="0" smtClean="0">
-                <a:latin typeface="-윤고딕330" panose="02030504000101010101" pitchFamily="18" charset="-127"/>
-                <a:ea typeface="-윤고딕330" panose="02030504000101010101" pitchFamily="18" charset="-127"/>
-              </a:rPr>
-              <a:t>:</a:t>
-            </a:r>
-          </a:p>
-        </p:txBody>
-      </p:sp>
       <p:grpSp>
         <p:nvGrpSpPr>
-          <p:cNvPr id="13" name="그룹 1003"/>
+          <p:cNvPr id="10" name="그룹 1007"/>
           <p:cNvGrpSpPr/>
           <p:nvPr/>
         </p:nvGrpSpPr>
         <p:grpSpPr>
           <a:xfrm>
             <a:off x="414000" y="378000"/>
-            <a:ext cx="859607" cy="1030160"/>
-            <a:chOff x="412695" y="376314"/>
-            <a:chExt cx="859607" cy="1030160"/>
+            <a:ext cx="860400" cy="1029600"/>
+            <a:chOff x="13756068" y="3437184"/>
+            <a:chExt cx="2282669" cy="2735570"/>
           </a:xfrm>
         </p:grpSpPr>
         <p:pic>
           <p:nvPicPr>
-            <p:cNvPr id="14" name="Object 9"/>
+            <p:cNvPr id="11" name="Object 34"/>
             <p:cNvPicPr>
               <a:picLocks noChangeAspect="1"/>
             </p:cNvPicPr>
@@ -12192,8 +13886,8 @@
           </p:blipFill>
           <p:spPr>
             <a:xfrm>
-              <a:off x="412695" y="376314"/>
-              <a:ext cx="859607" cy="1030160"/>
+              <a:off x="13756068" y="3437184"/>
+              <a:ext cx="2282669" cy="2735570"/>
             </a:xfrm>
             <a:prstGeom prst="rect">
               <a:avLst/>
@@ -12201,6 +13895,120 @@
           </p:spPr>
         </p:pic>
       </p:grpSp>
+      <p:sp>
+        <p:nvSpPr>
+          <p:cNvPr id="3" name="TextBox 2"/>
+          <p:cNvSpPr txBox="1"/>
+          <p:nvPr/>
+        </p:nvSpPr>
+        <p:spPr>
+          <a:xfrm>
+            <a:off x="5637038" y="6182589"/>
+            <a:ext cx="2137124" cy="369332"/>
+          </a:xfrm>
+          <a:prstGeom prst="rect">
+            <a:avLst/>
+          </a:prstGeom>
+          <a:noFill/>
+        </p:spPr>
+        <p:txBody>
+          <a:bodyPr wrap="none" rtlCol="0">
+            <a:spAutoFit/>
+          </a:bodyPr>
+          <a:lstStyle/>
+          <a:p>
+            <a:r>
+              <a:rPr lang="ko-KR" altLang="en-US" b="1" smtClean="0"/>
+              <a:t>프로젝트 주제 선정</a:t>
+            </a:r>
+            <a:endParaRPr lang="ko-KR" altLang="en-US" b="1"/>
+          </a:p>
+        </p:txBody>
+      </p:sp>
+      <p:sp>
+        <p:nvSpPr>
+          <p:cNvPr id="5" name="TextBox 4"/>
+          <p:cNvSpPr txBox="1"/>
+          <p:nvPr/>
+        </p:nvSpPr>
+        <p:spPr>
+          <a:xfrm>
+            <a:off x="9659723" y="6182589"/>
+            <a:ext cx="2473754" cy="369332"/>
+          </a:xfrm>
+          <a:prstGeom prst="rect">
+            <a:avLst/>
+          </a:prstGeom>
+          <a:noFill/>
+        </p:spPr>
+        <p:txBody>
+          <a:bodyPr wrap="none" rtlCol="0">
+            <a:spAutoFit/>
+          </a:bodyPr>
+          <a:lstStyle/>
+          <a:p>
+            <a:r>
+              <a:rPr lang="ko-KR" altLang="en-US" b="1" smtClean="0"/>
+              <a:t>역할 분담 및 코드 분석</a:t>
+            </a:r>
+            <a:endParaRPr lang="ko-KR" altLang="en-US" b="1"/>
+          </a:p>
+        </p:txBody>
+      </p:sp>
+      <p:sp>
+        <p:nvSpPr>
+          <p:cNvPr id="7" name="TextBox 6"/>
+          <p:cNvSpPr txBox="1"/>
+          <p:nvPr/>
+        </p:nvSpPr>
+        <p:spPr>
+          <a:xfrm>
+            <a:off x="7335421" y="7617811"/>
+            <a:ext cx="3809954" cy="369332"/>
+          </a:xfrm>
+          <a:prstGeom prst="rect">
+            <a:avLst/>
+          </a:prstGeom>
+          <a:noFill/>
+        </p:spPr>
+        <p:txBody>
+          <a:bodyPr wrap="none" rtlCol="0">
+            <a:spAutoFit/>
+          </a:bodyPr>
+          <a:lstStyle/>
+          <a:p>
+            <a:r>
+              <a:rPr lang="ko-KR" altLang="en-US" b="1" smtClean="0"/>
+              <a:t>코드 수정</a:t>
+            </a:r>
+            <a:r>
+              <a:rPr lang="en-US" altLang="ko-KR" b="1" smtClean="0"/>
+              <a:t>, </a:t>
+            </a:r>
+            <a:r>
+              <a:rPr lang="ko-KR" altLang="en-US" b="1" smtClean="0"/>
+              <a:t>보완 </a:t>
+            </a:r>
+            <a:r>
+              <a:rPr lang="en-US" altLang="ko-KR" b="1" smtClean="0"/>
+              <a:t>/ DB </a:t>
+            </a:r>
+            <a:r>
+              <a:rPr lang="ko-KR" altLang="en-US" b="1" smtClean="0"/>
+              <a:t>작성 </a:t>
+            </a:r>
+            <a:r>
+              <a:rPr lang="en-US" altLang="ko-KR" b="1" smtClean="0"/>
+              <a:t>/ PPT </a:t>
+            </a:r>
+            <a:r>
+              <a:rPr lang="ko-KR" altLang="en-US" b="1" smtClean="0"/>
+              <a:t>제작</a:t>
+            </a:r>
+            <a:endParaRPr lang="ko-KR" altLang="en-US" b="1"/>
+          </a:p>
+        </p:txBody>
+      </p:sp>
     </p:spTree>
     <p:extLst>
       <p:ext uri="{BB962C8B-B14F-4D97-AF65-F5344CB8AC3E}">
@@ -12214,7 +14022,86 @@
   <p:timing>
     <p:tnLst>
       <p:par>
-        <p:cTn id="1" dur="indefinite" restart="never" nodeType="tmRoot"/>
+        <p:cTn id="1" dur="indefinite" restart="never" nodeType="tmRoot">
+          <p:childTnLst>
+            <p:seq concurrent="1" nextAc="seek">
+              <p:cTn id="2" dur="indefinite" nodeType="mainSeq">
+                <p:childTnLst>
+                  <p:par>
+                    <p:cTn id="3" fill="hold">
+                      <p:stCondLst>
+                        <p:cond delay="indefinite"/>
+                        <p:cond evt="onBegin" delay="0">
+                          <p:tn val="2"/>
+                        </p:cond>
+                      </p:stCondLst>
+                      <p:childTnLst>
+                        <p:par>
+                          <p:cTn id="4" fill="hold">
+                            <p:stCondLst>
+                              <p:cond delay="0"/>
+                            </p:stCondLst>
+                            <p:childTnLst>
+                              <p:par>
+                                <p:cTn id="5" presetID="10" presetClass="entr" presetSubtype="0" fill="hold" nodeType="withEffect">
+                                  <p:stCondLst>
+                                    <p:cond delay="0"/>
+                                  </p:stCondLst>
+                                  <p:childTnLst>
+                                    <p:set>
+                                      <p:cBhvr>
+                                        <p:cTn id="6" dur="1" fill="hold">
+                                          <p:stCondLst>
+                                            <p:cond delay="0"/>
+                                          </p:stCondLst>
+                                        </p:cTn>
+                                        <p:tgtEl>
+                                          <p:spTgt spid="10"/>
+                                        </p:tgtEl>
+                                        <p:attrNameLst>
+                                          <p:attrName>style.visibility</p:attrName>
+                                        </p:attrNameLst>
+                                      </p:cBhvr>
+                                      <p:to>
+                                        <p:strVal val="visible"/>
+                                      </p:to>
+                                    </p:set>
+                                    <p:animEffect transition="in" filter="fade">
+                                      <p:cBhvr>
+                                        <p:cTn id="7" dur="500"/>
+                                        <p:tgtEl>
+                                          <p:spTgt spid="10"/>
+                                        </p:tgtEl>
+                                      </p:cBhvr>
+                                    </p:animEffect>
+                                  </p:childTnLst>
+                                </p:cTn>
+                              </p:par>
+                            </p:childTnLst>
+                          </p:cTn>
+                        </p:par>
+                      </p:childTnLst>
+                    </p:cTn>
+                  </p:par>
+                </p:childTnLst>
+              </p:cTn>
+              <p:prevCondLst>
+                <p:cond evt="onPrev" delay="0">
+                  <p:tgtEl>
+                    <p:sldTgt/>
+                  </p:tgtEl>
+                </p:cond>
+              </p:prevCondLst>
+              <p:nextCondLst>
+                <p:cond evt="onNext" delay="0">
+                  <p:tgtEl>
+                    <p:sldTgt/>
+                  </p:tgtEl>
+                </p:cond>
+              </p:nextCondLst>
+            </p:seq>
+          </p:childTnLst>
+        </p:cTn>
       </p:par>
     </p:tnLst>
   </p:timing>
@@ -12308,14 +14195,14 @@
           <a:lstStyle/>
           <a:p>
             <a:r>
-              <a:rPr lang="ko-KR" altLang="en-US" sz="2800" dirty="0" smtClean="0">
+              <a:rPr lang="ko-KR" altLang="en-US" sz="2800" smtClean="0">
                 <a:solidFill>
                   <a:schemeClr val="bg1"/>
                 </a:solidFill>
                 <a:latin typeface="-윤고딕330" panose="02030504000101010101" pitchFamily="18" charset="-127"/>
                 <a:ea typeface="-윤고딕330" panose="02030504000101010101" pitchFamily="18" charset="-127"/>
               </a:rPr>
-              <a:t>주요 기능</a:t>
+              <a:t>요구 사항 명세</a:t>
             </a:r>
             <a:endParaRPr lang="en-US" sz="2800" dirty="0">
               <a:solidFill>
@@ -12366,6 +14253,36 @@
           </p:spPr>
         </p:pic>
       </p:grpSp>
+      <p:pic>
+        <p:nvPicPr>
+          <p:cNvPr id="2" name="그림 1"/>
+          <p:cNvPicPr>
+            <a:picLocks noChangeAspect="1"/>
+          </p:cNvPicPr>
+          <p:nvPr/>
+        </p:nvPicPr>
+        <p:blipFill>
+          <a:blip r:embed="rId4">
+            <a:extLst>
+              <a:ext uri="{28A0092B-C50C-407E-A947-70E740481C1C}">
+                <a14:useLocalDpi xmlns:a14="http://schemas.microsoft.com/office/drawing/2010/main" val="0"/>
+              </a:ext>
+            </a:extLst>
+          </a:blip>
+          <a:stretch>
+            <a:fillRect/>
+          </a:stretch>
+        </p:blipFill>
+        <p:spPr>
+          <a:xfrm>
+            <a:off x="3886200" y="1638300"/>
+            <a:ext cx="10414386" cy="8331508"/>
+          </a:xfrm>
+          <a:prstGeom prst="rect">
+            <a:avLst/>
+          </a:prstGeom>
+        </p:spPr>
+      </p:pic>
     </p:spTree>
   </p:cSld>
   <p:clrMapOvr>
@@ -12446,7 +14363,7 @@
         <p:spPr>
           <a:xfrm>
             <a:off x="1524000" y="687972"/>
-            <a:ext cx="3172412" cy="523220"/>
+            <a:ext cx="4572000" cy="523220"/>
           </a:xfrm>
           <a:prstGeom prst="rect">
             <a:avLst/>
@@ -12460,14 +14377,14 @@
           <a:lstStyle/>
           <a:p>
             <a:r>
-              <a:rPr lang="ko-KR" altLang="en-US" sz="2800" dirty="0" smtClean="0">
+              <a:rPr lang="en-US" altLang="ko-KR" sz="2800" smtClean="0">
                 <a:solidFill>
                   <a:schemeClr val="bg1"/>
                 </a:solidFill>
                 <a:latin typeface="-윤고딕330" panose="02030504000101010101" pitchFamily="18" charset="-127"/>
                 <a:ea typeface="-윤고딕330" panose="02030504000101010101" pitchFamily="18" charset="-127"/>
               </a:rPr>
-              <a:t>주요 기능</a:t>
+              <a:t>Use case Diagram</a:t>
             </a:r>
             <a:endParaRPr lang="en-US" sz="2800" dirty="0">
               <a:solidFill>
@@ -12481,7 +14398,7 @@
       </p:sp>
       <p:grpSp>
         <p:nvGrpSpPr>
-          <p:cNvPr id="8" name="그룹 1005"/>
+          <p:cNvPr id="10" name="그룹 1007"/>
           <p:cNvGrpSpPr/>
           <p:nvPr/>
         </p:nvGrpSpPr>
@@ -12489,13 +14406,13 @@
           <a:xfrm>
             <a:off x="414000" y="378000"/>
             <a:ext cx="860400" cy="1029600"/>
-            <a:chOff x="9919704" y="3437184"/>
+            <a:chOff x="13756068" y="3437184"/>
             <a:chExt cx="2282669" cy="2735570"/>
           </a:xfrm>
         </p:grpSpPr>
         <p:pic>
           <p:nvPicPr>
-            <p:cNvPr id="9" name="Object 24"/>
+            <p:cNvPr id="11" name="Object 34"/>
             <p:cNvPicPr>
               <a:picLocks noChangeAspect="1"/>
             </p:cNvPicPr>
@@ -12509,7 +14426,7 @@
           </p:blipFill>
           <p:spPr>
             <a:xfrm>
-              <a:off x="9919704" y="3437184"/>
+              <a:off x="13756068" y="3437184"/>
               <a:ext cx="2282669" cy="2735570"/>
             </a:xfrm>
             <a:prstGeom prst="rect">
@@ -12518,10 +14435,40 @@
           </p:spPr>
         </p:pic>
       </p:grpSp>
+      <p:pic>
+        <p:nvPicPr>
+          <p:cNvPr id="2" name="그림 1"/>
+          <p:cNvPicPr>
+            <a:picLocks noChangeAspect="1"/>
+          </p:cNvPicPr>
+          <p:nvPr/>
+        </p:nvPicPr>
+        <p:blipFill>
+          <a:blip r:embed="rId4">
+            <a:extLst>
+              <a:ext uri="{28A0092B-C50C-407E-A947-70E740481C1C}">
+                <a14:useLocalDpi xmlns:a14="http://schemas.microsoft.com/office/drawing/2010/main" val="0"/>
+              </a:ext>
+            </a:extLst>
+          </a:blip>
+          <a:stretch>
+            <a:fillRect/>
+          </a:stretch>
+        </p:blipFill>
+        <p:spPr>
+          <a:xfrm>
+            <a:off x="4038600" y="1866900"/>
+            <a:ext cx="10820400" cy="7544836"/>
+          </a:xfrm>
+          <a:prstGeom prst="rect">
+            <a:avLst/>
+          </a:prstGeom>
+        </p:spPr>
+      </p:pic>
     </p:spTree>
     <p:extLst>
       <p:ext uri="{BB962C8B-B14F-4D97-AF65-F5344CB8AC3E}">
-        <p14:creationId xmlns:p14="http://schemas.microsoft.com/office/powerpoint/2010/main" val="2291801705"/>
+        <p14:creationId xmlns:p14="http://schemas.microsoft.com/office/powerpoint/2010/main" val="3830908650"/>
       </p:ext>
     </p:extLst>
   </p:cSld>
@@ -12617,14 +14564,14 @@
           <a:lstStyle/>
           <a:p>
             <a:r>
-              <a:rPr lang="ko-KR" altLang="en-US" sz="2800" dirty="0" smtClean="0">
+              <a:rPr lang="en-US" sz="2800" smtClean="0">
                 <a:solidFill>
                   <a:schemeClr val="bg1"/>
                 </a:solidFill>
                 <a:latin typeface="-윤고딕330" panose="02030504000101010101" pitchFamily="18" charset="-127"/>
                 <a:ea typeface="-윤고딕330" panose="02030504000101010101" pitchFamily="18" charset="-127"/>
               </a:rPr>
-              <a:t>주요 기능</a:t>
+              <a:t>Class Diagram</a:t>
             </a:r>
             <a:endParaRPr lang="en-US" sz="2800" dirty="0">
               <a:solidFill>
@@ -12638,7 +14585,7 @@
       </p:sp>
       <p:grpSp>
         <p:nvGrpSpPr>
-          <p:cNvPr id="8" name="그룹 1005"/>
+          <p:cNvPr id="10" name="그룹 1007"/>
           <p:cNvGrpSpPr/>
           <p:nvPr/>
         </p:nvGrpSpPr>
@@ -12646,13 +14593,13 @@
           <a:xfrm>
             <a:off x="414000" y="378000"/>
             <a:ext cx="860400" cy="1029600"/>
-            <a:chOff x="9919704" y="3437184"/>
+            <a:chOff x="13756068" y="3437184"/>
             <a:chExt cx="2282669" cy="2735570"/>
           </a:xfrm>
         </p:grpSpPr>
         <p:pic>
           <p:nvPicPr>
-            <p:cNvPr id="9" name="Object 24"/>
+            <p:cNvPr id="11" name="Object 34"/>
             <p:cNvPicPr>
               <a:picLocks noChangeAspect="1"/>
             </p:cNvPicPr>
@@ -12666,7 +14613,7 @@
           </p:blipFill>
           <p:spPr>
             <a:xfrm>
-              <a:off x="9919704" y="3437184"/>
+              <a:off x="13756068" y="3437184"/>
               <a:ext cx="2282669" cy="2735570"/>
             </a:xfrm>
             <a:prstGeom prst="rect">
@@ -12675,10 +14622,585 @@
           </p:spPr>
         </p:pic>
       </p:grpSp>
+      <p:pic>
+        <p:nvPicPr>
+          <p:cNvPr id="3" name="그림 2"/>
+          <p:cNvPicPr>
+            <a:picLocks noChangeAspect="1"/>
+          </p:cNvPicPr>
+          <p:nvPr/>
+        </p:nvPicPr>
+        <p:blipFill>
+          <a:blip r:embed="rId4">
+            <a:extLst>
+              <a:ext uri="{28A0092B-C50C-407E-A947-70E740481C1C}">
+                <a14:useLocalDpi xmlns:a14="http://schemas.microsoft.com/office/drawing/2010/main" val="0"/>
+              </a:ext>
+            </a:extLst>
+          </a:blip>
+          <a:stretch>
+            <a:fillRect/>
+          </a:stretch>
+        </p:blipFill>
+        <p:spPr>
+          <a:xfrm>
+            <a:off x="299508" y="2628900"/>
+            <a:ext cx="2405400" cy="5372930"/>
+          </a:xfrm>
+          <a:prstGeom prst="rect">
+            <a:avLst/>
+          </a:prstGeom>
+        </p:spPr>
+      </p:pic>
+      <p:pic>
+        <p:nvPicPr>
+          <p:cNvPr id="4" name="그림 3"/>
+          <p:cNvPicPr>
+            <a:picLocks noChangeAspect="1"/>
+          </p:cNvPicPr>
+          <p:nvPr/>
+        </p:nvPicPr>
+        <p:blipFill>
+          <a:blip r:embed="rId5">
+            <a:extLst>
+              <a:ext uri="{28A0092B-C50C-407E-A947-70E740481C1C}">
+                <a14:useLocalDpi xmlns:a14="http://schemas.microsoft.com/office/drawing/2010/main" val="0"/>
+              </a:ext>
+            </a:extLst>
+          </a:blip>
+          <a:stretch>
+            <a:fillRect/>
+          </a:stretch>
+        </p:blipFill>
+        <p:spPr>
+          <a:xfrm>
+            <a:off x="3657600" y="1519074"/>
+            <a:ext cx="4762719" cy="8390215"/>
+          </a:xfrm>
+          <a:prstGeom prst="rect">
+            <a:avLst/>
+          </a:prstGeom>
+        </p:spPr>
+      </p:pic>
+      <p:pic>
+        <p:nvPicPr>
+          <p:cNvPr id="5" name="그림 4"/>
+          <p:cNvPicPr>
+            <a:picLocks noChangeAspect="1"/>
+          </p:cNvPicPr>
+          <p:nvPr/>
+        </p:nvPicPr>
+        <p:blipFill>
+          <a:blip r:embed="rId6">
+            <a:extLst>
+              <a:ext uri="{28A0092B-C50C-407E-A947-70E740481C1C}">
+                <a14:useLocalDpi xmlns:a14="http://schemas.microsoft.com/office/drawing/2010/main" val="0"/>
+              </a:ext>
+            </a:extLst>
+          </a:blip>
+          <a:stretch>
+            <a:fillRect/>
+          </a:stretch>
+        </p:blipFill>
+        <p:spPr>
+          <a:xfrm>
+            <a:off x="10172481" y="3477171"/>
+            <a:ext cx="3467319" cy="5095344"/>
+          </a:xfrm>
+          <a:prstGeom prst="rect">
+            <a:avLst/>
+          </a:prstGeom>
+        </p:spPr>
+      </p:pic>
+      <p:pic>
+        <p:nvPicPr>
+          <p:cNvPr id="8" name="그림 7"/>
+          <p:cNvPicPr>
+            <a:picLocks noChangeAspect="1"/>
+          </p:cNvPicPr>
+          <p:nvPr/>
+        </p:nvPicPr>
+        <p:blipFill>
+          <a:blip r:embed="rId7">
+            <a:extLst>
+              <a:ext uri="{28A0092B-C50C-407E-A947-70E740481C1C}">
+                <a14:useLocalDpi xmlns:a14="http://schemas.microsoft.com/office/drawing/2010/main" val="0"/>
+              </a:ext>
+            </a:extLst>
+          </a:blip>
+          <a:stretch>
+            <a:fillRect/>
+          </a:stretch>
+        </p:blipFill>
+        <p:spPr>
+          <a:xfrm>
+            <a:off x="14944386" y="1409700"/>
+            <a:ext cx="2810214" cy="4716751"/>
+          </a:xfrm>
+          <a:prstGeom prst="rect">
+            <a:avLst/>
+          </a:prstGeom>
+        </p:spPr>
+      </p:pic>
+      <p:pic>
+        <p:nvPicPr>
+          <p:cNvPr id="9" name="그림 8"/>
+          <p:cNvPicPr>
+            <a:picLocks noChangeAspect="1"/>
+          </p:cNvPicPr>
+          <p:nvPr/>
+        </p:nvPicPr>
+        <p:blipFill>
+          <a:blip r:embed="rId8">
+            <a:extLst>
+              <a:ext uri="{28A0092B-C50C-407E-A947-70E740481C1C}">
+                <a14:useLocalDpi xmlns:a14="http://schemas.microsoft.com/office/drawing/2010/main" val="0"/>
+              </a:ext>
+            </a:extLst>
+          </a:blip>
+          <a:stretch>
+            <a:fillRect/>
+          </a:stretch>
+        </p:blipFill>
+        <p:spPr>
+          <a:xfrm>
+            <a:off x="14965168" y="6276193"/>
+            <a:ext cx="2590800" cy="3837825"/>
+          </a:xfrm>
+          <a:prstGeom prst="rect">
+            <a:avLst/>
+          </a:prstGeom>
+        </p:spPr>
+      </p:pic>
+      <p:cxnSp>
+        <p:nvCxnSpPr>
+          <p:cNvPr id="17" name="직선 화살표 연결선 16"/>
+          <p:cNvCxnSpPr/>
+          <p:nvPr/>
+        </p:nvCxnSpPr>
+        <p:spPr>
+          <a:xfrm flipH="1">
+            <a:off x="13590600" y="6024843"/>
+            <a:ext cx="1116000" cy="0"/>
+          </a:xfrm>
+          <a:prstGeom prst="straightConnector1">
+            <a:avLst/>
+          </a:prstGeom>
+          <a:ln w="28575">
+            <a:solidFill>
+              <a:schemeClr val="tx1"/>
+            </a:solidFill>
+            <a:headEnd type="none"/>
+            <a:tailEnd type="arrow"/>
+          </a:ln>
+        </p:spPr>
+        <p:style>
+          <a:lnRef idx="1">
+            <a:schemeClr val="accent1"/>
+          </a:lnRef>
+          <a:fillRef idx="0">
+            <a:schemeClr val="accent1"/>
+          </a:fillRef>
+          <a:effectRef idx="0">
+            <a:schemeClr val="accent1"/>
+          </a:effectRef>
+          <a:fontRef idx="minor">
+            <a:schemeClr val="tx1"/>
+          </a:fontRef>
+        </p:style>
+      </p:cxnSp>
+      <p:cxnSp>
+        <p:nvCxnSpPr>
+          <p:cNvPr id="19" name="직선 화살표 연결선 18"/>
+          <p:cNvCxnSpPr/>
+          <p:nvPr/>
+        </p:nvCxnSpPr>
+        <p:spPr>
+          <a:xfrm flipH="1">
+            <a:off x="8343900" y="5905500"/>
+            <a:ext cx="1872000" cy="0"/>
+          </a:xfrm>
+          <a:prstGeom prst="straightConnector1">
+            <a:avLst/>
+          </a:prstGeom>
+          <a:ln w="28575">
+            <a:solidFill>
+              <a:schemeClr val="tx1"/>
+            </a:solidFill>
+            <a:tailEnd type="arrow"/>
+          </a:ln>
+        </p:spPr>
+        <p:style>
+          <a:lnRef idx="1">
+            <a:schemeClr val="accent1"/>
+          </a:lnRef>
+          <a:fillRef idx="0">
+            <a:schemeClr val="accent1"/>
+          </a:fillRef>
+          <a:effectRef idx="0">
+            <a:schemeClr val="accent1"/>
+          </a:effectRef>
+          <a:fontRef idx="minor">
+            <a:schemeClr val="tx1"/>
+          </a:fontRef>
+        </p:style>
+      </p:cxnSp>
+      <p:cxnSp>
+        <p:nvCxnSpPr>
+          <p:cNvPr id="21" name="직선 화살표 연결선 20"/>
+          <p:cNvCxnSpPr/>
+          <p:nvPr/>
+        </p:nvCxnSpPr>
+        <p:spPr>
+          <a:xfrm flipH="1">
+            <a:off x="8343900" y="6743700"/>
+            <a:ext cx="1872000" cy="0"/>
+          </a:xfrm>
+          <a:prstGeom prst="straightConnector1">
+            <a:avLst/>
+          </a:prstGeom>
+          <a:ln w="28575">
+            <a:solidFill>
+              <a:schemeClr val="tx1"/>
+            </a:solidFill>
+            <a:tailEnd type="arrow"/>
+          </a:ln>
+        </p:spPr>
+        <p:style>
+          <a:lnRef idx="1">
+            <a:schemeClr val="accent1"/>
+          </a:lnRef>
+          <a:fillRef idx="0">
+            <a:schemeClr val="accent1"/>
+          </a:fillRef>
+          <a:effectRef idx="0">
+            <a:schemeClr val="accent1"/>
+          </a:effectRef>
+          <a:fontRef idx="minor">
+            <a:schemeClr val="tx1"/>
+          </a:fontRef>
+        </p:style>
+      </p:cxnSp>
+      <p:cxnSp>
+        <p:nvCxnSpPr>
+          <p:cNvPr id="22" name="직선 화살표 연결선 21"/>
+          <p:cNvCxnSpPr/>
+          <p:nvPr/>
+        </p:nvCxnSpPr>
+        <p:spPr>
+          <a:xfrm>
+            <a:off x="2653800" y="5315365"/>
+            <a:ext cx="1044000" cy="0"/>
+          </a:xfrm>
+          <a:prstGeom prst="straightConnector1">
+            <a:avLst/>
+          </a:prstGeom>
+          <a:ln w="28702">
+            <a:solidFill>
+              <a:schemeClr val="tx1"/>
+            </a:solidFill>
+            <a:tailEnd type="arrow"/>
+          </a:ln>
+        </p:spPr>
+        <p:style>
+          <a:lnRef idx="1">
+            <a:schemeClr val="accent1"/>
+          </a:lnRef>
+          <a:fillRef idx="0">
+            <a:schemeClr val="accent1"/>
+          </a:fillRef>
+          <a:effectRef idx="0">
+            <a:schemeClr val="accent1"/>
+          </a:effectRef>
+          <a:fontRef idx="minor">
+            <a:schemeClr val="tx1"/>
+          </a:fontRef>
+        </p:style>
+      </p:cxnSp>
+      <p:sp>
+        <p:nvSpPr>
+          <p:cNvPr id="24" name="TextBox 23"/>
+          <p:cNvSpPr txBox="1"/>
+          <p:nvPr/>
+        </p:nvSpPr>
+        <p:spPr>
+          <a:xfrm>
+            <a:off x="8305800" y="5597723"/>
+            <a:ext cx="1513608" cy="307777"/>
+          </a:xfrm>
+          <a:prstGeom prst="rect">
+            <a:avLst/>
+          </a:prstGeom>
+          <a:noFill/>
+        </p:spPr>
+        <p:txBody>
+          <a:bodyPr wrap="square" rtlCol="0">
+            <a:spAutoFit/>
+          </a:bodyPr>
+          <a:lstStyle/>
+          <a:p>
+            <a:r>
+              <a:rPr lang="en-US" altLang="ko-KR" sz="1400" smtClean="0"/>
+              <a:t>-componentList</a:t>
+            </a:r>
+            <a:endParaRPr lang="ko-KR" altLang="en-US" sz="1400"/>
+          </a:p>
+        </p:txBody>
+      </p:sp>
+      <p:cxnSp>
+        <p:nvCxnSpPr>
+          <p:cNvPr id="26" name="꺾인 연결선 25"/>
+          <p:cNvCxnSpPr>
+            <a:stCxn id="8" idx="1"/>
+            <a:endCxn id="9" idx="1"/>
+          </p:cNvCxnSpPr>
+          <p:nvPr/>
+        </p:nvCxnSpPr>
+        <p:spPr>
+          <a:xfrm rot="10800000" flipH="1" flipV="1">
+            <a:off x="14943568" y="3768076"/>
+            <a:ext cx="21600" cy="4427030"/>
+          </a:xfrm>
+          <a:prstGeom prst="bentConnector3">
+            <a:avLst>
+              <a:gd name="adj1" fmla="val -1099990"/>
+            </a:avLst>
+          </a:prstGeom>
+          <a:ln w="28575">
+            <a:solidFill>
+              <a:schemeClr val="tx1"/>
+            </a:solidFill>
+          </a:ln>
+        </p:spPr>
+        <p:style>
+          <a:lnRef idx="1">
+            <a:schemeClr val="accent1"/>
+          </a:lnRef>
+          <a:fillRef idx="0">
+            <a:schemeClr val="accent1"/>
+          </a:fillRef>
+          <a:effectRef idx="0">
+            <a:schemeClr val="accent1"/>
+          </a:effectRef>
+          <a:fontRef idx="minor">
+            <a:schemeClr val="tx1"/>
+          </a:fontRef>
+        </p:style>
+      </p:cxnSp>
+      <p:sp>
+        <p:nvSpPr>
+          <p:cNvPr id="28" name="TextBox 27"/>
+          <p:cNvSpPr txBox="1"/>
+          <p:nvPr/>
+        </p:nvSpPr>
+        <p:spPr>
+          <a:xfrm>
+            <a:off x="8305800" y="6435923"/>
+            <a:ext cx="1513608" cy="307777"/>
+          </a:xfrm>
+          <a:prstGeom prst="rect">
+            <a:avLst/>
+          </a:prstGeom>
+          <a:noFill/>
+        </p:spPr>
+        <p:txBody>
+          <a:bodyPr wrap="square" rtlCol="0">
+            <a:spAutoFit/>
+          </a:bodyPr>
+          <a:lstStyle/>
+          <a:p>
+            <a:r>
+              <a:rPr lang="en-US" altLang="ko-KR" sz="1400" smtClean="0"/>
+              <a:t>-searchResultList</a:t>
+            </a:r>
+            <a:endParaRPr lang="ko-KR" altLang="en-US" sz="1400"/>
+          </a:p>
+        </p:txBody>
+      </p:sp>
+      <p:sp>
+        <p:nvSpPr>
+          <p:cNvPr id="29" name="TextBox 28"/>
+          <p:cNvSpPr txBox="1"/>
+          <p:nvPr/>
+        </p:nvSpPr>
+        <p:spPr>
+          <a:xfrm>
+            <a:off x="8392392" y="5902523"/>
+            <a:ext cx="1513608" cy="307777"/>
+          </a:xfrm>
+          <a:prstGeom prst="rect">
+            <a:avLst/>
+          </a:prstGeom>
+          <a:noFill/>
+        </p:spPr>
+        <p:txBody>
+          <a:bodyPr wrap="square" rtlCol="0">
+            <a:spAutoFit/>
+          </a:bodyPr>
+          <a:lstStyle/>
+          <a:p>
+            <a:r>
+              <a:rPr lang="en-US" altLang="ko-KR" sz="1400" smtClean="0"/>
+              <a:t>0..*</a:t>
+            </a:r>
+            <a:endParaRPr lang="ko-KR" altLang="en-US" sz="1400"/>
+          </a:p>
+        </p:txBody>
+      </p:sp>
+      <p:sp>
+        <p:nvSpPr>
+          <p:cNvPr id="30" name="TextBox 29"/>
+          <p:cNvSpPr txBox="1"/>
+          <p:nvPr/>
+        </p:nvSpPr>
+        <p:spPr>
+          <a:xfrm>
+            <a:off x="8382000" y="6743700"/>
+            <a:ext cx="1513608" cy="307777"/>
+          </a:xfrm>
+          <a:prstGeom prst="rect">
+            <a:avLst/>
+          </a:prstGeom>
+          <a:noFill/>
+        </p:spPr>
+        <p:txBody>
+          <a:bodyPr wrap="square" rtlCol="0">
+            <a:spAutoFit/>
+          </a:bodyPr>
+          <a:lstStyle/>
+          <a:p>
+            <a:r>
+              <a:rPr lang="en-US" altLang="ko-KR" sz="1400" smtClean="0"/>
+              <a:t>0..*</a:t>
+            </a:r>
+            <a:endParaRPr lang="ko-KR" altLang="en-US" sz="1400"/>
+          </a:p>
+        </p:txBody>
+      </p:sp>
+      <p:sp>
+        <p:nvSpPr>
+          <p:cNvPr id="31" name="TextBox 30"/>
+          <p:cNvSpPr txBox="1"/>
+          <p:nvPr/>
+        </p:nvSpPr>
+        <p:spPr>
+          <a:xfrm>
+            <a:off x="13573992" y="5676900"/>
+            <a:ext cx="1513608" cy="307777"/>
+          </a:xfrm>
+          <a:prstGeom prst="rect">
+            <a:avLst/>
+          </a:prstGeom>
+          <a:noFill/>
+        </p:spPr>
+        <p:txBody>
+          <a:bodyPr wrap="square" rtlCol="0">
+            <a:spAutoFit/>
+          </a:bodyPr>
+          <a:lstStyle/>
+          <a:p>
+            <a:r>
+              <a:rPr lang="en-US" altLang="ko-KR" sz="1400" smtClean="0"/>
+              <a:t>-mainapp</a:t>
+            </a:r>
+            <a:endParaRPr lang="ko-KR" altLang="en-US" sz="1400"/>
+          </a:p>
+        </p:txBody>
+      </p:sp>
+      <p:sp>
+        <p:nvSpPr>
+          <p:cNvPr id="32" name="TextBox 31"/>
+          <p:cNvSpPr txBox="1"/>
+          <p:nvPr/>
+        </p:nvSpPr>
+        <p:spPr>
+          <a:xfrm>
+            <a:off x="13639800" y="6057900"/>
+            <a:ext cx="1513608" cy="307777"/>
+          </a:xfrm>
+          <a:prstGeom prst="rect">
+            <a:avLst/>
+          </a:prstGeom>
+          <a:noFill/>
+        </p:spPr>
+        <p:txBody>
+          <a:bodyPr wrap="square" rtlCol="0">
+            <a:spAutoFit/>
+          </a:bodyPr>
+          <a:lstStyle/>
+          <a:p>
+            <a:r>
+              <a:rPr lang="en-US" altLang="ko-KR" sz="1400" smtClean="0"/>
+              <a:t>0..1</a:t>
+            </a:r>
+            <a:endParaRPr lang="ko-KR" altLang="en-US" sz="1400"/>
+          </a:p>
+        </p:txBody>
+      </p:sp>
+      <p:sp>
+        <p:nvSpPr>
+          <p:cNvPr id="33" name="TextBox 32"/>
+          <p:cNvSpPr txBox="1"/>
+          <p:nvPr/>
+        </p:nvSpPr>
+        <p:spPr>
+          <a:xfrm>
+            <a:off x="2677392" y="4988123"/>
+            <a:ext cx="1513608" cy="307777"/>
+          </a:xfrm>
+          <a:prstGeom prst="rect">
+            <a:avLst/>
+          </a:prstGeom>
+          <a:noFill/>
+        </p:spPr>
+        <p:txBody>
+          <a:bodyPr wrap="square" rtlCol="0">
+            <a:spAutoFit/>
+          </a:bodyPr>
+          <a:lstStyle/>
+          <a:p>
+            <a:r>
+              <a:rPr lang="en-US" altLang="ko-KR" sz="1400" smtClean="0"/>
+              <a:t>-component</a:t>
+            </a:r>
+            <a:endParaRPr lang="ko-KR" altLang="en-US" sz="1400"/>
+          </a:p>
+        </p:txBody>
+      </p:sp>
+      <p:sp>
+        <p:nvSpPr>
+          <p:cNvPr id="34" name="TextBox 33"/>
+          <p:cNvSpPr txBox="1"/>
+          <p:nvPr/>
+        </p:nvSpPr>
+        <p:spPr>
+          <a:xfrm>
+            <a:off x="3216654" y="5364516"/>
+            <a:ext cx="505412" cy="307777"/>
+          </a:xfrm>
+          <a:prstGeom prst="rect">
+            <a:avLst/>
+          </a:prstGeom>
+          <a:noFill/>
+        </p:spPr>
+        <p:txBody>
+          <a:bodyPr wrap="square" rtlCol="0">
+            <a:spAutoFit/>
+          </a:bodyPr>
+          <a:lstStyle/>
+          <a:p>
+            <a:r>
+              <a:rPr lang="en-US" altLang="ko-KR" sz="1400" smtClean="0"/>
+              <a:t>0..1</a:t>
+            </a:r>
+            <a:endParaRPr lang="ko-KR" altLang="en-US" sz="1400"/>
+          </a:p>
+        </p:txBody>
+      </p:sp>
     </p:spTree>
     <p:extLst>
       <p:ext uri="{BB962C8B-B14F-4D97-AF65-F5344CB8AC3E}">
-        <p14:creationId xmlns:p14="http://schemas.microsoft.com/office/powerpoint/2010/main" val="966149440"/>
+        <p14:creationId xmlns:p14="http://schemas.microsoft.com/office/powerpoint/2010/main" val="3471916904"/>
       </p:ext>
     </p:extLst>
   </p:cSld>
@@ -12760,7 +15282,7 @@
         <p:spPr>
           <a:xfrm>
             <a:off x="1524000" y="687972"/>
-            <a:ext cx="3172412" cy="523220"/>
+            <a:ext cx="4495800" cy="523220"/>
           </a:xfrm>
           <a:prstGeom prst="rect">
             <a:avLst/>
@@ -12774,14 +15296,24 @@
           <a:lstStyle/>
           <a:p>
             <a:r>
-              <a:rPr lang="ko-KR" altLang="en-US" sz="2800" dirty="0" smtClean="0">
+              <a:rPr lang="en-US" sz="2800" smtClean="0">
                 <a:solidFill>
                   <a:schemeClr val="bg1"/>
                 </a:solidFill>
                 <a:latin typeface="-윤고딕330" panose="02030504000101010101" pitchFamily="18" charset="-127"/>
                 <a:ea typeface="-윤고딕330" panose="02030504000101010101" pitchFamily="18" charset="-127"/>
               </a:rPr>
-              <a:t>주요 기능</a:t>
+              <a:t>Sequence</a:t>
+            </a:r>
+            <a:r>
+              <a:rPr lang="en-US" sz="2800" smtClean="0">
+                <a:solidFill>
+                  <a:schemeClr val="bg1"/>
+                </a:solidFill>
+                <a:latin typeface="-윤고딕330" panose="02030504000101010101" pitchFamily="18" charset="-127"/>
+                <a:ea typeface="-윤고딕330" panose="02030504000101010101" pitchFamily="18" charset="-127"/>
+              </a:rPr>
+              <a:t> Diagram</a:t>
             </a:r>
             <a:endParaRPr lang="en-US" sz="2800" dirty="0">
               <a:solidFill>
@@ -12795,7 +15327,7 @@
       </p:sp>
       <p:grpSp>
         <p:nvGrpSpPr>
-          <p:cNvPr id="8" name="그룹 1005"/>
+          <p:cNvPr id="10" name="그룹 1007"/>
           <p:cNvGrpSpPr/>
           <p:nvPr/>
         </p:nvGrpSpPr>
@@ -12803,13 +15335,13 @@
           <a:xfrm>
             <a:off x="414000" y="378000"/>
             <a:ext cx="860400" cy="1029600"/>
-            <a:chOff x="9919704" y="3437184"/>
+            <a:chOff x="13756068" y="3437184"/>
             <a:chExt cx="2282669" cy="2735570"/>
           </a:xfrm>
         </p:grpSpPr>
         <p:pic>
           <p:nvPicPr>
-            <p:cNvPr id="9" name="Object 24"/>
+            <p:cNvPr id="11" name="Object 34"/>
             <p:cNvPicPr>
               <a:picLocks noChangeAspect="1"/>
             </p:cNvPicPr>
@@ -12823,7 +15355,7 @@
           </p:blipFill>
           <p:spPr>
             <a:xfrm>
-              <a:off x="9919704" y="3437184"/>
+              <a:off x="13756068" y="3437184"/>
               <a:ext cx="2282669" cy="2735570"/>
             </a:xfrm>
             <a:prstGeom prst="rect">
@@ -12832,10 +15364,40 @@
           </p:spPr>
         </p:pic>
       </p:grpSp>
+      <p:pic>
+        <p:nvPicPr>
+          <p:cNvPr id="3" name="그림 2"/>
+          <p:cNvPicPr>
+            <a:picLocks noChangeAspect="1"/>
+          </p:cNvPicPr>
+          <p:nvPr/>
+        </p:nvPicPr>
+        <p:blipFill>
+          <a:blip r:embed="rId4">
+            <a:extLst>
+              <a:ext uri="{28A0092B-C50C-407E-A947-70E740481C1C}">
+                <a14:useLocalDpi xmlns:a14="http://schemas.microsoft.com/office/drawing/2010/main" val="0"/>
+              </a:ext>
+            </a:extLst>
+          </a:blip>
+          <a:stretch>
+            <a:fillRect/>
+          </a:stretch>
+        </p:blipFill>
+        <p:spPr>
+          <a:xfrm>
+            <a:off x="3962400" y="1431845"/>
+            <a:ext cx="10936520" cy="8743482"/>
+          </a:xfrm>
+          <a:prstGeom prst="rect">
+            <a:avLst/>
+          </a:prstGeom>
+        </p:spPr>
+      </p:pic>
     </p:spTree>
     <p:extLst>
       <p:ext uri="{BB962C8B-B14F-4D97-AF65-F5344CB8AC3E}">
-        <p14:creationId xmlns:p14="http://schemas.microsoft.com/office/powerpoint/2010/main" val="2810818948"/>
+        <p14:creationId xmlns:p14="http://schemas.microsoft.com/office/powerpoint/2010/main" val="168946032"/>
       </p:ext>
     </p:extLst>
   </p:cSld>
@@ -12931,14 +15493,14 @@
           <a:lstStyle/>
           <a:p>
             <a:r>
-              <a:rPr lang="ko-KR" altLang="en-US" sz="2800" dirty="0" smtClean="0">
+              <a:rPr lang="en-US" altLang="ko-KR" sz="2800" smtClean="0">
                 <a:solidFill>
                   <a:schemeClr val="bg1"/>
                 </a:solidFill>
                 <a:latin typeface="-윤고딕330" panose="02030504000101010101" pitchFamily="18" charset="-127"/>
                 <a:ea typeface="-윤고딕330" panose="02030504000101010101" pitchFamily="18" charset="-127"/>
               </a:rPr>
-              <a:t>주요 기능</a:t>
+              <a:t>ER Diagram</a:t>
             </a:r>
             <a:endParaRPr lang="en-US" sz="2800" dirty="0">
               <a:solidFill>
@@ -12952,7 +15514,7 @@
       </p:sp>
       <p:grpSp>
         <p:nvGrpSpPr>
-          <p:cNvPr id="8" name="그룹 1005"/>
+          <p:cNvPr id="10" name="그룹 1007"/>
           <p:cNvGrpSpPr/>
           <p:nvPr/>
         </p:nvGrpSpPr>
@@ -12960,13 +15522,13 @@
           <a:xfrm>
             <a:off x="414000" y="378000"/>
             <a:ext cx="860400" cy="1029600"/>
-            <a:chOff x="9919704" y="3437184"/>
+            <a:chOff x="13756068" y="3437184"/>
             <a:chExt cx="2282669" cy="2735570"/>
           </a:xfrm>
         </p:grpSpPr>
         <p:pic>
           <p:nvPicPr>
-            <p:cNvPr id="9" name="Object 24"/>
+            <p:cNvPr id="11" name="Object 34"/>
             <p:cNvPicPr>
               <a:picLocks noChangeAspect="1"/>
             </p:cNvPicPr>
@@ -12980,7 +15542,7 @@
           </p:blipFill>
           <p:spPr>
             <a:xfrm>
-              <a:off x="9919704" y="3437184"/>
+              <a:off x="13756068" y="3437184"/>
               <a:ext cx="2282669" cy="2735570"/>
             </a:xfrm>
             <a:prstGeom prst="rect">
@@ -12989,10 +15551,130 @@
           </p:spPr>
         </p:pic>
       </p:grpSp>
+      <p:pic>
+        <p:nvPicPr>
+          <p:cNvPr id="2" name="그림 1"/>
+          <p:cNvPicPr>
+            <a:picLocks/>
+          </p:cNvPicPr>
+          <p:nvPr/>
+        </p:nvPicPr>
+        <p:blipFill>
+          <a:blip r:embed="rId4">
+            <a:extLst>
+              <a:ext uri="{28A0092B-C50C-407E-A947-70E740481C1C}">
+                <a14:useLocalDpi xmlns:a14="http://schemas.microsoft.com/office/drawing/2010/main" val="0"/>
+              </a:ext>
+            </a:extLst>
+          </a:blip>
+          <a:stretch>
+            <a:fillRect/>
+          </a:stretch>
+        </p:blipFill>
+        <p:spPr>
+          <a:xfrm>
+            <a:off x="10134600" y="3771627"/>
+            <a:ext cx="5760000" cy="4579200"/>
+          </a:xfrm>
+          <a:prstGeom prst="rect">
+            <a:avLst/>
+          </a:prstGeom>
+        </p:spPr>
+      </p:pic>
+      <p:pic>
+        <p:nvPicPr>
+          <p:cNvPr id="3" name="그림 2"/>
+          <p:cNvPicPr>
+            <a:picLocks noChangeAspect="1"/>
+          </p:cNvPicPr>
+          <p:nvPr/>
+        </p:nvPicPr>
+        <p:blipFill>
+          <a:blip r:embed="rId5">
+            <a:extLst>
+              <a:ext uri="{28A0092B-C50C-407E-A947-70E740481C1C}">
+                <a14:useLocalDpi xmlns:a14="http://schemas.microsoft.com/office/drawing/2010/main" val="0"/>
+              </a:ext>
+            </a:extLst>
+          </a:blip>
+          <a:stretch>
+            <a:fillRect/>
+          </a:stretch>
+        </p:blipFill>
+        <p:spPr>
+          <a:xfrm>
+            <a:off x="1551709" y="3771899"/>
+            <a:ext cx="5760000" cy="4578928"/>
+          </a:xfrm>
+          <a:prstGeom prst="rect">
+            <a:avLst/>
+          </a:prstGeom>
+        </p:spPr>
+      </p:pic>
+      <p:sp>
+        <p:nvSpPr>
+          <p:cNvPr id="4" name="TextBox 3"/>
+          <p:cNvSpPr txBox="1"/>
+          <p:nvPr/>
+        </p:nvSpPr>
+        <p:spPr>
+          <a:xfrm>
+            <a:off x="1572491" y="3009900"/>
+            <a:ext cx="1572491" cy="523220"/>
+          </a:xfrm>
+          <a:prstGeom prst="rect">
+            <a:avLst/>
+          </a:prstGeom>
+          <a:noFill/>
+        </p:spPr>
+        <p:txBody>
+          <a:bodyPr wrap="square" rtlCol="0">
+            <a:spAutoFit/>
+          </a:bodyPr>
+          <a:lstStyle/>
+          <a:p>
+            <a:r>
+              <a:rPr lang="en-US" altLang="ko-KR" sz="2800"/>
+              <a:t>Logical</a:t>
+            </a:r>
+            <a:endParaRPr lang="ko-KR" altLang="en-US" sz="2800"/>
+          </a:p>
+        </p:txBody>
+      </p:sp>
+      <p:sp>
+        <p:nvSpPr>
+          <p:cNvPr id="12" name="TextBox 11"/>
+          <p:cNvSpPr txBox="1"/>
+          <p:nvPr/>
+        </p:nvSpPr>
+        <p:spPr>
+          <a:xfrm>
+            <a:off x="10134600" y="3027218"/>
+            <a:ext cx="1572491" cy="523220"/>
+          </a:xfrm>
+          <a:prstGeom prst="rect">
+            <a:avLst/>
+          </a:prstGeom>
+          <a:noFill/>
+        </p:spPr>
+        <p:txBody>
+          <a:bodyPr wrap="square" rtlCol="0">
+            <a:spAutoFit/>
+          </a:bodyPr>
+          <a:lstStyle/>
+          <a:p>
+            <a:r>
+              <a:rPr lang="en-US" altLang="ko-KR" sz="2800"/>
+              <a:t>Physical</a:t>
+            </a:r>
+            <a:endParaRPr lang="ko-KR" altLang="en-US" sz="2800"/>
+          </a:p>
+        </p:txBody>
+      </p:sp>
     </p:spTree>
     <p:extLst>
       <p:ext uri="{BB962C8B-B14F-4D97-AF65-F5344CB8AC3E}">
-        <p14:creationId xmlns:p14="http://schemas.microsoft.com/office/powerpoint/2010/main" val="3747763149"/>
+        <p14:creationId xmlns:p14="http://schemas.microsoft.com/office/powerpoint/2010/main" val="274866387"/>
       </p:ext>
     </p:extLst>
   </p:cSld>

--- a/3조_프로젝트2.pptx
+++ b/3조_프로젝트2.pptx
@@ -10,18 +10,26 @@
     <p:sldId id="259" r:id="rId4"/>
     <p:sldId id="270" r:id="rId5"/>
     <p:sldId id="263" r:id="rId6"/>
-    <p:sldId id="277" r:id="rId7"/>
-    <p:sldId id="276" r:id="rId8"/>
-    <p:sldId id="279" r:id="rId9"/>
-    <p:sldId id="278" r:id="rId10"/>
-    <p:sldId id="281" r:id="rId11"/>
-    <p:sldId id="271" r:id="rId12"/>
+    <p:sldId id="280" r:id="rId7"/>
+    <p:sldId id="277" r:id="rId8"/>
+    <p:sldId id="276" r:id="rId9"/>
+    <p:sldId id="279" r:id="rId10"/>
+    <p:sldId id="278" r:id="rId11"/>
+    <p:sldId id="281" r:id="rId12"/>
     <p:sldId id="272" r:id="rId13"/>
     <p:sldId id="273" r:id="rId14"/>
     <p:sldId id="274" r:id="rId15"/>
-    <p:sldId id="280" r:id="rId16"/>
-    <p:sldId id="275" r:id="rId17"/>
-    <p:sldId id="269" r:id="rId18"/>
+    <p:sldId id="282" r:id="rId16"/>
+    <p:sldId id="293" r:id="rId17"/>
+    <p:sldId id="283" r:id="rId18"/>
+    <p:sldId id="284" r:id="rId19"/>
+    <p:sldId id="285" r:id="rId20"/>
+    <p:sldId id="286" r:id="rId21"/>
+    <p:sldId id="292" r:id="rId22"/>
+    <p:sldId id="288" r:id="rId23"/>
+    <p:sldId id="289" r:id="rId24"/>
+    <p:sldId id="275" r:id="rId25"/>
+    <p:sldId id="269" r:id="rId26"/>
   </p:sldIdLst>
   <p:sldSz cx="18288000" cy="10287000"/>
   <p:notesSz cx="10287000" cy="18288000"/>
@@ -320,7 +328,7 @@
           <a:p>
             <a:fld id="{F8166F1F-CE9B-4651-A6AA-CD717754106B}" type="datetimeFigureOut">
               <a:rPr lang="en-US" smtClean="0"/>
-              <a:t>6/22/2022</a:t>
+              <a:t>6/24/2022</a:t>
             </a:fld>
             <a:endParaRPr lang="en-US"/>
           </a:p>
@@ -485,7 +493,7 @@
           <a:p>
             <a:fld id="{A76116CE-C4A3-4A05-B2D7-7C2E9A889C0F}" type="datetimeFigureOut">
               <a:rPr lang="en-US" smtClean="0"/>
-              <a:t>6/22/2022</a:t>
+              <a:t>6/24/2022</a:t>
             </a:fld>
             <a:endParaRPr lang="en-US"/>
           </a:p>
@@ -660,7 +668,7 @@
           <a:p>
             <a:fld id="{A76116CE-C4A3-4A05-B2D7-7C2E9A889C0F}" type="datetimeFigureOut">
               <a:rPr lang="en-US" smtClean="0"/>
-              <a:t>6/22/2022</a:t>
+              <a:t>6/24/2022</a:t>
             </a:fld>
             <a:endParaRPr lang="en-US"/>
           </a:p>
@@ -827,7 +835,7 @@
           <a:p>
             <a:fld id="{A76116CE-C4A3-4A05-B2D7-7C2E9A889C0F}" type="datetimeFigureOut">
               <a:rPr lang="en-US" smtClean="0"/>
-              <a:t>6/22/2022</a:t>
+              <a:t>6/24/2022</a:t>
             </a:fld>
             <a:endParaRPr lang="en-US"/>
           </a:p>
@@ -1068,7 +1076,7 @@
           <a:p>
             <a:fld id="{A76116CE-C4A3-4A05-B2D7-7C2E9A889C0F}" type="datetimeFigureOut">
               <a:rPr lang="en-US" smtClean="0"/>
-              <a:t>6/22/2022</a:t>
+              <a:t>6/24/2022</a:t>
             </a:fld>
             <a:endParaRPr lang="en-US"/>
           </a:p>
@@ -1351,7 +1359,7 @@
           <a:p>
             <a:fld id="{A76116CE-C4A3-4A05-B2D7-7C2E9A889C0F}" type="datetimeFigureOut">
               <a:rPr lang="en-US" smtClean="0"/>
-              <a:t>6/22/2022</a:t>
+              <a:t>6/24/2022</a:t>
             </a:fld>
             <a:endParaRPr lang="en-US"/>
           </a:p>
@@ -1768,7 +1776,7 @@
           <a:p>
             <a:fld id="{A76116CE-C4A3-4A05-B2D7-7C2E9A889C0F}" type="datetimeFigureOut">
               <a:rPr lang="en-US" smtClean="0"/>
-              <a:t>6/22/2022</a:t>
+              <a:t>6/24/2022</a:t>
             </a:fld>
             <a:endParaRPr lang="en-US"/>
           </a:p>
@@ -1881,7 +1889,7 @@
           <a:p>
             <a:fld id="{A76116CE-C4A3-4A05-B2D7-7C2E9A889C0F}" type="datetimeFigureOut">
               <a:rPr lang="en-US" smtClean="0"/>
-              <a:t>6/22/2022</a:t>
+              <a:t>6/24/2022</a:t>
             </a:fld>
             <a:endParaRPr lang="en-US"/>
           </a:p>
@@ -1971,7 +1979,7 @@
           <a:p>
             <a:fld id="{A76116CE-C4A3-4A05-B2D7-7C2E9A889C0F}" type="datetimeFigureOut">
               <a:rPr lang="en-US" smtClean="0"/>
-              <a:t>6/22/2022</a:t>
+              <a:t>6/24/2022</a:t>
             </a:fld>
             <a:endParaRPr lang="en-US"/>
           </a:p>
@@ -2243,7 +2251,7 @@
           <a:p>
             <a:fld id="{A76116CE-C4A3-4A05-B2D7-7C2E9A889C0F}" type="datetimeFigureOut">
               <a:rPr lang="en-US" smtClean="0"/>
-              <a:t>6/22/2022</a:t>
+              <a:t>6/24/2022</a:t>
             </a:fld>
             <a:endParaRPr lang="en-US"/>
           </a:p>
@@ -2491,7 +2499,7 @@
           <a:p>
             <a:fld id="{A76116CE-C4A3-4A05-B2D7-7C2E9A889C0F}" type="datetimeFigureOut">
               <a:rPr lang="en-US" smtClean="0"/>
-              <a:t>6/22/2022</a:t>
+              <a:t>6/24/2022</a:t>
             </a:fld>
             <a:endParaRPr lang="en-US"/>
           </a:p>
@@ -2699,7 +2707,7 @@
           <a:p>
             <a:fld id="{F8166F1F-CE9B-4651-A6AA-CD717754106B}" type="datetimeFigureOut">
               <a:rPr lang="en-US" smtClean="0"/>
-              <a:t>6/22/2022</a:t>
+              <a:t>6/24/2022</a:t>
             </a:fld>
             <a:endParaRPr lang="en-US"/>
           </a:p>
@@ -3282,8 +3290,8 @@
         </p:nvGrpSpPr>
         <p:grpSpPr>
           <a:xfrm>
-            <a:off x="4089090" y="5950772"/>
-            <a:ext cx="3835031" cy="493714"/>
+            <a:off x="8051907" y="4914900"/>
+            <a:ext cx="9474093" cy="493714"/>
             <a:chOff x="3758284" y="5785045"/>
             <a:chExt cx="3835031" cy="493714"/>
           </a:xfrm>
@@ -3407,14 +3415,14 @@
           <a:lstStyle/>
           <a:p>
             <a:r>
-              <a:rPr lang="ko-KR" altLang="en-US" sz="2800" smtClean="0">
+              <a:rPr lang="en-US" altLang="ko-KR" sz="2800" smtClean="0">
                 <a:solidFill>
                   <a:schemeClr val="bg1"/>
                 </a:solidFill>
                 <a:latin typeface="-윤고딕330" panose="02030504000101010101" pitchFamily="18" charset="-127"/>
                 <a:ea typeface="-윤고딕330" panose="02030504000101010101" pitchFamily="18" charset="-127"/>
               </a:rPr>
-              <a:t>설계 구조</a:t>
+              <a:t>ER Diagram</a:t>
             </a:r>
             <a:endParaRPr lang="en-US" sz="2800" dirty="0">
               <a:solidFill>
@@ -3428,7 +3436,7 @@
       </p:sp>
       <p:grpSp>
         <p:nvGrpSpPr>
-          <p:cNvPr id="8" name="그룹 1005"/>
+          <p:cNvPr id="10" name="그룹 1007"/>
           <p:cNvGrpSpPr/>
           <p:nvPr/>
         </p:nvGrpSpPr>
@@ -3436,13 +3444,13 @@
           <a:xfrm>
             <a:off x="414000" y="378000"/>
             <a:ext cx="860400" cy="1029600"/>
-            <a:chOff x="9919704" y="3437184"/>
+            <a:chOff x="13756068" y="3437184"/>
             <a:chExt cx="2282669" cy="2735570"/>
           </a:xfrm>
         </p:grpSpPr>
         <p:pic>
           <p:nvPicPr>
-            <p:cNvPr id="9" name="Object 24"/>
+            <p:cNvPr id="11" name="Object 34"/>
             <p:cNvPicPr>
               <a:picLocks noChangeAspect="1"/>
             </p:cNvPicPr>
@@ -3456,7 +3464,7 @@
           </p:blipFill>
           <p:spPr>
             <a:xfrm>
-              <a:off x="9919704" y="3437184"/>
+              <a:off x="13756068" y="3437184"/>
               <a:ext cx="2282669" cy="2735570"/>
             </a:xfrm>
             <a:prstGeom prst="rect">
@@ -3469,7 +3477,7 @@
         <p:nvPicPr>
           <p:cNvPr id="2" name="그림 1"/>
           <p:cNvPicPr>
-            <a:picLocks noChangeAspect="1"/>
+            <a:picLocks/>
           </p:cNvPicPr>
           <p:nvPr/>
         </p:nvPicPr>
@@ -3487,17 +3495,12 @@
         </p:blipFill>
         <p:spPr>
           <a:xfrm>
-            <a:off x="762000" y="5343462"/>
-            <a:ext cx="6657327" cy="1777610"/>
+            <a:off x="10134600" y="3771627"/>
+            <a:ext cx="5760000" cy="4579200"/>
           </a:xfrm>
           <a:prstGeom prst="rect">
             <a:avLst/>
           </a:prstGeom>
-          <a:ln>
-            <a:solidFill>
-              <a:schemeClr val="tx1"/>
-            </a:solidFill>
-          </a:ln>
         </p:spPr>
       </p:pic>
       <p:pic>
@@ -3522,88 +3525,78 @@
         </p:blipFill>
         <p:spPr>
           <a:xfrm>
-            <a:off x="7848600" y="7505700"/>
-            <a:ext cx="3078428" cy="1896415"/>
-          </a:xfrm>
-          <a:prstGeom prst="rect">
-            <a:avLst/>
-          </a:prstGeom>
-          <a:ln>
-            <a:solidFill>
-              <a:schemeClr val="tx1"/>
-            </a:solidFill>
-          </a:ln>
-        </p:spPr>
-      </p:pic>
-      <p:pic>
-        <p:nvPicPr>
-          <p:cNvPr id="4" name="그림 3"/>
-          <p:cNvPicPr>
-            <a:picLocks noChangeAspect="1"/>
-          </p:cNvPicPr>
-          <p:nvPr/>
-        </p:nvPicPr>
-        <p:blipFill>
-          <a:blip r:embed="rId6">
-            <a:extLst>
-              <a:ext uri="{28A0092B-C50C-407E-A947-70E740481C1C}">
-                <a14:useLocalDpi xmlns:a14="http://schemas.microsoft.com/office/drawing/2010/main" val="0"/>
-              </a:ext>
-            </a:extLst>
-          </a:blip>
-          <a:stretch>
-            <a:fillRect/>
-          </a:stretch>
-        </p:blipFill>
-        <p:spPr>
-          <a:xfrm>
-            <a:off x="6553200" y="2095500"/>
-            <a:ext cx="5222182" cy="1933578"/>
+            <a:off x="1551709" y="3771899"/>
+            <a:ext cx="5760000" cy="4578928"/>
           </a:xfrm>
           <a:prstGeom prst="rect">
             <a:avLst/>
           </a:prstGeom>
         </p:spPr>
       </p:pic>
-      <p:pic>
-        <p:nvPicPr>
-          <p:cNvPr id="5" name="그림 4"/>
-          <p:cNvPicPr>
-            <a:picLocks noChangeAspect="1"/>
-          </p:cNvPicPr>
-          <p:nvPr/>
-        </p:nvPicPr>
-        <p:blipFill>
-          <a:blip r:embed="rId7">
-            <a:extLst>
-              <a:ext uri="{28A0092B-C50C-407E-A947-70E740481C1C}">
-                <a14:useLocalDpi xmlns:a14="http://schemas.microsoft.com/office/drawing/2010/main" val="0"/>
-              </a:ext>
-            </a:extLst>
-          </a:blip>
-          <a:stretch>
-            <a:fillRect/>
-          </a:stretch>
-        </p:blipFill>
+      <p:sp>
+        <p:nvSpPr>
+          <p:cNvPr id="4" name="TextBox 3"/>
+          <p:cNvSpPr txBox="1"/>
+          <p:nvPr/>
+        </p:nvSpPr>
         <p:spPr>
           <a:xfrm>
-            <a:off x="11180618" y="5250004"/>
-            <a:ext cx="6677892" cy="1753673"/>
+            <a:off x="1572491" y="3009900"/>
+            <a:ext cx="1572491" cy="523220"/>
           </a:xfrm>
           <a:prstGeom prst="rect">
             <a:avLst/>
           </a:prstGeom>
-          <a:ln>
-            <a:solidFill>
-              <a:schemeClr val="tx1"/>
-            </a:solidFill>
-          </a:ln>
+          <a:noFill/>
         </p:spPr>
-      </p:pic>
+        <p:txBody>
+          <a:bodyPr wrap="square" rtlCol="0">
+            <a:spAutoFit/>
+          </a:bodyPr>
+          <a:lstStyle/>
+          <a:p>
+            <a:r>
+              <a:rPr lang="en-US" altLang="ko-KR" sz="2800"/>
+              <a:t>Logical</a:t>
+            </a:r>
+            <a:endParaRPr lang="ko-KR" altLang="en-US" sz="2800"/>
+          </a:p>
+        </p:txBody>
+      </p:sp>
+      <p:sp>
+        <p:nvSpPr>
+          <p:cNvPr id="12" name="TextBox 11"/>
+          <p:cNvSpPr txBox="1"/>
+          <p:nvPr/>
+        </p:nvSpPr>
+        <p:spPr>
+          <a:xfrm>
+            <a:off x="10134600" y="3027218"/>
+            <a:ext cx="1572491" cy="523220"/>
+          </a:xfrm>
+          <a:prstGeom prst="rect">
+            <a:avLst/>
+          </a:prstGeom>
+          <a:noFill/>
+        </p:spPr>
+        <p:txBody>
+          <a:bodyPr wrap="square" rtlCol="0">
+            <a:spAutoFit/>
+          </a:bodyPr>
+          <a:lstStyle/>
+          <a:p>
+            <a:r>
+              <a:rPr lang="en-US" altLang="ko-KR" sz="2800"/>
+              <a:t>Physical</a:t>
+            </a:r>
+            <a:endParaRPr lang="ko-KR" altLang="en-US" sz="2800"/>
+          </a:p>
+        </p:txBody>
+      </p:sp>
     </p:spTree>
     <p:extLst>
       <p:ext uri="{BB962C8B-B14F-4D97-AF65-F5344CB8AC3E}">
-        <p14:creationId xmlns:p14="http://schemas.microsoft.com/office/powerpoint/2010/main" val="2806878811"/>
+        <p14:creationId xmlns:p14="http://schemas.microsoft.com/office/powerpoint/2010/main" val="274866387"/>
       </p:ext>
     </p:extLst>
   </p:cSld>
@@ -3699,14 +3692,14 @@
           <a:lstStyle/>
           <a:p>
             <a:r>
-              <a:rPr lang="ko-KR" altLang="en-US" sz="2800" dirty="0" smtClean="0">
+              <a:rPr lang="ko-KR" altLang="en-US" sz="2800" smtClean="0">
                 <a:solidFill>
                   <a:schemeClr val="bg1"/>
                 </a:solidFill>
                 <a:latin typeface="-윤고딕330" panose="02030504000101010101" pitchFamily="18" charset="-127"/>
                 <a:ea typeface="-윤고딕330" panose="02030504000101010101" pitchFamily="18" charset="-127"/>
               </a:rPr>
-              <a:t>주요 기능</a:t>
+              <a:t>설계 구조</a:t>
             </a:r>
             <a:endParaRPr lang="en-US" sz="2800" dirty="0">
               <a:solidFill>
@@ -3766,25 +3759,252 @@
           <p:nvPr/>
         </p:nvPicPr>
         <p:blipFill>
-          <a:blip r:embed="rId4"/>
+          <a:blip r:embed="rId4">
+            <a:extLst>
+              <a:ext uri="{28A0092B-C50C-407E-A947-70E740481C1C}">
+                <a14:useLocalDpi xmlns:a14="http://schemas.microsoft.com/office/drawing/2010/main" val="0"/>
+              </a:ext>
+            </a:extLst>
+          </a:blip>
           <a:stretch>
             <a:fillRect/>
           </a:stretch>
         </p:blipFill>
         <p:spPr>
           <a:xfrm>
-            <a:off x="1752600" y="3009900"/>
-            <a:ext cx="7242641" cy="4840558"/>
+            <a:off x="762000" y="5343462"/>
+            <a:ext cx="6657327" cy="1777610"/>
+          </a:xfrm>
+          <a:prstGeom prst="rect">
+            <a:avLst/>
+          </a:prstGeom>
+          <a:ln>
+            <a:solidFill>
+              <a:schemeClr val="tx1"/>
+            </a:solidFill>
+          </a:ln>
+        </p:spPr>
+      </p:pic>
+      <p:pic>
+        <p:nvPicPr>
+          <p:cNvPr id="3" name="그림 2"/>
+          <p:cNvPicPr>
+            <a:picLocks noChangeAspect="1"/>
+          </p:cNvPicPr>
+          <p:nvPr/>
+        </p:nvPicPr>
+        <p:blipFill>
+          <a:blip r:embed="rId5">
+            <a:extLst>
+              <a:ext uri="{28A0092B-C50C-407E-A947-70E740481C1C}">
+                <a14:useLocalDpi xmlns:a14="http://schemas.microsoft.com/office/drawing/2010/main" val="0"/>
+              </a:ext>
+            </a:extLst>
+          </a:blip>
+          <a:stretch>
+            <a:fillRect/>
+          </a:stretch>
+        </p:blipFill>
+        <p:spPr>
+          <a:xfrm>
+            <a:off x="7680986" y="7658100"/>
+            <a:ext cx="3078428" cy="1896415"/>
+          </a:xfrm>
+          <a:prstGeom prst="rect">
+            <a:avLst/>
+          </a:prstGeom>
+          <a:ln>
+            <a:solidFill>
+              <a:schemeClr val="tx1"/>
+            </a:solidFill>
+          </a:ln>
+        </p:spPr>
+      </p:pic>
+      <p:pic>
+        <p:nvPicPr>
+          <p:cNvPr id="4" name="그림 3"/>
+          <p:cNvPicPr>
+            <a:picLocks noChangeAspect="1"/>
+          </p:cNvPicPr>
+          <p:nvPr/>
+        </p:nvPicPr>
+        <p:blipFill>
+          <a:blip r:embed="rId6">
+            <a:extLst>
+              <a:ext uri="{28A0092B-C50C-407E-A947-70E740481C1C}">
+                <a14:useLocalDpi xmlns:a14="http://schemas.microsoft.com/office/drawing/2010/main" val="0"/>
+              </a:ext>
+            </a:extLst>
+          </a:blip>
+          <a:stretch>
+            <a:fillRect/>
+          </a:stretch>
+        </p:blipFill>
+        <p:spPr>
+          <a:xfrm>
+            <a:off x="6553200" y="2095500"/>
+            <a:ext cx="5222182" cy="1933578"/>
           </a:xfrm>
           <a:prstGeom prst="rect">
             <a:avLst/>
           </a:prstGeom>
         </p:spPr>
       </p:pic>
+      <p:pic>
+        <p:nvPicPr>
+          <p:cNvPr id="5" name="그림 4"/>
+          <p:cNvPicPr>
+            <a:picLocks noChangeAspect="1"/>
+          </p:cNvPicPr>
+          <p:nvPr/>
+        </p:nvPicPr>
+        <p:blipFill>
+          <a:blip r:embed="rId7">
+            <a:extLst>
+              <a:ext uri="{28A0092B-C50C-407E-A947-70E740481C1C}">
+                <a14:useLocalDpi xmlns:a14="http://schemas.microsoft.com/office/drawing/2010/main" val="0"/>
+              </a:ext>
+            </a:extLst>
+          </a:blip>
+          <a:stretch>
+            <a:fillRect/>
+          </a:stretch>
+        </p:blipFill>
+        <p:spPr>
+          <a:xfrm>
+            <a:off x="11180618" y="5250004"/>
+            <a:ext cx="6677892" cy="1753673"/>
+          </a:xfrm>
+          <a:prstGeom prst="rect">
+            <a:avLst/>
+          </a:prstGeom>
+          <a:ln>
+            <a:solidFill>
+              <a:schemeClr val="tx1"/>
+            </a:solidFill>
+          </a:ln>
+        </p:spPr>
+      </p:pic>
+      <p:cxnSp>
+        <p:nvCxnSpPr>
+          <p:cNvPr id="15" name="꺾인 연결선 14"/>
+          <p:cNvCxnSpPr>
+            <a:stCxn id="4" idx="1"/>
+            <a:endCxn id="2" idx="0"/>
+          </p:cNvCxnSpPr>
+          <p:nvPr/>
+        </p:nvCxnSpPr>
+        <p:spPr>
+          <a:xfrm rot="10800000" flipV="1">
+            <a:off x="4090664" y="3062288"/>
+            <a:ext cx="2462536" cy="2281173"/>
+          </a:xfrm>
+          <a:prstGeom prst="bentConnector2">
+            <a:avLst/>
+          </a:prstGeom>
+          <a:ln w="38100">
+            <a:solidFill>
+              <a:schemeClr val="tx1"/>
+            </a:solidFill>
+            <a:tailEnd type="triangle"/>
+          </a:ln>
+        </p:spPr>
+        <p:style>
+          <a:lnRef idx="1">
+            <a:schemeClr val="accent1"/>
+          </a:lnRef>
+          <a:fillRef idx="0">
+            <a:schemeClr val="accent1"/>
+          </a:fillRef>
+          <a:effectRef idx="0">
+            <a:schemeClr val="accent1"/>
+          </a:effectRef>
+          <a:fontRef idx="minor">
+            <a:schemeClr val="tx1"/>
+          </a:fontRef>
+        </p:style>
+      </p:cxnSp>
+      <p:cxnSp>
+        <p:nvCxnSpPr>
+          <p:cNvPr id="17" name="꺾인 연결선 16"/>
+          <p:cNvCxnSpPr>
+            <a:stCxn id="4" idx="3"/>
+            <a:endCxn id="5" idx="0"/>
+          </p:cNvCxnSpPr>
+          <p:nvPr/>
+        </p:nvCxnSpPr>
+        <p:spPr>
+          <a:xfrm>
+            <a:off x="11775382" y="3062289"/>
+            <a:ext cx="2744182" cy="2187715"/>
+          </a:xfrm>
+          <a:prstGeom prst="bentConnector2">
+            <a:avLst/>
+          </a:prstGeom>
+          <a:ln w="38100">
+            <a:solidFill>
+              <a:schemeClr val="tx1"/>
+            </a:solidFill>
+            <a:tailEnd type="triangle"/>
+          </a:ln>
+        </p:spPr>
+        <p:style>
+          <a:lnRef idx="1">
+            <a:schemeClr val="accent1"/>
+          </a:lnRef>
+          <a:fillRef idx="0">
+            <a:schemeClr val="accent1"/>
+          </a:fillRef>
+          <a:effectRef idx="0">
+            <a:schemeClr val="accent1"/>
+          </a:effectRef>
+          <a:fontRef idx="minor">
+            <a:schemeClr val="tx1"/>
+          </a:fontRef>
+        </p:style>
+      </p:cxnSp>
+      <p:cxnSp>
+        <p:nvCxnSpPr>
+          <p:cNvPr id="19" name="직선 화살표 연결선 18"/>
+          <p:cNvCxnSpPr>
+            <a:stCxn id="4" idx="2"/>
+          </p:cNvCxnSpPr>
+          <p:nvPr/>
+        </p:nvCxnSpPr>
+        <p:spPr>
+          <a:xfrm>
+            <a:off x="9164291" y="4029078"/>
+            <a:ext cx="55909" cy="3629022"/>
+          </a:xfrm>
+          <a:prstGeom prst="straightConnector1">
+            <a:avLst/>
+          </a:prstGeom>
+          <a:ln w="38100">
+            <a:solidFill>
+              <a:schemeClr val="tx1"/>
+            </a:solidFill>
+            <a:tailEnd type="triangle"/>
+          </a:ln>
+        </p:spPr>
+        <p:style>
+          <a:lnRef idx="1">
+            <a:schemeClr val="accent1"/>
+          </a:lnRef>
+          <a:fillRef idx="0">
+            <a:schemeClr val="accent1"/>
+          </a:fillRef>
+          <a:effectRef idx="0">
+            <a:schemeClr val="accent1"/>
+          </a:effectRef>
+          <a:fontRef idx="minor">
+            <a:schemeClr val="tx1"/>
+          </a:fontRef>
+        </p:style>
+      </p:cxnSp>
     </p:spTree>
     <p:extLst>
       <p:ext uri="{BB962C8B-B14F-4D97-AF65-F5344CB8AC3E}">
-        <p14:creationId xmlns:p14="http://schemas.microsoft.com/office/powerpoint/2010/main" val="2291801705"/>
+        <p14:creationId xmlns:p14="http://schemas.microsoft.com/office/powerpoint/2010/main" val="2806878811"/>
       </p:ext>
     </p:extLst>
   </p:cSld>
@@ -3938,6 +4158,94 @@
           </p:spPr>
         </p:pic>
       </p:grpSp>
+      <p:pic>
+        <p:nvPicPr>
+          <p:cNvPr id="2" name="그림 1"/>
+          <p:cNvPicPr>
+            <a:picLocks noChangeAspect="1"/>
+          </p:cNvPicPr>
+          <p:nvPr/>
+        </p:nvPicPr>
+        <p:blipFill>
+          <a:blip r:embed="rId4"/>
+          <a:stretch>
+            <a:fillRect/>
+          </a:stretch>
+        </p:blipFill>
+        <p:spPr>
+          <a:xfrm>
+            <a:off x="1129111" y="1661273"/>
+            <a:ext cx="7699841" cy="8567823"/>
+          </a:xfrm>
+          <a:prstGeom prst="rect">
+            <a:avLst/>
+          </a:prstGeom>
+        </p:spPr>
+      </p:pic>
+      <p:pic>
+        <p:nvPicPr>
+          <p:cNvPr id="10" name="그림 9"/>
+          <p:cNvPicPr>
+            <a:picLocks noChangeAspect="1"/>
+          </p:cNvPicPr>
+          <p:nvPr/>
+        </p:nvPicPr>
+        <p:blipFill>
+          <a:blip r:embed="rId5">
+            <a:extLst>
+              <a:ext uri="{28A0092B-C50C-407E-A947-70E740481C1C}">
+                <a14:useLocalDpi xmlns:a14="http://schemas.microsoft.com/office/drawing/2010/main" val="0"/>
+              </a:ext>
+            </a:extLst>
+          </a:blip>
+          <a:stretch>
+            <a:fillRect/>
+          </a:stretch>
+        </p:blipFill>
+        <p:spPr>
+          <a:xfrm>
+            <a:off x="8534400" y="4978262"/>
+            <a:ext cx="8481575" cy="4495800"/>
+          </a:xfrm>
+          <a:prstGeom prst="rect">
+            <a:avLst/>
+          </a:prstGeom>
+        </p:spPr>
+      </p:pic>
+      <p:sp>
+        <p:nvSpPr>
+          <p:cNvPr id="3" name="TextBox 2"/>
+          <p:cNvSpPr txBox="1"/>
+          <p:nvPr/>
+        </p:nvSpPr>
+        <p:spPr>
+          <a:xfrm>
+            <a:off x="10833790" y="3058158"/>
+            <a:ext cx="3882794" cy="523220"/>
+          </a:xfrm>
+          <a:prstGeom prst="rect">
+            <a:avLst/>
+          </a:prstGeom>
+          <a:noFill/>
+        </p:spPr>
+        <p:txBody>
+          <a:bodyPr wrap="none" rtlCol="0">
+            <a:spAutoFit/>
+          </a:bodyPr>
+          <a:lstStyle/>
+          <a:p>
+            <a:r>
+              <a:rPr lang="en-US" altLang="ko-KR" sz="2800" b="1" smtClean="0"/>
+              <a:t>DB </a:t>
+            </a:r>
+            <a:r>
+              <a:rPr lang="ko-KR" altLang="en-US" sz="2800" b="1" smtClean="0"/>
+              <a:t>구성  및 데이터 입력</a:t>
+            </a:r>
+            <a:endParaRPr lang="ko-KR" altLang="en-US" sz="2800" b="1"/>
+          </a:p>
+        </p:txBody>
+      </p:sp>
     </p:spTree>
     <p:extLst>
       <p:ext uri="{BB962C8B-B14F-4D97-AF65-F5344CB8AC3E}">
@@ -4095,6 +4403,124 @@
           </p:spPr>
         </p:pic>
       </p:grpSp>
+      <p:pic>
+        <p:nvPicPr>
+          <p:cNvPr id="2" name="그림 1"/>
+          <p:cNvPicPr>
+            <a:picLocks noChangeAspect="1"/>
+          </p:cNvPicPr>
+          <p:nvPr/>
+        </p:nvPicPr>
+        <p:blipFill>
+          <a:blip r:embed="rId4"/>
+          <a:stretch>
+            <a:fillRect/>
+          </a:stretch>
+        </p:blipFill>
+        <p:spPr>
+          <a:xfrm>
+            <a:off x="1524000" y="5067300"/>
+            <a:ext cx="14529571" cy="3276600"/>
+          </a:xfrm>
+          <a:prstGeom prst="rect">
+            <a:avLst/>
+          </a:prstGeom>
+        </p:spPr>
+      </p:pic>
+      <p:sp>
+        <p:nvSpPr>
+          <p:cNvPr id="3" name="TextBox 2"/>
+          <p:cNvSpPr txBox="1"/>
+          <p:nvPr/>
+        </p:nvSpPr>
+        <p:spPr>
+          <a:xfrm>
+            <a:off x="1447800" y="1888933"/>
+            <a:ext cx="1401346" cy="523220"/>
+          </a:xfrm>
+          <a:prstGeom prst="rect">
+            <a:avLst/>
+          </a:prstGeom>
+          <a:noFill/>
+        </p:spPr>
+        <p:txBody>
+          <a:bodyPr wrap="none" rtlCol="0">
+            <a:spAutoFit/>
+          </a:bodyPr>
+          <a:lstStyle/>
+          <a:p>
+            <a:r>
+              <a:rPr lang="en-US" altLang="ko-KR" sz="2800" b="1" smtClean="0"/>
+              <a:t>DB </a:t>
+            </a:r>
+            <a:r>
+              <a:rPr lang="ko-KR" altLang="en-US" sz="2800" b="1" smtClean="0"/>
+              <a:t>연동</a:t>
+            </a:r>
+            <a:endParaRPr lang="ko-KR" altLang="en-US" sz="2800" b="1"/>
+          </a:p>
+        </p:txBody>
+      </p:sp>
+      <p:pic>
+        <p:nvPicPr>
+          <p:cNvPr id="5" name="그림 4"/>
+          <p:cNvPicPr>
+            <a:picLocks noChangeAspect="1"/>
+          </p:cNvPicPr>
+          <p:nvPr/>
+        </p:nvPicPr>
+        <p:blipFill>
+          <a:blip r:embed="rId5"/>
+          <a:stretch>
+            <a:fillRect/>
+          </a:stretch>
+        </p:blipFill>
+        <p:spPr>
+          <a:xfrm>
+            <a:off x="1524000" y="3049630"/>
+            <a:ext cx="11590450" cy="618369"/>
+          </a:xfrm>
+          <a:prstGeom prst="rect">
+            <a:avLst/>
+          </a:prstGeom>
+        </p:spPr>
+      </p:pic>
+      <p:cxnSp>
+        <p:nvCxnSpPr>
+          <p:cNvPr id="11" name="직선 화살표 연결선 10"/>
+          <p:cNvCxnSpPr/>
+          <p:nvPr/>
+        </p:nvCxnSpPr>
+        <p:spPr>
+          <a:xfrm flipH="1">
+            <a:off x="4572000" y="3667999"/>
+            <a:ext cx="2057400" cy="1475501"/>
+          </a:xfrm>
+          <a:prstGeom prst="straightConnector1">
+            <a:avLst/>
+          </a:prstGeom>
+          <a:ln w="38100">
+            <a:solidFill>
+              <a:schemeClr val="tx1"/>
+            </a:solidFill>
+            <a:tailEnd type="triangle"/>
+          </a:ln>
+        </p:spPr>
+        <p:style>
+          <a:lnRef idx="1">
+            <a:schemeClr val="accent1"/>
+          </a:lnRef>
+          <a:fillRef idx="0">
+            <a:schemeClr val="accent1"/>
+          </a:fillRef>
+          <a:effectRef idx="0">
+            <a:schemeClr val="accent1"/>
+          </a:effectRef>
+          <a:fontRef idx="minor">
+            <a:schemeClr val="tx1"/>
+          </a:fontRef>
+        </p:style>
+      </p:cxnSp>
     </p:spTree>
     <p:extLst>
       <p:ext uri="{BB962C8B-B14F-4D97-AF65-F5344CB8AC3E}">
@@ -4194,14 +4620,14 @@
           <a:lstStyle/>
           <a:p>
             <a:r>
-              <a:rPr lang="ko-KR" altLang="en-US" sz="2800" dirty="0" smtClean="0">
+              <a:rPr lang="ko-KR" altLang="en-US" sz="2800" smtClean="0">
                 <a:solidFill>
                   <a:schemeClr val="bg1"/>
                 </a:solidFill>
                 <a:latin typeface="-윤고딕330" panose="02030504000101010101" pitchFamily="18" charset="-127"/>
                 <a:ea typeface="-윤고딕330" panose="02030504000101010101" pitchFamily="18" charset="-127"/>
               </a:rPr>
-              <a:t>주요 기능</a:t>
+              <a:t>주요 기능 </a:t>
             </a:r>
             <a:endParaRPr lang="en-US" sz="2800" dirty="0">
               <a:solidFill>
@@ -4252,6 +4678,84 @@
           </p:spPr>
         </p:pic>
       </p:grpSp>
+      <p:pic>
+        <p:nvPicPr>
+          <p:cNvPr id="2" name="그림 1"/>
+          <p:cNvPicPr>
+            <a:picLocks noChangeAspect="1"/>
+          </p:cNvPicPr>
+          <p:nvPr/>
+        </p:nvPicPr>
+        <p:blipFill>
+          <a:blip r:embed="rId4"/>
+          <a:stretch>
+            <a:fillRect/>
+          </a:stretch>
+        </p:blipFill>
+        <p:spPr>
+          <a:xfrm>
+            <a:off x="685800" y="2606491"/>
+            <a:ext cx="10363200" cy="4535654"/>
+          </a:xfrm>
+          <a:prstGeom prst="rect">
+            <a:avLst/>
+          </a:prstGeom>
+        </p:spPr>
+      </p:pic>
+      <p:sp>
+        <p:nvSpPr>
+          <p:cNvPr id="3" name="TextBox 2"/>
+          <p:cNvSpPr txBox="1"/>
+          <p:nvPr/>
+        </p:nvSpPr>
+        <p:spPr>
+          <a:xfrm>
+            <a:off x="685800" y="1666716"/>
+            <a:ext cx="2779928" cy="523220"/>
+          </a:xfrm>
+          <a:prstGeom prst="rect">
+            <a:avLst/>
+          </a:prstGeom>
+          <a:noFill/>
+        </p:spPr>
+        <p:txBody>
+          <a:bodyPr wrap="none" rtlCol="0">
+            <a:spAutoFit/>
+          </a:bodyPr>
+          <a:lstStyle/>
+          <a:p>
+            <a:r>
+              <a:rPr lang="ko-KR" altLang="en-US" sz="2800" b="1" smtClean="0"/>
+              <a:t>메인페이지 설정</a:t>
+            </a:r>
+            <a:endParaRPr lang="ko-KR" altLang="en-US" sz="2800" b="1"/>
+          </a:p>
+        </p:txBody>
+      </p:sp>
+      <p:pic>
+        <p:nvPicPr>
+          <p:cNvPr id="4" name="그림 3"/>
+          <p:cNvPicPr>
+            <a:picLocks noChangeAspect="1"/>
+          </p:cNvPicPr>
+          <p:nvPr/>
+        </p:nvPicPr>
+        <p:blipFill>
+          <a:blip r:embed="rId5"/>
+          <a:stretch>
+            <a:fillRect/>
+          </a:stretch>
+        </p:blipFill>
+        <p:spPr>
+          <a:xfrm>
+            <a:off x="7924800" y="4000500"/>
+            <a:ext cx="9753600" cy="5968970"/>
+          </a:xfrm>
+          <a:prstGeom prst="rect">
+            <a:avLst/>
+          </a:prstGeom>
+        </p:spPr>
+      </p:pic>
     </p:spTree>
     <p:extLst>
       <p:ext uri="{BB962C8B-B14F-4D97-AF65-F5344CB8AC3E}">
@@ -4298,7 +4802,7 @@
         <p:grpSpPr>
           <a:xfrm>
             <a:off x="1063159" y="637116"/>
-            <a:ext cx="16767641" cy="622842"/>
+            <a:ext cx="16767642" cy="622842"/>
             <a:chOff x="1063158" y="637116"/>
             <a:chExt cx="17297635" cy="622842"/>
           </a:xfrm>
@@ -4330,14 +4834,14 @@
       </p:grpSp>
       <p:sp>
         <p:nvSpPr>
-          <p:cNvPr id="8" name="Object 8"/>
+          <p:cNvPr id="7" name="Object 8"/>
           <p:cNvSpPr txBox="1"/>
           <p:nvPr/>
         </p:nvSpPr>
         <p:spPr>
           <a:xfrm>
             <a:off x="1524000" y="687972"/>
-            <a:ext cx="6248400" cy="523220"/>
+            <a:ext cx="3172412" cy="523220"/>
           </a:xfrm>
           <a:prstGeom prst="rect">
             <a:avLst/>
@@ -4351,14 +4855,14 @@
           <a:lstStyle/>
           <a:p>
             <a:r>
-              <a:rPr lang="ko-KR" altLang="en-US" sz="2800" smtClean="0">
+              <a:rPr lang="ko-KR" altLang="en-US" sz="2800" dirty="0" smtClean="0">
                 <a:solidFill>
                   <a:schemeClr val="bg1"/>
                 </a:solidFill>
                 <a:latin typeface="-윤고딕330" panose="02030504000101010101" pitchFamily="18" charset="-127"/>
                 <a:ea typeface="-윤고딕330" panose="02030504000101010101" pitchFamily="18" charset="-127"/>
               </a:rPr>
-              <a:t>스토리보드</a:t>
+              <a:t>주요 기능</a:t>
             </a:r>
             <a:endParaRPr lang="en-US" sz="2800" dirty="0">
               <a:solidFill>
@@ -4372,21 +4876,21 @@
       </p:sp>
       <p:grpSp>
         <p:nvGrpSpPr>
-          <p:cNvPr id="1003" name="그룹 1003"/>
+          <p:cNvPr id="8" name="그룹 1005"/>
           <p:cNvGrpSpPr/>
           <p:nvPr/>
         </p:nvGrpSpPr>
         <p:grpSpPr>
           <a:xfrm>
-            <a:off x="412695" y="376314"/>
-            <a:ext cx="859607" cy="1030160"/>
-            <a:chOff x="412695" y="376314"/>
-            <a:chExt cx="859607" cy="1030160"/>
+            <a:off x="414000" y="378000"/>
+            <a:ext cx="860400" cy="1029600"/>
+            <a:chOff x="9919704" y="3437184"/>
+            <a:chExt cx="2282669" cy="2735570"/>
           </a:xfrm>
         </p:grpSpPr>
         <p:pic>
           <p:nvPicPr>
-            <p:cNvPr id="10" name="Object 9"/>
+            <p:cNvPr id="9" name="Object 24"/>
             <p:cNvPicPr>
               <a:picLocks noChangeAspect="1"/>
             </p:cNvPicPr>
@@ -4400,8 +4904,8 @@
           </p:blipFill>
           <p:spPr>
             <a:xfrm>
-              <a:off x="412695" y="376314"/>
-              <a:ext cx="859607" cy="1030160"/>
+              <a:off x="9919704" y="3437184"/>
+              <a:ext cx="2282669" cy="2735570"/>
             </a:xfrm>
             <a:prstGeom prst="rect">
               <a:avLst/>
@@ -4409,10 +4913,96 @@
           </p:spPr>
         </p:pic>
       </p:grpSp>
+      <p:pic>
+        <p:nvPicPr>
+          <p:cNvPr id="3" name="그림 2"/>
+          <p:cNvPicPr>
+            <a:picLocks noChangeAspect="1"/>
+          </p:cNvPicPr>
+          <p:nvPr/>
+        </p:nvPicPr>
+        <p:blipFill>
+          <a:blip r:embed="rId4"/>
+          <a:stretch>
+            <a:fillRect/>
+          </a:stretch>
+        </p:blipFill>
+        <p:spPr>
+          <a:xfrm>
+            <a:off x="429240" y="2400300"/>
+            <a:ext cx="12964234" cy="6906453"/>
+          </a:xfrm>
+          <a:prstGeom prst="rect">
+            <a:avLst/>
+          </a:prstGeom>
+        </p:spPr>
+      </p:pic>
+      <p:sp>
+        <p:nvSpPr>
+          <p:cNvPr id="4" name="TextBox 3"/>
+          <p:cNvSpPr txBox="1"/>
+          <p:nvPr/>
+        </p:nvSpPr>
+        <p:spPr>
+          <a:xfrm>
+            <a:off x="844200" y="1783646"/>
+            <a:ext cx="3278462" cy="523220"/>
+          </a:xfrm>
+          <a:prstGeom prst="rect">
+            <a:avLst/>
+          </a:prstGeom>
+          <a:noFill/>
+        </p:spPr>
+        <p:txBody>
+          <a:bodyPr wrap="none" rtlCol="0">
+            <a:spAutoFit/>
+          </a:bodyPr>
+          <a:lstStyle/>
+          <a:p>
+            <a:r>
+              <a:rPr lang="ko-KR" altLang="en-US" sz="2800" b="1" smtClean="0"/>
+              <a:t>메인페이지 </a:t>
+            </a:r>
+            <a:r>
+              <a:rPr lang="en-US" altLang="ko-KR" sz="2800" b="1" smtClean="0"/>
+              <a:t>DB </a:t>
+            </a:r>
+            <a:r>
+              <a:rPr lang="ko-KR" altLang="en-US" sz="2800" b="1" smtClean="0"/>
+              <a:t>출력</a:t>
+            </a:r>
+            <a:endParaRPr lang="ko-KR" altLang="en-US" sz="2800" b="1"/>
+          </a:p>
+        </p:txBody>
+      </p:sp>
+      <p:pic>
+        <p:nvPicPr>
+          <p:cNvPr id="5" name="그림 4"/>
+          <p:cNvPicPr>
+            <a:picLocks noChangeAspect="1"/>
+          </p:cNvPicPr>
+          <p:nvPr/>
+        </p:nvPicPr>
+        <p:blipFill>
+          <a:blip r:embed="rId5"/>
+          <a:stretch>
+            <a:fillRect/>
+          </a:stretch>
+        </p:blipFill>
+        <p:spPr>
+          <a:xfrm>
+            <a:off x="11811000" y="6057900"/>
+            <a:ext cx="5715798" cy="3829584"/>
+          </a:xfrm>
+          <a:prstGeom prst="rect">
+            <a:avLst/>
+          </a:prstGeom>
+        </p:spPr>
+      </p:pic>
     </p:spTree>
     <p:extLst>
       <p:ext uri="{BB962C8B-B14F-4D97-AF65-F5344CB8AC3E}">
-        <p14:creationId xmlns:p14="http://schemas.microsoft.com/office/powerpoint/2010/main" val="4288372638"/>
+        <p14:creationId xmlns:p14="http://schemas.microsoft.com/office/powerpoint/2010/main" val="2333357734"/>
       </p:ext>
     </p:extLst>
   </p:cSld>
@@ -4494,6 +5084,711 @@
         <p:spPr>
           <a:xfrm>
             <a:off x="1524000" y="687972"/>
+            <a:ext cx="4114800" cy="523220"/>
+          </a:xfrm>
+          <a:prstGeom prst="rect">
+            <a:avLst/>
+          </a:prstGeom>
+          <a:noFill/>
+        </p:spPr>
+        <p:txBody>
+          <a:bodyPr wrap="square" rtlCol="0" anchor="t">
+            <a:spAutoFit/>
+          </a:bodyPr>
+          <a:lstStyle/>
+          <a:p>
+            <a:r>
+              <a:rPr lang="ko-KR" altLang="en-US" sz="2800" smtClean="0">
+                <a:solidFill>
+                  <a:schemeClr val="bg1"/>
+                </a:solidFill>
+                <a:latin typeface="-윤고딕330" panose="02030504000101010101" pitchFamily="18" charset="-127"/>
+                <a:ea typeface="-윤고딕330" panose="02030504000101010101" pitchFamily="18" charset="-127"/>
+              </a:rPr>
+              <a:t>주요 기능  </a:t>
+            </a:r>
+            <a:endParaRPr lang="en-US" sz="2800" dirty="0">
+              <a:solidFill>
+                <a:schemeClr val="bg1"/>
+              </a:solidFill>
+              <a:latin typeface="-윤고딕330" panose="02030504000101010101" pitchFamily="18" charset="-127"/>
+              <a:ea typeface="-윤고딕330" panose="02030504000101010101" pitchFamily="18" charset="-127"/>
+            </a:endParaRPr>
+          </a:p>
+        </p:txBody>
+      </p:sp>
+      <p:grpSp>
+        <p:nvGrpSpPr>
+          <p:cNvPr id="8" name="그룹 1005"/>
+          <p:cNvGrpSpPr/>
+          <p:nvPr/>
+        </p:nvGrpSpPr>
+        <p:grpSpPr>
+          <a:xfrm>
+            <a:off x="414000" y="378000"/>
+            <a:ext cx="860400" cy="1029600"/>
+            <a:chOff x="9919704" y="3437184"/>
+            <a:chExt cx="2282669" cy="2735570"/>
+          </a:xfrm>
+        </p:grpSpPr>
+        <p:pic>
+          <p:nvPicPr>
+            <p:cNvPr id="9" name="Object 24"/>
+            <p:cNvPicPr>
+              <a:picLocks noChangeAspect="1"/>
+            </p:cNvPicPr>
+            <p:nvPr/>
+          </p:nvPicPr>
+          <p:blipFill>
+            <a:blip r:embed="rId3" cstate="print"/>
+            <a:stretch>
+              <a:fillRect/>
+            </a:stretch>
+          </p:blipFill>
+          <p:spPr>
+            <a:xfrm>
+              <a:off x="9919704" y="3437184"/>
+              <a:ext cx="2282669" cy="2735570"/>
+            </a:xfrm>
+            <a:prstGeom prst="rect">
+              <a:avLst/>
+            </a:prstGeom>
+          </p:spPr>
+        </p:pic>
+      </p:grpSp>
+      <p:sp>
+        <p:nvSpPr>
+          <p:cNvPr id="2" name="TextBox 1"/>
+          <p:cNvSpPr txBox="1"/>
+          <p:nvPr/>
+        </p:nvSpPr>
+        <p:spPr>
+          <a:xfrm>
+            <a:off x="1274400" y="1775892"/>
+            <a:ext cx="3661580" cy="523220"/>
+          </a:xfrm>
+          <a:prstGeom prst="rect">
+            <a:avLst/>
+          </a:prstGeom>
+          <a:noFill/>
+        </p:spPr>
+        <p:txBody>
+          <a:bodyPr wrap="none" rtlCol="0">
+            <a:spAutoFit/>
+          </a:bodyPr>
+          <a:lstStyle/>
+          <a:p>
+            <a:r>
+              <a:rPr lang="ko-KR" altLang="en-US" sz="2800" b="1" smtClean="0"/>
+              <a:t>데이터 추가 기능 구현</a:t>
+            </a:r>
+            <a:endParaRPr lang="ko-KR" altLang="en-US" sz="2800" b="1"/>
+          </a:p>
+        </p:txBody>
+      </p:sp>
+      <p:pic>
+        <p:nvPicPr>
+          <p:cNvPr id="3" name="그림 2"/>
+          <p:cNvPicPr>
+            <a:picLocks noChangeAspect="1"/>
+          </p:cNvPicPr>
+          <p:nvPr/>
+        </p:nvPicPr>
+        <p:blipFill>
+          <a:blip r:embed="rId4"/>
+          <a:stretch>
+            <a:fillRect/>
+          </a:stretch>
+        </p:blipFill>
+        <p:spPr>
+          <a:xfrm>
+            <a:off x="3352800" y="2815046"/>
+            <a:ext cx="11201400" cy="7209256"/>
+          </a:xfrm>
+          <a:prstGeom prst="rect">
+            <a:avLst/>
+          </a:prstGeom>
+        </p:spPr>
+      </p:pic>
+    </p:spTree>
+    <p:extLst>
+      <p:ext uri="{BB962C8B-B14F-4D97-AF65-F5344CB8AC3E}">
+        <p14:creationId xmlns:p14="http://schemas.microsoft.com/office/powerpoint/2010/main" val="2401860686"/>
+      </p:ext>
+    </p:extLst>
+  </p:cSld>
+  <p:clrMapOvr>
+    <a:masterClrMapping/>
+  </p:clrMapOvr>
+  <p:timing>
+    <p:tnLst>
+      <p:par>
+        <p:cTn id="1" dur="indefinite" restart="never" nodeType="tmRoot"/>
+      </p:par>
+    </p:tnLst>
+  </p:timing>
+</p:sld>
+</file>
+
+<file path=ppt/slides/slide17.xml><?xml version="1.0" encoding="utf-8"?>
+<p:sld xmlns:a="http://schemas.openxmlformats.org/drawingml/2006/main" xmlns:r="http://schemas.openxmlformats.org/officeDocument/2006/relationships" xmlns:p="http://schemas.openxmlformats.org/presentationml/2006/main">
+  <p:cSld>
+    <p:spTree>
+      <p:nvGrpSpPr>
+        <p:cNvPr id="1" name=""/>
+        <p:cNvGrpSpPr/>
+        <p:nvPr/>
+      </p:nvGrpSpPr>
+      <p:grpSpPr>
+        <a:xfrm>
+          <a:off x="0" y="0"/>
+          <a:ext cx="0" cy="0"/>
+          <a:chOff x="0" y="0"/>
+          <a:chExt cx="0" cy="0"/>
+        </a:xfrm>
+      </p:grpSpPr>
+      <p:grpSp>
+        <p:nvGrpSpPr>
+          <p:cNvPr id="1002" name="그룹 1002"/>
+          <p:cNvGrpSpPr/>
+          <p:nvPr/>
+        </p:nvGrpSpPr>
+        <p:grpSpPr>
+          <a:xfrm>
+            <a:off x="1063159" y="637116"/>
+            <a:ext cx="16767642" cy="622842"/>
+            <a:chOff x="1063158" y="637116"/>
+            <a:chExt cx="17297635" cy="622842"/>
+          </a:xfrm>
+        </p:grpSpPr>
+        <p:pic>
+          <p:nvPicPr>
+            <p:cNvPr id="6" name="Object 5"/>
+            <p:cNvPicPr>
+              <a:picLocks noChangeAspect="1"/>
+            </p:cNvPicPr>
+            <p:nvPr/>
+          </p:nvPicPr>
+          <p:blipFill>
+            <a:blip r:embed="rId2" cstate="print"/>
+            <a:stretch>
+              <a:fillRect/>
+            </a:stretch>
+          </p:blipFill>
+          <p:spPr>
+            <a:xfrm>
+              <a:off x="1063158" y="637116"/>
+              <a:ext cx="17297635" cy="622842"/>
+            </a:xfrm>
+            <a:prstGeom prst="rect">
+              <a:avLst/>
+            </a:prstGeom>
+          </p:spPr>
+        </p:pic>
+      </p:grpSp>
+      <p:sp>
+        <p:nvSpPr>
+          <p:cNvPr id="7" name="Object 8"/>
+          <p:cNvSpPr txBox="1"/>
+          <p:nvPr/>
+        </p:nvSpPr>
+        <p:spPr>
+          <a:xfrm>
+            <a:off x="1524000" y="687972"/>
+            <a:ext cx="4114800" cy="523220"/>
+          </a:xfrm>
+          <a:prstGeom prst="rect">
+            <a:avLst/>
+          </a:prstGeom>
+          <a:noFill/>
+        </p:spPr>
+        <p:txBody>
+          <a:bodyPr wrap="square" rtlCol="0" anchor="t">
+            <a:spAutoFit/>
+          </a:bodyPr>
+          <a:lstStyle/>
+          <a:p>
+            <a:r>
+              <a:rPr lang="ko-KR" altLang="en-US" sz="2800" smtClean="0">
+                <a:solidFill>
+                  <a:schemeClr val="bg1"/>
+                </a:solidFill>
+                <a:latin typeface="-윤고딕330" panose="02030504000101010101" pitchFamily="18" charset="-127"/>
+                <a:ea typeface="-윤고딕330" panose="02030504000101010101" pitchFamily="18" charset="-127"/>
+              </a:rPr>
+              <a:t>주요 기능  </a:t>
+            </a:r>
+            <a:endParaRPr lang="en-US" sz="2800" dirty="0">
+              <a:solidFill>
+                <a:schemeClr val="bg1"/>
+              </a:solidFill>
+              <a:latin typeface="-윤고딕330" panose="02030504000101010101" pitchFamily="18" charset="-127"/>
+              <a:ea typeface="-윤고딕330" panose="02030504000101010101" pitchFamily="18" charset="-127"/>
+            </a:endParaRPr>
+          </a:p>
+        </p:txBody>
+      </p:sp>
+      <p:grpSp>
+        <p:nvGrpSpPr>
+          <p:cNvPr id="8" name="그룹 1005"/>
+          <p:cNvGrpSpPr/>
+          <p:nvPr/>
+        </p:nvGrpSpPr>
+        <p:grpSpPr>
+          <a:xfrm>
+            <a:off x="414000" y="378000"/>
+            <a:ext cx="860400" cy="1029600"/>
+            <a:chOff x="9919704" y="3437184"/>
+            <a:chExt cx="2282669" cy="2735570"/>
+          </a:xfrm>
+        </p:grpSpPr>
+        <p:pic>
+          <p:nvPicPr>
+            <p:cNvPr id="9" name="Object 24"/>
+            <p:cNvPicPr>
+              <a:picLocks noChangeAspect="1"/>
+            </p:cNvPicPr>
+            <p:nvPr/>
+          </p:nvPicPr>
+          <p:blipFill>
+            <a:blip r:embed="rId3" cstate="print"/>
+            <a:stretch>
+              <a:fillRect/>
+            </a:stretch>
+          </p:blipFill>
+          <p:spPr>
+            <a:xfrm>
+              <a:off x="9919704" y="3437184"/>
+              <a:ext cx="2282669" cy="2735570"/>
+            </a:xfrm>
+            <a:prstGeom prst="rect">
+              <a:avLst/>
+            </a:prstGeom>
+          </p:spPr>
+        </p:pic>
+      </p:grpSp>
+      <p:pic>
+        <p:nvPicPr>
+          <p:cNvPr id="4" name="그림 3"/>
+          <p:cNvPicPr>
+            <a:picLocks noChangeAspect="1"/>
+          </p:cNvPicPr>
+          <p:nvPr/>
+        </p:nvPicPr>
+        <p:blipFill>
+          <a:blip r:embed="rId4"/>
+          <a:stretch>
+            <a:fillRect/>
+          </a:stretch>
+        </p:blipFill>
+        <p:spPr>
+          <a:xfrm>
+            <a:off x="844200" y="2140010"/>
+            <a:ext cx="11199795" cy="3348042"/>
+          </a:xfrm>
+          <a:prstGeom prst="rect">
+            <a:avLst/>
+          </a:prstGeom>
+        </p:spPr>
+      </p:pic>
+      <p:pic>
+        <p:nvPicPr>
+          <p:cNvPr id="10" name="그림 9"/>
+          <p:cNvPicPr>
+            <a:picLocks noChangeAspect="1"/>
+          </p:cNvPicPr>
+          <p:nvPr/>
+        </p:nvPicPr>
+        <p:blipFill>
+          <a:blip r:embed="rId5"/>
+          <a:stretch>
+            <a:fillRect/>
+          </a:stretch>
+        </p:blipFill>
+        <p:spPr>
+          <a:xfrm>
+            <a:off x="1084930" y="5586785"/>
+            <a:ext cx="10421270" cy="4468400"/>
+          </a:xfrm>
+          <a:prstGeom prst="rect">
+            <a:avLst/>
+          </a:prstGeom>
+        </p:spPr>
+      </p:pic>
+      <p:pic>
+        <p:nvPicPr>
+          <p:cNvPr id="14" name="그림 13"/>
+          <p:cNvPicPr>
+            <a:picLocks noChangeAspect="1"/>
+          </p:cNvPicPr>
+          <p:nvPr/>
+        </p:nvPicPr>
+        <p:blipFill>
+          <a:blip r:embed="rId6"/>
+          <a:stretch>
+            <a:fillRect/>
+          </a:stretch>
+        </p:blipFill>
+        <p:spPr>
+          <a:xfrm>
+            <a:off x="11506200" y="4991100"/>
+            <a:ext cx="6172200" cy="4111348"/>
+          </a:xfrm>
+          <a:prstGeom prst="rect">
+            <a:avLst/>
+          </a:prstGeom>
+        </p:spPr>
+      </p:pic>
+      <p:sp>
+        <p:nvSpPr>
+          <p:cNvPr id="15" name="TextBox 14"/>
+          <p:cNvSpPr txBox="1"/>
+          <p:nvPr/>
+        </p:nvSpPr>
+        <p:spPr>
+          <a:xfrm>
+            <a:off x="1270046" y="1506333"/>
+            <a:ext cx="3661580" cy="523220"/>
+          </a:xfrm>
+          <a:prstGeom prst="rect">
+            <a:avLst/>
+          </a:prstGeom>
+          <a:noFill/>
+        </p:spPr>
+        <p:txBody>
+          <a:bodyPr wrap="none" rtlCol="0">
+            <a:spAutoFit/>
+          </a:bodyPr>
+          <a:lstStyle/>
+          <a:p>
+            <a:r>
+              <a:rPr lang="ko-KR" altLang="en-US" sz="2800" b="1" smtClean="0"/>
+              <a:t>데이터 추가 기능 구현</a:t>
+            </a:r>
+            <a:endParaRPr lang="ko-KR" altLang="en-US" sz="2800" b="1"/>
+          </a:p>
+        </p:txBody>
+      </p:sp>
+    </p:spTree>
+    <p:extLst>
+      <p:ext uri="{BB962C8B-B14F-4D97-AF65-F5344CB8AC3E}">
+        <p14:creationId xmlns:p14="http://schemas.microsoft.com/office/powerpoint/2010/main" val="2028320031"/>
+      </p:ext>
+    </p:extLst>
+  </p:cSld>
+  <p:clrMapOvr>
+    <a:masterClrMapping/>
+  </p:clrMapOvr>
+  <p:timing>
+    <p:tnLst>
+      <p:par>
+        <p:cTn id="1" dur="indefinite" restart="never" nodeType="tmRoot"/>
+      </p:par>
+    </p:tnLst>
+  </p:timing>
+</p:sld>
+</file>
+
+<file path=ppt/slides/slide18.xml><?xml version="1.0" encoding="utf-8"?>
+<p:sld xmlns:a="http://schemas.openxmlformats.org/drawingml/2006/main" xmlns:r="http://schemas.openxmlformats.org/officeDocument/2006/relationships" xmlns:p="http://schemas.openxmlformats.org/presentationml/2006/main">
+  <p:cSld>
+    <p:spTree>
+      <p:nvGrpSpPr>
+        <p:cNvPr id="1" name=""/>
+        <p:cNvGrpSpPr/>
+        <p:nvPr/>
+      </p:nvGrpSpPr>
+      <p:grpSpPr>
+        <a:xfrm>
+          <a:off x="0" y="0"/>
+          <a:ext cx="0" cy="0"/>
+          <a:chOff x="0" y="0"/>
+          <a:chExt cx="0" cy="0"/>
+        </a:xfrm>
+      </p:grpSpPr>
+      <p:grpSp>
+        <p:nvGrpSpPr>
+          <p:cNvPr id="1002" name="그룹 1002"/>
+          <p:cNvGrpSpPr/>
+          <p:nvPr/>
+        </p:nvGrpSpPr>
+        <p:grpSpPr>
+          <a:xfrm>
+            <a:off x="1063159" y="637116"/>
+            <a:ext cx="16767642" cy="622842"/>
+            <a:chOff x="1063158" y="637116"/>
+            <a:chExt cx="17297635" cy="622842"/>
+          </a:xfrm>
+        </p:grpSpPr>
+        <p:pic>
+          <p:nvPicPr>
+            <p:cNvPr id="6" name="Object 5"/>
+            <p:cNvPicPr>
+              <a:picLocks noChangeAspect="1"/>
+            </p:cNvPicPr>
+            <p:nvPr/>
+          </p:nvPicPr>
+          <p:blipFill>
+            <a:blip r:embed="rId2" cstate="print"/>
+            <a:stretch>
+              <a:fillRect/>
+            </a:stretch>
+          </p:blipFill>
+          <p:spPr>
+            <a:xfrm>
+              <a:off x="1063158" y="637116"/>
+              <a:ext cx="17297635" cy="622842"/>
+            </a:xfrm>
+            <a:prstGeom prst="rect">
+              <a:avLst/>
+            </a:prstGeom>
+          </p:spPr>
+        </p:pic>
+      </p:grpSp>
+      <p:sp>
+        <p:nvSpPr>
+          <p:cNvPr id="7" name="Object 8"/>
+          <p:cNvSpPr txBox="1"/>
+          <p:nvPr/>
+        </p:nvSpPr>
+        <p:spPr>
+          <a:xfrm>
+            <a:off x="1524000" y="687972"/>
+            <a:ext cx="3172412" cy="523220"/>
+          </a:xfrm>
+          <a:prstGeom prst="rect">
+            <a:avLst/>
+          </a:prstGeom>
+          <a:noFill/>
+        </p:spPr>
+        <p:txBody>
+          <a:bodyPr wrap="square" rtlCol="0" anchor="t">
+            <a:spAutoFit/>
+          </a:bodyPr>
+          <a:lstStyle/>
+          <a:p>
+            <a:r>
+              <a:rPr lang="ko-KR" altLang="en-US" sz="2800" smtClean="0">
+                <a:solidFill>
+                  <a:schemeClr val="bg1"/>
+                </a:solidFill>
+                <a:latin typeface="-윤고딕330" panose="02030504000101010101" pitchFamily="18" charset="-127"/>
+                <a:ea typeface="-윤고딕330" panose="02030504000101010101" pitchFamily="18" charset="-127"/>
+              </a:rPr>
+              <a:t>주요 기능 </a:t>
+            </a:r>
+            <a:endParaRPr lang="en-US" sz="2800" dirty="0">
+              <a:solidFill>
+                <a:schemeClr val="bg1"/>
+              </a:solidFill>
+              <a:latin typeface="-윤고딕330" panose="02030504000101010101" pitchFamily="18" charset="-127"/>
+              <a:ea typeface="-윤고딕330" panose="02030504000101010101" pitchFamily="18" charset="-127"/>
+            </a:endParaRPr>
+          </a:p>
+        </p:txBody>
+      </p:sp>
+      <p:grpSp>
+        <p:nvGrpSpPr>
+          <p:cNvPr id="8" name="그룹 1005"/>
+          <p:cNvGrpSpPr/>
+          <p:nvPr/>
+        </p:nvGrpSpPr>
+        <p:grpSpPr>
+          <a:xfrm>
+            <a:off x="414000" y="378000"/>
+            <a:ext cx="860400" cy="1029600"/>
+            <a:chOff x="9919704" y="3437184"/>
+            <a:chExt cx="2282669" cy="2735570"/>
+          </a:xfrm>
+        </p:grpSpPr>
+        <p:pic>
+          <p:nvPicPr>
+            <p:cNvPr id="9" name="Object 24"/>
+            <p:cNvPicPr>
+              <a:picLocks noChangeAspect="1"/>
+            </p:cNvPicPr>
+            <p:nvPr/>
+          </p:nvPicPr>
+          <p:blipFill>
+            <a:blip r:embed="rId3" cstate="print"/>
+            <a:stretch>
+              <a:fillRect/>
+            </a:stretch>
+          </p:blipFill>
+          <p:spPr>
+            <a:xfrm>
+              <a:off x="9919704" y="3437184"/>
+              <a:ext cx="2282669" cy="2735570"/>
+            </a:xfrm>
+            <a:prstGeom prst="rect">
+              <a:avLst/>
+            </a:prstGeom>
+          </p:spPr>
+        </p:pic>
+      </p:grpSp>
+      <p:sp>
+        <p:nvSpPr>
+          <p:cNvPr id="10" name="TextBox 9"/>
+          <p:cNvSpPr txBox="1"/>
+          <p:nvPr/>
+        </p:nvSpPr>
+        <p:spPr>
+          <a:xfrm>
+            <a:off x="11430000" y="2514626"/>
+            <a:ext cx="4461478" cy="523220"/>
+          </a:xfrm>
+          <a:prstGeom prst="rect">
+            <a:avLst/>
+          </a:prstGeom>
+          <a:noFill/>
+        </p:spPr>
+        <p:txBody>
+          <a:bodyPr wrap="none" rtlCol="0">
+            <a:spAutoFit/>
+          </a:bodyPr>
+          <a:lstStyle/>
+          <a:p>
+            <a:r>
+              <a:rPr lang="ko-KR" altLang="en-US" sz="2800" smtClean="0"/>
+              <a:t>데이터 추가 기능 오류 처리</a:t>
+            </a:r>
+            <a:endParaRPr lang="ko-KR" altLang="en-US" sz="2800"/>
+          </a:p>
+        </p:txBody>
+      </p:sp>
+      <p:pic>
+        <p:nvPicPr>
+          <p:cNvPr id="2" name="그림 1"/>
+          <p:cNvPicPr>
+            <a:picLocks noChangeAspect="1"/>
+          </p:cNvPicPr>
+          <p:nvPr/>
+        </p:nvPicPr>
+        <p:blipFill>
+          <a:blip r:embed="rId4"/>
+          <a:stretch>
+            <a:fillRect/>
+          </a:stretch>
+        </p:blipFill>
+        <p:spPr>
+          <a:xfrm>
+            <a:off x="304800" y="2019300"/>
+            <a:ext cx="9787709" cy="7696200"/>
+          </a:xfrm>
+          <a:prstGeom prst="rect">
+            <a:avLst/>
+          </a:prstGeom>
+        </p:spPr>
+      </p:pic>
+      <p:pic>
+        <p:nvPicPr>
+          <p:cNvPr id="3" name="그림 2"/>
+          <p:cNvPicPr>
+            <a:picLocks noChangeAspect="1"/>
+          </p:cNvPicPr>
+          <p:nvPr/>
+        </p:nvPicPr>
+        <p:blipFill>
+          <a:blip r:embed="rId5"/>
+          <a:stretch>
+            <a:fillRect/>
+          </a:stretch>
+        </p:blipFill>
+        <p:spPr>
+          <a:xfrm>
+            <a:off x="9601200" y="3274176"/>
+            <a:ext cx="8610600" cy="5865366"/>
+          </a:xfrm>
+          <a:prstGeom prst="rect">
+            <a:avLst/>
+          </a:prstGeom>
+        </p:spPr>
+      </p:pic>
+    </p:spTree>
+    <p:extLst>
+      <p:ext uri="{BB962C8B-B14F-4D97-AF65-F5344CB8AC3E}">
+        <p14:creationId xmlns:p14="http://schemas.microsoft.com/office/powerpoint/2010/main" val="1764884954"/>
+      </p:ext>
+    </p:extLst>
+  </p:cSld>
+  <p:clrMapOvr>
+    <a:masterClrMapping/>
+  </p:clrMapOvr>
+  <p:timing>
+    <p:tnLst>
+      <p:par>
+        <p:cTn id="1" dur="indefinite" restart="never" nodeType="tmRoot"/>
+      </p:par>
+    </p:tnLst>
+  </p:timing>
+</p:sld>
+</file>
+
+<file path=ppt/slides/slide19.xml><?xml version="1.0" encoding="utf-8"?>
+<p:sld xmlns:a="http://schemas.openxmlformats.org/drawingml/2006/main" xmlns:r="http://schemas.openxmlformats.org/officeDocument/2006/relationships" xmlns:p="http://schemas.openxmlformats.org/presentationml/2006/main">
+  <p:cSld>
+    <p:spTree>
+      <p:nvGrpSpPr>
+        <p:cNvPr id="1" name=""/>
+        <p:cNvGrpSpPr/>
+        <p:nvPr/>
+      </p:nvGrpSpPr>
+      <p:grpSpPr>
+        <a:xfrm>
+          <a:off x="0" y="0"/>
+          <a:ext cx="0" cy="0"/>
+          <a:chOff x="0" y="0"/>
+          <a:chExt cx="0" cy="0"/>
+        </a:xfrm>
+      </p:grpSpPr>
+      <p:grpSp>
+        <p:nvGrpSpPr>
+          <p:cNvPr id="1002" name="그룹 1002"/>
+          <p:cNvGrpSpPr/>
+          <p:nvPr/>
+        </p:nvGrpSpPr>
+        <p:grpSpPr>
+          <a:xfrm>
+            <a:off x="1063159" y="637116"/>
+            <a:ext cx="16767642" cy="622842"/>
+            <a:chOff x="1063158" y="637116"/>
+            <a:chExt cx="17297635" cy="622842"/>
+          </a:xfrm>
+        </p:grpSpPr>
+        <p:pic>
+          <p:nvPicPr>
+            <p:cNvPr id="6" name="Object 5"/>
+            <p:cNvPicPr>
+              <a:picLocks noChangeAspect="1"/>
+            </p:cNvPicPr>
+            <p:nvPr/>
+          </p:nvPicPr>
+          <p:blipFill>
+            <a:blip r:embed="rId2" cstate="print"/>
+            <a:stretch>
+              <a:fillRect/>
+            </a:stretch>
+          </p:blipFill>
+          <p:spPr>
+            <a:xfrm>
+              <a:off x="1063158" y="637116"/>
+              <a:ext cx="17297635" cy="622842"/>
+            </a:xfrm>
+            <a:prstGeom prst="rect">
+              <a:avLst/>
+            </a:prstGeom>
+          </p:spPr>
+        </p:pic>
+      </p:grpSp>
+      <p:sp>
+        <p:nvSpPr>
+          <p:cNvPr id="7" name="Object 8"/>
+          <p:cNvSpPr txBox="1"/>
+          <p:nvPr/>
+        </p:nvSpPr>
+        <p:spPr>
+          <a:xfrm>
+            <a:off x="1524000" y="687972"/>
             <a:ext cx="3172412" cy="523220"/>
           </a:xfrm>
           <a:prstGeom prst="rect">
@@ -4515,7 +5810,7 @@
                 <a:latin typeface="-윤고딕330" panose="02030504000101010101" pitchFamily="18" charset="-127"/>
                 <a:ea typeface="-윤고딕330" panose="02030504000101010101" pitchFamily="18" charset="-127"/>
               </a:rPr>
-              <a:t>프로젝트 후기</a:t>
+              <a:t>주요 기능</a:t>
             </a:r>
             <a:endParaRPr lang="en-US" sz="2800" dirty="0">
               <a:solidFill>
@@ -4529,7 +5824,7 @@
       </p:sp>
       <p:grpSp>
         <p:nvGrpSpPr>
-          <p:cNvPr id="10" name="그룹 1007"/>
+          <p:cNvPr id="8" name="그룹 1005"/>
           <p:cNvGrpSpPr/>
           <p:nvPr/>
         </p:nvGrpSpPr>
@@ -4537,13 +5832,13 @@
           <a:xfrm>
             <a:off x="414000" y="378000"/>
             <a:ext cx="860400" cy="1029600"/>
-            <a:chOff x="13756068" y="3437184"/>
+            <a:chOff x="9919704" y="3437184"/>
             <a:chExt cx="2282669" cy="2735570"/>
           </a:xfrm>
         </p:grpSpPr>
         <p:pic>
           <p:nvPicPr>
-            <p:cNvPr id="11" name="Object 34"/>
+            <p:cNvPr id="9" name="Object 24"/>
             <p:cNvPicPr>
               <a:picLocks noChangeAspect="1"/>
             </p:cNvPicPr>
@@ -4557,7 +5852,7 @@
           </p:blipFill>
           <p:spPr>
             <a:xfrm>
-              <a:off x="13756068" y="3437184"/>
+              <a:off x="9919704" y="3437184"/>
               <a:ext cx="2282669" cy="2735570"/>
             </a:xfrm>
             <a:prstGeom prst="rect">
@@ -4566,61 +5861,40 @@
           </p:spPr>
         </p:pic>
       </p:grpSp>
-    </p:spTree>
-    <p:extLst>
-      <p:ext uri="{BB962C8B-B14F-4D97-AF65-F5344CB8AC3E}">
-        <p14:creationId xmlns:p14="http://schemas.microsoft.com/office/powerpoint/2010/main" val="3701378609"/>
-      </p:ext>
-    </p:extLst>
-  </p:cSld>
-  <p:clrMapOvr>
-    <a:masterClrMapping/>
-  </p:clrMapOvr>
-  <p:timing>
-    <p:tnLst>
-      <p:par>
-        <p:cTn id="1" dur="indefinite" restart="never" nodeType="tmRoot"/>
-      </p:par>
-    </p:tnLst>
-  </p:timing>
-</p:sld>
-</file>
-
-<file path=ppt/slides/slide17.xml><?xml version="1.0" encoding="utf-8"?>
-<p:sld xmlns:a="http://schemas.openxmlformats.org/drawingml/2006/main" xmlns:r="http://schemas.openxmlformats.org/officeDocument/2006/relationships" xmlns:p="http://schemas.openxmlformats.org/presentationml/2006/main">
-  <p:cSld name="Slide 14">
-    <p:bg>
-      <p:bgPr>
-        <a:solidFill>
-          <a:srgbClr val="FFFFFF"/>
-        </a:solidFill>
-        <a:effectLst/>
-      </p:bgPr>
-    </p:bg>
-    <p:spTree>
-      <p:nvGrpSpPr>
-        <p:cNvPr id="1" name=""/>
-        <p:cNvGrpSpPr/>
-        <p:nvPr/>
-      </p:nvGrpSpPr>
-      <p:grpSpPr>
-        <a:xfrm>
-          <a:off x="0" y="0"/>
-          <a:ext cx="0" cy="0"/>
-          <a:chOff x="0" y="0"/>
-          <a:chExt cx="0" cy="0"/>
-        </a:xfrm>
-      </p:grpSpPr>
+      <p:pic>
+        <p:nvPicPr>
+          <p:cNvPr id="2" name="그림 1"/>
+          <p:cNvPicPr>
+            <a:picLocks noChangeAspect="1"/>
+          </p:cNvPicPr>
+          <p:nvPr/>
+        </p:nvPicPr>
+        <p:blipFill>
+          <a:blip r:embed="rId4"/>
+          <a:stretch>
+            <a:fillRect/>
+          </a:stretch>
+        </p:blipFill>
+        <p:spPr>
+          <a:xfrm>
+            <a:off x="451011" y="2012457"/>
+            <a:ext cx="14258423" cy="3886200"/>
+          </a:xfrm>
+          <a:prstGeom prst="rect">
+            <a:avLst/>
+          </a:prstGeom>
+        </p:spPr>
+      </p:pic>
       <p:sp>
         <p:nvSpPr>
-          <p:cNvPr id="2" name="Object 2"/>
+          <p:cNvPr id="3" name="TextBox 2"/>
           <p:cNvSpPr txBox="1"/>
           <p:nvPr/>
         </p:nvSpPr>
         <p:spPr>
           <a:xfrm>
-            <a:off x="3141367" y="4217276"/>
-            <a:ext cx="12002981" cy="2190156"/>
+            <a:off x="1371600" y="1431191"/>
+            <a:ext cx="3661580" cy="523220"/>
           </a:xfrm>
           <a:prstGeom prst="rect">
             <a:avLst/>
@@ -4628,115 +5902,265 @@
           <a:noFill/>
         </p:spPr>
         <p:txBody>
-          <a:bodyPr wrap="square" rtlCol="0" anchor="t">
+          <a:bodyPr wrap="none" rtlCol="0">
             <a:spAutoFit/>
           </a:bodyPr>
           <a:lstStyle/>
           <a:p>
-            <a:pPr algn="ctr"/>
             <a:r>
-              <a:rPr lang="en-US" sz="8200" kern="0" spc="-300" dirty="0" smtClean="0">
-                <a:solidFill>
-                  <a:srgbClr val="2FA599"/>
-                </a:solidFill>
-                <a:latin typeface="Gmarket Sans Bold" pitchFamily="34" charset="0"/>
-                <a:cs typeface="Gmarket Sans Bold" pitchFamily="34" charset="0"/>
-              </a:rPr>
-              <a:t>Thank</a:t>
+              <a:rPr lang="ko-KR" altLang="en-US" sz="2800" b="1" smtClean="0"/>
+              <a:t>데이터 수정 기능 구현</a:t>
             </a:r>
-            <a:r>
-              <a:rPr lang="en-US" sz="8200" kern="0" spc="-300" dirty="0" smtClean="0">
-                <a:solidFill>
-                  <a:srgbClr val="1C2F69"/>
-                </a:solidFill>
-                <a:latin typeface="Gmarket Sans Bold" pitchFamily="34" charset="0"/>
-                <a:cs typeface="Gmarket Sans Bold" pitchFamily="34" charset="0"/>
-              </a:rPr>
-              <a:t> You!</a:t>
-            </a:r>
-            <a:endParaRPr lang="en-US" dirty="0"/>
+            <a:endParaRPr lang="ko-KR" altLang="en-US" sz="2800" b="1"/>
           </a:p>
         </p:txBody>
       </p:sp>
-      <p:grpSp>
-        <p:nvGrpSpPr>
-          <p:cNvPr id="1001" name="그룹 1001"/>
-          <p:cNvGrpSpPr/>
-          <p:nvPr/>
-        </p:nvGrpSpPr>
-        <p:grpSpPr>
-          <a:xfrm>
-            <a:off x="5956770" y="5415275"/>
-            <a:ext cx="6372173" cy="493714"/>
-            <a:chOff x="5956770" y="5415275"/>
-            <a:chExt cx="6372173" cy="493714"/>
-          </a:xfrm>
-        </p:grpSpPr>
-        <p:pic>
-          <p:nvPicPr>
-            <p:cNvPr id="5" name="Object 4"/>
-            <p:cNvPicPr>
-              <a:picLocks noChangeAspect="1"/>
-            </p:cNvPicPr>
-            <p:nvPr/>
-          </p:nvPicPr>
-          <p:blipFill>
-            <a:blip r:embed="rId2" cstate="print"/>
-            <a:stretch>
-              <a:fillRect/>
-            </a:stretch>
-          </p:blipFill>
-          <p:spPr>
-            <a:xfrm>
-              <a:off x="5956770" y="5415275"/>
-              <a:ext cx="6372173" cy="493714"/>
-            </a:xfrm>
-            <a:prstGeom prst="rect">
-              <a:avLst/>
-            </a:prstGeom>
-          </p:spPr>
-        </p:pic>
-      </p:grpSp>
-      <p:grpSp>
-        <p:nvGrpSpPr>
-          <p:cNvPr id="1002" name="그룹 1002"/>
-          <p:cNvGrpSpPr/>
-          <p:nvPr/>
-        </p:nvGrpSpPr>
-        <p:grpSpPr>
-          <a:xfrm>
-            <a:off x="12328944" y="4936710"/>
-            <a:ext cx="719110" cy="798125"/>
-            <a:chOff x="12328944" y="4936710"/>
-            <a:chExt cx="719110" cy="798125"/>
-          </a:xfrm>
-        </p:grpSpPr>
-        <p:pic>
-          <p:nvPicPr>
-            <p:cNvPr id="8" name="Object 7"/>
-            <p:cNvPicPr>
-              <a:picLocks noChangeAspect="1"/>
-            </p:cNvPicPr>
-            <p:nvPr/>
-          </p:nvPicPr>
-          <p:blipFill>
-            <a:blip r:embed="rId3" cstate="print"/>
-            <a:stretch>
-              <a:fillRect/>
-            </a:stretch>
-          </p:blipFill>
-          <p:spPr>
-            <a:xfrm>
-              <a:off x="12328944" y="4936710"/>
-              <a:ext cx="719110" cy="798125"/>
-            </a:xfrm>
-            <a:prstGeom prst="rect">
-              <a:avLst/>
-            </a:prstGeom>
-          </p:spPr>
-        </p:pic>
-      </p:grpSp>
+      <p:pic>
+        <p:nvPicPr>
+          <p:cNvPr id="4" name="그림 3"/>
+          <p:cNvPicPr>
+            <a:picLocks noChangeAspect="1"/>
+          </p:cNvPicPr>
+          <p:nvPr/>
+        </p:nvPicPr>
+        <p:blipFill>
+          <a:blip r:embed="rId5"/>
+          <a:stretch>
+            <a:fillRect/>
+          </a:stretch>
+        </p:blipFill>
+        <p:spPr>
+          <a:xfrm>
+            <a:off x="533400" y="5600700"/>
+            <a:ext cx="6011114" cy="4458322"/>
+          </a:xfrm>
+          <a:prstGeom prst="rect">
+            <a:avLst/>
+          </a:prstGeom>
+        </p:spPr>
+      </p:pic>
+      <p:sp>
+        <p:nvSpPr>
+          <p:cNvPr id="12" name="TextBox 11"/>
+          <p:cNvSpPr txBox="1"/>
+          <p:nvPr/>
+        </p:nvSpPr>
+        <p:spPr>
+          <a:xfrm>
+            <a:off x="13411200" y="3446934"/>
+            <a:ext cx="3999813" cy="477054"/>
+          </a:xfrm>
+          <a:prstGeom prst="rect">
+            <a:avLst/>
+          </a:prstGeom>
+          <a:noFill/>
+        </p:spPr>
+        <p:txBody>
+          <a:bodyPr wrap="none" rtlCol="0">
+            <a:spAutoFit/>
+          </a:bodyPr>
+          <a:lstStyle/>
+          <a:p>
+            <a:r>
+              <a:rPr lang="ko-KR" altLang="en-US" sz="2500" smtClean="0"/>
+              <a:t>데이터 수정 기능 오류 처리</a:t>
+            </a:r>
+            <a:endParaRPr lang="ko-KR" altLang="en-US" sz="2500"/>
+          </a:p>
+        </p:txBody>
+      </p:sp>
+      <p:pic>
+        <p:nvPicPr>
+          <p:cNvPr id="5" name="그림 4"/>
+          <p:cNvPicPr>
+            <a:picLocks noChangeAspect="1"/>
+          </p:cNvPicPr>
+          <p:nvPr/>
+        </p:nvPicPr>
+        <p:blipFill>
+          <a:blip r:embed="rId6"/>
+          <a:stretch>
+            <a:fillRect/>
+          </a:stretch>
+        </p:blipFill>
+        <p:spPr>
+          <a:xfrm>
+            <a:off x="6701495" y="6057900"/>
+            <a:ext cx="5801535" cy="3886742"/>
+          </a:xfrm>
+          <a:prstGeom prst="rect">
+            <a:avLst/>
+          </a:prstGeom>
+        </p:spPr>
+      </p:pic>
+      <p:pic>
+        <p:nvPicPr>
+          <p:cNvPr id="11" name="그림 10"/>
+          <p:cNvPicPr>
+            <a:picLocks noChangeAspect="1"/>
+          </p:cNvPicPr>
+          <p:nvPr/>
+        </p:nvPicPr>
+        <p:blipFill>
+          <a:blip r:embed="rId7"/>
+          <a:stretch>
+            <a:fillRect/>
+          </a:stretch>
+        </p:blipFill>
+        <p:spPr>
+          <a:xfrm>
+            <a:off x="11811000" y="3911053"/>
+            <a:ext cx="5896798" cy="4029637"/>
+          </a:xfrm>
+          <a:prstGeom prst="rect">
+            <a:avLst/>
+          </a:prstGeom>
+        </p:spPr>
+      </p:pic>
+      <p:sp>
+        <p:nvSpPr>
+          <p:cNvPr id="14" name="직사각형 13"/>
+          <p:cNvSpPr/>
+          <p:nvPr/>
+        </p:nvSpPr>
+        <p:spPr>
+          <a:xfrm>
+            <a:off x="1371600" y="9105900"/>
+            <a:ext cx="762000" cy="304800"/>
+          </a:xfrm>
+          <a:prstGeom prst="rect">
+            <a:avLst/>
+          </a:prstGeom>
+          <a:noFill/>
+          <a:ln w="38100">
+            <a:solidFill>
+              <a:srgbClr val="FF0000"/>
+            </a:solidFill>
+          </a:ln>
+        </p:spPr>
+        <p:style>
+          <a:lnRef idx="2">
+            <a:schemeClr val="accent1">
+              <a:shade val="50000"/>
+            </a:schemeClr>
+          </a:lnRef>
+          <a:fillRef idx="1">
+            <a:schemeClr val="accent1"/>
+          </a:fillRef>
+          <a:effectRef idx="0">
+            <a:schemeClr val="accent1"/>
+          </a:effectRef>
+          <a:fontRef idx="minor">
+            <a:schemeClr val="lt1"/>
+          </a:fontRef>
+        </p:style>
+        <p:txBody>
+          <a:bodyPr rtlCol="0" anchor="ctr"/>
+          <a:lstStyle/>
+          <a:p>
+            <a:pPr algn="ctr"/>
+            <a:endParaRPr lang="ko-KR" altLang="en-US"/>
+          </a:p>
+        </p:txBody>
+      </p:sp>
+      <p:sp>
+        <p:nvSpPr>
+          <p:cNvPr id="15" name="직사각형 14"/>
+          <p:cNvSpPr/>
+          <p:nvPr/>
+        </p:nvSpPr>
+        <p:spPr>
+          <a:xfrm>
+            <a:off x="4114800" y="6767273"/>
+            <a:ext cx="1828800" cy="205027"/>
+          </a:xfrm>
+          <a:prstGeom prst="rect">
+            <a:avLst/>
+          </a:prstGeom>
+          <a:noFill/>
+          <a:ln w="38100">
+            <a:solidFill>
+              <a:srgbClr val="FF0000"/>
+            </a:solidFill>
+          </a:ln>
+        </p:spPr>
+        <p:style>
+          <a:lnRef idx="2">
+            <a:schemeClr val="accent1">
+              <a:shade val="50000"/>
+            </a:schemeClr>
+          </a:lnRef>
+          <a:fillRef idx="1">
+            <a:schemeClr val="accent1"/>
+          </a:fillRef>
+          <a:effectRef idx="0">
+            <a:schemeClr val="accent1"/>
+          </a:effectRef>
+          <a:fontRef idx="minor">
+            <a:schemeClr val="lt1"/>
+          </a:fontRef>
+        </p:style>
+        <p:txBody>
+          <a:bodyPr rtlCol="0" anchor="ctr"/>
+          <a:lstStyle/>
+          <a:p>
+            <a:pPr algn="ctr"/>
+            <a:endParaRPr lang="ko-KR" altLang="en-US"/>
+          </a:p>
+        </p:txBody>
+      </p:sp>
+      <p:sp>
+        <p:nvSpPr>
+          <p:cNvPr id="16" name="직사각형 15"/>
+          <p:cNvSpPr/>
+          <p:nvPr/>
+        </p:nvSpPr>
+        <p:spPr>
+          <a:xfrm>
+            <a:off x="7382714" y="9105900"/>
+            <a:ext cx="685800" cy="304800"/>
+          </a:xfrm>
+          <a:prstGeom prst="rect">
+            <a:avLst/>
+          </a:prstGeom>
+          <a:noFill/>
+          <a:ln w="38100">
+            <a:solidFill>
+              <a:srgbClr val="FF0000"/>
+            </a:solidFill>
+          </a:ln>
+        </p:spPr>
+        <p:style>
+          <a:lnRef idx="2">
+            <a:schemeClr val="accent1">
+              <a:shade val="50000"/>
+            </a:schemeClr>
+          </a:lnRef>
+          <a:fillRef idx="1">
+            <a:schemeClr val="accent1"/>
+          </a:fillRef>
+          <a:effectRef idx="0">
+            <a:schemeClr val="accent1"/>
+          </a:effectRef>
+          <a:fontRef idx="minor">
+            <a:schemeClr val="lt1"/>
+          </a:fontRef>
+        </p:style>
+        <p:txBody>
+          <a:bodyPr rtlCol="0" anchor="ctr"/>
+          <a:lstStyle/>
+          <a:p>
+            <a:pPr algn="ctr"/>
+            <a:endParaRPr lang="ko-KR" altLang="en-US"/>
+          </a:p>
+        </p:txBody>
+      </p:sp>
     </p:spTree>
+    <p:extLst>
+      <p:ext uri="{BB962C8B-B14F-4D97-AF65-F5344CB8AC3E}">
+        <p14:creationId xmlns:p14="http://schemas.microsoft.com/office/powerpoint/2010/main" val="2493169917"/>
+      </p:ext>
+    </p:extLst>
   </p:cSld>
   <p:clrMapOvr>
     <a:masterClrMapping/>
@@ -4784,7 +6208,7 @@
         </p:nvSpPr>
         <p:spPr>
           <a:xfrm>
-            <a:off x="7010400" y="651075"/>
+            <a:off x="6791981" y="495300"/>
             <a:ext cx="4708038" cy="1154162"/>
           </a:xfrm>
           <a:prstGeom prst="rect">
@@ -4799,16 +6223,31 @@
           <a:lstStyle/>
           <a:p>
             <a:r>
-              <a:rPr lang="en-US" sz="6900" kern="0" spc="-300" smtClean="0">
+              <a:rPr lang="en-US" sz="6900" kern="0" spc="-300" dirty="0" smtClean="0">
                 <a:solidFill>
                   <a:srgbClr val="1C2F69"/>
                 </a:solidFill>
+                <a:effectLst>
+                  <a:outerShdw blurRad="38100" dist="38100" dir="2700000" algn="tl">
+                    <a:srgbClr val="000000">
+                      <a:alpha val="43137"/>
+                    </a:srgbClr>
+                  </a:outerShdw>
+                </a:effectLst>
                 <a:latin typeface="Gmarket Sans Bold" pitchFamily="34" charset="0"/>
                 <a:cs typeface="Gmarket Sans Bold" pitchFamily="34" charset="0"/>
               </a:rPr>
               <a:t>CONTENTS</a:t>
             </a:r>
-            <a:endParaRPr lang="en-US" dirty="0"/>
+            <a:endParaRPr lang="en-US" dirty="0">
+              <a:effectLst>
+                <a:outerShdw blurRad="38100" dist="38100" dir="2700000" algn="tl">
+                  <a:srgbClr val="000000">
+                    <a:alpha val="43137"/>
+                  </a:srgbClr>
+                </a:outerShdw>
+              </a:effectLst>
+            </a:endParaRPr>
           </a:p>
         </p:txBody>
       </p:sp>
@@ -4820,7 +6259,7 @@
         </p:nvSpPr>
         <p:spPr>
           <a:xfrm>
-            <a:off x="4114800" y="4917572"/>
+            <a:off x="3782653" y="4917572"/>
             <a:ext cx="2915872" cy="584775"/>
           </a:xfrm>
           <a:prstGeom prst="rect">
@@ -4854,7 +6293,7 @@
         </p:nvGrpSpPr>
         <p:grpSpPr>
           <a:xfrm>
-            <a:off x="4678368" y="2441710"/>
+            <a:off x="4346221" y="2441710"/>
             <a:ext cx="1802390" cy="2160000"/>
             <a:chOff x="2246977" y="3437184"/>
             <a:chExt cx="1802390" cy="2160000"/>
@@ -4893,7 +6332,7 @@
         </p:nvSpPr>
         <p:spPr>
           <a:xfrm>
-            <a:off x="4724400" y="3009900"/>
+            <a:off x="4392253" y="3009900"/>
             <a:ext cx="1757864" cy="666650"/>
           </a:xfrm>
           <a:prstGeom prst="rect">
@@ -4930,7 +6369,7 @@
         </p:nvSpPr>
         <p:spPr>
           <a:xfrm>
-            <a:off x="4844205" y="3343225"/>
+            <a:off x="4512058" y="3343225"/>
             <a:ext cx="1561642" cy="1184940"/>
           </a:xfrm>
           <a:prstGeom prst="rect">
@@ -4967,7 +6406,7 @@
         </p:nvGrpSpPr>
         <p:grpSpPr>
           <a:xfrm>
-            <a:off x="4166521" y="5341852"/>
+            <a:off x="3834374" y="5341852"/>
             <a:ext cx="2917009" cy="326400"/>
             <a:chOff x="1929807" y="6959800"/>
             <a:chExt cx="2917009" cy="326400"/>
@@ -5006,7 +6445,7 @@
         </p:nvSpPr>
         <p:spPr>
           <a:xfrm>
-            <a:off x="13526201" y="8664151"/>
+            <a:off x="13282400" y="8664151"/>
             <a:ext cx="3253000" cy="584775"/>
           </a:xfrm>
           <a:prstGeom prst="rect">
@@ -5040,7 +6479,7 @@
         </p:nvGrpSpPr>
         <p:grpSpPr>
           <a:xfrm>
-            <a:off x="14069729" y="6258122"/>
+            <a:off x="13825928" y="6258122"/>
             <a:ext cx="1803600" cy="2160000"/>
             <a:chOff x="6083341" y="3437184"/>
             <a:chExt cx="2282669" cy="2735570"/>
@@ -5079,7 +6518,7 @@
         </p:nvGrpSpPr>
         <p:grpSpPr>
           <a:xfrm>
-            <a:off x="13692400" y="9145534"/>
+            <a:off x="13448599" y="9145534"/>
             <a:ext cx="2910624" cy="326400"/>
             <a:chOff x="5769363" y="6959800"/>
             <a:chExt cx="2910624" cy="326400"/>
@@ -5118,7 +6557,7 @@
         </p:nvSpPr>
         <p:spPr>
           <a:xfrm>
-            <a:off x="12050379" y="4897349"/>
+            <a:off x="11718232" y="4897349"/>
             <a:ext cx="2923935" cy="584775"/>
           </a:xfrm>
           <a:prstGeom prst="rect">
@@ -5151,7 +6590,7 @@
         </p:nvGrpSpPr>
         <p:grpSpPr>
           <a:xfrm>
-            <a:off x="12369600" y="2441710"/>
+            <a:off x="12037453" y="2441710"/>
             <a:ext cx="1803600" cy="2160000"/>
             <a:chOff x="9919704" y="3437184"/>
             <a:chExt cx="2282669" cy="2735570"/>
@@ -5190,7 +6629,7 @@
         </p:nvGrpSpPr>
         <p:grpSpPr>
           <a:xfrm>
-            <a:off x="12051516" y="5357910"/>
+            <a:off x="11719369" y="5357910"/>
             <a:ext cx="2927586" cy="326400"/>
             <a:chOff x="9597246" y="6959800"/>
             <a:chExt cx="2927586" cy="326400"/>
@@ -5229,7 +6668,7 @@
         </p:nvSpPr>
         <p:spPr>
           <a:xfrm>
-            <a:off x="2192353" y="8678315"/>
+            <a:off x="5708996" y="8672872"/>
             <a:ext cx="2740451" cy="584775"/>
           </a:xfrm>
           <a:prstGeom prst="rect">
@@ -5263,7 +6702,7 @@
         </p:nvGrpSpPr>
         <p:grpSpPr>
           <a:xfrm>
-            <a:off x="2667000" y="6258122"/>
+            <a:off x="6183643" y="6252679"/>
             <a:ext cx="1803600" cy="2160000"/>
             <a:chOff x="13756068" y="3437184"/>
             <a:chExt cx="2282669" cy="2735570"/>
@@ -5302,7 +6741,7 @@
         </p:nvGrpSpPr>
         <p:grpSpPr>
           <a:xfrm>
-            <a:off x="2084747" y="9145534"/>
+            <a:off x="5601390" y="9140091"/>
             <a:ext cx="2917009" cy="326400"/>
             <a:chOff x="13438898" y="6959800"/>
             <a:chExt cx="2917009" cy="326400"/>
@@ -5341,7 +6780,7 @@
         </p:nvSpPr>
         <p:spPr>
           <a:xfrm>
-            <a:off x="14173200" y="6779483"/>
+            <a:off x="13929399" y="6779483"/>
             <a:ext cx="1757864" cy="666650"/>
           </a:xfrm>
           <a:prstGeom prst="rect">
@@ -5378,7 +6817,7 @@
         </p:nvSpPr>
         <p:spPr>
           <a:xfrm>
-            <a:off x="14173200" y="7112808"/>
+            <a:off x="13929399" y="7112808"/>
             <a:ext cx="1561642" cy="1184940"/>
           </a:xfrm>
           <a:prstGeom prst="rect">
@@ -5415,7 +6854,7 @@
         </p:nvSpPr>
         <p:spPr>
           <a:xfrm>
-            <a:off x="12420600" y="3009900"/>
+            <a:off x="12088453" y="3009900"/>
             <a:ext cx="1757864" cy="666650"/>
           </a:xfrm>
           <a:prstGeom prst="rect">
@@ -5452,7 +6891,7 @@
         </p:nvSpPr>
         <p:spPr>
           <a:xfrm>
-            <a:off x="12540405" y="3343225"/>
+            <a:off x="12208258" y="3343225"/>
             <a:ext cx="1561642" cy="1184940"/>
           </a:xfrm>
           <a:prstGeom prst="rect">
@@ -5489,7 +6928,7 @@
         </p:nvSpPr>
         <p:spPr>
           <a:xfrm>
-            <a:off x="2664320" y="6779483"/>
+            <a:off x="6180963" y="6774040"/>
             <a:ext cx="1757864" cy="666650"/>
           </a:xfrm>
           <a:prstGeom prst="rect">
@@ -5526,7 +6965,7 @@
         </p:nvSpPr>
         <p:spPr>
           <a:xfrm>
-            <a:off x="2781758" y="7112808"/>
+            <a:off x="6298401" y="7107365"/>
             <a:ext cx="1561642" cy="1184940"/>
           </a:xfrm>
           <a:prstGeom prst="rect">
@@ -5549,7 +6988,7 @@
                 <a:latin typeface="Gmarket Sans Bold" pitchFamily="34" charset="0"/>
                 <a:cs typeface="Gmarket Sans Bold" pitchFamily="34" charset="0"/>
               </a:rPr>
-              <a:t>04</a:t>
+              <a:t>05</a:t>
             </a:r>
             <a:endParaRPr lang="en-US" dirty="0"/>
           </a:p>
@@ -5563,7 +7002,7 @@
         </p:nvSpPr>
         <p:spPr>
           <a:xfrm>
-            <a:off x="9827845" y="8661179"/>
+            <a:off x="1723487" y="8652470"/>
             <a:ext cx="2915872" cy="584775"/>
           </a:xfrm>
           <a:prstGeom prst="rect">
@@ -5597,7 +7036,7 @@
         </p:nvGrpSpPr>
         <p:grpSpPr>
           <a:xfrm>
-            <a:off x="10269626" y="6258122"/>
+            <a:off x="2165268" y="6249413"/>
             <a:ext cx="1802390" cy="2160000"/>
             <a:chOff x="2246977" y="3437184"/>
             <a:chExt cx="1802390" cy="2160000"/>
@@ -5636,7 +7075,7 @@
         </p:nvSpPr>
         <p:spPr>
           <a:xfrm>
-            <a:off x="10287000" y="6779483"/>
+            <a:off x="2182642" y="6770774"/>
             <a:ext cx="1757864" cy="666650"/>
           </a:xfrm>
           <a:prstGeom prst="rect">
@@ -5673,7 +7112,7 @@
         </p:nvSpPr>
         <p:spPr>
           <a:xfrm>
-            <a:off x="10401758" y="7112808"/>
+            <a:off x="2297400" y="7104099"/>
             <a:ext cx="1561642" cy="1184940"/>
           </a:xfrm>
           <a:prstGeom prst="rect">
@@ -5696,7 +7135,7 @@
                 <a:latin typeface="Gmarket Sans Bold" pitchFamily="34" charset="0"/>
                 <a:cs typeface="Gmarket Sans Bold" pitchFamily="34" charset="0"/>
               </a:rPr>
-              <a:t>06</a:t>
+              <a:t>04</a:t>
             </a:r>
             <a:endParaRPr lang="en-US" dirty="0"/>
           </a:p>
@@ -5710,7 +7149,7 @@
         </p:nvGrpSpPr>
         <p:grpSpPr>
           <a:xfrm>
-            <a:off x="9826708" y="9145534"/>
+            <a:off x="1722350" y="9136825"/>
             <a:ext cx="2917009" cy="326400"/>
             <a:chOff x="1929807" y="6959800"/>
             <a:chExt cx="2917009" cy="326400"/>
@@ -5749,7 +7188,7 @@
         </p:nvSpPr>
         <p:spPr>
           <a:xfrm>
-            <a:off x="6323711" y="8678314"/>
+            <a:off x="9840354" y="8672871"/>
             <a:ext cx="2113909" cy="584775"/>
           </a:xfrm>
           <a:prstGeom prst="rect">
@@ -5783,7 +7222,7 @@
         </p:nvGrpSpPr>
         <p:grpSpPr>
           <a:xfrm>
-            <a:off x="6468313" y="6258122"/>
+            <a:off x="9984956" y="6252679"/>
             <a:ext cx="1803600" cy="2160000"/>
             <a:chOff x="9919704" y="3437184"/>
             <a:chExt cx="2282669" cy="2735570"/>
@@ -5822,7 +7261,7 @@
         </p:nvGrpSpPr>
         <p:grpSpPr>
           <a:xfrm>
-            <a:off x="5950439" y="9145534"/>
+            <a:off x="9467082" y="9140091"/>
             <a:ext cx="2927586" cy="326400"/>
             <a:chOff x="9597246" y="6959800"/>
             <a:chExt cx="2927586" cy="326400"/>
@@ -5861,7 +7300,7 @@
         </p:nvSpPr>
         <p:spPr>
           <a:xfrm>
-            <a:off x="7827191" y="4939725"/>
+            <a:off x="7495044" y="4939725"/>
             <a:ext cx="3221809" cy="584775"/>
           </a:xfrm>
           <a:prstGeom prst="rect">
@@ -5894,7 +7333,7 @@
         </p:nvGrpSpPr>
         <p:grpSpPr>
           <a:xfrm>
-            <a:off x="8523379" y="2441710"/>
+            <a:off x="8191232" y="2441710"/>
             <a:ext cx="1803600" cy="2160000"/>
             <a:chOff x="13756068" y="3437184"/>
             <a:chExt cx="2282669" cy="2735570"/>
@@ -5933,7 +7372,7 @@
         </p:nvGrpSpPr>
         <p:grpSpPr>
           <a:xfrm>
-            <a:off x="8019643" y="5372100"/>
+            <a:off x="7687496" y="5372100"/>
             <a:ext cx="2917009" cy="326400"/>
             <a:chOff x="13438898" y="6959800"/>
             <a:chExt cx="2917009" cy="326400"/>
@@ -5972,7 +7411,7 @@
         </p:nvSpPr>
         <p:spPr>
           <a:xfrm>
-            <a:off x="6477000" y="6779483"/>
+            <a:off x="9993643" y="6774040"/>
             <a:ext cx="1757864" cy="666650"/>
           </a:xfrm>
           <a:prstGeom prst="rect">
@@ -6009,7 +7448,7 @@
         </p:nvSpPr>
         <p:spPr>
           <a:xfrm>
-            <a:off x="6553200" y="7112808"/>
+            <a:off x="10069843" y="7107365"/>
             <a:ext cx="1561642" cy="1184940"/>
           </a:xfrm>
           <a:prstGeom prst="rect">
@@ -6032,7 +7471,7 @@
                 <a:latin typeface="Gmarket Sans Bold" pitchFamily="34" charset="0"/>
                 <a:cs typeface="Gmarket Sans Bold" pitchFamily="34" charset="0"/>
               </a:rPr>
-              <a:t>05</a:t>
+              <a:t>06</a:t>
             </a:r>
             <a:endParaRPr lang="en-US" dirty="0"/>
           </a:p>
@@ -6046,7 +7485,7 @@
         </p:nvSpPr>
         <p:spPr>
           <a:xfrm>
-            <a:off x="8534400" y="3009900"/>
+            <a:off x="8202253" y="3009900"/>
             <a:ext cx="1757864" cy="666650"/>
           </a:xfrm>
           <a:prstGeom prst="rect">
@@ -6083,7 +7522,7 @@
         </p:nvSpPr>
         <p:spPr>
           <a:xfrm>
-            <a:off x="8614410" y="3356544"/>
+            <a:off x="8282263" y="3356544"/>
             <a:ext cx="1561642" cy="1184940"/>
           </a:xfrm>
           <a:prstGeom prst="rect">
@@ -7419,6 +8858,1718 @@
 </p:sld>
 </file>
 
+<file path=ppt/slides/slide20.xml><?xml version="1.0" encoding="utf-8"?>
+<p:sld xmlns:a="http://schemas.openxmlformats.org/drawingml/2006/main" xmlns:r="http://schemas.openxmlformats.org/officeDocument/2006/relationships" xmlns:p="http://schemas.openxmlformats.org/presentationml/2006/main">
+  <p:cSld>
+    <p:spTree>
+      <p:nvGrpSpPr>
+        <p:cNvPr id="1" name=""/>
+        <p:cNvGrpSpPr/>
+        <p:nvPr/>
+      </p:nvGrpSpPr>
+      <p:grpSpPr>
+        <a:xfrm>
+          <a:off x="0" y="0"/>
+          <a:ext cx="0" cy="0"/>
+          <a:chOff x="0" y="0"/>
+          <a:chExt cx="0" cy="0"/>
+        </a:xfrm>
+      </p:grpSpPr>
+      <p:grpSp>
+        <p:nvGrpSpPr>
+          <p:cNvPr id="1002" name="그룹 1002"/>
+          <p:cNvGrpSpPr/>
+          <p:nvPr/>
+        </p:nvGrpSpPr>
+        <p:grpSpPr>
+          <a:xfrm>
+            <a:off x="1063159" y="637116"/>
+            <a:ext cx="16767642" cy="622842"/>
+            <a:chOff x="1063158" y="637116"/>
+            <a:chExt cx="17297635" cy="622842"/>
+          </a:xfrm>
+        </p:grpSpPr>
+        <p:pic>
+          <p:nvPicPr>
+            <p:cNvPr id="6" name="Object 5"/>
+            <p:cNvPicPr>
+              <a:picLocks noChangeAspect="1"/>
+            </p:cNvPicPr>
+            <p:nvPr/>
+          </p:nvPicPr>
+          <p:blipFill>
+            <a:blip r:embed="rId2" cstate="print"/>
+            <a:stretch>
+              <a:fillRect/>
+            </a:stretch>
+          </p:blipFill>
+          <p:spPr>
+            <a:xfrm>
+              <a:off x="1063158" y="637116"/>
+              <a:ext cx="17297635" cy="622842"/>
+            </a:xfrm>
+            <a:prstGeom prst="rect">
+              <a:avLst/>
+            </a:prstGeom>
+          </p:spPr>
+        </p:pic>
+      </p:grpSp>
+      <p:sp>
+        <p:nvSpPr>
+          <p:cNvPr id="7" name="Object 8"/>
+          <p:cNvSpPr txBox="1"/>
+          <p:nvPr/>
+        </p:nvSpPr>
+        <p:spPr>
+          <a:xfrm>
+            <a:off x="1524000" y="687972"/>
+            <a:ext cx="3172412" cy="523220"/>
+          </a:xfrm>
+          <a:prstGeom prst="rect">
+            <a:avLst/>
+          </a:prstGeom>
+          <a:noFill/>
+        </p:spPr>
+        <p:txBody>
+          <a:bodyPr wrap="square" rtlCol="0" anchor="t">
+            <a:spAutoFit/>
+          </a:bodyPr>
+          <a:lstStyle/>
+          <a:p>
+            <a:r>
+              <a:rPr lang="ko-KR" altLang="en-US" sz="2800" dirty="0" smtClean="0">
+                <a:solidFill>
+                  <a:schemeClr val="bg1"/>
+                </a:solidFill>
+                <a:latin typeface="-윤고딕330" panose="02030504000101010101" pitchFamily="18" charset="-127"/>
+                <a:ea typeface="-윤고딕330" panose="02030504000101010101" pitchFamily="18" charset="-127"/>
+              </a:rPr>
+              <a:t>주요 기능</a:t>
+            </a:r>
+            <a:endParaRPr lang="en-US" sz="2800" dirty="0">
+              <a:solidFill>
+                <a:schemeClr val="bg1"/>
+              </a:solidFill>
+              <a:latin typeface="-윤고딕330" panose="02030504000101010101" pitchFamily="18" charset="-127"/>
+              <a:ea typeface="-윤고딕330" panose="02030504000101010101" pitchFamily="18" charset="-127"/>
+            </a:endParaRPr>
+          </a:p>
+        </p:txBody>
+      </p:sp>
+      <p:grpSp>
+        <p:nvGrpSpPr>
+          <p:cNvPr id="8" name="그룹 1005"/>
+          <p:cNvGrpSpPr/>
+          <p:nvPr/>
+        </p:nvGrpSpPr>
+        <p:grpSpPr>
+          <a:xfrm>
+            <a:off x="414000" y="378000"/>
+            <a:ext cx="860400" cy="1029600"/>
+            <a:chOff x="9919704" y="3437184"/>
+            <a:chExt cx="2282669" cy="2735570"/>
+          </a:xfrm>
+        </p:grpSpPr>
+        <p:pic>
+          <p:nvPicPr>
+            <p:cNvPr id="9" name="Object 24"/>
+            <p:cNvPicPr>
+              <a:picLocks noChangeAspect="1"/>
+            </p:cNvPicPr>
+            <p:nvPr/>
+          </p:nvPicPr>
+          <p:blipFill>
+            <a:blip r:embed="rId3" cstate="print"/>
+            <a:stretch>
+              <a:fillRect/>
+            </a:stretch>
+          </p:blipFill>
+          <p:spPr>
+            <a:xfrm>
+              <a:off x="9919704" y="3437184"/>
+              <a:ext cx="2282669" cy="2735570"/>
+            </a:xfrm>
+            <a:prstGeom prst="rect">
+              <a:avLst/>
+            </a:prstGeom>
+          </p:spPr>
+        </p:pic>
+      </p:grpSp>
+      <p:pic>
+        <p:nvPicPr>
+          <p:cNvPr id="2" name="그림 1"/>
+          <p:cNvPicPr>
+            <a:picLocks noChangeAspect="1"/>
+          </p:cNvPicPr>
+          <p:nvPr/>
+        </p:nvPicPr>
+        <p:blipFill>
+          <a:blip r:embed="rId4"/>
+          <a:stretch>
+            <a:fillRect/>
+          </a:stretch>
+        </p:blipFill>
+        <p:spPr>
+          <a:xfrm>
+            <a:off x="137488" y="2171700"/>
+            <a:ext cx="11734278" cy="4572000"/>
+          </a:xfrm>
+          <a:prstGeom prst="rect">
+            <a:avLst/>
+          </a:prstGeom>
+        </p:spPr>
+      </p:pic>
+      <p:sp>
+        <p:nvSpPr>
+          <p:cNvPr id="3" name="TextBox 2"/>
+          <p:cNvSpPr txBox="1"/>
+          <p:nvPr/>
+        </p:nvSpPr>
+        <p:spPr>
+          <a:xfrm>
+            <a:off x="1371600" y="1499143"/>
+            <a:ext cx="3661580" cy="523220"/>
+          </a:xfrm>
+          <a:prstGeom prst="rect">
+            <a:avLst/>
+          </a:prstGeom>
+          <a:noFill/>
+        </p:spPr>
+        <p:txBody>
+          <a:bodyPr wrap="none" rtlCol="0">
+            <a:spAutoFit/>
+          </a:bodyPr>
+          <a:lstStyle/>
+          <a:p>
+            <a:r>
+              <a:rPr lang="ko-KR" altLang="en-US" sz="2800" b="1" smtClean="0"/>
+              <a:t>데이터 삭제 기능 구현</a:t>
+            </a:r>
+            <a:endParaRPr lang="ko-KR" altLang="en-US" sz="2800" b="1"/>
+          </a:p>
+        </p:txBody>
+      </p:sp>
+      <p:pic>
+        <p:nvPicPr>
+          <p:cNvPr id="4" name="그림 3"/>
+          <p:cNvPicPr>
+            <a:picLocks noChangeAspect="1"/>
+          </p:cNvPicPr>
+          <p:nvPr/>
+        </p:nvPicPr>
+        <p:blipFill>
+          <a:blip r:embed="rId5"/>
+          <a:stretch>
+            <a:fillRect/>
+          </a:stretch>
+        </p:blipFill>
+        <p:spPr>
+          <a:xfrm>
+            <a:off x="11962582" y="1649461"/>
+            <a:ext cx="5868219" cy="3991532"/>
+          </a:xfrm>
+          <a:prstGeom prst="rect">
+            <a:avLst/>
+          </a:prstGeom>
+        </p:spPr>
+      </p:pic>
+      <p:pic>
+        <p:nvPicPr>
+          <p:cNvPr id="5" name="그림 4"/>
+          <p:cNvPicPr>
+            <a:picLocks noChangeAspect="1"/>
+          </p:cNvPicPr>
+          <p:nvPr/>
+        </p:nvPicPr>
+        <p:blipFill>
+          <a:blip r:embed="rId6"/>
+          <a:stretch>
+            <a:fillRect/>
+          </a:stretch>
+        </p:blipFill>
+        <p:spPr>
+          <a:xfrm>
+            <a:off x="2582028" y="6294940"/>
+            <a:ext cx="5839640" cy="3924848"/>
+          </a:xfrm>
+          <a:prstGeom prst="rect">
+            <a:avLst/>
+          </a:prstGeom>
+        </p:spPr>
+      </p:pic>
+      <p:pic>
+        <p:nvPicPr>
+          <p:cNvPr id="10" name="그림 9"/>
+          <p:cNvPicPr>
+            <a:picLocks noChangeAspect="1"/>
+          </p:cNvPicPr>
+          <p:nvPr/>
+        </p:nvPicPr>
+        <p:blipFill>
+          <a:blip r:embed="rId7"/>
+          <a:stretch>
+            <a:fillRect/>
+          </a:stretch>
+        </p:blipFill>
+        <p:spPr>
+          <a:xfrm>
+            <a:off x="9906000" y="6294940"/>
+            <a:ext cx="5811061" cy="3915321"/>
+          </a:xfrm>
+          <a:prstGeom prst="rect">
+            <a:avLst/>
+          </a:prstGeom>
+        </p:spPr>
+      </p:pic>
+      <p:sp>
+        <p:nvSpPr>
+          <p:cNvPr id="12" name="TextBox 11"/>
+          <p:cNvSpPr txBox="1"/>
+          <p:nvPr/>
+        </p:nvSpPr>
+        <p:spPr>
+          <a:xfrm>
+            <a:off x="13754787" y="5580846"/>
+            <a:ext cx="3999813" cy="477054"/>
+          </a:xfrm>
+          <a:prstGeom prst="rect">
+            <a:avLst/>
+          </a:prstGeom>
+          <a:noFill/>
+        </p:spPr>
+        <p:txBody>
+          <a:bodyPr wrap="none" rtlCol="0">
+            <a:spAutoFit/>
+          </a:bodyPr>
+          <a:lstStyle/>
+          <a:p>
+            <a:r>
+              <a:rPr lang="ko-KR" altLang="en-US" sz="2500" smtClean="0"/>
+              <a:t>데이터 삭제 기능 오류 처리</a:t>
+            </a:r>
+            <a:endParaRPr lang="ko-KR" altLang="en-US" sz="2500"/>
+          </a:p>
+        </p:txBody>
+      </p:sp>
+      <p:cxnSp>
+        <p:nvCxnSpPr>
+          <p:cNvPr id="13" name="직선 화살표 연결선 12"/>
+          <p:cNvCxnSpPr/>
+          <p:nvPr/>
+        </p:nvCxnSpPr>
+        <p:spPr>
+          <a:xfrm>
+            <a:off x="8357454" y="9563100"/>
+            <a:ext cx="1624746" cy="0"/>
+          </a:xfrm>
+          <a:prstGeom prst="straightConnector1">
+            <a:avLst/>
+          </a:prstGeom>
+          <a:ln w="57150">
+            <a:solidFill>
+              <a:srgbClr val="FF0000"/>
+            </a:solidFill>
+            <a:tailEnd type="triangle"/>
+          </a:ln>
+        </p:spPr>
+        <p:style>
+          <a:lnRef idx="1">
+            <a:schemeClr val="accent1"/>
+          </a:lnRef>
+          <a:fillRef idx="0">
+            <a:schemeClr val="accent1"/>
+          </a:fillRef>
+          <a:effectRef idx="0">
+            <a:schemeClr val="accent1"/>
+          </a:effectRef>
+          <a:fontRef idx="minor">
+            <a:schemeClr val="tx1"/>
+          </a:fontRef>
+        </p:style>
+      </p:cxnSp>
+      <p:sp>
+        <p:nvSpPr>
+          <p:cNvPr id="14" name="TextBox 13"/>
+          <p:cNvSpPr txBox="1"/>
+          <p:nvPr/>
+        </p:nvSpPr>
+        <p:spPr>
+          <a:xfrm>
+            <a:off x="8712428" y="8963680"/>
+            <a:ext cx="902811" cy="523220"/>
+          </a:xfrm>
+          <a:prstGeom prst="rect">
+            <a:avLst/>
+          </a:prstGeom>
+          <a:noFill/>
+        </p:spPr>
+        <p:txBody>
+          <a:bodyPr wrap="none" rtlCol="0">
+            <a:spAutoFit/>
+          </a:bodyPr>
+          <a:lstStyle/>
+          <a:p>
+            <a:r>
+              <a:rPr lang="ko-KR" altLang="en-US" sz="2800" b="1" smtClean="0"/>
+              <a:t>삭제</a:t>
+            </a:r>
+            <a:endParaRPr lang="ko-KR" altLang="en-US" sz="2800" b="1"/>
+          </a:p>
+        </p:txBody>
+      </p:sp>
+    </p:spTree>
+    <p:extLst>
+      <p:ext uri="{BB962C8B-B14F-4D97-AF65-F5344CB8AC3E}">
+        <p14:creationId xmlns:p14="http://schemas.microsoft.com/office/powerpoint/2010/main" val="15299673"/>
+      </p:ext>
+    </p:extLst>
+  </p:cSld>
+  <p:clrMapOvr>
+    <a:masterClrMapping/>
+  </p:clrMapOvr>
+  <p:timing>
+    <p:tnLst>
+      <p:par>
+        <p:cTn id="1" dur="indefinite" restart="never" nodeType="tmRoot"/>
+      </p:par>
+    </p:tnLst>
+  </p:timing>
+</p:sld>
+</file>
+
+<file path=ppt/slides/slide21.xml><?xml version="1.0" encoding="utf-8"?>
+<p:sld xmlns:a="http://schemas.openxmlformats.org/drawingml/2006/main" xmlns:r="http://schemas.openxmlformats.org/officeDocument/2006/relationships" xmlns:p="http://schemas.openxmlformats.org/presentationml/2006/main">
+  <p:cSld>
+    <p:spTree>
+      <p:nvGrpSpPr>
+        <p:cNvPr id="1" name=""/>
+        <p:cNvGrpSpPr/>
+        <p:nvPr/>
+      </p:nvGrpSpPr>
+      <p:grpSpPr>
+        <a:xfrm>
+          <a:off x="0" y="0"/>
+          <a:ext cx="0" cy="0"/>
+          <a:chOff x="0" y="0"/>
+          <a:chExt cx="0" cy="0"/>
+        </a:xfrm>
+      </p:grpSpPr>
+      <p:grpSp>
+        <p:nvGrpSpPr>
+          <p:cNvPr id="1002" name="그룹 1002"/>
+          <p:cNvGrpSpPr/>
+          <p:nvPr/>
+        </p:nvGrpSpPr>
+        <p:grpSpPr>
+          <a:xfrm>
+            <a:off x="1063159" y="637116"/>
+            <a:ext cx="16767642" cy="622842"/>
+            <a:chOff x="1063158" y="637116"/>
+            <a:chExt cx="17297635" cy="622842"/>
+          </a:xfrm>
+        </p:grpSpPr>
+        <p:pic>
+          <p:nvPicPr>
+            <p:cNvPr id="6" name="Object 5"/>
+            <p:cNvPicPr>
+              <a:picLocks noChangeAspect="1"/>
+            </p:cNvPicPr>
+            <p:nvPr/>
+          </p:nvPicPr>
+          <p:blipFill>
+            <a:blip r:embed="rId2" cstate="print"/>
+            <a:stretch>
+              <a:fillRect/>
+            </a:stretch>
+          </p:blipFill>
+          <p:spPr>
+            <a:xfrm>
+              <a:off x="1063158" y="637116"/>
+              <a:ext cx="17297635" cy="622842"/>
+            </a:xfrm>
+            <a:prstGeom prst="rect">
+              <a:avLst/>
+            </a:prstGeom>
+          </p:spPr>
+        </p:pic>
+      </p:grpSp>
+      <p:sp>
+        <p:nvSpPr>
+          <p:cNvPr id="7" name="Object 8"/>
+          <p:cNvSpPr txBox="1"/>
+          <p:nvPr/>
+        </p:nvSpPr>
+        <p:spPr>
+          <a:xfrm>
+            <a:off x="1524000" y="687972"/>
+            <a:ext cx="3172412" cy="523220"/>
+          </a:xfrm>
+          <a:prstGeom prst="rect">
+            <a:avLst/>
+          </a:prstGeom>
+          <a:noFill/>
+        </p:spPr>
+        <p:txBody>
+          <a:bodyPr wrap="square" rtlCol="0" anchor="t">
+            <a:spAutoFit/>
+          </a:bodyPr>
+          <a:lstStyle/>
+          <a:p>
+            <a:r>
+              <a:rPr lang="ko-KR" altLang="en-US" sz="2800" dirty="0" smtClean="0">
+                <a:solidFill>
+                  <a:schemeClr val="bg1"/>
+                </a:solidFill>
+                <a:latin typeface="-윤고딕330" panose="02030504000101010101" pitchFamily="18" charset="-127"/>
+                <a:ea typeface="-윤고딕330" panose="02030504000101010101" pitchFamily="18" charset="-127"/>
+              </a:rPr>
+              <a:t>주요 기능</a:t>
+            </a:r>
+            <a:endParaRPr lang="en-US" sz="2800" dirty="0">
+              <a:solidFill>
+                <a:schemeClr val="bg1"/>
+              </a:solidFill>
+              <a:latin typeface="-윤고딕330" panose="02030504000101010101" pitchFamily="18" charset="-127"/>
+              <a:ea typeface="-윤고딕330" panose="02030504000101010101" pitchFamily="18" charset="-127"/>
+            </a:endParaRPr>
+          </a:p>
+        </p:txBody>
+      </p:sp>
+      <p:grpSp>
+        <p:nvGrpSpPr>
+          <p:cNvPr id="8" name="그룹 1005"/>
+          <p:cNvGrpSpPr/>
+          <p:nvPr/>
+        </p:nvGrpSpPr>
+        <p:grpSpPr>
+          <a:xfrm>
+            <a:off x="414000" y="378000"/>
+            <a:ext cx="860400" cy="1029600"/>
+            <a:chOff x="9919704" y="3437184"/>
+            <a:chExt cx="2282669" cy="2735570"/>
+          </a:xfrm>
+        </p:grpSpPr>
+        <p:pic>
+          <p:nvPicPr>
+            <p:cNvPr id="9" name="Object 24"/>
+            <p:cNvPicPr>
+              <a:picLocks noChangeAspect="1"/>
+            </p:cNvPicPr>
+            <p:nvPr/>
+          </p:nvPicPr>
+          <p:blipFill>
+            <a:blip r:embed="rId3" cstate="print"/>
+            <a:stretch>
+              <a:fillRect/>
+            </a:stretch>
+          </p:blipFill>
+          <p:spPr>
+            <a:xfrm>
+              <a:off x="9919704" y="3437184"/>
+              <a:ext cx="2282669" cy="2735570"/>
+            </a:xfrm>
+            <a:prstGeom prst="rect">
+              <a:avLst/>
+            </a:prstGeom>
+          </p:spPr>
+        </p:pic>
+      </p:grpSp>
+      <p:pic>
+        <p:nvPicPr>
+          <p:cNvPr id="3" name="그림 2"/>
+          <p:cNvPicPr>
+            <a:picLocks noChangeAspect="1"/>
+          </p:cNvPicPr>
+          <p:nvPr/>
+        </p:nvPicPr>
+        <p:blipFill>
+          <a:blip r:embed="rId4"/>
+          <a:stretch>
+            <a:fillRect/>
+          </a:stretch>
+        </p:blipFill>
+        <p:spPr>
+          <a:xfrm>
+            <a:off x="2286000" y="5558190"/>
+            <a:ext cx="5811061" cy="3915321"/>
+          </a:xfrm>
+          <a:prstGeom prst="rect">
+            <a:avLst/>
+          </a:prstGeom>
+        </p:spPr>
+      </p:pic>
+      <p:pic>
+        <p:nvPicPr>
+          <p:cNvPr id="4" name="그림 3"/>
+          <p:cNvPicPr>
+            <a:picLocks noChangeAspect="1"/>
+          </p:cNvPicPr>
+          <p:nvPr/>
+        </p:nvPicPr>
+        <p:blipFill>
+          <a:blip r:embed="rId5"/>
+          <a:stretch>
+            <a:fillRect/>
+          </a:stretch>
+        </p:blipFill>
+        <p:spPr>
+          <a:xfrm>
+            <a:off x="9829800" y="5558190"/>
+            <a:ext cx="5953956" cy="3905795"/>
+          </a:xfrm>
+          <a:prstGeom prst="rect">
+            <a:avLst/>
+          </a:prstGeom>
+        </p:spPr>
+      </p:pic>
+      <p:pic>
+        <p:nvPicPr>
+          <p:cNvPr id="5" name="그림 4"/>
+          <p:cNvPicPr>
+            <a:picLocks noChangeAspect="1"/>
+          </p:cNvPicPr>
+          <p:nvPr/>
+        </p:nvPicPr>
+        <p:blipFill>
+          <a:blip r:embed="rId6"/>
+          <a:stretch>
+            <a:fillRect/>
+          </a:stretch>
+        </p:blipFill>
+        <p:spPr>
+          <a:xfrm>
+            <a:off x="152400" y="2567679"/>
+            <a:ext cx="18073057" cy="2931948"/>
+          </a:xfrm>
+          <a:prstGeom prst="rect">
+            <a:avLst/>
+          </a:prstGeom>
+        </p:spPr>
+      </p:pic>
+      <p:sp>
+        <p:nvSpPr>
+          <p:cNvPr id="10" name="직사각형 9"/>
+          <p:cNvSpPr/>
+          <p:nvPr/>
+        </p:nvSpPr>
+        <p:spPr>
+          <a:xfrm>
+            <a:off x="15011400" y="6057900"/>
+            <a:ext cx="685800" cy="914400"/>
+          </a:xfrm>
+          <a:prstGeom prst="rect">
+            <a:avLst/>
+          </a:prstGeom>
+          <a:noFill/>
+          <a:ln w="38100">
+            <a:solidFill>
+              <a:srgbClr val="FF0000"/>
+            </a:solidFill>
+          </a:ln>
+        </p:spPr>
+        <p:style>
+          <a:lnRef idx="2">
+            <a:schemeClr val="accent1">
+              <a:shade val="50000"/>
+            </a:schemeClr>
+          </a:lnRef>
+          <a:fillRef idx="1">
+            <a:schemeClr val="accent1"/>
+          </a:fillRef>
+          <a:effectRef idx="0">
+            <a:schemeClr val="accent1"/>
+          </a:effectRef>
+          <a:fontRef idx="minor">
+            <a:schemeClr val="lt1"/>
+          </a:fontRef>
+        </p:style>
+        <p:txBody>
+          <a:bodyPr rtlCol="0" anchor="ctr"/>
+          <a:lstStyle/>
+          <a:p>
+            <a:pPr algn="ctr"/>
+            <a:endParaRPr lang="ko-KR" altLang="en-US"/>
+          </a:p>
+        </p:txBody>
+      </p:sp>
+      <p:sp>
+        <p:nvSpPr>
+          <p:cNvPr id="13" name="TextBox 12"/>
+          <p:cNvSpPr txBox="1"/>
+          <p:nvPr/>
+        </p:nvSpPr>
+        <p:spPr>
+          <a:xfrm>
+            <a:off x="1371600" y="1675068"/>
+            <a:ext cx="3661580" cy="523220"/>
+          </a:xfrm>
+          <a:prstGeom prst="rect">
+            <a:avLst/>
+          </a:prstGeom>
+          <a:noFill/>
+        </p:spPr>
+        <p:txBody>
+          <a:bodyPr wrap="none" rtlCol="0">
+            <a:spAutoFit/>
+          </a:bodyPr>
+          <a:lstStyle/>
+          <a:p>
+            <a:r>
+              <a:rPr lang="ko-KR" altLang="en-US" sz="2800" b="1" smtClean="0"/>
+              <a:t>데이터 </a:t>
+            </a:r>
+            <a:r>
+              <a:rPr lang="ko-KR" altLang="en-US" sz="2800" b="1" smtClean="0"/>
+              <a:t>검색</a:t>
+            </a:r>
+            <a:r>
+              <a:rPr lang="ko-KR" altLang="en-US" sz="2800" b="1" smtClean="0"/>
+              <a:t> </a:t>
+            </a:r>
+            <a:r>
+              <a:rPr lang="ko-KR" altLang="en-US" sz="2800" b="1" smtClean="0"/>
+              <a:t>기능 구현</a:t>
+            </a:r>
+            <a:endParaRPr lang="ko-KR" altLang="en-US" sz="2800" b="1"/>
+          </a:p>
+        </p:txBody>
+      </p:sp>
+    </p:spTree>
+    <p:extLst>
+      <p:ext uri="{BB962C8B-B14F-4D97-AF65-F5344CB8AC3E}">
+        <p14:creationId xmlns:p14="http://schemas.microsoft.com/office/powerpoint/2010/main" val="4005460765"/>
+      </p:ext>
+    </p:extLst>
+  </p:cSld>
+  <p:clrMapOvr>
+    <a:masterClrMapping/>
+  </p:clrMapOvr>
+  <p:timing>
+    <p:tnLst>
+      <p:par>
+        <p:cTn id="1" dur="indefinite" restart="never" nodeType="tmRoot"/>
+      </p:par>
+    </p:tnLst>
+  </p:timing>
+</p:sld>
+</file>
+
+<file path=ppt/slides/slide22.xml><?xml version="1.0" encoding="utf-8"?>
+<p:sld xmlns:a="http://schemas.openxmlformats.org/drawingml/2006/main" xmlns:r="http://schemas.openxmlformats.org/officeDocument/2006/relationships" xmlns:p="http://schemas.openxmlformats.org/presentationml/2006/main">
+  <p:cSld>
+    <p:spTree>
+      <p:nvGrpSpPr>
+        <p:cNvPr id="1" name=""/>
+        <p:cNvGrpSpPr/>
+        <p:nvPr/>
+      </p:nvGrpSpPr>
+      <p:grpSpPr>
+        <a:xfrm>
+          <a:off x="0" y="0"/>
+          <a:ext cx="0" cy="0"/>
+          <a:chOff x="0" y="0"/>
+          <a:chExt cx="0" cy="0"/>
+        </a:xfrm>
+      </p:grpSpPr>
+      <p:grpSp>
+        <p:nvGrpSpPr>
+          <p:cNvPr id="1002" name="그룹 1002"/>
+          <p:cNvGrpSpPr/>
+          <p:nvPr/>
+        </p:nvGrpSpPr>
+        <p:grpSpPr>
+          <a:xfrm>
+            <a:off x="1063159" y="637116"/>
+            <a:ext cx="16767642" cy="622842"/>
+            <a:chOff x="1063158" y="637116"/>
+            <a:chExt cx="17297635" cy="622842"/>
+          </a:xfrm>
+        </p:grpSpPr>
+        <p:pic>
+          <p:nvPicPr>
+            <p:cNvPr id="6" name="Object 5"/>
+            <p:cNvPicPr>
+              <a:picLocks noChangeAspect="1"/>
+            </p:cNvPicPr>
+            <p:nvPr/>
+          </p:nvPicPr>
+          <p:blipFill>
+            <a:blip r:embed="rId2" cstate="print"/>
+            <a:stretch>
+              <a:fillRect/>
+            </a:stretch>
+          </p:blipFill>
+          <p:spPr>
+            <a:xfrm>
+              <a:off x="1063158" y="637116"/>
+              <a:ext cx="17297635" cy="622842"/>
+            </a:xfrm>
+            <a:prstGeom prst="rect">
+              <a:avLst/>
+            </a:prstGeom>
+          </p:spPr>
+        </p:pic>
+      </p:grpSp>
+      <p:sp>
+        <p:nvSpPr>
+          <p:cNvPr id="7" name="Object 8"/>
+          <p:cNvSpPr txBox="1"/>
+          <p:nvPr/>
+        </p:nvSpPr>
+        <p:spPr>
+          <a:xfrm>
+            <a:off x="1524000" y="687972"/>
+            <a:ext cx="4419600" cy="523220"/>
+          </a:xfrm>
+          <a:prstGeom prst="rect">
+            <a:avLst/>
+          </a:prstGeom>
+          <a:noFill/>
+        </p:spPr>
+        <p:txBody>
+          <a:bodyPr wrap="square" rtlCol="0" anchor="t">
+            <a:spAutoFit/>
+          </a:bodyPr>
+          <a:lstStyle/>
+          <a:p>
+            <a:r>
+              <a:rPr lang="ko-KR" altLang="en-US" sz="2800" smtClean="0">
+                <a:solidFill>
+                  <a:schemeClr val="bg1"/>
+                </a:solidFill>
+                <a:latin typeface="-윤고딕330" panose="02030504000101010101" pitchFamily="18" charset="-127"/>
+                <a:ea typeface="-윤고딕330" panose="02030504000101010101" pitchFamily="18" charset="-127"/>
+              </a:rPr>
+              <a:t>주요 기능 </a:t>
+            </a:r>
+            <a:r>
+              <a:rPr lang="en-US" altLang="ko-KR" sz="2800" smtClean="0">
+                <a:solidFill>
+                  <a:schemeClr val="bg1"/>
+                </a:solidFill>
+                <a:latin typeface="-윤고딕330" panose="02030504000101010101" pitchFamily="18" charset="-127"/>
+                <a:ea typeface="-윤고딕330" panose="02030504000101010101" pitchFamily="18" charset="-127"/>
+              </a:rPr>
+              <a:t>– DB </a:t>
+            </a:r>
+            <a:r>
+              <a:rPr lang="ko-KR" altLang="en-US" sz="2800" smtClean="0">
+                <a:solidFill>
+                  <a:schemeClr val="bg1"/>
+                </a:solidFill>
+                <a:latin typeface="-윤고딕330" panose="02030504000101010101" pitchFamily="18" charset="-127"/>
+                <a:ea typeface="-윤고딕330" panose="02030504000101010101" pitchFamily="18" charset="-127"/>
+              </a:rPr>
+              <a:t>저장</a:t>
+            </a:r>
+            <a:endParaRPr lang="en-US" sz="2800" dirty="0">
+              <a:solidFill>
+                <a:schemeClr val="bg1"/>
+              </a:solidFill>
+              <a:latin typeface="-윤고딕330" panose="02030504000101010101" pitchFamily="18" charset="-127"/>
+              <a:ea typeface="-윤고딕330" panose="02030504000101010101" pitchFamily="18" charset="-127"/>
+            </a:endParaRPr>
+          </a:p>
+        </p:txBody>
+      </p:sp>
+      <p:grpSp>
+        <p:nvGrpSpPr>
+          <p:cNvPr id="8" name="그룹 1005"/>
+          <p:cNvGrpSpPr/>
+          <p:nvPr/>
+        </p:nvGrpSpPr>
+        <p:grpSpPr>
+          <a:xfrm>
+            <a:off x="414000" y="378000"/>
+            <a:ext cx="860400" cy="1029600"/>
+            <a:chOff x="9919704" y="3437184"/>
+            <a:chExt cx="2282669" cy="2735570"/>
+          </a:xfrm>
+        </p:grpSpPr>
+        <p:pic>
+          <p:nvPicPr>
+            <p:cNvPr id="9" name="Object 24"/>
+            <p:cNvPicPr>
+              <a:picLocks noChangeAspect="1"/>
+            </p:cNvPicPr>
+            <p:nvPr/>
+          </p:nvPicPr>
+          <p:blipFill>
+            <a:blip r:embed="rId3" cstate="print"/>
+            <a:stretch>
+              <a:fillRect/>
+            </a:stretch>
+          </p:blipFill>
+          <p:spPr>
+            <a:xfrm>
+              <a:off x="9919704" y="3437184"/>
+              <a:ext cx="2282669" cy="2735570"/>
+            </a:xfrm>
+            <a:prstGeom prst="rect">
+              <a:avLst/>
+            </a:prstGeom>
+          </p:spPr>
+        </p:pic>
+      </p:grpSp>
+      <p:pic>
+        <p:nvPicPr>
+          <p:cNvPr id="2" name="그림 1"/>
+          <p:cNvPicPr>
+            <a:picLocks noChangeAspect="1"/>
+          </p:cNvPicPr>
+          <p:nvPr/>
+        </p:nvPicPr>
+        <p:blipFill>
+          <a:blip r:embed="rId4"/>
+          <a:stretch>
+            <a:fillRect/>
+          </a:stretch>
+        </p:blipFill>
+        <p:spPr>
+          <a:xfrm>
+            <a:off x="402574" y="4834789"/>
+            <a:ext cx="11710138" cy="4987426"/>
+          </a:xfrm>
+          <a:prstGeom prst="rect">
+            <a:avLst/>
+          </a:prstGeom>
+        </p:spPr>
+      </p:pic>
+      <p:pic>
+        <p:nvPicPr>
+          <p:cNvPr id="3" name="그림 2"/>
+          <p:cNvPicPr>
+            <a:picLocks noChangeAspect="1"/>
+          </p:cNvPicPr>
+          <p:nvPr/>
+        </p:nvPicPr>
+        <p:blipFill>
+          <a:blip r:embed="rId5"/>
+          <a:stretch>
+            <a:fillRect/>
+          </a:stretch>
+        </p:blipFill>
+        <p:spPr>
+          <a:xfrm>
+            <a:off x="414000" y="1917720"/>
+            <a:ext cx="9241200" cy="2554591"/>
+          </a:xfrm>
+          <a:prstGeom prst="rect">
+            <a:avLst/>
+          </a:prstGeom>
+        </p:spPr>
+      </p:pic>
+      <p:pic>
+        <p:nvPicPr>
+          <p:cNvPr id="5" name="그림 4"/>
+          <p:cNvPicPr>
+            <a:picLocks noChangeAspect="1"/>
+          </p:cNvPicPr>
+          <p:nvPr/>
+        </p:nvPicPr>
+        <p:blipFill>
+          <a:blip r:embed="rId6"/>
+          <a:stretch>
+            <a:fillRect/>
+          </a:stretch>
+        </p:blipFill>
+        <p:spPr>
+          <a:xfrm>
+            <a:off x="9829800" y="1519074"/>
+            <a:ext cx="5811061" cy="3905795"/>
+          </a:xfrm>
+          <a:prstGeom prst="rect">
+            <a:avLst/>
+          </a:prstGeom>
+        </p:spPr>
+      </p:pic>
+      <p:pic>
+        <p:nvPicPr>
+          <p:cNvPr id="11" name="그림 10"/>
+          <p:cNvPicPr>
+            <a:picLocks noChangeAspect="1"/>
+          </p:cNvPicPr>
+          <p:nvPr/>
+        </p:nvPicPr>
+        <p:blipFill>
+          <a:blip r:embed="rId7"/>
+          <a:stretch>
+            <a:fillRect/>
+          </a:stretch>
+        </p:blipFill>
+        <p:spPr>
+          <a:xfrm>
+            <a:off x="10226332" y="6362700"/>
+            <a:ext cx="6096000" cy="3459515"/>
+          </a:xfrm>
+          <a:prstGeom prst="rect">
+            <a:avLst/>
+          </a:prstGeom>
+        </p:spPr>
+      </p:pic>
+      <p:pic>
+        <p:nvPicPr>
+          <p:cNvPr id="10" name="그림 9"/>
+          <p:cNvPicPr>
+            <a:picLocks noChangeAspect="1"/>
+          </p:cNvPicPr>
+          <p:nvPr/>
+        </p:nvPicPr>
+        <p:blipFill>
+          <a:blip r:embed="rId8"/>
+          <a:stretch>
+            <a:fillRect/>
+          </a:stretch>
+        </p:blipFill>
+        <p:spPr>
+          <a:xfrm>
+            <a:off x="12200012" y="3314700"/>
+            <a:ext cx="5792008" cy="3915321"/>
+          </a:xfrm>
+          <a:prstGeom prst="rect">
+            <a:avLst/>
+          </a:prstGeom>
+        </p:spPr>
+      </p:pic>
+      <p:sp>
+        <p:nvSpPr>
+          <p:cNvPr id="13" name="직사각형 12"/>
+          <p:cNvSpPr/>
+          <p:nvPr/>
+        </p:nvSpPr>
+        <p:spPr>
+          <a:xfrm>
+            <a:off x="9906000" y="2122095"/>
+            <a:ext cx="685800" cy="202005"/>
+          </a:xfrm>
+          <a:prstGeom prst="rect">
+            <a:avLst/>
+          </a:prstGeom>
+          <a:noFill/>
+          <a:ln w="57150">
+            <a:solidFill>
+              <a:srgbClr val="FF0000"/>
+            </a:solidFill>
+          </a:ln>
+        </p:spPr>
+        <p:style>
+          <a:lnRef idx="2">
+            <a:schemeClr val="accent1">
+              <a:shade val="50000"/>
+            </a:schemeClr>
+          </a:lnRef>
+          <a:fillRef idx="1">
+            <a:schemeClr val="accent1"/>
+          </a:fillRef>
+          <a:effectRef idx="0">
+            <a:schemeClr val="accent1"/>
+          </a:effectRef>
+          <a:fontRef idx="minor">
+            <a:schemeClr val="lt1"/>
+          </a:fontRef>
+        </p:style>
+        <p:txBody>
+          <a:bodyPr rtlCol="0" anchor="ctr"/>
+          <a:lstStyle/>
+          <a:p>
+            <a:pPr algn="ctr"/>
+            <a:endParaRPr lang="ko-KR" altLang="en-US"/>
+          </a:p>
+        </p:txBody>
+      </p:sp>
+      <p:sp>
+        <p:nvSpPr>
+          <p:cNvPr id="15" name="직사각형 14"/>
+          <p:cNvSpPr/>
+          <p:nvPr/>
+        </p:nvSpPr>
+        <p:spPr>
+          <a:xfrm>
+            <a:off x="10363200" y="9410700"/>
+            <a:ext cx="5959132" cy="304800"/>
+          </a:xfrm>
+          <a:prstGeom prst="rect">
+            <a:avLst/>
+          </a:prstGeom>
+          <a:noFill/>
+          <a:ln w="57150">
+            <a:solidFill>
+              <a:srgbClr val="FF0000"/>
+            </a:solidFill>
+          </a:ln>
+        </p:spPr>
+        <p:style>
+          <a:lnRef idx="2">
+            <a:schemeClr val="accent1">
+              <a:shade val="50000"/>
+            </a:schemeClr>
+          </a:lnRef>
+          <a:fillRef idx="1">
+            <a:schemeClr val="accent1"/>
+          </a:fillRef>
+          <a:effectRef idx="0">
+            <a:schemeClr val="accent1"/>
+          </a:effectRef>
+          <a:fontRef idx="minor">
+            <a:schemeClr val="lt1"/>
+          </a:fontRef>
+        </p:style>
+        <p:txBody>
+          <a:bodyPr rtlCol="0" anchor="ctr"/>
+          <a:lstStyle/>
+          <a:p>
+            <a:pPr algn="ctr"/>
+            <a:endParaRPr lang="ko-KR" altLang="en-US"/>
+          </a:p>
+        </p:txBody>
+      </p:sp>
+    </p:spTree>
+    <p:extLst>
+      <p:ext uri="{BB962C8B-B14F-4D97-AF65-F5344CB8AC3E}">
+        <p14:creationId xmlns:p14="http://schemas.microsoft.com/office/powerpoint/2010/main" val="2003641810"/>
+      </p:ext>
+    </p:extLst>
+  </p:cSld>
+  <p:clrMapOvr>
+    <a:masterClrMapping/>
+  </p:clrMapOvr>
+  <p:timing>
+    <p:tnLst>
+      <p:par>
+        <p:cTn id="1" dur="indefinite" restart="never" nodeType="tmRoot"/>
+      </p:par>
+    </p:tnLst>
+  </p:timing>
+</p:sld>
+</file>
+
+<file path=ppt/slides/slide23.xml><?xml version="1.0" encoding="utf-8"?>
+<p:sld xmlns:a="http://schemas.openxmlformats.org/drawingml/2006/main" xmlns:r="http://schemas.openxmlformats.org/officeDocument/2006/relationships" xmlns:p="http://schemas.openxmlformats.org/presentationml/2006/main">
+  <p:cSld>
+    <p:spTree>
+      <p:nvGrpSpPr>
+        <p:cNvPr id="1" name=""/>
+        <p:cNvGrpSpPr/>
+        <p:nvPr/>
+      </p:nvGrpSpPr>
+      <p:grpSpPr>
+        <a:xfrm>
+          <a:off x="0" y="0"/>
+          <a:ext cx="0" cy="0"/>
+          <a:chOff x="0" y="0"/>
+          <a:chExt cx="0" cy="0"/>
+        </a:xfrm>
+      </p:grpSpPr>
+      <p:grpSp>
+        <p:nvGrpSpPr>
+          <p:cNvPr id="1002" name="그룹 1002"/>
+          <p:cNvGrpSpPr/>
+          <p:nvPr/>
+        </p:nvGrpSpPr>
+        <p:grpSpPr>
+          <a:xfrm>
+            <a:off x="1063159" y="637116"/>
+            <a:ext cx="16767642" cy="622842"/>
+            <a:chOff x="1063158" y="637116"/>
+            <a:chExt cx="17297635" cy="622842"/>
+          </a:xfrm>
+        </p:grpSpPr>
+        <p:pic>
+          <p:nvPicPr>
+            <p:cNvPr id="6" name="Object 5"/>
+            <p:cNvPicPr>
+              <a:picLocks noChangeAspect="1"/>
+            </p:cNvPicPr>
+            <p:nvPr/>
+          </p:nvPicPr>
+          <p:blipFill>
+            <a:blip r:embed="rId2" cstate="print"/>
+            <a:stretch>
+              <a:fillRect/>
+            </a:stretch>
+          </p:blipFill>
+          <p:spPr>
+            <a:xfrm>
+              <a:off x="1063158" y="637116"/>
+              <a:ext cx="17297635" cy="622842"/>
+            </a:xfrm>
+            <a:prstGeom prst="rect">
+              <a:avLst/>
+            </a:prstGeom>
+          </p:spPr>
+        </p:pic>
+      </p:grpSp>
+      <p:sp>
+        <p:nvSpPr>
+          <p:cNvPr id="7" name="Object 8"/>
+          <p:cNvSpPr txBox="1"/>
+          <p:nvPr/>
+        </p:nvSpPr>
+        <p:spPr>
+          <a:xfrm>
+            <a:off x="1524000" y="687972"/>
+            <a:ext cx="3172412" cy="523220"/>
+          </a:xfrm>
+          <a:prstGeom prst="rect">
+            <a:avLst/>
+          </a:prstGeom>
+          <a:noFill/>
+        </p:spPr>
+        <p:txBody>
+          <a:bodyPr wrap="square" rtlCol="0" anchor="t">
+            <a:spAutoFit/>
+          </a:bodyPr>
+          <a:lstStyle/>
+          <a:p>
+            <a:r>
+              <a:rPr lang="ko-KR" altLang="en-US" sz="2800" dirty="0" smtClean="0">
+                <a:solidFill>
+                  <a:schemeClr val="bg1"/>
+                </a:solidFill>
+                <a:latin typeface="-윤고딕330" panose="02030504000101010101" pitchFamily="18" charset="-127"/>
+                <a:ea typeface="-윤고딕330" panose="02030504000101010101" pitchFamily="18" charset="-127"/>
+              </a:rPr>
+              <a:t>주요 기능</a:t>
+            </a:r>
+            <a:endParaRPr lang="en-US" sz="2800" dirty="0">
+              <a:solidFill>
+                <a:schemeClr val="bg1"/>
+              </a:solidFill>
+              <a:latin typeface="-윤고딕330" panose="02030504000101010101" pitchFamily="18" charset="-127"/>
+              <a:ea typeface="-윤고딕330" panose="02030504000101010101" pitchFamily="18" charset="-127"/>
+            </a:endParaRPr>
+          </a:p>
+        </p:txBody>
+      </p:sp>
+      <p:grpSp>
+        <p:nvGrpSpPr>
+          <p:cNvPr id="8" name="그룹 1005"/>
+          <p:cNvGrpSpPr/>
+          <p:nvPr/>
+        </p:nvGrpSpPr>
+        <p:grpSpPr>
+          <a:xfrm>
+            <a:off x="414000" y="378000"/>
+            <a:ext cx="860400" cy="1029600"/>
+            <a:chOff x="9919704" y="3437184"/>
+            <a:chExt cx="2282669" cy="2735570"/>
+          </a:xfrm>
+        </p:grpSpPr>
+        <p:pic>
+          <p:nvPicPr>
+            <p:cNvPr id="9" name="Object 24"/>
+            <p:cNvPicPr>
+              <a:picLocks noChangeAspect="1"/>
+            </p:cNvPicPr>
+            <p:nvPr/>
+          </p:nvPicPr>
+          <p:blipFill>
+            <a:blip r:embed="rId3" cstate="print"/>
+            <a:stretch>
+              <a:fillRect/>
+            </a:stretch>
+          </p:blipFill>
+          <p:spPr>
+            <a:xfrm>
+              <a:off x="9919704" y="3437184"/>
+              <a:ext cx="2282669" cy="2735570"/>
+            </a:xfrm>
+            <a:prstGeom prst="rect">
+              <a:avLst/>
+            </a:prstGeom>
+          </p:spPr>
+        </p:pic>
+      </p:grpSp>
+      <p:sp>
+        <p:nvSpPr>
+          <p:cNvPr id="2" name="TextBox 1"/>
+          <p:cNvSpPr txBox="1"/>
+          <p:nvPr/>
+        </p:nvSpPr>
+        <p:spPr>
+          <a:xfrm>
+            <a:off x="1274400" y="1719922"/>
+            <a:ext cx="1261884" cy="523220"/>
+          </a:xfrm>
+          <a:prstGeom prst="rect">
+            <a:avLst/>
+          </a:prstGeom>
+          <a:noFill/>
+        </p:spPr>
+        <p:txBody>
+          <a:bodyPr wrap="none" rtlCol="0">
+            <a:spAutoFit/>
+          </a:bodyPr>
+          <a:lstStyle/>
+          <a:p>
+            <a:r>
+              <a:rPr lang="ko-KR" altLang="en-US" sz="2800" b="1" smtClean="0"/>
+              <a:t>도움말</a:t>
+            </a:r>
+            <a:endParaRPr lang="en-US" altLang="ko-KR" sz="2800" b="1" smtClean="0"/>
+          </a:p>
+        </p:txBody>
+      </p:sp>
+      <p:pic>
+        <p:nvPicPr>
+          <p:cNvPr id="5" name="그림 4"/>
+          <p:cNvPicPr>
+            <a:picLocks noChangeAspect="1"/>
+          </p:cNvPicPr>
+          <p:nvPr/>
+        </p:nvPicPr>
+        <p:blipFill>
+          <a:blip r:embed="rId4"/>
+          <a:stretch>
+            <a:fillRect/>
+          </a:stretch>
+        </p:blipFill>
+        <p:spPr>
+          <a:xfrm>
+            <a:off x="818074" y="2931042"/>
+            <a:ext cx="9814986" cy="5781175"/>
+          </a:xfrm>
+          <a:prstGeom prst="rect">
+            <a:avLst/>
+          </a:prstGeom>
+        </p:spPr>
+      </p:pic>
+      <p:pic>
+        <p:nvPicPr>
+          <p:cNvPr id="3" name="그림 2"/>
+          <p:cNvPicPr>
+            <a:picLocks noChangeAspect="1"/>
+          </p:cNvPicPr>
+          <p:nvPr/>
+        </p:nvPicPr>
+        <p:blipFill>
+          <a:blip r:embed="rId5"/>
+          <a:stretch>
+            <a:fillRect/>
+          </a:stretch>
+        </p:blipFill>
+        <p:spPr>
+          <a:xfrm>
+            <a:off x="10134600" y="1790700"/>
+            <a:ext cx="7391400" cy="5012142"/>
+          </a:xfrm>
+          <a:prstGeom prst="rect">
+            <a:avLst/>
+          </a:prstGeom>
+        </p:spPr>
+      </p:pic>
+      <p:pic>
+        <p:nvPicPr>
+          <p:cNvPr id="4" name="그림 3"/>
+          <p:cNvPicPr>
+            <a:picLocks noChangeAspect="1"/>
+          </p:cNvPicPr>
+          <p:nvPr/>
+        </p:nvPicPr>
+        <p:blipFill>
+          <a:blip r:embed="rId6"/>
+          <a:stretch>
+            <a:fillRect/>
+          </a:stretch>
+        </p:blipFill>
+        <p:spPr>
+          <a:xfrm>
+            <a:off x="11360332" y="5153313"/>
+            <a:ext cx="6477000" cy="4360542"/>
+          </a:xfrm>
+          <a:prstGeom prst="rect">
+            <a:avLst/>
+          </a:prstGeom>
+        </p:spPr>
+      </p:pic>
+      <p:sp>
+        <p:nvSpPr>
+          <p:cNvPr id="11" name="직사각형 10"/>
+          <p:cNvSpPr/>
+          <p:nvPr/>
+        </p:nvSpPr>
+        <p:spPr>
+          <a:xfrm>
+            <a:off x="10820400" y="2552700"/>
+            <a:ext cx="539932" cy="378342"/>
+          </a:xfrm>
+          <a:prstGeom prst="rect">
+            <a:avLst/>
+          </a:prstGeom>
+          <a:noFill/>
+          <a:ln w="38100">
+            <a:solidFill>
+              <a:srgbClr val="FF0000"/>
+            </a:solidFill>
+          </a:ln>
+        </p:spPr>
+        <p:style>
+          <a:lnRef idx="2">
+            <a:schemeClr val="accent1">
+              <a:shade val="50000"/>
+            </a:schemeClr>
+          </a:lnRef>
+          <a:fillRef idx="1">
+            <a:schemeClr val="accent1"/>
+          </a:fillRef>
+          <a:effectRef idx="0">
+            <a:schemeClr val="accent1"/>
+          </a:effectRef>
+          <a:fontRef idx="minor">
+            <a:schemeClr val="lt1"/>
+          </a:fontRef>
+        </p:style>
+        <p:txBody>
+          <a:bodyPr rtlCol="0" anchor="ctr"/>
+          <a:lstStyle/>
+          <a:p>
+            <a:pPr algn="ctr"/>
+            <a:endParaRPr lang="ko-KR" altLang="en-US"/>
+          </a:p>
+        </p:txBody>
+      </p:sp>
+    </p:spTree>
+    <p:extLst>
+      <p:ext uri="{BB962C8B-B14F-4D97-AF65-F5344CB8AC3E}">
+        <p14:creationId xmlns:p14="http://schemas.microsoft.com/office/powerpoint/2010/main" val="3819685438"/>
+      </p:ext>
+    </p:extLst>
+  </p:cSld>
+  <p:clrMapOvr>
+    <a:masterClrMapping/>
+  </p:clrMapOvr>
+  <p:timing>
+    <p:tnLst>
+      <p:par>
+        <p:cTn id="1" dur="indefinite" restart="never" nodeType="tmRoot"/>
+      </p:par>
+    </p:tnLst>
+  </p:timing>
+</p:sld>
+</file>
+
+<file path=ppt/slides/slide24.xml><?xml version="1.0" encoding="utf-8"?>
+<p:sld xmlns:a="http://schemas.openxmlformats.org/drawingml/2006/main" xmlns:r="http://schemas.openxmlformats.org/officeDocument/2006/relationships" xmlns:p="http://schemas.openxmlformats.org/presentationml/2006/main">
+  <p:cSld>
+    <p:spTree>
+      <p:nvGrpSpPr>
+        <p:cNvPr id="1" name=""/>
+        <p:cNvGrpSpPr/>
+        <p:nvPr/>
+      </p:nvGrpSpPr>
+      <p:grpSpPr>
+        <a:xfrm>
+          <a:off x="0" y="0"/>
+          <a:ext cx="0" cy="0"/>
+          <a:chOff x="0" y="0"/>
+          <a:chExt cx="0" cy="0"/>
+        </a:xfrm>
+      </p:grpSpPr>
+      <p:grpSp>
+        <p:nvGrpSpPr>
+          <p:cNvPr id="1002" name="그룹 1002"/>
+          <p:cNvGrpSpPr/>
+          <p:nvPr/>
+        </p:nvGrpSpPr>
+        <p:grpSpPr>
+          <a:xfrm>
+            <a:off x="1063159" y="637116"/>
+            <a:ext cx="16767642" cy="622842"/>
+            <a:chOff x="1063158" y="637116"/>
+            <a:chExt cx="17297635" cy="622842"/>
+          </a:xfrm>
+        </p:grpSpPr>
+        <p:pic>
+          <p:nvPicPr>
+            <p:cNvPr id="6" name="Object 5"/>
+            <p:cNvPicPr>
+              <a:picLocks noChangeAspect="1"/>
+            </p:cNvPicPr>
+            <p:nvPr/>
+          </p:nvPicPr>
+          <p:blipFill>
+            <a:blip r:embed="rId2" cstate="print"/>
+            <a:stretch>
+              <a:fillRect/>
+            </a:stretch>
+          </p:blipFill>
+          <p:spPr>
+            <a:xfrm>
+              <a:off x="1063158" y="637116"/>
+              <a:ext cx="17297635" cy="622842"/>
+            </a:xfrm>
+            <a:prstGeom prst="rect">
+              <a:avLst/>
+            </a:prstGeom>
+          </p:spPr>
+        </p:pic>
+      </p:grpSp>
+      <p:sp>
+        <p:nvSpPr>
+          <p:cNvPr id="7" name="Object 8"/>
+          <p:cNvSpPr txBox="1"/>
+          <p:nvPr/>
+        </p:nvSpPr>
+        <p:spPr>
+          <a:xfrm>
+            <a:off x="1524000" y="687972"/>
+            <a:ext cx="3172412" cy="523220"/>
+          </a:xfrm>
+          <a:prstGeom prst="rect">
+            <a:avLst/>
+          </a:prstGeom>
+          <a:noFill/>
+        </p:spPr>
+        <p:txBody>
+          <a:bodyPr wrap="square" rtlCol="0" anchor="t">
+            <a:spAutoFit/>
+          </a:bodyPr>
+          <a:lstStyle/>
+          <a:p>
+            <a:r>
+              <a:rPr lang="ko-KR" altLang="en-US" sz="2800" dirty="0" smtClean="0">
+                <a:solidFill>
+                  <a:schemeClr val="bg1"/>
+                </a:solidFill>
+                <a:latin typeface="-윤고딕330" panose="02030504000101010101" pitchFamily="18" charset="-127"/>
+                <a:ea typeface="-윤고딕330" panose="02030504000101010101" pitchFamily="18" charset="-127"/>
+              </a:rPr>
+              <a:t>프로젝트 후기</a:t>
+            </a:r>
+            <a:endParaRPr lang="en-US" sz="2800" dirty="0">
+              <a:solidFill>
+                <a:schemeClr val="bg1"/>
+              </a:solidFill>
+              <a:latin typeface="-윤고딕330" panose="02030504000101010101" pitchFamily="18" charset="-127"/>
+              <a:ea typeface="-윤고딕330" panose="02030504000101010101" pitchFamily="18" charset="-127"/>
+            </a:endParaRPr>
+          </a:p>
+        </p:txBody>
+      </p:sp>
+      <p:grpSp>
+        <p:nvGrpSpPr>
+          <p:cNvPr id="10" name="그룹 1007"/>
+          <p:cNvGrpSpPr/>
+          <p:nvPr/>
+        </p:nvGrpSpPr>
+        <p:grpSpPr>
+          <a:xfrm>
+            <a:off x="414000" y="378000"/>
+            <a:ext cx="860400" cy="1029600"/>
+            <a:chOff x="13756068" y="3437184"/>
+            <a:chExt cx="2282669" cy="2735570"/>
+          </a:xfrm>
+        </p:grpSpPr>
+        <p:pic>
+          <p:nvPicPr>
+            <p:cNvPr id="11" name="Object 34"/>
+            <p:cNvPicPr>
+              <a:picLocks noChangeAspect="1"/>
+            </p:cNvPicPr>
+            <p:nvPr/>
+          </p:nvPicPr>
+          <p:blipFill>
+            <a:blip r:embed="rId3" cstate="print"/>
+            <a:stretch>
+              <a:fillRect/>
+            </a:stretch>
+          </p:blipFill>
+          <p:spPr>
+            <a:xfrm>
+              <a:off x="13756068" y="3437184"/>
+              <a:ext cx="2282669" cy="2735570"/>
+            </a:xfrm>
+            <a:prstGeom prst="rect">
+              <a:avLst/>
+            </a:prstGeom>
+          </p:spPr>
+        </p:pic>
+      </p:grpSp>
+    </p:spTree>
+    <p:extLst>
+      <p:ext uri="{BB962C8B-B14F-4D97-AF65-F5344CB8AC3E}">
+        <p14:creationId xmlns:p14="http://schemas.microsoft.com/office/powerpoint/2010/main" val="3701378609"/>
+      </p:ext>
+    </p:extLst>
+  </p:cSld>
+  <p:clrMapOvr>
+    <a:masterClrMapping/>
+  </p:clrMapOvr>
+  <p:timing>
+    <p:tnLst>
+      <p:par>
+        <p:cTn id="1" dur="indefinite" restart="never" nodeType="tmRoot"/>
+      </p:par>
+    </p:tnLst>
+  </p:timing>
+</p:sld>
+</file>
+
+<file path=ppt/slides/slide25.xml><?xml version="1.0" encoding="utf-8"?>
+<p:sld xmlns:a="http://schemas.openxmlformats.org/drawingml/2006/main" xmlns:r="http://schemas.openxmlformats.org/officeDocument/2006/relationships" xmlns:p="http://schemas.openxmlformats.org/presentationml/2006/main">
+  <p:cSld name="Slide 14">
+    <p:bg>
+      <p:bgPr>
+        <a:solidFill>
+          <a:srgbClr val="FFFFFF"/>
+        </a:solidFill>
+        <a:effectLst/>
+      </p:bgPr>
+    </p:bg>
+    <p:spTree>
+      <p:nvGrpSpPr>
+        <p:cNvPr id="1" name=""/>
+        <p:cNvGrpSpPr/>
+        <p:nvPr/>
+      </p:nvGrpSpPr>
+      <p:grpSpPr>
+        <a:xfrm>
+          <a:off x="0" y="0"/>
+          <a:ext cx="0" cy="0"/>
+          <a:chOff x="0" y="0"/>
+          <a:chExt cx="0" cy="0"/>
+        </a:xfrm>
+      </p:grpSpPr>
+      <p:sp>
+        <p:nvSpPr>
+          <p:cNvPr id="2" name="Object 2"/>
+          <p:cNvSpPr txBox="1"/>
+          <p:nvPr/>
+        </p:nvSpPr>
+        <p:spPr>
+          <a:xfrm>
+            <a:off x="3141367" y="4217276"/>
+            <a:ext cx="12002981" cy="2190156"/>
+          </a:xfrm>
+          <a:prstGeom prst="rect">
+            <a:avLst/>
+          </a:prstGeom>
+          <a:noFill/>
+        </p:spPr>
+        <p:txBody>
+          <a:bodyPr wrap="square" rtlCol="0" anchor="t">
+            <a:spAutoFit/>
+          </a:bodyPr>
+          <a:lstStyle/>
+          <a:p>
+            <a:pPr algn="ctr"/>
+            <a:r>
+              <a:rPr lang="en-US" sz="8200" kern="0" spc="-300" dirty="0" smtClean="0">
+                <a:solidFill>
+                  <a:srgbClr val="2FA599"/>
+                </a:solidFill>
+                <a:latin typeface="Gmarket Sans Bold" pitchFamily="34" charset="0"/>
+                <a:cs typeface="Gmarket Sans Bold" pitchFamily="34" charset="0"/>
+              </a:rPr>
+              <a:t>Thank</a:t>
+            </a:r>
+            <a:r>
+              <a:rPr lang="en-US" sz="8200" kern="0" spc="-300" dirty="0" smtClean="0">
+                <a:solidFill>
+                  <a:srgbClr val="1C2F69"/>
+                </a:solidFill>
+                <a:latin typeface="Gmarket Sans Bold" pitchFamily="34" charset="0"/>
+                <a:cs typeface="Gmarket Sans Bold" pitchFamily="34" charset="0"/>
+              </a:rPr>
+              <a:t> You!</a:t>
+            </a:r>
+            <a:endParaRPr lang="en-US" dirty="0"/>
+          </a:p>
+        </p:txBody>
+      </p:sp>
+      <p:grpSp>
+        <p:nvGrpSpPr>
+          <p:cNvPr id="1001" name="그룹 1001"/>
+          <p:cNvGrpSpPr/>
+          <p:nvPr/>
+        </p:nvGrpSpPr>
+        <p:grpSpPr>
+          <a:xfrm>
+            <a:off x="5956770" y="5415275"/>
+            <a:ext cx="6372173" cy="493714"/>
+            <a:chOff x="5956770" y="5415275"/>
+            <a:chExt cx="6372173" cy="493714"/>
+          </a:xfrm>
+        </p:grpSpPr>
+        <p:pic>
+          <p:nvPicPr>
+            <p:cNvPr id="5" name="Object 4"/>
+            <p:cNvPicPr>
+              <a:picLocks noChangeAspect="1"/>
+            </p:cNvPicPr>
+            <p:nvPr/>
+          </p:nvPicPr>
+          <p:blipFill>
+            <a:blip r:embed="rId2" cstate="print"/>
+            <a:stretch>
+              <a:fillRect/>
+            </a:stretch>
+          </p:blipFill>
+          <p:spPr>
+            <a:xfrm>
+              <a:off x="5956770" y="5415275"/>
+              <a:ext cx="6372173" cy="493714"/>
+            </a:xfrm>
+            <a:prstGeom prst="rect">
+              <a:avLst/>
+            </a:prstGeom>
+          </p:spPr>
+        </p:pic>
+      </p:grpSp>
+      <p:grpSp>
+        <p:nvGrpSpPr>
+          <p:cNvPr id="1002" name="그룹 1002"/>
+          <p:cNvGrpSpPr/>
+          <p:nvPr/>
+        </p:nvGrpSpPr>
+        <p:grpSpPr>
+          <a:xfrm>
+            <a:off x="12328944" y="4936710"/>
+            <a:ext cx="719110" cy="798125"/>
+            <a:chOff x="12328944" y="4936710"/>
+            <a:chExt cx="719110" cy="798125"/>
+          </a:xfrm>
+        </p:grpSpPr>
+        <p:pic>
+          <p:nvPicPr>
+            <p:cNvPr id="8" name="Object 7"/>
+            <p:cNvPicPr>
+              <a:picLocks noChangeAspect="1"/>
+            </p:cNvPicPr>
+            <p:nvPr/>
+          </p:nvPicPr>
+          <p:blipFill>
+            <a:blip r:embed="rId3" cstate="print"/>
+            <a:stretch>
+              <a:fillRect/>
+            </a:stretch>
+          </p:blipFill>
+          <p:spPr>
+            <a:xfrm>
+              <a:off x="12328944" y="4936710"/>
+              <a:ext cx="719110" cy="798125"/>
+            </a:xfrm>
+            <a:prstGeom prst="rect">
+              <a:avLst/>
+            </a:prstGeom>
+          </p:spPr>
+        </p:pic>
+      </p:grpSp>
+    </p:spTree>
+  </p:cSld>
+  <p:clrMapOvr>
+    <a:masterClrMapping/>
+  </p:clrMapOvr>
+  <p:timing>
+    <p:tnLst>
+      <p:par>
+        <p:cTn id="1" dur="indefinite" restart="never" nodeType="tmRoot"/>
+      </p:par>
+    </p:tnLst>
+  </p:timing>
+</p:sld>
+</file>
+
 <file path=ppt/slides/slide3.xml><?xml version="1.0" encoding="utf-8"?>
 <p:sld xmlns:a="http://schemas.openxmlformats.org/drawingml/2006/main" xmlns:r="http://schemas.openxmlformats.org/officeDocument/2006/relationships" xmlns:p="http://schemas.openxmlformats.org/presentationml/2006/main">
   <p:cSld name="Slide 4">
@@ -7513,17 +10664,7 @@
                 <a:latin typeface="-윤고딕330" panose="02030504000101010101" pitchFamily="18" charset="-127"/>
                 <a:ea typeface="-윤고딕330" panose="02030504000101010101" pitchFamily="18" charset="-127"/>
               </a:rPr>
-              <a:t>프로젝트 </a:t>
-            </a:r>
-            <a:r>
-              <a:rPr lang="ko-KR" altLang="en-US" sz="2800" smtClean="0">
-                <a:solidFill>
-                  <a:schemeClr val="bg1"/>
-                </a:solidFill>
-                <a:latin typeface="-윤고딕330" panose="02030504000101010101" pitchFamily="18" charset="-127"/>
-                <a:ea typeface="-윤고딕330" panose="02030504000101010101" pitchFamily="18" charset="-127"/>
-              </a:rPr>
-              <a:t>개요 및 업무 담당</a:t>
+              <a:t>프로젝트 개요 및 업무 담당</a:t>
             </a:r>
             <a:endParaRPr lang="en-US" sz="2800" dirty="0">
               <a:solidFill>
@@ -14324,6 +17465,193 @@
         <p:grpSpPr>
           <a:xfrm>
             <a:off x="1063159" y="637116"/>
+            <a:ext cx="16767641" cy="622842"/>
+            <a:chOff x="1063158" y="637116"/>
+            <a:chExt cx="17297635" cy="622842"/>
+          </a:xfrm>
+        </p:grpSpPr>
+        <p:pic>
+          <p:nvPicPr>
+            <p:cNvPr id="6" name="Object 5"/>
+            <p:cNvPicPr>
+              <a:picLocks noChangeAspect="1"/>
+            </p:cNvPicPr>
+            <p:nvPr/>
+          </p:nvPicPr>
+          <p:blipFill>
+            <a:blip r:embed="rId2" cstate="print"/>
+            <a:stretch>
+              <a:fillRect/>
+            </a:stretch>
+          </p:blipFill>
+          <p:spPr>
+            <a:xfrm>
+              <a:off x="1063158" y="637116"/>
+              <a:ext cx="17297635" cy="622842"/>
+            </a:xfrm>
+            <a:prstGeom prst="rect">
+              <a:avLst/>
+            </a:prstGeom>
+          </p:spPr>
+        </p:pic>
+      </p:grpSp>
+      <p:sp>
+        <p:nvSpPr>
+          <p:cNvPr id="8" name="Object 8"/>
+          <p:cNvSpPr txBox="1"/>
+          <p:nvPr/>
+        </p:nvSpPr>
+        <p:spPr>
+          <a:xfrm>
+            <a:off x="1524000" y="687972"/>
+            <a:ext cx="6248400" cy="523220"/>
+          </a:xfrm>
+          <a:prstGeom prst="rect">
+            <a:avLst/>
+          </a:prstGeom>
+          <a:noFill/>
+        </p:spPr>
+        <p:txBody>
+          <a:bodyPr wrap="square" rtlCol="0" anchor="t">
+            <a:spAutoFit/>
+          </a:bodyPr>
+          <a:lstStyle/>
+          <a:p>
+            <a:r>
+              <a:rPr lang="ko-KR" altLang="en-US" sz="2800" smtClean="0">
+                <a:solidFill>
+                  <a:schemeClr val="bg1"/>
+                </a:solidFill>
+                <a:latin typeface="-윤고딕330" panose="02030504000101010101" pitchFamily="18" charset="-127"/>
+                <a:ea typeface="-윤고딕330" panose="02030504000101010101" pitchFamily="18" charset="-127"/>
+              </a:rPr>
+              <a:t>스토리보드</a:t>
+            </a:r>
+            <a:endParaRPr lang="en-US" sz="2800" dirty="0">
+              <a:solidFill>
+                <a:schemeClr val="bg1"/>
+              </a:solidFill>
+              <a:latin typeface="-윤고딕330" panose="02030504000101010101" pitchFamily="18" charset="-127"/>
+              <a:ea typeface="-윤고딕330" panose="02030504000101010101" pitchFamily="18" charset="-127"/>
+            </a:endParaRPr>
+          </a:p>
+        </p:txBody>
+      </p:sp>
+      <p:grpSp>
+        <p:nvGrpSpPr>
+          <p:cNvPr id="1003" name="그룹 1003"/>
+          <p:cNvGrpSpPr/>
+          <p:nvPr/>
+        </p:nvGrpSpPr>
+        <p:grpSpPr>
+          <a:xfrm>
+            <a:off x="412695" y="376314"/>
+            <a:ext cx="859607" cy="1030160"/>
+            <a:chOff x="412695" y="376314"/>
+            <a:chExt cx="859607" cy="1030160"/>
+          </a:xfrm>
+        </p:grpSpPr>
+        <p:pic>
+          <p:nvPicPr>
+            <p:cNvPr id="10" name="Object 9"/>
+            <p:cNvPicPr>
+              <a:picLocks noChangeAspect="1"/>
+            </p:cNvPicPr>
+            <p:nvPr/>
+          </p:nvPicPr>
+          <p:blipFill>
+            <a:blip r:embed="rId3" cstate="print"/>
+            <a:stretch>
+              <a:fillRect/>
+            </a:stretch>
+          </p:blipFill>
+          <p:spPr>
+            <a:xfrm>
+              <a:off x="412695" y="376314"/>
+              <a:ext cx="859607" cy="1030160"/>
+            </a:xfrm>
+            <a:prstGeom prst="rect">
+              <a:avLst/>
+            </a:prstGeom>
+          </p:spPr>
+        </p:pic>
+      </p:grpSp>
+      <p:pic>
+        <p:nvPicPr>
+          <p:cNvPr id="2" name="그림 1"/>
+          <p:cNvPicPr>
+            <a:picLocks noChangeAspect="1"/>
+          </p:cNvPicPr>
+          <p:nvPr/>
+        </p:nvPicPr>
+        <p:blipFill>
+          <a:blip r:embed="rId4">
+            <a:extLst>
+              <a:ext uri="{28A0092B-C50C-407E-A947-70E740481C1C}">
+                <a14:useLocalDpi xmlns:a14="http://schemas.microsoft.com/office/drawing/2010/main" val="0"/>
+              </a:ext>
+            </a:extLst>
+          </a:blip>
+          <a:stretch>
+            <a:fillRect/>
+          </a:stretch>
+        </p:blipFill>
+        <p:spPr>
+          <a:xfrm>
+            <a:off x="1981200" y="1314080"/>
+            <a:ext cx="14097000" cy="8644202"/>
+          </a:xfrm>
+          <a:prstGeom prst="rect">
+            <a:avLst/>
+          </a:prstGeom>
+        </p:spPr>
+      </p:pic>
+    </p:spTree>
+    <p:extLst>
+      <p:ext uri="{BB962C8B-B14F-4D97-AF65-F5344CB8AC3E}">
+        <p14:creationId xmlns:p14="http://schemas.microsoft.com/office/powerpoint/2010/main" val="4288372638"/>
+      </p:ext>
+    </p:extLst>
+  </p:cSld>
+  <p:clrMapOvr>
+    <a:masterClrMapping/>
+  </p:clrMapOvr>
+  <p:timing>
+    <p:tnLst>
+      <p:par>
+        <p:cTn id="1" dur="indefinite" restart="never" nodeType="tmRoot"/>
+      </p:par>
+    </p:tnLst>
+  </p:timing>
+</p:sld>
+</file>
+
+<file path=ppt/slides/slide7.xml><?xml version="1.0" encoding="utf-8"?>
+<p:sld xmlns:a="http://schemas.openxmlformats.org/drawingml/2006/main" xmlns:r="http://schemas.openxmlformats.org/officeDocument/2006/relationships" xmlns:p="http://schemas.openxmlformats.org/presentationml/2006/main">
+  <p:cSld>
+    <p:spTree>
+      <p:nvGrpSpPr>
+        <p:cNvPr id="1" name=""/>
+        <p:cNvGrpSpPr/>
+        <p:nvPr/>
+      </p:nvGrpSpPr>
+      <p:grpSpPr>
+        <a:xfrm>
+          <a:off x="0" y="0"/>
+          <a:ext cx="0" cy="0"/>
+          <a:chOff x="0" y="0"/>
+          <a:chExt cx="0" cy="0"/>
+        </a:xfrm>
+      </p:grpSpPr>
+      <p:grpSp>
+        <p:nvGrpSpPr>
+          <p:cNvPr id="1002" name="그룹 1002"/>
+          <p:cNvGrpSpPr/>
+          <p:nvPr/>
+        </p:nvGrpSpPr>
+        <p:grpSpPr>
+          <a:xfrm>
+            <a:off x="1063159" y="637116"/>
             <a:ext cx="16767642" cy="622842"/>
             <a:chOff x="1063158" y="637116"/>
             <a:chExt cx="17297635" cy="622842"/>
@@ -14485,7 +17813,7 @@
 </p:sld>
 </file>
 
-<file path=ppt/slides/slide7.xml><?xml version="1.0" encoding="utf-8"?>
+<file path=ppt/slides/slide8.xml><?xml version="1.0" encoding="utf-8"?>
 <p:sld xmlns:a="http://schemas.openxmlformats.org/drawingml/2006/main" xmlns:r="http://schemas.openxmlformats.org/officeDocument/2006/relationships" xmlns:p="http://schemas.openxmlformats.org/presentationml/2006/main">
   <p:cSld>
     <p:spTree>
@@ -15217,7 +18545,7 @@
 </p:sld>
 </file>
 
-<file path=ppt/slides/slide8.xml><?xml version="1.0" encoding="utf-8"?>
+<file path=ppt/slides/slide9.xml><?xml version="1.0" encoding="utf-8"?>
 <p:sld xmlns:a="http://schemas.openxmlformats.org/drawingml/2006/main" xmlns:r="http://schemas.openxmlformats.org/officeDocument/2006/relationships" xmlns:p="http://schemas.openxmlformats.org/presentationml/2006/main">
   <p:cSld>
     <p:spTree>
@@ -15303,17 +18631,7 @@
                 <a:latin typeface="-윤고딕330" panose="02030504000101010101" pitchFamily="18" charset="-127"/>
                 <a:ea typeface="-윤고딕330" panose="02030504000101010101" pitchFamily="18" charset="-127"/>
               </a:rPr>
-              <a:t>Sequence</a:t>
-            </a:r>
-            <a:r>
-              <a:rPr lang="en-US" sz="2800" smtClean="0">
-                <a:solidFill>
-                  <a:schemeClr val="bg1"/>
-                </a:solidFill>
-                <a:latin typeface="-윤고딕330" panose="02030504000101010101" pitchFamily="18" charset="-127"/>
-                <a:ea typeface="-윤고딕330" panose="02030504000101010101" pitchFamily="18" charset="-127"/>
-              </a:rPr>
-              <a:t> Diagram</a:t>
+              <a:t>Sequence Diagram</a:t>
             </a:r>
             <a:endParaRPr lang="en-US" sz="2800" dirty="0">
               <a:solidFill>
@@ -15398,283 +18716,6 @@
     <p:extLst>
       <p:ext uri="{BB962C8B-B14F-4D97-AF65-F5344CB8AC3E}">
         <p14:creationId xmlns:p14="http://schemas.microsoft.com/office/powerpoint/2010/main" val="168946032"/>
-      </p:ext>
-    </p:extLst>
-  </p:cSld>
-  <p:clrMapOvr>
-    <a:masterClrMapping/>
-  </p:clrMapOvr>
-  <p:timing>
-    <p:tnLst>
-      <p:par>
-        <p:cTn id="1" dur="indefinite" restart="never" nodeType="tmRoot"/>
-      </p:par>
-    </p:tnLst>
-  </p:timing>
-</p:sld>
-</file>
-
-<file path=ppt/slides/slide9.xml><?xml version="1.0" encoding="utf-8"?>
-<p:sld xmlns:a="http://schemas.openxmlformats.org/drawingml/2006/main" xmlns:r="http://schemas.openxmlformats.org/officeDocument/2006/relationships" xmlns:p="http://schemas.openxmlformats.org/presentationml/2006/main">
-  <p:cSld>
-    <p:spTree>
-      <p:nvGrpSpPr>
-        <p:cNvPr id="1" name=""/>
-        <p:cNvGrpSpPr/>
-        <p:nvPr/>
-      </p:nvGrpSpPr>
-      <p:grpSpPr>
-        <a:xfrm>
-          <a:off x="0" y="0"/>
-          <a:ext cx="0" cy="0"/>
-          <a:chOff x="0" y="0"/>
-          <a:chExt cx="0" cy="0"/>
-        </a:xfrm>
-      </p:grpSpPr>
-      <p:grpSp>
-        <p:nvGrpSpPr>
-          <p:cNvPr id="1002" name="그룹 1002"/>
-          <p:cNvGrpSpPr/>
-          <p:nvPr/>
-        </p:nvGrpSpPr>
-        <p:grpSpPr>
-          <a:xfrm>
-            <a:off x="1063159" y="637116"/>
-            <a:ext cx="16767642" cy="622842"/>
-            <a:chOff x="1063158" y="637116"/>
-            <a:chExt cx="17297635" cy="622842"/>
-          </a:xfrm>
-        </p:grpSpPr>
-        <p:pic>
-          <p:nvPicPr>
-            <p:cNvPr id="6" name="Object 5"/>
-            <p:cNvPicPr>
-              <a:picLocks noChangeAspect="1"/>
-            </p:cNvPicPr>
-            <p:nvPr/>
-          </p:nvPicPr>
-          <p:blipFill>
-            <a:blip r:embed="rId2" cstate="print"/>
-            <a:stretch>
-              <a:fillRect/>
-            </a:stretch>
-          </p:blipFill>
-          <p:spPr>
-            <a:xfrm>
-              <a:off x="1063158" y="637116"/>
-              <a:ext cx="17297635" cy="622842"/>
-            </a:xfrm>
-            <a:prstGeom prst="rect">
-              <a:avLst/>
-            </a:prstGeom>
-          </p:spPr>
-        </p:pic>
-      </p:grpSp>
-      <p:sp>
-        <p:nvSpPr>
-          <p:cNvPr id="7" name="Object 8"/>
-          <p:cNvSpPr txBox="1"/>
-          <p:nvPr/>
-        </p:nvSpPr>
-        <p:spPr>
-          <a:xfrm>
-            <a:off x="1524000" y="687972"/>
-            <a:ext cx="3172412" cy="523220"/>
-          </a:xfrm>
-          <a:prstGeom prst="rect">
-            <a:avLst/>
-          </a:prstGeom>
-          <a:noFill/>
-        </p:spPr>
-        <p:txBody>
-          <a:bodyPr wrap="square" rtlCol="0" anchor="t">
-            <a:spAutoFit/>
-          </a:bodyPr>
-          <a:lstStyle/>
-          <a:p>
-            <a:r>
-              <a:rPr lang="en-US" altLang="ko-KR" sz="2800" smtClean="0">
-                <a:solidFill>
-                  <a:schemeClr val="bg1"/>
-                </a:solidFill>
-                <a:latin typeface="-윤고딕330" panose="02030504000101010101" pitchFamily="18" charset="-127"/>
-                <a:ea typeface="-윤고딕330" panose="02030504000101010101" pitchFamily="18" charset="-127"/>
-              </a:rPr>
-              <a:t>ER Diagram</a:t>
-            </a:r>
-            <a:endParaRPr lang="en-US" sz="2800" dirty="0">
-              <a:solidFill>
-                <a:schemeClr val="bg1"/>
-              </a:solidFill>
-              <a:latin typeface="-윤고딕330" panose="02030504000101010101" pitchFamily="18" charset="-127"/>
-              <a:ea typeface="-윤고딕330" panose="02030504000101010101" pitchFamily="18" charset="-127"/>
-            </a:endParaRPr>
-          </a:p>
-        </p:txBody>
-      </p:sp>
-      <p:grpSp>
-        <p:nvGrpSpPr>
-          <p:cNvPr id="10" name="그룹 1007"/>
-          <p:cNvGrpSpPr/>
-          <p:nvPr/>
-        </p:nvGrpSpPr>
-        <p:grpSpPr>
-          <a:xfrm>
-            <a:off x="414000" y="378000"/>
-            <a:ext cx="860400" cy="1029600"/>
-            <a:chOff x="13756068" y="3437184"/>
-            <a:chExt cx="2282669" cy="2735570"/>
-          </a:xfrm>
-        </p:grpSpPr>
-        <p:pic>
-          <p:nvPicPr>
-            <p:cNvPr id="11" name="Object 34"/>
-            <p:cNvPicPr>
-              <a:picLocks noChangeAspect="1"/>
-            </p:cNvPicPr>
-            <p:nvPr/>
-          </p:nvPicPr>
-          <p:blipFill>
-            <a:blip r:embed="rId3" cstate="print"/>
-            <a:stretch>
-              <a:fillRect/>
-            </a:stretch>
-          </p:blipFill>
-          <p:spPr>
-            <a:xfrm>
-              <a:off x="13756068" y="3437184"/>
-              <a:ext cx="2282669" cy="2735570"/>
-            </a:xfrm>
-            <a:prstGeom prst="rect">
-              <a:avLst/>
-            </a:prstGeom>
-          </p:spPr>
-        </p:pic>
-      </p:grpSp>
-      <p:pic>
-        <p:nvPicPr>
-          <p:cNvPr id="2" name="그림 1"/>
-          <p:cNvPicPr>
-            <a:picLocks/>
-          </p:cNvPicPr>
-          <p:nvPr/>
-        </p:nvPicPr>
-        <p:blipFill>
-          <a:blip r:embed="rId4">
-            <a:extLst>
-              <a:ext uri="{28A0092B-C50C-407E-A947-70E740481C1C}">
-                <a14:useLocalDpi xmlns:a14="http://schemas.microsoft.com/office/drawing/2010/main" val="0"/>
-              </a:ext>
-            </a:extLst>
-          </a:blip>
-          <a:stretch>
-            <a:fillRect/>
-          </a:stretch>
-        </p:blipFill>
-        <p:spPr>
-          <a:xfrm>
-            <a:off x="10134600" y="3771627"/>
-            <a:ext cx="5760000" cy="4579200"/>
-          </a:xfrm>
-          <a:prstGeom prst="rect">
-            <a:avLst/>
-          </a:prstGeom>
-        </p:spPr>
-      </p:pic>
-      <p:pic>
-        <p:nvPicPr>
-          <p:cNvPr id="3" name="그림 2"/>
-          <p:cNvPicPr>
-            <a:picLocks noChangeAspect="1"/>
-          </p:cNvPicPr>
-          <p:nvPr/>
-        </p:nvPicPr>
-        <p:blipFill>
-          <a:blip r:embed="rId5">
-            <a:extLst>
-              <a:ext uri="{28A0092B-C50C-407E-A947-70E740481C1C}">
-                <a14:useLocalDpi xmlns:a14="http://schemas.microsoft.com/office/drawing/2010/main" val="0"/>
-              </a:ext>
-            </a:extLst>
-          </a:blip>
-          <a:stretch>
-            <a:fillRect/>
-          </a:stretch>
-        </p:blipFill>
-        <p:spPr>
-          <a:xfrm>
-            <a:off x="1551709" y="3771899"/>
-            <a:ext cx="5760000" cy="4578928"/>
-          </a:xfrm>
-          <a:prstGeom prst="rect">
-            <a:avLst/>
-          </a:prstGeom>
-        </p:spPr>
-      </p:pic>
-      <p:sp>
-        <p:nvSpPr>
-          <p:cNvPr id="4" name="TextBox 3"/>
-          <p:cNvSpPr txBox="1"/>
-          <p:nvPr/>
-        </p:nvSpPr>
-        <p:spPr>
-          <a:xfrm>
-            <a:off x="1572491" y="3009900"/>
-            <a:ext cx="1572491" cy="523220"/>
-          </a:xfrm>
-          <a:prstGeom prst="rect">
-            <a:avLst/>
-          </a:prstGeom>
-          <a:noFill/>
-        </p:spPr>
-        <p:txBody>
-          <a:bodyPr wrap="square" rtlCol="0">
-            <a:spAutoFit/>
-          </a:bodyPr>
-          <a:lstStyle/>
-          <a:p>
-            <a:r>
-              <a:rPr lang="en-US" altLang="ko-KR" sz="2800"/>
-              <a:t>Logical</a:t>
-            </a:r>
-            <a:endParaRPr lang="ko-KR" altLang="en-US" sz="2800"/>
-          </a:p>
-        </p:txBody>
-      </p:sp>
-      <p:sp>
-        <p:nvSpPr>
-          <p:cNvPr id="12" name="TextBox 11"/>
-          <p:cNvSpPr txBox="1"/>
-          <p:nvPr/>
-        </p:nvSpPr>
-        <p:spPr>
-          <a:xfrm>
-            <a:off x="10134600" y="3027218"/>
-            <a:ext cx="1572491" cy="523220"/>
-          </a:xfrm>
-          <a:prstGeom prst="rect">
-            <a:avLst/>
-          </a:prstGeom>
-          <a:noFill/>
-        </p:spPr>
-        <p:txBody>
-          <a:bodyPr wrap="square" rtlCol="0">
-            <a:spAutoFit/>
-          </a:bodyPr>
-          <a:lstStyle/>
-          <a:p>
-            <a:r>
-              <a:rPr lang="en-US" altLang="ko-KR" sz="2800"/>
-              <a:t>Physical</a:t>
-            </a:r>
-            <a:endParaRPr lang="ko-KR" altLang="en-US" sz="2800"/>
-          </a:p>
-        </p:txBody>
-      </p:sp>
-    </p:spTree>
-    <p:extLst>
-      <p:ext uri="{BB962C8B-B14F-4D97-AF65-F5344CB8AC3E}">
-        <p14:creationId xmlns:p14="http://schemas.microsoft.com/office/powerpoint/2010/main" val="274866387"/>
       </p:ext>
     </p:extLst>
   </p:cSld>
